--- a/lectures/3.1PrecedenceNKeywords/lecture.pptx
+++ b/lectures/3.1PrecedenceNKeywords/lecture.pptx
@@ -5,7 +5,7 @@
     <p:sldMasterId id="2147483648" r:id="rId1"/>
   </p:sldMasterIdLst>
   <p:notesMasterIdLst>
-    <p:notesMasterId r:id="rId12"/>
+    <p:notesMasterId r:id="rId11"/>
   </p:notesMasterIdLst>
   <p:sldIdLst>
     <p:sldId id="256" r:id="rId2"/>
@@ -17,7 +17,6 @@
     <p:sldId id="292" r:id="rId8"/>
     <p:sldId id="293" r:id="rId9"/>
     <p:sldId id="296" r:id="rId10"/>
-    <p:sldId id="294" r:id="rId11"/>
   </p:sldIdLst>
   <p:sldSz cx="12192000" cy="6858000"/>
   <p:notesSz cx="6858000" cy="9144000"/>
@@ -206,7 +205,7 @@
           <a:p>
             <a:fld id="{248031C6-E4B0-0444-A4A8-9CCE96EC2C9C}" type="datetimeFigureOut">
               <a:rPr lang="en-GB" smtClean="0"/>
-              <a:t>14/09/2018</a:t>
+              <a:t>17/09/2018</a:t>
             </a:fld>
             <a:endParaRPr lang="en-GB"/>
           </a:p>
@@ -906,7 +905,7 @@
           <a:p>
             <a:fld id="{66665395-52C5-5E4B-BB20-CD4E0BBC9899}" type="datetimeFigureOut">
               <a:rPr lang="en-GB" smtClean="0"/>
-              <a:t>14/09/2018</a:t>
+              <a:t>17/09/2018</a:t>
             </a:fld>
             <a:endParaRPr lang="en-GB"/>
           </a:p>
@@ -1106,7 +1105,7 @@
           <a:p>
             <a:fld id="{66665395-52C5-5E4B-BB20-CD4E0BBC9899}" type="datetimeFigureOut">
               <a:rPr lang="en-GB" smtClean="0"/>
-              <a:t>14/09/2018</a:t>
+              <a:t>17/09/2018</a:t>
             </a:fld>
             <a:endParaRPr lang="en-GB"/>
           </a:p>
@@ -1316,7 +1315,7 @@
           <a:p>
             <a:fld id="{66665395-52C5-5E4B-BB20-CD4E0BBC9899}" type="datetimeFigureOut">
               <a:rPr lang="en-GB" smtClean="0"/>
-              <a:t>14/09/2018</a:t>
+              <a:t>17/09/2018</a:t>
             </a:fld>
             <a:endParaRPr lang="en-GB"/>
           </a:p>
@@ -1516,7 +1515,7 @@
           <a:p>
             <a:fld id="{66665395-52C5-5E4B-BB20-CD4E0BBC9899}" type="datetimeFigureOut">
               <a:rPr lang="en-GB" smtClean="0"/>
-              <a:t>14/09/2018</a:t>
+              <a:t>17/09/2018</a:t>
             </a:fld>
             <a:endParaRPr lang="en-GB"/>
           </a:p>
@@ -1792,7 +1791,7 @@
           <a:p>
             <a:fld id="{66665395-52C5-5E4B-BB20-CD4E0BBC9899}" type="datetimeFigureOut">
               <a:rPr lang="en-GB" smtClean="0"/>
-              <a:t>14/09/2018</a:t>
+              <a:t>17/09/2018</a:t>
             </a:fld>
             <a:endParaRPr lang="en-GB"/>
           </a:p>
@@ -2060,7 +2059,7 @@
           <a:p>
             <a:fld id="{66665395-52C5-5E4B-BB20-CD4E0BBC9899}" type="datetimeFigureOut">
               <a:rPr lang="en-GB" smtClean="0"/>
-              <a:t>14/09/2018</a:t>
+              <a:t>17/09/2018</a:t>
             </a:fld>
             <a:endParaRPr lang="en-GB"/>
           </a:p>
@@ -2475,7 +2474,7 @@
           <a:p>
             <a:fld id="{66665395-52C5-5E4B-BB20-CD4E0BBC9899}" type="datetimeFigureOut">
               <a:rPr lang="en-GB" smtClean="0"/>
-              <a:t>14/09/2018</a:t>
+              <a:t>17/09/2018</a:t>
             </a:fld>
             <a:endParaRPr lang="en-GB"/>
           </a:p>
@@ -2617,7 +2616,7 @@
           <a:p>
             <a:fld id="{66665395-52C5-5E4B-BB20-CD4E0BBC9899}" type="datetimeFigureOut">
               <a:rPr lang="en-GB" smtClean="0"/>
-              <a:t>14/09/2018</a:t>
+              <a:t>17/09/2018</a:t>
             </a:fld>
             <a:endParaRPr lang="en-GB"/>
           </a:p>
@@ -2730,7 +2729,7 @@
           <a:p>
             <a:fld id="{66665395-52C5-5E4B-BB20-CD4E0BBC9899}" type="datetimeFigureOut">
               <a:rPr lang="en-GB" smtClean="0"/>
-              <a:t>14/09/2018</a:t>
+              <a:t>17/09/2018</a:t>
             </a:fld>
             <a:endParaRPr lang="en-GB"/>
           </a:p>
@@ -3043,7 +3042,7 @@
           <a:p>
             <a:fld id="{66665395-52C5-5E4B-BB20-CD4E0BBC9899}" type="datetimeFigureOut">
               <a:rPr lang="en-GB" smtClean="0"/>
-              <a:t>14/09/2018</a:t>
+              <a:t>17/09/2018</a:t>
             </a:fld>
             <a:endParaRPr lang="en-GB"/>
           </a:p>
@@ -3332,7 +3331,7 @@
           <a:p>
             <a:fld id="{66665395-52C5-5E4B-BB20-CD4E0BBC9899}" type="datetimeFigureOut">
               <a:rPr lang="en-GB" smtClean="0"/>
-              <a:t>14/09/2018</a:t>
+              <a:t>17/09/2018</a:t>
             </a:fld>
             <a:endParaRPr lang="en-GB"/>
           </a:p>
@@ -3575,7 +3574,7 @@
           <a:p>
             <a:fld id="{66665395-52C5-5E4B-BB20-CD4E0BBC9899}" type="datetimeFigureOut">
               <a:rPr lang="en-GB" smtClean="0"/>
-              <a:t>14/09/2018</a:t>
+              <a:t>17/09/2018</a:t>
             </a:fld>
             <a:endParaRPr lang="en-GB"/>
           </a:p>
@@ -4043,8 +4042,13 @@
           <a:p>
             <a:r>
               <a:rPr lang="da-DK" dirty="0"/>
-              <a:t>3.1: Præcedens, association og funktioner</a:t>
-            </a:r>
+              <a:t>3.1: Præcedens, association </a:t>
+            </a:r>
+            <a:r>
+              <a:rPr lang="da-DK"/>
+              <a:t>og virkefelter</a:t>
+            </a:r>
+            <a:endParaRPr lang="da-DK" dirty="0"/>
           </a:p>
         </p:txBody>
       </p:sp>
@@ -4052,865 +4056,6 @@
     <p:extLst>
       <p:ext uri="{BB962C8B-B14F-4D97-AF65-F5344CB8AC3E}">
         <p14:creationId xmlns:p14="http://schemas.microsoft.com/office/powerpoint/2010/main" val="780279555"/>
-      </p:ext>
-    </p:extLst>
-  </p:cSld>
-  <p:clrMapOvr>
-    <a:masterClrMapping/>
-  </p:clrMapOvr>
-</p:sld>
-</file>
-
-<file path=ppt/slides/slide10.xml><?xml version="1.0" encoding="utf-8"?>
-<p:sld xmlns:a="http://schemas.openxmlformats.org/drawingml/2006/main" xmlns:r="http://schemas.openxmlformats.org/officeDocument/2006/relationships" xmlns:p="http://schemas.openxmlformats.org/presentationml/2006/main">
-  <p:cSld>
-    <p:spTree>
-      <p:nvGrpSpPr>
-        <p:cNvPr id="1" name=""/>
-        <p:cNvGrpSpPr/>
-        <p:nvPr/>
-      </p:nvGrpSpPr>
-      <p:grpSpPr>
-        <a:xfrm>
-          <a:off x="0" y="0"/>
-          <a:ext cx="0" cy="0"/>
-          <a:chOff x="0" y="0"/>
-          <a:chExt cx="0" cy="0"/>
-        </a:xfrm>
-      </p:grpSpPr>
-      <p:sp>
-        <p:nvSpPr>
-          <p:cNvPr id="2" name="Title 1">
-            <a:extLst>
-              <a:ext uri="{FF2B5EF4-FFF2-40B4-BE49-F238E27FC236}">
-                <a16:creationId xmlns:a16="http://schemas.microsoft.com/office/drawing/2014/main" id="{83641885-65BE-294A-AC00-AFBE12CF87FF}"/>
-              </a:ext>
-            </a:extLst>
-          </p:cNvPr>
-          <p:cNvSpPr>
-            <a:spLocks noGrp="1"/>
-          </p:cNvSpPr>
-          <p:nvPr>
-            <p:ph type="title"/>
-          </p:nvPr>
-        </p:nvSpPr>
-        <p:spPr/>
-        <p:txBody>
-          <a:bodyPr/>
-          <a:lstStyle/>
-          <a:p>
-            <a:r>
-              <a:rPr lang="en-GB" dirty="0" err="1"/>
-              <a:t>Funktioner</a:t>
-            </a:r>
-            <a:endParaRPr lang="en-GB" dirty="0"/>
-          </a:p>
-        </p:txBody>
-      </p:sp>
-      <p:sp>
-        <p:nvSpPr>
-          <p:cNvPr id="4" name="Content Placeholder 2">
-            <a:extLst>
-              <a:ext uri="{FF2B5EF4-FFF2-40B4-BE49-F238E27FC236}">
-                <a16:creationId xmlns:a16="http://schemas.microsoft.com/office/drawing/2014/main" id="{848137C9-E160-A642-9953-B62FC27B65C7}"/>
-              </a:ext>
-            </a:extLst>
-          </p:cNvPr>
-          <p:cNvSpPr txBox="1">
-            <a:spLocks/>
-          </p:cNvSpPr>
-          <p:nvPr/>
-        </p:nvSpPr>
-        <p:spPr>
-          <a:xfrm>
-            <a:off x="1447189" y="2054629"/>
-            <a:ext cx="3929153" cy="2019829"/>
-          </a:xfrm>
-          <a:prstGeom prst="rect">
-            <a:avLst/>
-          </a:prstGeom>
-        </p:spPr>
-        <p:txBody>
-          <a:bodyPr vert="horz" lIns="91440" tIns="45720" rIns="91440" bIns="45720" rtlCol="0">
-            <a:normAutofit/>
-          </a:bodyPr>
-          <a:lstStyle>
-            <a:lvl1pPr marL="228600" indent="-228600" algn="l" defTabSz="914400" rtl="0" eaLnBrk="1" latinLnBrk="0" hangingPunct="1">
-              <a:lnSpc>
-                <a:spcPct val="90000"/>
-              </a:lnSpc>
-              <a:spcBef>
-                <a:spcPts val="1000"/>
-              </a:spcBef>
-              <a:buFont typeface="Arial" panose="020B0604020202020204" pitchFamily="34" charset="0"/>
-              <a:buChar char="•"/>
-              <a:defRPr sz="2800" kern="1200">
-                <a:solidFill>
-                  <a:schemeClr val="tx1"/>
-                </a:solidFill>
-                <a:latin typeface="+mn-lt"/>
-                <a:ea typeface="+mn-ea"/>
-                <a:cs typeface="+mn-cs"/>
-              </a:defRPr>
-            </a:lvl1pPr>
-            <a:lvl2pPr marL="685800" indent="-228600" algn="l" defTabSz="914400" rtl="0" eaLnBrk="1" latinLnBrk="0" hangingPunct="1">
-              <a:lnSpc>
-                <a:spcPct val="90000"/>
-              </a:lnSpc>
-              <a:spcBef>
-                <a:spcPts val="500"/>
-              </a:spcBef>
-              <a:buFont typeface="Arial" panose="020B0604020202020204" pitchFamily="34" charset="0"/>
-              <a:buChar char="•"/>
-              <a:defRPr sz="2400" kern="1200">
-                <a:solidFill>
-                  <a:schemeClr val="tx1"/>
-                </a:solidFill>
-                <a:latin typeface="+mn-lt"/>
-                <a:ea typeface="+mn-ea"/>
-                <a:cs typeface="+mn-cs"/>
-              </a:defRPr>
-            </a:lvl2pPr>
-            <a:lvl3pPr marL="1143000" indent="-228600" algn="l" defTabSz="914400" rtl="0" eaLnBrk="1" latinLnBrk="0" hangingPunct="1">
-              <a:lnSpc>
-                <a:spcPct val="90000"/>
-              </a:lnSpc>
-              <a:spcBef>
-                <a:spcPts val="500"/>
-              </a:spcBef>
-              <a:buFont typeface="Arial" panose="020B0604020202020204" pitchFamily="34" charset="0"/>
-              <a:buChar char="•"/>
-              <a:defRPr sz="2000" kern="1200">
-                <a:solidFill>
-                  <a:schemeClr val="tx1"/>
-                </a:solidFill>
-                <a:latin typeface="+mn-lt"/>
-                <a:ea typeface="+mn-ea"/>
-                <a:cs typeface="+mn-cs"/>
-              </a:defRPr>
-            </a:lvl3pPr>
-            <a:lvl4pPr marL="1600200" indent="-228600" algn="l" defTabSz="914400" rtl="0" eaLnBrk="1" latinLnBrk="0" hangingPunct="1">
-              <a:lnSpc>
-                <a:spcPct val="90000"/>
-              </a:lnSpc>
-              <a:spcBef>
-                <a:spcPts val="500"/>
-              </a:spcBef>
-              <a:buFont typeface="Arial" panose="020B0604020202020204" pitchFamily="34" charset="0"/>
-              <a:buChar char="•"/>
-              <a:defRPr sz="1800" kern="1200">
-                <a:solidFill>
-                  <a:schemeClr val="tx1"/>
-                </a:solidFill>
-                <a:latin typeface="+mn-lt"/>
-                <a:ea typeface="+mn-ea"/>
-                <a:cs typeface="+mn-cs"/>
-              </a:defRPr>
-            </a:lvl4pPr>
-            <a:lvl5pPr marL="2057400" indent="-228600" algn="l" defTabSz="914400" rtl="0" eaLnBrk="1" latinLnBrk="0" hangingPunct="1">
-              <a:lnSpc>
-                <a:spcPct val="90000"/>
-              </a:lnSpc>
-              <a:spcBef>
-                <a:spcPts val="500"/>
-              </a:spcBef>
-              <a:buFont typeface="Arial" panose="020B0604020202020204" pitchFamily="34" charset="0"/>
-              <a:buChar char="•"/>
-              <a:defRPr sz="1800" kern="1200">
-                <a:solidFill>
-                  <a:schemeClr val="tx1"/>
-                </a:solidFill>
-                <a:latin typeface="+mn-lt"/>
-                <a:ea typeface="+mn-ea"/>
-                <a:cs typeface="+mn-cs"/>
-              </a:defRPr>
-            </a:lvl5pPr>
-            <a:lvl6pPr marL="2514600" indent="-228600" algn="l" defTabSz="914400" rtl="0" eaLnBrk="1" latinLnBrk="0" hangingPunct="1">
-              <a:lnSpc>
-                <a:spcPct val="90000"/>
-              </a:lnSpc>
-              <a:spcBef>
-                <a:spcPts val="500"/>
-              </a:spcBef>
-              <a:buFont typeface="Arial" panose="020B0604020202020204" pitchFamily="34" charset="0"/>
-              <a:buChar char="•"/>
-              <a:defRPr sz="1800" kern="1200">
-                <a:solidFill>
-                  <a:schemeClr val="tx1"/>
-                </a:solidFill>
-                <a:latin typeface="+mn-lt"/>
-                <a:ea typeface="+mn-ea"/>
-                <a:cs typeface="+mn-cs"/>
-              </a:defRPr>
-            </a:lvl6pPr>
-            <a:lvl7pPr marL="2971800" indent="-228600" algn="l" defTabSz="914400" rtl="0" eaLnBrk="1" latinLnBrk="0" hangingPunct="1">
-              <a:lnSpc>
-                <a:spcPct val="90000"/>
-              </a:lnSpc>
-              <a:spcBef>
-                <a:spcPts val="500"/>
-              </a:spcBef>
-              <a:buFont typeface="Arial" panose="020B0604020202020204" pitchFamily="34" charset="0"/>
-              <a:buChar char="•"/>
-              <a:defRPr sz="1800" kern="1200">
-                <a:solidFill>
-                  <a:schemeClr val="tx1"/>
-                </a:solidFill>
-                <a:latin typeface="+mn-lt"/>
-                <a:ea typeface="+mn-ea"/>
-                <a:cs typeface="+mn-cs"/>
-              </a:defRPr>
-            </a:lvl7pPr>
-            <a:lvl8pPr marL="3429000" indent="-228600" algn="l" defTabSz="914400" rtl="0" eaLnBrk="1" latinLnBrk="0" hangingPunct="1">
-              <a:lnSpc>
-                <a:spcPct val="90000"/>
-              </a:lnSpc>
-              <a:spcBef>
-                <a:spcPts val="500"/>
-              </a:spcBef>
-              <a:buFont typeface="Arial" panose="020B0604020202020204" pitchFamily="34" charset="0"/>
-              <a:buChar char="•"/>
-              <a:defRPr sz="1800" kern="1200">
-                <a:solidFill>
-                  <a:schemeClr val="tx1"/>
-                </a:solidFill>
-                <a:latin typeface="+mn-lt"/>
-                <a:ea typeface="+mn-ea"/>
-                <a:cs typeface="+mn-cs"/>
-              </a:defRPr>
-            </a:lvl8pPr>
-            <a:lvl9pPr marL="3886200" indent="-228600" algn="l" defTabSz="914400" rtl="0" eaLnBrk="1" latinLnBrk="0" hangingPunct="1">
-              <a:lnSpc>
-                <a:spcPct val="90000"/>
-              </a:lnSpc>
-              <a:spcBef>
-                <a:spcPts val="500"/>
-              </a:spcBef>
-              <a:buFont typeface="Arial" panose="020B0604020202020204" pitchFamily="34" charset="0"/>
-              <a:buChar char="•"/>
-              <a:defRPr sz="1800" kern="1200">
-                <a:solidFill>
-                  <a:schemeClr val="tx1"/>
-                </a:solidFill>
-                <a:latin typeface="+mn-lt"/>
-                <a:ea typeface="+mn-ea"/>
-                <a:cs typeface="+mn-cs"/>
-              </a:defRPr>
-            </a:lvl9pPr>
-          </a:lstStyle>
-          <a:p>
-            <a:pPr marL="0" indent="0">
-              <a:lnSpc>
-                <a:spcPct val="100000"/>
-              </a:lnSpc>
-              <a:buNone/>
-            </a:pPr>
-            <a:r>
-              <a:rPr lang="en-GB" sz="1400" dirty="0">
-                <a:latin typeface="DejaVu Sans Book" panose="020B0603030804020204" pitchFamily="34" charset="0"/>
-                <a:ea typeface="DejaVu Sans Book" panose="020B0603030804020204" pitchFamily="34" charset="0"/>
-                <a:cs typeface="DejaVu Sans Book" panose="020B0603030804020204" pitchFamily="34" charset="0"/>
-              </a:rPr>
-              <a:t>let greetings (name : string) : string =</a:t>
-            </a:r>
-          </a:p>
-          <a:p>
-            <a:pPr marL="0" indent="0">
-              <a:lnSpc>
-                <a:spcPct val="100000"/>
-              </a:lnSpc>
-              <a:buNone/>
-            </a:pPr>
-            <a:r>
-              <a:rPr lang="en-GB" sz="1400" dirty="0">
-                <a:latin typeface="DejaVu Sans Book" panose="020B0603030804020204" pitchFamily="34" charset="0"/>
-                <a:ea typeface="DejaVu Sans Book" panose="020B0603030804020204" pitchFamily="34" charset="0"/>
-                <a:cs typeface="DejaVu Sans Book" panose="020B0603030804020204" pitchFamily="34" charset="0"/>
-              </a:rPr>
-              <a:t>  "Hello " + name</a:t>
-            </a:r>
-          </a:p>
-          <a:p>
-            <a:pPr marL="0" indent="0">
-              <a:lnSpc>
-                <a:spcPct val="100000"/>
-              </a:lnSpc>
-              <a:buNone/>
-            </a:pPr>
-            <a:endParaRPr lang="en-GB" sz="1400" dirty="0">
-              <a:latin typeface="DejaVu Sans Book" panose="020B0603030804020204" pitchFamily="34" charset="0"/>
-              <a:ea typeface="DejaVu Sans Book" panose="020B0603030804020204" pitchFamily="34" charset="0"/>
-              <a:cs typeface="DejaVu Sans Book" panose="020B0603030804020204" pitchFamily="34" charset="0"/>
-            </a:endParaRPr>
-          </a:p>
-          <a:p>
-            <a:pPr marL="0" indent="0">
-              <a:lnSpc>
-                <a:spcPct val="100000"/>
-              </a:lnSpc>
-              <a:buNone/>
-            </a:pPr>
-            <a:r>
-              <a:rPr lang="en-GB" sz="1400" dirty="0">
-                <a:latin typeface="DejaVu Sans Book" panose="020B0603030804020204" pitchFamily="34" charset="0"/>
-                <a:ea typeface="DejaVu Sans Book" panose="020B0603030804020204" pitchFamily="34" charset="0"/>
-                <a:cs typeface="DejaVu Sans Book" panose="020B0603030804020204" pitchFamily="34" charset="0"/>
-              </a:rPr>
-              <a:t>let </a:t>
-            </a:r>
-            <a:r>
-              <a:rPr lang="en-GB" sz="1400" dirty="0" err="1">
-                <a:latin typeface="DejaVu Sans Book" panose="020B0603030804020204" pitchFamily="34" charset="0"/>
-                <a:ea typeface="DejaVu Sans Book" panose="020B0603030804020204" pitchFamily="34" charset="0"/>
-                <a:cs typeface="DejaVu Sans Book" panose="020B0603030804020204" pitchFamily="34" charset="0"/>
-              </a:rPr>
-              <a:t>str</a:t>
-            </a:r>
-            <a:r>
-              <a:rPr lang="en-GB" sz="1400" dirty="0">
-                <a:latin typeface="DejaVu Sans Book" panose="020B0603030804020204" pitchFamily="34" charset="0"/>
-                <a:ea typeface="DejaVu Sans Book" panose="020B0603030804020204" pitchFamily="34" charset="0"/>
-                <a:cs typeface="DejaVu Sans Book" panose="020B0603030804020204" pitchFamily="34" charset="0"/>
-              </a:rPr>
-              <a:t> = greetings "Jon"</a:t>
-            </a:r>
-          </a:p>
-          <a:p>
-            <a:pPr marL="0" indent="0">
-              <a:lnSpc>
-                <a:spcPct val="100000"/>
-              </a:lnSpc>
-              <a:buNone/>
-            </a:pPr>
-            <a:r>
-              <a:rPr lang="en-GB" sz="1400" dirty="0">
-                <a:latin typeface="DejaVu Sans Book" panose="020B0603030804020204" pitchFamily="34" charset="0"/>
-                <a:ea typeface="DejaVu Sans Book" panose="020B0603030804020204" pitchFamily="34" charset="0"/>
-                <a:cs typeface="DejaVu Sans Book" panose="020B0603030804020204" pitchFamily="34" charset="0"/>
-              </a:rPr>
-              <a:t>do </a:t>
-            </a:r>
-            <a:r>
-              <a:rPr lang="en-GB" sz="1400" dirty="0" err="1">
-                <a:latin typeface="DejaVu Sans Book" panose="020B0603030804020204" pitchFamily="34" charset="0"/>
-                <a:ea typeface="DejaVu Sans Book" panose="020B0603030804020204" pitchFamily="34" charset="0"/>
-                <a:cs typeface="DejaVu Sans Book" panose="020B0603030804020204" pitchFamily="34" charset="0"/>
-              </a:rPr>
-              <a:t>printfn</a:t>
-            </a:r>
-            <a:r>
-              <a:rPr lang="en-GB" sz="1400" dirty="0">
-                <a:latin typeface="DejaVu Sans Book" panose="020B0603030804020204" pitchFamily="34" charset="0"/>
-                <a:ea typeface="DejaVu Sans Book" panose="020B0603030804020204" pitchFamily="34" charset="0"/>
-                <a:cs typeface="DejaVu Sans Book" panose="020B0603030804020204" pitchFamily="34" charset="0"/>
-              </a:rPr>
-              <a:t> "%s" </a:t>
-            </a:r>
-            <a:r>
-              <a:rPr lang="en-GB" sz="1400" dirty="0" err="1">
-                <a:latin typeface="DejaVu Sans Book" panose="020B0603030804020204" pitchFamily="34" charset="0"/>
-                <a:ea typeface="DejaVu Sans Book" panose="020B0603030804020204" pitchFamily="34" charset="0"/>
-                <a:cs typeface="DejaVu Sans Book" panose="020B0603030804020204" pitchFamily="34" charset="0"/>
-              </a:rPr>
-              <a:t>str</a:t>
-            </a:r>
-            <a:endParaRPr lang="en-GB" sz="1400" dirty="0">
-              <a:latin typeface="DejaVu Sans Book" panose="020B0603030804020204" pitchFamily="34" charset="0"/>
-              <a:ea typeface="DejaVu Sans Book" panose="020B0603030804020204" pitchFamily="34" charset="0"/>
-              <a:cs typeface="DejaVu Sans Book" panose="020B0603030804020204" pitchFamily="34" charset="0"/>
-            </a:endParaRPr>
-          </a:p>
-          <a:p>
-            <a:pPr marL="0" indent="0">
-              <a:lnSpc>
-                <a:spcPct val="100000"/>
-              </a:lnSpc>
-              <a:buNone/>
-            </a:pPr>
-            <a:r>
-              <a:rPr lang="en-GB" sz="1400" dirty="0">
-                <a:latin typeface="DejaVu Sans Book" panose="020B0603030804020204" pitchFamily="34" charset="0"/>
-                <a:ea typeface="DejaVu Sans Book" panose="020B0603030804020204" pitchFamily="34" charset="0"/>
-                <a:cs typeface="DejaVu Sans Book" panose="020B0603030804020204" pitchFamily="34" charset="0"/>
-              </a:rPr>
-              <a:t>do </a:t>
-            </a:r>
-            <a:r>
-              <a:rPr lang="en-GB" sz="1400" dirty="0" err="1">
-                <a:latin typeface="DejaVu Sans Book" panose="020B0603030804020204" pitchFamily="34" charset="0"/>
-                <a:ea typeface="DejaVu Sans Book" panose="020B0603030804020204" pitchFamily="34" charset="0"/>
-                <a:cs typeface="DejaVu Sans Book" panose="020B0603030804020204" pitchFamily="34" charset="0"/>
-              </a:rPr>
-              <a:t>printfn</a:t>
-            </a:r>
-            <a:r>
-              <a:rPr lang="en-GB" sz="1400" dirty="0">
-                <a:latin typeface="DejaVu Sans Book" panose="020B0603030804020204" pitchFamily="34" charset="0"/>
-                <a:ea typeface="DejaVu Sans Book" panose="020B0603030804020204" pitchFamily="34" charset="0"/>
-                <a:cs typeface="DejaVu Sans Book" panose="020B0603030804020204" pitchFamily="34" charset="0"/>
-              </a:rPr>
-              <a:t> "%s" (greetings "World")</a:t>
-            </a:r>
-          </a:p>
-        </p:txBody>
-      </p:sp>
-      <p:sp>
-        <p:nvSpPr>
-          <p:cNvPr id="5" name="TextBox 4">
-            <a:extLst>
-              <a:ext uri="{FF2B5EF4-FFF2-40B4-BE49-F238E27FC236}">
-                <a16:creationId xmlns:a16="http://schemas.microsoft.com/office/drawing/2014/main" id="{2E0EE527-3E96-D941-96E2-1F9ACAD7EFDD}"/>
-              </a:ext>
-            </a:extLst>
-          </p:cNvPr>
-          <p:cNvSpPr txBox="1"/>
-          <p:nvPr/>
-        </p:nvSpPr>
-        <p:spPr>
-          <a:xfrm>
-            <a:off x="1196811" y="1466379"/>
-            <a:ext cx="6420604" cy="461665"/>
-          </a:xfrm>
-          <a:prstGeom prst="rect">
-            <a:avLst/>
-          </a:prstGeom>
-          <a:noFill/>
-        </p:spPr>
-        <p:txBody>
-          <a:bodyPr wrap="none" rtlCol="0">
-            <a:spAutoFit/>
-          </a:bodyPr>
-          <a:lstStyle/>
-          <a:p>
-            <a:r>
-              <a:rPr lang="en-GB" sz="2400" dirty="0" err="1"/>
-              <a:t>Organisering</a:t>
-            </a:r>
-            <a:r>
-              <a:rPr lang="en-GB" sz="2400" dirty="0"/>
-              <a:t> = </a:t>
-            </a:r>
-            <a:r>
-              <a:rPr lang="en-GB" sz="2400" dirty="0" err="1"/>
-              <a:t>nemmere</a:t>
-            </a:r>
-            <a:r>
-              <a:rPr lang="en-GB" sz="2400" dirty="0"/>
-              <a:t> at </a:t>
-            </a:r>
-            <a:r>
-              <a:rPr lang="en-GB" sz="2400" dirty="0" err="1"/>
-              <a:t>forstå</a:t>
-            </a:r>
-            <a:r>
-              <a:rPr lang="en-GB" sz="2400" dirty="0"/>
-              <a:t> </a:t>
-            </a:r>
-            <a:r>
-              <a:rPr lang="en-GB" sz="2400" dirty="0" err="1"/>
-              <a:t>og</a:t>
-            </a:r>
-            <a:r>
-              <a:rPr lang="en-GB" sz="2400" dirty="0"/>
-              <a:t> </a:t>
-            </a:r>
-            <a:r>
-              <a:rPr lang="en-GB" sz="2400" dirty="0" err="1"/>
-              <a:t>vedligeholde</a:t>
-            </a:r>
-            <a:endParaRPr lang="en-GB" sz="2400" dirty="0"/>
-          </a:p>
-        </p:txBody>
-      </p:sp>
-      <p:sp>
-        <p:nvSpPr>
-          <p:cNvPr id="6" name="Content Placeholder 2">
-            <a:extLst>
-              <a:ext uri="{FF2B5EF4-FFF2-40B4-BE49-F238E27FC236}">
-                <a16:creationId xmlns:a16="http://schemas.microsoft.com/office/drawing/2014/main" id="{B61F2583-9005-7B47-9A5B-1BB95AEA106A}"/>
-              </a:ext>
-            </a:extLst>
-          </p:cNvPr>
-          <p:cNvSpPr txBox="1">
-            <a:spLocks/>
-          </p:cNvSpPr>
-          <p:nvPr/>
-        </p:nvSpPr>
-        <p:spPr>
-          <a:xfrm>
-            <a:off x="6458193" y="2054637"/>
-            <a:ext cx="3929154" cy="2019829"/>
-          </a:xfrm>
-          <a:prstGeom prst="rect">
-            <a:avLst/>
-          </a:prstGeom>
-        </p:spPr>
-        <p:txBody>
-          <a:bodyPr vert="horz" lIns="91440" tIns="45720" rIns="91440" bIns="45720" rtlCol="0">
-            <a:normAutofit/>
-          </a:bodyPr>
-          <a:lstStyle>
-            <a:lvl1pPr marL="228600" indent="-228600" algn="l" defTabSz="914400" rtl="0" eaLnBrk="1" latinLnBrk="0" hangingPunct="1">
-              <a:lnSpc>
-                <a:spcPct val="90000"/>
-              </a:lnSpc>
-              <a:spcBef>
-                <a:spcPts val="1000"/>
-              </a:spcBef>
-              <a:buFont typeface="Arial" panose="020B0604020202020204" pitchFamily="34" charset="0"/>
-              <a:buChar char="•"/>
-              <a:defRPr sz="2800" kern="1200">
-                <a:solidFill>
-                  <a:schemeClr val="tx1"/>
-                </a:solidFill>
-                <a:latin typeface="+mn-lt"/>
-                <a:ea typeface="+mn-ea"/>
-                <a:cs typeface="+mn-cs"/>
-              </a:defRPr>
-            </a:lvl1pPr>
-            <a:lvl2pPr marL="685800" indent="-228600" algn="l" defTabSz="914400" rtl="0" eaLnBrk="1" latinLnBrk="0" hangingPunct="1">
-              <a:lnSpc>
-                <a:spcPct val="90000"/>
-              </a:lnSpc>
-              <a:spcBef>
-                <a:spcPts val="500"/>
-              </a:spcBef>
-              <a:buFont typeface="Arial" panose="020B0604020202020204" pitchFamily="34" charset="0"/>
-              <a:buChar char="•"/>
-              <a:defRPr sz="2400" kern="1200">
-                <a:solidFill>
-                  <a:schemeClr val="tx1"/>
-                </a:solidFill>
-                <a:latin typeface="+mn-lt"/>
-                <a:ea typeface="+mn-ea"/>
-                <a:cs typeface="+mn-cs"/>
-              </a:defRPr>
-            </a:lvl2pPr>
-            <a:lvl3pPr marL="1143000" indent="-228600" algn="l" defTabSz="914400" rtl="0" eaLnBrk="1" latinLnBrk="0" hangingPunct="1">
-              <a:lnSpc>
-                <a:spcPct val="90000"/>
-              </a:lnSpc>
-              <a:spcBef>
-                <a:spcPts val="500"/>
-              </a:spcBef>
-              <a:buFont typeface="Arial" panose="020B0604020202020204" pitchFamily="34" charset="0"/>
-              <a:buChar char="•"/>
-              <a:defRPr sz="2000" kern="1200">
-                <a:solidFill>
-                  <a:schemeClr val="tx1"/>
-                </a:solidFill>
-                <a:latin typeface="+mn-lt"/>
-                <a:ea typeface="+mn-ea"/>
-                <a:cs typeface="+mn-cs"/>
-              </a:defRPr>
-            </a:lvl3pPr>
-            <a:lvl4pPr marL="1600200" indent="-228600" algn="l" defTabSz="914400" rtl="0" eaLnBrk="1" latinLnBrk="0" hangingPunct="1">
-              <a:lnSpc>
-                <a:spcPct val="90000"/>
-              </a:lnSpc>
-              <a:spcBef>
-                <a:spcPts val="500"/>
-              </a:spcBef>
-              <a:buFont typeface="Arial" panose="020B0604020202020204" pitchFamily="34" charset="0"/>
-              <a:buChar char="•"/>
-              <a:defRPr sz="1800" kern="1200">
-                <a:solidFill>
-                  <a:schemeClr val="tx1"/>
-                </a:solidFill>
-                <a:latin typeface="+mn-lt"/>
-                <a:ea typeface="+mn-ea"/>
-                <a:cs typeface="+mn-cs"/>
-              </a:defRPr>
-            </a:lvl4pPr>
-            <a:lvl5pPr marL="2057400" indent="-228600" algn="l" defTabSz="914400" rtl="0" eaLnBrk="1" latinLnBrk="0" hangingPunct="1">
-              <a:lnSpc>
-                <a:spcPct val="90000"/>
-              </a:lnSpc>
-              <a:spcBef>
-                <a:spcPts val="500"/>
-              </a:spcBef>
-              <a:buFont typeface="Arial" panose="020B0604020202020204" pitchFamily="34" charset="0"/>
-              <a:buChar char="•"/>
-              <a:defRPr sz="1800" kern="1200">
-                <a:solidFill>
-                  <a:schemeClr val="tx1"/>
-                </a:solidFill>
-                <a:latin typeface="+mn-lt"/>
-                <a:ea typeface="+mn-ea"/>
-                <a:cs typeface="+mn-cs"/>
-              </a:defRPr>
-            </a:lvl5pPr>
-            <a:lvl6pPr marL="2514600" indent="-228600" algn="l" defTabSz="914400" rtl="0" eaLnBrk="1" latinLnBrk="0" hangingPunct="1">
-              <a:lnSpc>
-                <a:spcPct val="90000"/>
-              </a:lnSpc>
-              <a:spcBef>
-                <a:spcPts val="500"/>
-              </a:spcBef>
-              <a:buFont typeface="Arial" panose="020B0604020202020204" pitchFamily="34" charset="0"/>
-              <a:buChar char="•"/>
-              <a:defRPr sz="1800" kern="1200">
-                <a:solidFill>
-                  <a:schemeClr val="tx1"/>
-                </a:solidFill>
-                <a:latin typeface="+mn-lt"/>
-                <a:ea typeface="+mn-ea"/>
-                <a:cs typeface="+mn-cs"/>
-              </a:defRPr>
-            </a:lvl6pPr>
-            <a:lvl7pPr marL="2971800" indent="-228600" algn="l" defTabSz="914400" rtl="0" eaLnBrk="1" latinLnBrk="0" hangingPunct="1">
-              <a:lnSpc>
-                <a:spcPct val="90000"/>
-              </a:lnSpc>
-              <a:spcBef>
-                <a:spcPts val="500"/>
-              </a:spcBef>
-              <a:buFont typeface="Arial" panose="020B0604020202020204" pitchFamily="34" charset="0"/>
-              <a:buChar char="•"/>
-              <a:defRPr sz="1800" kern="1200">
-                <a:solidFill>
-                  <a:schemeClr val="tx1"/>
-                </a:solidFill>
-                <a:latin typeface="+mn-lt"/>
-                <a:ea typeface="+mn-ea"/>
-                <a:cs typeface="+mn-cs"/>
-              </a:defRPr>
-            </a:lvl7pPr>
-            <a:lvl8pPr marL="3429000" indent="-228600" algn="l" defTabSz="914400" rtl="0" eaLnBrk="1" latinLnBrk="0" hangingPunct="1">
-              <a:lnSpc>
-                <a:spcPct val="90000"/>
-              </a:lnSpc>
-              <a:spcBef>
-                <a:spcPts val="500"/>
-              </a:spcBef>
-              <a:buFont typeface="Arial" panose="020B0604020202020204" pitchFamily="34" charset="0"/>
-              <a:buChar char="•"/>
-              <a:defRPr sz="1800" kern="1200">
-                <a:solidFill>
-                  <a:schemeClr val="tx1"/>
-                </a:solidFill>
-                <a:latin typeface="+mn-lt"/>
-                <a:ea typeface="+mn-ea"/>
-                <a:cs typeface="+mn-cs"/>
-              </a:defRPr>
-            </a:lvl8pPr>
-            <a:lvl9pPr marL="3886200" indent="-228600" algn="l" defTabSz="914400" rtl="0" eaLnBrk="1" latinLnBrk="0" hangingPunct="1">
-              <a:lnSpc>
-                <a:spcPct val="90000"/>
-              </a:lnSpc>
-              <a:spcBef>
-                <a:spcPts val="500"/>
-              </a:spcBef>
-              <a:buFont typeface="Arial" panose="020B0604020202020204" pitchFamily="34" charset="0"/>
-              <a:buChar char="•"/>
-              <a:defRPr sz="1800" kern="1200">
-                <a:solidFill>
-                  <a:schemeClr val="tx1"/>
-                </a:solidFill>
-                <a:latin typeface="+mn-lt"/>
-                <a:ea typeface="+mn-ea"/>
-                <a:cs typeface="+mn-cs"/>
-              </a:defRPr>
-            </a:lvl9pPr>
-          </a:lstStyle>
-          <a:p>
-            <a:pPr marL="0" indent="0">
-              <a:lnSpc>
-                <a:spcPct val="100000"/>
-              </a:lnSpc>
-              <a:buNone/>
-            </a:pPr>
-            <a:r>
-              <a:rPr lang="en-GB" sz="1400" dirty="0">
-                <a:latin typeface="DejaVu Sans Book" panose="020B0603030804020204" pitchFamily="34" charset="0"/>
-                <a:ea typeface="DejaVu Sans Book" panose="020B0603030804020204" pitchFamily="34" charset="0"/>
-                <a:cs typeface="DejaVu Sans Book" panose="020B0603030804020204" pitchFamily="34" charset="0"/>
-              </a:rPr>
-              <a:t>let greetings name =</a:t>
-            </a:r>
-          </a:p>
-          <a:p>
-            <a:pPr marL="0" indent="0">
-              <a:lnSpc>
-                <a:spcPct val="100000"/>
-              </a:lnSpc>
-              <a:buNone/>
-            </a:pPr>
-            <a:r>
-              <a:rPr lang="en-GB" sz="1400" dirty="0">
-                <a:latin typeface="DejaVu Sans Book" panose="020B0603030804020204" pitchFamily="34" charset="0"/>
-                <a:ea typeface="DejaVu Sans Book" panose="020B0603030804020204" pitchFamily="34" charset="0"/>
-                <a:cs typeface="DejaVu Sans Book" panose="020B0603030804020204" pitchFamily="34" charset="0"/>
-              </a:rPr>
-              <a:t>  "Hello " + name</a:t>
-            </a:r>
-          </a:p>
-          <a:p>
-            <a:pPr marL="0" indent="0">
-              <a:lnSpc>
-                <a:spcPct val="100000"/>
-              </a:lnSpc>
-              <a:buNone/>
-            </a:pPr>
-            <a:endParaRPr lang="en-GB" sz="1400" dirty="0">
-              <a:latin typeface="DejaVu Sans Book" panose="020B0603030804020204" pitchFamily="34" charset="0"/>
-              <a:ea typeface="DejaVu Sans Book" panose="020B0603030804020204" pitchFamily="34" charset="0"/>
-              <a:cs typeface="DejaVu Sans Book" panose="020B0603030804020204" pitchFamily="34" charset="0"/>
-            </a:endParaRPr>
-          </a:p>
-          <a:p>
-            <a:pPr marL="0" indent="0">
-              <a:lnSpc>
-                <a:spcPct val="100000"/>
-              </a:lnSpc>
-              <a:buNone/>
-            </a:pPr>
-            <a:r>
-              <a:rPr lang="en-GB" sz="1400" dirty="0">
-                <a:latin typeface="DejaVu Sans Book" panose="020B0603030804020204" pitchFamily="34" charset="0"/>
-                <a:ea typeface="DejaVu Sans Book" panose="020B0603030804020204" pitchFamily="34" charset="0"/>
-                <a:cs typeface="DejaVu Sans Book" panose="020B0603030804020204" pitchFamily="34" charset="0"/>
-              </a:rPr>
-              <a:t>let </a:t>
-            </a:r>
-            <a:r>
-              <a:rPr lang="en-GB" sz="1400" dirty="0" err="1">
-                <a:latin typeface="DejaVu Sans Book" panose="020B0603030804020204" pitchFamily="34" charset="0"/>
-                <a:ea typeface="DejaVu Sans Book" panose="020B0603030804020204" pitchFamily="34" charset="0"/>
-                <a:cs typeface="DejaVu Sans Book" panose="020B0603030804020204" pitchFamily="34" charset="0"/>
-              </a:rPr>
-              <a:t>str</a:t>
-            </a:r>
-            <a:r>
-              <a:rPr lang="en-GB" sz="1400" dirty="0">
-                <a:latin typeface="DejaVu Sans Book" panose="020B0603030804020204" pitchFamily="34" charset="0"/>
-                <a:ea typeface="DejaVu Sans Book" panose="020B0603030804020204" pitchFamily="34" charset="0"/>
-                <a:cs typeface="DejaVu Sans Book" panose="020B0603030804020204" pitchFamily="34" charset="0"/>
-              </a:rPr>
-              <a:t> = greetings "Jon"</a:t>
-            </a:r>
-          </a:p>
-          <a:p>
-            <a:pPr marL="0" indent="0">
-              <a:lnSpc>
-                <a:spcPct val="100000"/>
-              </a:lnSpc>
-              <a:buNone/>
-            </a:pPr>
-            <a:r>
-              <a:rPr lang="en-GB" sz="1400" dirty="0">
-                <a:latin typeface="DejaVu Sans Book" panose="020B0603030804020204" pitchFamily="34" charset="0"/>
-                <a:ea typeface="DejaVu Sans Book" panose="020B0603030804020204" pitchFamily="34" charset="0"/>
-                <a:cs typeface="DejaVu Sans Book" panose="020B0603030804020204" pitchFamily="34" charset="0"/>
-              </a:rPr>
-              <a:t>do </a:t>
-            </a:r>
-            <a:r>
-              <a:rPr lang="en-GB" sz="1400" dirty="0" err="1">
-                <a:latin typeface="DejaVu Sans Book" panose="020B0603030804020204" pitchFamily="34" charset="0"/>
-                <a:ea typeface="DejaVu Sans Book" panose="020B0603030804020204" pitchFamily="34" charset="0"/>
-                <a:cs typeface="DejaVu Sans Book" panose="020B0603030804020204" pitchFamily="34" charset="0"/>
-              </a:rPr>
-              <a:t>printfn</a:t>
-            </a:r>
-            <a:r>
-              <a:rPr lang="en-GB" sz="1400" dirty="0">
-                <a:latin typeface="DejaVu Sans Book" panose="020B0603030804020204" pitchFamily="34" charset="0"/>
-                <a:ea typeface="DejaVu Sans Book" panose="020B0603030804020204" pitchFamily="34" charset="0"/>
-                <a:cs typeface="DejaVu Sans Book" panose="020B0603030804020204" pitchFamily="34" charset="0"/>
-              </a:rPr>
-              <a:t> "%s" </a:t>
-            </a:r>
-            <a:r>
-              <a:rPr lang="en-GB" sz="1400" dirty="0" err="1">
-                <a:latin typeface="DejaVu Sans Book" panose="020B0603030804020204" pitchFamily="34" charset="0"/>
-                <a:ea typeface="DejaVu Sans Book" panose="020B0603030804020204" pitchFamily="34" charset="0"/>
-                <a:cs typeface="DejaVu Sans Book" panose="020B0603030804020204" pitchFamily="34" charset="0"/>
-              </a:rPr>
-              <a:t>str</a:t>
-            </a:r>
-            <a:endParaRPr lang="en-GB" sz="1400" dirty="0">
-              <a:latin typeface="DejaVu Sans Book" panose="020B0603030804020204" pitchFamily="34" charset="0"/>
-              <a:ea typeface="DejaVu Sans Book" panose="020B0603030804020204" pitchFamily="34" charset="0"/>
-              <a:cs typeface="DejaVu Sans Book" panose="020B0603030804020204" pitchFamily="34" charset="0"/>
-            </a:endParaRPr>
-          </a:p>
-          <a:p>
-            <a:pPr marL="0" indent="0">
-              <a:lnSpc>
-                <a:spcPct val="100000"/>
-              </a:lnSpc>
-              <a:buNone/>
-            </a:pPr>
-            <a:r>
-              <a:rPr lang="en-GB" sz="1400" dirty="0">
-                <a:latin typeface="DejaVu Sans Book" panose="020B0603030804020204" pitchFamily="34" charset="0"/>
-                <a:ea typeface="DejaVu Sans Book" panose="020B0603030804020204" pitchFamily="34" charset="0"/>
-                <a:cs typeface="DejaVu Sans Book" panose="020B0603030804020204" pitchFamily="34" charset="0"/>
-              </a:rPr>
-              <a:t>do </a:t>
-            </a:r>
-            <a:r>
-              <a:rPr lang="en-GB" sz="1400" dirty="0" err="1">
-                <a:latin typeface="DejaVu Sans Book" panose="020B0603030804020204" pitchFamily="34" charset="0"/>
-                <a:ea typeface="DejaVu Sans Book" panose="020B0603030804020204" pitchFamily="34" charset="0"/>
-                <a:cs typeface="DejaVu Sans Book" panose="020B0603030804020204" pitchFamily="34" charset="0"/>
-              </a:rPr>
-              <a:t>printfn</a:t>
-            </a:r>
-            <a:r>
-              <a:rPr lang="en-GB" sz="1400" dirty="0">
-                <a:latin typeface="DejaVu Sans Book" panose="020B0603030804020204" pitchFamily="34" charset="0"/>
-                <a:ea typeface="DejaVu Sans Book" panose="020B0603030804020204" pitchFamily="34" charset="0"/>
-                <a:cs typeface="DejaVu Sans Book" panose="020B0603030804020204" pitchFamily="34" charset="0"/>
-              </a:rPr>
-              <a:t> "%s" (greetings "World")</a:t>
-            </a:r>
-          </a:p>
-        </p:txBody>
-      </p:sp>
-      <p:cxnSp>
-        <p:nvCxnSpPr>
-          <p:cNvPr id="7" name="Straight Connector 6">
-            <a:extLst>
-              <a:ext uri="{FF2B5EF4-FFF2-40B4-BE49-F238E27FC236}">
-                <a16:creationId xmlns:a16="http://schemas.microsoft.com/office/drawing/2014/main" id="{1770E39D-455E-714C-B644-7F4A3C481E82}"/>
-              </a:ext>
-            </a:extLst>
-          </p:cNvPr>
-          <p:cNvCxnSpPr>
-            <a:cxnSpLocks/>
-          </p:cNvCxnSpPr>
-          <p:nvPr/>
-        </p:nvCxnSpPr>
-        <p:spPr>
-          <a:xfrm>
-            <a:off x="5634318" y="1987398"/>
-            <a:ext cx="0" cy="2436689"/>
-          </a:xfrm>
-          <a:prstGeom prst="line">
-            <a:avLst/>
-          </a:prstGeom>
-        </p:spPr>
-        <p:style>
-          <a:lnRef idx="1">
-            <a:schemeClr val="accent1"/>
-          </a:lnRef>
-          <a:fillRef idx="0">
-            <a:schemeClr val="accent1"/>
-          </a:fillRef>
-          <a:effectRef idx="0">
-            <a:schemeClr val="accent1"/>
-          </a:effectRef>
-          <a:fontRef idx="minor">
-            <a:schemeClr val="tx1"/>
-          </a:fontRef>
-        </p:style>
-      </p:cxnSp>
-    </p:spTree>
-    <p:extLst>
-      <p:ext uri="{BB962C8B-B14F-4D97-AF65-F5344CB8AC3E}">
-        <p14:creationId xmlns:p14="http://schemas.microsoft.com/office/powerpoint/2010/main" val="1610882912"/>
       </p:ext>
     </p:extLst>
   </p:cSld>
@@ -5091,8 +4236,8 @@
         </p:nvSpPr>
         <p:spPr>
           <a:xfrm>
-            <a:off x="6326299" y="2033711"/>
-            <a:ext cx="5127029" cy="1402220"/>
+            <a:off x="6060559" y="2033711"/>
+            <a:ext cx="5392770" cy="1402220"/>
           </a:xfrm>
           <a:prstGeom prst="rect">
             <a:avLst/>
@@ -5268,13 +4413,13 @@
           </a:lstStyle>
           <a:p>
             <a:r>
-              <a:rPr lang="da-DK" sz="2000" dirty="0"/>
-              <a:t>Heltal, flydende tal, tegn</a:t>
-            </a:r>
-          </a:p>
-          <a:p>
-            <a:r>
-              <a:rPr lang="da-DK" sz="2000" dirty="0"/>
+              <a:rPr lang="da-DK" dirty="0"/>
+              <a:t>Heltal, flydende tal, tegn, strenge</a:t>
+            </a:r>
+          </a:p>
+          <a:p>
+            <a:r>
+              <a:rPr lang="da-DK" dirty="0"/>
               <a:t>Typer og operatorer</a:t>
             </a:r>
           </a:p>

--- a/lectures/3.1PrecedenceNKeywords/lecture.pptx
+++ b/lectures/3.1PrecedenceNKeywords/lecture.pptx
@@ -205,7 +205,7 @@
           <a:p>
             <a:fld id="{248031C6-E4B0-0444-A4A8-9CCE96EC2C9C}" type="datetimeFigureOut">
               <a:rPr lang="en-GB" smtClean="0"/>
-              <a:t>17/09/2018</a:t>
+              <a:t>19/09/2018</a:t>
             </a:fld>
             <a:endParaRPr lang="en-GB"/>
           </a:p>
@@ -905,7 +905,7 @@
           <a:p>
             <a:fld id="{66665395-52C5-5E4B-BB20-CD4E0BBC9899}" type="datetimeFigureOut">
               <a:rPr lang="en-GB" smtClean="0"/>
-              <a:t>17/09/2018</a:t>
+              <a:t>19/09/2018</a:t>
             </a:fld>
             <a:endParaRPr lang="en-GB"/>
           </a:p>
@@ -1105,7 +1105,7 @@
           <a:p>
             <a:fld id="{66665395-52C5-5E4B-BB20-CD4E0BBC9899}" type="datetimeFigureOut">
               <a:rPr lang="en-GB" smtClean="0"/>
-              <a:t>17/09/2018</a:t>
+              <a:t>19/09/2018</a:t>
             </a:fld>
             <a:endParaRPr lang="en-GB"/>
           </a:p>
@@ -1315,7 +1315,7 @@
           <a:p>
             <a:fld id="{66665395-52C5-5E4B-BB20-CD4E0BBC9899}" type="datetimeFigureOut">
               <a:rPr lang="en-GB" smtClean="0"/>
-              <a:t>17/09/2018</a:t>
+              <a:t>19/09/2018</a:t>
             </a:fld>
             <a:endParaRPr lang="en-GB"/>
           </a:p>
@@ -1515,7 +1515,7 @@
           <a:p>
             <a:fld id="{66665395-52C5-5E4B-BB20-CD4E0BBC9899}" type="datetimeFigureOut">
               <a:rPr lang="en-GB" smtClean="0"/>
-              <a:t>17/09/2018</a:t>
+              <a:t>19/09/2018</a:t>
             </a:fld>
             <a:endParaRPr lang="en-GB"/>
           </a:p>
@@ -1791,7 +1791,7 @@
           <a:p>
             <a:fld id="{66665395-52C5-5E4B-BB20-CD4E0BBC9899}" type="datetimeFigureOut">
               <a:rPr lang="en-GB" smtClean="0"/>
-              <a:t>17/09/2018</a:t>
+              <a:t>19/09/2018</a:t>
             </a:fld>
             <a:endParaRPr lang="en-GB"/>
           </a:p>
@@ -2059,7 +2059,7 @@
           <a:p>
             <a:fld id="{66665395-52C5-5E4B-BB20-CD4E0BBC9899}" type="datetimeFigureOut">
               <a:rPr lang="en-GB" smtClean="0"/>
-              <a:t>17/09/2018</a:t>
+              <a:t>19/09/2018</a:t>
             </a:fld>
             <a:endParaRPr lang="en-GB"/>
           </a:p>
@@ -2474,7 +2474,7 @@
           <a:p>
             <a:fld id="{66665395-52C5-5E4B-BB20-CD4E0BBC9899}" type="datetimeFigureOut">
               <a:rPr lang="en-GB" smtClean="0"/>
-              <a:t>17/09/2018</a:t>
+              <a:t>19/09/2018</a:t>
             </a:fld>
             <a:endParaRPr lang="en-GB"/>
           </a:p>
@@ -2616,7 +2616,7 @@
           <a:p>
             <a:fld id="{66665395-52C5-5E4B-BB20-CD4E0BBC9899}" type="datetimeFigureOut">
               <a:rPr lang="en-GB" smtClean="0"/>
-              <a:t>17/09/2018</a:t>
+              <a:t>19/09/2018</a:t>
             </a:fld>
             <a:endParaRPr lang="en-GB"/>
           </a:p>
@@ -2729,7 +2729,7 @@
           <a:p>
             <a:fld id="{66665395-52C5-5E4B-BB20-CD4E0BBC9899}" type="datetimeFigureOut">
               <a:rPr lang="en-GB" smtClean="0"/>
-              <a:t>17/09/2018</a:t>
+              <a:t>19/09/2018</a:t>
             </a:fld>
             <a:endParaRPr lang="en-GB"/>
           </a:p>
@@ -3042,7 +3042,7 @@
           <a:p>
             <a:fld id="{66665395-52C5-5E4B-BB20-CD4E0BBC9899}" type="datetimeFigureOut">
               <a:rPr lang="en-GB" smtClean="0"/>
-              <a:t>17/09/2018</a:t>
+              <a:t>19/09/2018</a:t>
             </a:fld>
             <a:endParaRPr lang="en-GB"/>
           </a:p>
@@ -3331,7 +3331,7 @@
           <a:p>
             <a:fld id="{66665395-52C5-5E4B-BB20-CD4E0BBC9899}" type="datetimeFigureOut">
               <a:rPr lang="en-GB" smtClean="0"/>
-              <a:t>17/09/2018</a:t>
+              <a:t>19/09/2018</a:t>
             </a:fld>
             <a:endParaRPr lang="en-GB"/>
           </a:p>
@@ -3574,7 +3574,7 @@
           <a:p>
             <a:fld id="{66665395-52C5-5E4B-BB20-CD4E0BBC9899}" type="datetimeFigureOut">
               <a:rPr lang="en-GB" smtClean="0"/>
-              <a:t>17/09/2018</a:t>
+              <a:t>19/09/2018</a:t>
             </a:fld>
             <a:endParaRPr lang="en-GB"/>
           </a:p>
@@ -7163,8 +7163,8 @@
         </p:nvSpPr>
         <p:spPr>
           <a:xfrm>
-            <a:off x="3524210" y="3801123"/>
-            <a:ext cx="1537600" cy="307777"/>
+            <a:off x="3513577" y="3801123"/>
+            <a:ext cx="1075936" cy="307777"/>
           </a:xfrm>
           <a:prstGeom prst="rect">
             <a:avLst/>
@@ -7186,7 +7186,7 @@
                 <a:ea typeface="DejaVu Sans Book" panose="020B0603030804020204" pitchFamily="34" charset="0"/>
                 <a:cs typeface="DejaVu Sans Book" panose="020B0603030804020204" pitchFamily="34" charset="0"/>
               </a:rPr>
-              <a:t>(                     )</a:t>
+              <a:t>(             )</a:t>
             </a:r>
           </a:p>
         </p:txBody>

--- a/lectures/3.1PrecedenceNKeywords/lecture.pptx
+++ b/lectures/3.1PrecedenceNKeywords/lecture.pptx
@@ -5,18 +5,19 @@
     <p:sldMasterId id="2147483648" r:id="rId1"/>
   </p:sldMasterIdLst>
   <p:notesMasterIdLst>
-    <p:notesMasterId r:id="rId11"/>
+    <p:notesMasterId r:id="rId12"/>
   </p:notesMasterIdLst>
   <p:sldIdLst>
     <p:sldId id="256" r:id="rId2"/>
     <p:sldId id="257" r:id="rId3"/>
-    <p:sldId id="284" r:id="rId4"/>
-    <p:sldId id="290" r:id="rId5"/>
-    <p:sldId id="291" r:id="rId6"/>
-    <p:sldId id="289" r:id="rId7"/>
-    <p:sldId id="292" r:id="rId8"/>
-    <p:sldId id="293" r:id="rId9"/>
-    <p:sldId id="296" r:id="rId10"/>
+    <p:sldId id="297" r:id="rId4"/>
+    <p:sldId id="294" r:id="rId5"/>
+    <p:sldId id="299" r:id="rId6"/>
+    <p:sldId id="291" r:id="rId7"/>
+    <p:sldId id="289" r:id="rId8"/>
+    <p:sldId id="292" r:id="rId9"/>
+    <p:sldId id="293" r:id="rId10"/>
+    <p:sldId id="296" r:id="rId11"/>
   </p:sldIdLst>
   <p:sldSz cx="12192000" cy="6858000"/>
   <p:notesSz cx="6858000" cy="9144000"/>
@@ -205,7 +206,7 @@
           <a:p>
             <a:fld id="{248031C6-E4B0-0444-A4A8-9CCE96EC2C9C}" type="datetimeFigureOut">
               <a:rPr lang="en-GB" smtClean="0"/>
-              <a:t>19/09/2018</a:t>
+              <a:t>16/09/2019</a:t>
             </a:fld>
             <a:endParaRPr lang="en-GB"/>
           </a:p>
@@ -500,12 +501,7 @@
             <p:ph type="sldImg"/>
           </p:nvPr>
         </p:nvSpPr>
-        <p:spPr>
-          <a:xfrm>
-            <a:off x="685800" y="1143000"/>
-            <a:ext cx="5486400" cy="3086100"/>
-          </a:xfrm>
-        </p:spPr>
+        <p:spPr/>
       </p:sp>
       <p:sp>
         <p:nvSpPr>
@@ -552,7 +548,7 @@
     </p:spTree>
     <p:extLst>
       <p:ext uri="{BB962C8B-B14F-4D97-AF65-F5344CB8AC3E}">
-        <p14:creationId xmlns:p14="http://schemas.microsoft.com/office/powerpoint/2010/main" val="1387871530"/>
+        <p14:creationId xmlns:p14="http://schemas.microsoft.com/office/powerpoint/2010/main" val="534641727"/>
       </p:ext>
     </p:extLst>
   </p:cSld>
@@ -611,22 +607,6 @@
           <a:bodyPr/>
           <a:lstStyle/>
           <a:p>
-            <a:r>
-              <a:rPr lang="en-GB" dirty="0"/>
-              <a:t>Vis </a:t>
-            </a:r>
-            <a:r>
-              <a:rPr lang="en-GB" dirty="0" err="1"/>
-              <a:t>eksemplet</a:t>
-            </a:r>
-            <a:r>
-              <a:rPr lang="en-GB" dirty="0"/>
-              <a:t> 3.0/4.0/5.0, 3.0**4.0**5.0</a:t>
-            </a:r>
-            <a:r>
-              <a:rPr lang="en-GB"/>
-              <a:t>, 2.0**4.0/2.0</a:t>
-            </a:r>
             <a:endParaRPr lang="en-GB" dirty="0"/>
           </a:p>
         </p:txBody>
@@ -657,7 +637,7 @@
     </p:spTree>
     <p:extLst>
       <p:ext uri="{BB962C8B-B14F-4D97-AF65-F5344CB8AC3E}">
-        <p14:creationId xmlns:p14="http://schemas.microsoft.com/office/powerpoint/2010/main" val="577396918"/>
+        <p14:creationId xmlns:p14="http://schemas.microsoft.com/office/powerpoint/2010/main" val="3528125606"/>
       </p:ext>
     </p:extLst>
   </p:cSld>
@@ -737,7 +717,7 @@
           <a:p>
             <a:fld id="{186431B5-AB57-3E4A-80D5-B6800CF8539B}" type="slidenum">
               <a:rPr lang="en-GB" smtClean="0"/>
-              <a:t>5</a:t>
+              <a:t>6</a:t>
             </a:fld>
             <a:endParaRPr lang="en-GB"/>
           </a:p>
@@ -905,7 +885,7 @@
           <a:p>
             <a:fld id="{66665395-52C5-5E4B-BB20-CD4E0BBC9899}" type="datetimeFigureOut">
               <a:rPr lang="en-GB" smtClean="0"/>
-              <a:t>19/09/2018</a:t>
+              <a:t>16/09/2019</a:t>
             </a:fld>
             <a:endParaRPr lang="en-GB"/>
           </a:p>
@@ -1105,7 +1085,7 @@
           <a:p>
             <a:fld id="{66665395-52C5-5E4B-BB20-CD4E0BBC9899}" type="datetimeFigureOut">
               <a:rPr lang="en-GB" smtClean="0"/>
-              <a:t>19/09/2018</a:t>
+              <a:t>16/09/2019</a:t>
             </a:fld>
             <a:endParaRPr lang="en-GB"/>
           </a:p>
@@ -1315,7 +1295,7 @@
           <a:p>
             <a:fld id="{66665395-52C5-5E4B-BB20-CD4E0BBC9899}" type="datetimeFigureOut">
               <a:rPr lang="en-GB" smtClean="0"/>
-              <a:t>19/09/2018</a:t>
+              <a:t>16/09/2019</a:t>
             </a:fld>
             <a:endParaRPr lang="en-GB"/>
           </a:p>
@@ -1515,7 +1495,7 @@
           <a:p>
             <a:fld id="{66665395-52C5-5E4B-BB20-CD4E0BBC9899}" type="datetimeFigureOut">
               <a:rPr lang="en-GB" smtClean="0"/>
-              <a:t>19/09/2018</a:t>
+              <a:t>16/09/2019</a:t>
             </a:fld>
             <a:endParaRPr lang="en-GB"/>
           </a:p>
@@ -1791,7 +1771,7 @@
           <a:p>
             <a:fld id="{66665395-52C5-5E4B-BB20-CD4E0BBC9899}" type="datetimeFigureOut">
               <a:rPr lang="en-GB" smtClean="0"/>
-              <a:t>19/09/2018</a:t>
+              <a:t>16/09/2019</a:t>
             </a:fld>
             <a:endParaRPr lang="en-GB"/>
           </a:p>
@@ -2059,7 +2039,7 @@
           <a:p>
             <a:fld id="{66665395-52C5-5E4B-BB20-CD4E0BBC9899}" type="datetimeFigureOut">
               <a:rPr lang="en-GB" smtClean="0"/>
-              <a:t>19/09/2018</a:t>
+              <a:t>16/09/2019</a:t>
             </a:fld>
             <a:endParaRPr lang="en-GB"/>
           </a:p>
@@ -2474,7 +2454,7 @@
           <a:p>
             <a:fld id="{66665395-52C5-5E4B-BB20-CD4E0BBC9899}" type="datetimeFigureOut">
               <a:rPr lang="en-GB" smtClean="0"/>
-              <a:t>19/09/2018</a:t>
+              <a:t>16/09/2019</a:t>
             </a:fld>
             <a:endParaRPr lang="en-GB"/>
           </a:p>
@@ -2616,7 +2596,7 @@
           <a:p>
             <a:fld id="{66665395-52C5-5E4B-BB20-CD4E0BBC9899}" type="datetimeFigureOut">
               <a:rPr lang="en-GB" smtClean="0"/>
-              <a:t>19/09/2018</a:t>
+              <a:t>16/09/2019</a:t>
             </a:fld>
             <a:endParaRPr lang="en-GB"/>
           </a:p>
@@ -2729,7 +2709,7 @@
           <a:p>
             <a:fld id="{66665395-52C5-5E4B-BB20-CD4E0BBC9899}" type="datetimeFigureOut">
               <a:rPr lang="en-GB" smtClean="0"/>
-              <a:t>19/09/2018</a:t>
+              <a:t>16/09/2019</a:t>
             </a:fld>
             <a:endParaRPr lang="en-GB"/>
           </a:p>
@@ -3042,7 +3022,7 @@
           <a:p>
             <a:fld id="{66665395-52C5-5E4B-BB20-CD4E0BBC9899}" type="datetimeFigureOut">
               <a:rPr lang="en-GB" smtClean="0"/>
-              <a:t>19/09/2018</a:t>
+              <a:t>16/09/2019</a:t>
             </a:fld>
             <a:endParaRPr lang="en-GB"/>
           </a:p>
@@ -3331,7 +3311,7 @@
           <a:p>
             <a:fld id="{66665395-52C5-5E4B-BB20-CD4E0BBC9899}" type="datetimeFigureOut">
               <a:rPr lang="en-GB" smtClean="0"/>
-              <a:t>19/09/2018</a:t>
+              <a:t>16/09/2019</a:t>
             </a:fld>
             <a:endParaRPr lang="en-GB"/>
           </a:p>
@@ -3574,7 +3554,7 @@
           <a:p>
             <a:fld id="{66665395-52C5-5E4B-BB20-CD4E0BBC9899}" type="datetimeFigureOut">
               <a:rPr lang="en-GB" smtClean="0"/>
-              <a:t>19/09/2018</a:t>
+              <a:t>16/09/2019</a:t>
             </a:fld>
             <a:endParaRPr lang="en-GB"/>
           </a:p>
@@ -4065,6 +4045,1463 @@
 </p:sld>
 </file>
 
+<file path=ppt/slides/slide10.xml><?xml version="1.0" encoding="utf-8"?>
+<p:sld xmlns:a="http://schemas.openxmlformats.org/drawingml/2006/main" xmlns:r="http://schemas.openxmlformats.org/officeDocument/2006/relationships" xmlns:p="http://schemas.openxmlformats.org/presentationml/2006/main">
+  <p:cSld>
+    <p:spTree>
+      <p:nvGrpSpPr>
+        <p:cNvPr id="1" name=""/>
+        <p:cNvGrpSpPr/>
+        <p:nvPr/>
+      </p:nvGrpSpPr>
+      <p:grpSpPr>
+        <a:xfrm>
+          <a:off x="0" y="0"/>
+          <a:ext cx="0" cy="0"/>
+          <a:chOff x="0" y="0"/>
+          <a:chExt cx="0" cy="0"/>
+        </a:xfrm>
+      </p:grpSpPr>
+      <p:sp>
+        <p:nvSpPr>
+          <p:cNvPr id="2" name="Title 1">
+            <a:extLst>
+              <a:ext uri="{FF2B5EF4-FFF2-40B4-BE49-F238E27FC236}">
+                <a16:creationId xmlns:a16="http://schemas.microsoft.com/office/drawing/2014/main" id="{29104A8A-8E32-9242-8B8A-6A5E8DB2A3BD}"/>
+              </a:ext>
+            </a:extLst>
+          </p:cNvPr>
+          <p:cNvSpPr>
+            <a:spLocks noGrp="1"/>
+          </p:cNvSpPr>
+          <p:nvPr>
+            <p:ph type="title"/>
+          </p:nvPr>
+        </p:nvSpPr>
+        <p:spPr/>
+        <p:txBody>
+          <a:bodyPr/>
+          <a:lstStyle/>
+          <a:p>
+            <a:r>
+              <a:rPr lang="en-GB" dirty="0" err="1"/>
+              <a:t>Virkefelter</a:t>
+            </a:r>
+            <a:r>
+              <a:rPr lang="en-GB" dirty="0"/>
+              <a:t> (scope)</a:t>
+            </a:r>
+          </a:p>
+        </p:txBody>
+      </p:sp>
+      <p:sp>
+        <p:nvSpPr>
+          <p:cNvPr id="36" name="Content Placeholder 2">
+            <a:extLst>
+              <a:ext uri="{FF2B5EF4-FFF2-40B4-BE49-F238E27FC236}">
+                <a16:creationId xmlns:a16="http://schemas.microsoft.com/office/drawing/2014/main" id="{C6D5DB84-E919-EF48-AFF4-8D5A0EFD8999}"/>
+              </a:ext>
+            </a:extLst>
+          </p:cNvPr>
+          <p:cNvSpPr txBox="1">
+            <a:spLocks/>
+          </p:cNvSpPr>
+          <p:nvPr/>
+        </p:nvSpPr>
+        <p:spPr>
+          <a:xfrm>
+            <a:off x="3504584" y="2054631"/>
+            <a:ext cx="3929154" cy="1071832"/>
+          </a:xfrm>
+          <a:prstGeom prst="rect">
+            <a:avLst/>
+          </a:prstGeom>
+        </p:spPr>
+        <p:txBody>
+          <a:bodyPr vert="horz" lIns="91440" tIns="45720" rIns="91440" bIns="45720" rtlCol="0">
+            <a:normAutofit/>
+          </a:bodyPr>
+          <a:lstStyle>
+            <a:lvl1pPr marL="228600" indent="-228600" algn="l" defTabSz="914400" rtl="0" eaLnBrk="1" latinLnBrk="0" hangingPunct="1">
+              <a:lnSpc>
+                <a:spcPct val="90000"/>
+              </a:lnSpc>
+              <a:spcBef>
+                <a:spcPts val="1000"/>
+              </a:spcBef>
+              <a:buFont typeface="Arial" panose="020B0604020202020204" pitchFamily="34" charset="0"/>
+              <a:buChar char="•"/>
+              <a:defRPr sz="2800" kern="1200">
+                <a:solidFill>
+                  <a:schemeClr val="tx1"/>
+                </a:solidFill>
+                <a:latin typeface="+mn-lt"/>
+                <a:ea typeface="+mn-ea"/>
+                <a:cs typeface="+mn-cs"/>
+              </a:defRPr>
+            </a:lvl1pPr>
+            <a:lvl2pPr marL="685800" indent="-228600" algn="l" defTabSz="914400" rtl="0" eaLnBrk="1" latinLnBrk="0" hangingPunct="1">
+              <a:lnSpc>
+                <a:spcPct val="90000"/>
+              </a:lnSpc>
+              <a:spcBef>
+                <a:spcPts val="500"/>
+              </a:spcBef>
+              <a:buFont typeface="Arial" panose="020B0604020202020204" pitchFamily="34" charset="0"/>
+              <a:buChar char="•"/>
+              <a:defRPr sz="2400" kern="1200">
+                <a:solidFill>
+                  <a:schemeClr val="tx1"/>
+                </a:solidFill>
+                <a:latin typeface="+mn-lt"/>
+                <a:ea typeface="+mn-ea"/>
+                <a:cs typeface="+mn-cs"/>
+              </a:defRPr>
+            </a:lvl2pPr>
+            <a:lvl3pPr marL="1143000" indent="-228600" algn="l" defTabSz="914400" rtl="0" eaLnBrk="1" latinLnBrk="0" hangingPunct="1">
+              <a:lnSpc>
+                <a:spcPct val="90000"/>
+              </a:lnSpc>
+              <a:spcBef>
+                <a:spcPts val="500"/>
+              </a:spcBef>
+              <a:buFont typeface="Arial" panose="020B0604020202020204" pitchFamily="34" charset="0"/>
+              <a:buChar char="•"/>
+              <a:defRPr sz="2000" kern="1200">
+                <a:solidFill>
+                  <a:schemeClr val="tx1"/>
+                </a:solidFill>
+                <a:latin typeface="+mn-lt"/>
+                <a:ea typeface="+mn-ea"/>
+                <a:cs typeface="+mn-cs"/>
+              </a:defRPr>
+            </a:lvl3pPr>
+            <a:lvl4pPr marL="1600200" indent="-228600" algn="l" defTabSz="914400" rtl="0" eaLnBrk="1" latinLnBrk="0" hangingPunct="1">
+              <a:lnSpc>
+                <a:spcPct val="90000"/>
+              </a:lnSpc>
+              <a:spcBef>
+                <a:spcPts val="500"/>
+              </a:spcBef>
+              <a:buFont typeface="Arial" panose="020B0604020202020204" pitchFamily="34" charset="0"/>
+              <a:buChar char="•"/>
+              <a:defRPr sz="1800" kern="1200">
+                <a:solidFill>
+                  <a:schemeClr val="tx1"/>
+                </a:solidFill>
+                <a:latin typeface="+mn-lt"/>
+                <a:ea typeface="+mn-ea"/>
+                <a:cs typeface="+mn-cs"/>
+              </a:defRPr>
+            </a:lvl4pPr>
+            <a:lvl5pPr marL="2057400" indent="-228600" algn="l" defTabSz="914400" rtl="0" eaLnBrk="1" latinLnBrk="0" hangingPunct="1">
+              <a:lnSpc>
+                <a:spcPct val="90000"/>
+              </a:lnSpc>
+              <a:spcBef>
+                <a:spcPts val="500"/>
+              </a:spcBef>
+              <a:buFont typeface="Arial" panose="020B0604020202020204" pitchFamily="34" charset="0"/>
+              <a:buChar char="•"/>
+              <a:defRPr sz="1800" kern="1200">
+                <a:solidFill>
+                  <a:schemeClr val="tx1"/>
+                </a:solidFill>
+                <a:latin typeface="+mn-lt"/>
+                <a:ea typeface="+mn-ea"/>
+                <a:cs typeface="+mn-cs"/>
+              </a:defRPr>
+            </a:lvl5pPr>
+            <a:lvl6pPr marL="2514600" indent="-228600" algn="l" defTabSz="914400" rtl="0" eaLnBrk="1" latinLnBrk="0" hangingPunct="1">
+              <a:lnSpc>
+                <a:spcPct val="90000"/>
+              </a:lnSpc>
+              <a:spcBef>
+                <a:spcPts val="500"/>
+              </a:spcBef>
+              <a:buFont typeface="Arial" panose="020B0604020202020204" pitchFamily="34" charset="0"/>
+              <a:buChar char="•"/>
+              <a:defRPr sz="1800" kern="1200">
+                <a:solidFill>
+                  <a:schemeClr val="tx1"/>
+                </a:solidFill>
+                <a:latin typeface="+mn-lt"/>
+                <a:ea typeface="+mn-ea"/>
+                <a:cs typeface="+mn-cs"/>
+              </a:defRPr>
+            </a:lvl6pPr>
+            <a:lvl7pPr marL="2971800" indent="-228600" algn="l" defTabSz="914400" rtl="0" eaLnBrk="1" latinLnBrk="0" hangingPunct="1">
+              <a:lnSpc>
+                <a:spcPct val="90000"/>
+              </a:lnSpc>
+              <a:spcBef>
+                <a:spcPts val="500"/>
+              </a:spcBef>
+              <a:buFont typeface="Arial" panose="020B0604020202020204" pitchFamily="34" charset="0"/>
+              <a:buChar char="•"/>
+              <a:defRPr sz="1800" kern="1200">
+                <a:solidFill>
+                  <a:schemeClr val="tx1"/>
+                </a:solidFill>
+                <a:latin typeface="+mn-lt"/>
+                <a:ea typeface="+mn-ea"/>
+                <a:cs typeface="+mn-cs"/>
+              </a:defRPr>
+            </a:lvl7pPr>
+            <a:lvl8pPr marL="3429000" indent="-228600" algn="l" defTabSz="914400" rtl="0" eaLnBrk="1" latinLnBrk="0" hangingPunct="1">
+              <a:lnSpc>
+                <a:spcPct val="90000"/>
+              </a:lnSpc>
+              <a:spcBef>
+                <a:spcPts val="500"/>
+              </a:spcBef>
+              <a:buFont typeface="Arial" panose="020B0604020202020204" pitchFamily="34" charset="0"/>
+              <a:buChar char="•"/>
+              <a:defRPr sz="1800" kern="1200">
+                <a:solidFill>
+                  <a:schemeClr val="tx1"/>
+                </a:solidFill>
+                <a:latin typeface="+mn-lt"/>
+                <a:ea typeface="+mn-ea"/>
+                <a:cs typeface="+mn-cs"/>
+              </a:defRPr>
+            </a:lvl8pPr>
+            <a:lvl9pPr marL="3886200" indent="-228600" algn="l" defTabSz="914400" rtl="0" eaLnBrk="1" latinLnBrk="0" hangingPunct="1">
+              <a:lnSpc>
+                <a:spcPct val="90000"/>
+              </a:lnSpc>
+              <a:spcBef>
+                <a:spcPts val="500"/>
+              </a:spcBef>
+              <a:buFont typeface="Arial" panose="020B0604020202020204" pitchFamily="34" charset="0"/>
+              <a:buChar char="•"/>
+              <a:defRPr sz="1800" kern="1200">
+                <a:solidFill>
+                  <a:schemeClr val="tx1"/>
+                </a:solidFill>
+                <a:latin typeface="+mn-lt"/>
+                <a:ea typeface="+mn-ea"/>
+                <a:cs typeface="+mn-cs"/>
+              </a:defRPr>
+            </a:lvl9pPr>
+          </a:lstStyle>
+          <a:p>
+            <a:pPr marL="0" indent="0">
+              <a:lnSpc>
+                <a:spcPct val="100000"/>
+              </a:lnSpc>
+              <a:buNone/>
+            </a:pPr>
+            <a:r>
+              <a:rPr lang="en-GB" sz="1400" dirty="0">
+                <a:latin typeface="DejaVu Sans Book" panose="020B0603030804020204" pitchFamily="34" charset="0"/>
+                <a:ea typeface="DejaVu Sans Book" panose="020B0603030804020204" pitchFamily="34" charset="0"/>
+                <a:cs typeface="DejaVu Sans Book" panose="020B0603030804020204" pitchFamily="34" charset="0"/>
+              </a:rPr>
+              <a:t>let name = "World" </a:t>
+            </a:r>
+          </a:p>
+          <a:p>
+            <a:pPr marL="0" indent="0">
+              <a:lnSpc>
+                <a:spcPct val="100000"/>
+              </a:lnSpc>
+              <a:buNone/>
+            </a:pPr>
+            <a:r>
+              <a:rPr lang="en-GB" sz="1400" dirty="0">
+                <a:latin typeface="DejaVu Sans Book" panose="020B0603030804020204" pitchFamily="34" charset="0"/>
+                <a:ea typeface="DejaVu Sans Book" panose="020B0603030804020204" pitchFamily="34" charset="0"/>
+                <a:cs typeface="DejaVu Sans Book" panose="020B0603030804020204" pitchFamily="34" charset="0"/>
+              </a:rPr>
+              <a:t>let name = "Jon"</a:t>
+            </a:r>
+          </a:p>
+          <a:p>
+            <a:pPr marL="0" indent="0">
+              <a:lnSpc>
+                <a:spcPct val="100000"/>
+              </a:lnSpc>
+              <a:buNone/>
+            </a:pPr>
+            <a:r>
+              <a:rPr lang="en-GB" sz="1400" dirty="0">
+                <a:latin typeface="DejaVu Sans Book" panose="020B0603030804020204" pitchFamily="34" charset="0"/>
+                <a:ea typeface="DejaVu Sans Book" panose="020B0603030804020204" pitchFamily="34" charset="0"/>
+                <a:cs typeface="DejaVu Sans Book" panose="020B0603030804020204" pitchFamily="34" charset="0"/>
+              </a:rPr>
+              <a:t>do </a:t>
+            </a:r>
+            <a:r>
+              <a:rPr lang="en-GB" sz="1400" dirty="0" err="1">
+                <a:latin typeface="DejaVu Sans Book" panose="020B0603030804020204" pitchFamily="34" charset="0"/>
+                <a:ea typeface="DejaVu Sans Book" panose="020B0603030804020204" pitchFamily="34" charset="0"/>
+                <a:cs typeface="DejaVu Sans Book" panose="020B0603030804020204" pitchFamily="34" charset="0"/>
+              </a:rPr>
+              <a:t>printfn</a:t>
+            </a:r>
+            <a:r>
+              <a:rPr lang="en-GB" sz="1400" dirty="0">
+                <a:latin typeface="DejaVu Sans Book" panose="020B0603030804020204" pitchFamily="34" charset="0"/>
+                <a:ea typeface="DejaVu Sans Book" panose="020B0603030804020204" pitchFamily="34" charset="0"/>
+                <a:cs typeface="DejaVu Sans Book" panose="020B0603030804020204" pitchFamily="34" charset="0"/>
+              </a:rPr>
+              <a:t> "Hello %s" name</a:t>
+            </a:r>
+          </a:p>
+        </p:txBody>
+      </p:sp>
+      <p:sp>
+        <p:nvSpPr>
+          <p:cNvPr id="37" name="TextBox 36">
+            <a:extLst>
+              <a:ext uri="{FF2B5EF4-FFF2-40B4-BE49-F238E27FC236}">
+                <a16:creationId xmlns:a16="http://schemas.microsoft.com/office/drawing/2014/main" id="{417BC465-2A38-FD47-B905-DEC10D569BD8}"/>
+              </a:ext>
+            </a:extLst>
+          </p:cNvPr>
+          <p:cNvSpPr txBox="1"/>
+          <p:nvPr/>
+        </p:nvSpPr>
+        <p:spPr>
+          <a:xfrm>
+            <a:off x="3254204" y="1466384"/>
+            <a:ext cx="5925020" cy="461665"/>
+          </a:xfrm>
+          <a:prstGeom prst="rect">
+            <a:avLst/>
+          </a:prstGeom>
+          <a:noFill/>
+        </p:spPr>
+        <p:txBody>
+          <a:bodyPr wrap="none" rtlCol="0">
+            <a:spAutoFit/>
+          </a:bodyPr>
+          <a:lstStyle/>
+          <a:p>
+            <a:r>
+              <a:rPr lang="en-GB" sz="2400" dirty="0" err="1"/>
+              <a:t>Navne</a:t>
+            </a:r>
+            <a:r>
+              <a:rPr lang="en-GB" sz="2400" dirty="0"/>
+              <a:t> (</a:t>
+            </a:r>
+            <a:r>
+              <a:rPr lang="en-GB" sz="2400" dirty="0" err="1"/>
+              <a:t>i</a:t>
+            </a:r>
+            <a:r>
+              <a:rPr lang="en-GB" sz="2400" dirty="0"/>
+              <a:t> </a:t>
+            </a:r>
+            <a:r>
+              <a:rPr lang="en-GB" sz="2400" dirty="0" err="1"/>
+              <a:t>yderste</a:t>
+            </a:r>
+            <a:r>
+              <a:rPr lang="en-GB" sz="2400" dirty="0"/>
+              <a:t> </a:t>
+            </a:r>
+            <a:r>
+              <a:rPr lang="en-GB" sz="2400" dirty="0" err="1"/>
+              <a:t>virkefelt</a:t>
+            </a:r>
+            <a:r>
+              <a:rPr lang="en-GB" sz="2400" dirty="0"/>
+              <a:t>) </a:t>
+            </a:r>
+            <a:r>
+              <a:rPr lang="en-GB" sz="2400" dirty="0" err="1"/>
+              <a:t>kan</a:t>
+            </a:r>
+            <a:r>
+              <a:rPr lang="en-GB" sz="2400" dirty="0"/>
+              <a:t> </a:t>
+            </a:r>
+            <a:r>
+              <a:rPr lang="en-GB" sz="2400" dirty="0" err="1"/>
+              <a:t>ikke</a:t>
+            </a:r>
+            <a:r>
+              <a:rPr lang="en-GB" sz="2400" dirty="0"/>
+              <a:t> </a:t>
+            </a:r>
+            <a:r>
+              <a:rPr lang="en-GB" sz="2400" dirty="0" err="1"/>
+              <a:t>overskrives</a:t>
+            </a:r>
+            <a:endParaRPr lang="en-GB" sz="2400" dirty="0"/>
+          </a:p>
+        </p:txBody>
+      </p:sp>
+      <p:sp>
+        <p:nvSpPr>
+          <p:cNvPr id="21" name="Content Placeholder 2">
+            <a:extLst>
+              <a:ext uri="{FF2B5EF4-FFF2-40B4-BE49-F238E27FC236}">
+                <a16:creationId xmlns:a16="http://schemas.microsoft.com/office/drawing/2014/main" id="{B126CC79-D1D0-0142-92F0-870AE622FD74}"/>
+              </a:ext>
+            </a:extLst>
+          </p:cNvPr>
+          <p:cNvSpPr txBox="1">
+            <a:spLocks/>
+          </p:cNvSpPr>
+          <p:nvPr/>
+        </p:nvSpPr>
+        <p:spPr>
+          <a:xfrm>
+            <a:off x="3504587" y="3889622"/>
+            <a:ext cx="4123679" cy="2832914"/>
+          </a:xfrm>
+          <a:prstGeom prst="rect">
+            <a:avLst/>
+          </a:prstGeom>
+        </p:spPr>
+        <p:txBody>
+          <a:bodyPr vert="horz" lIns="91440" tIns="45720" rIns="91440" bIns="45720" rtlCol="0">
+            <a:noAutofit/>
+          </a:bodyPr>
+          <a:lstStyle>
+            <a:lvl1pPr marL="228600" indent="-228600" algn="l" defTabSz="914400" rtl="0" eaLnBrk="1" latinLnBrk="0" hangingPunct="1">
+              <a:lnSpc>
+                <a:spcPct val="90000"/>
+              </a:lnSpc>
+              <a:spcBef>
+                <a:spcPts val="1000"/>
+              </a:spcBef>
+              <a:buFont typeface="Arial" panose="020B0604020202020204" pitchFamily="34" charset="0"/>
+              <a:buChar char="•"/>
+              <a:defRPr sz="2800" kern="1200">
+                <a:solidFill>
+                  <a:schemeClr val="tx1"/>
+                </a:solidFill>
+                <a:latin typeface="+mn-lt"/>
+                <a:ea typeface="+mn-ea"/>
+                <a:cs typeface="+mn-cs"/>
+              </a:defRPr>
+            </a:lvl1pPr>
+            <a:lvl2pPr marL="685800" indent="-228600" algn="l" defTabSz="914400" rtl="0" eaLnBrk="1" latinLnBrk="0" hangingPunct="1">
+              <a:lnSpc>
+                <a:spcPct val="90000"/>
+              </a:lnSpc>
+              <a:spcBef>
+                <a:spcPts val="500"/>
+              </a:spcBef>
+              <a:buFont typeface="Arial" panose="020B0604020202020204" pitchFamily="34" charset="0"/>
+              <a:buChar char="•"/>
+              <a:defRPr sz="2400" kern="1200">
+                <a:solidFill>
+                  <a:schemeClr val="tx1"/>
+                </a:solidFill>
+                <a:latin typeface="+mn-lt"/>
+                <a:ea typeface="+mn-ea"/>
+                <a:cs typeface="+mn-cs"/>
+              </a:defRPr>
+            </a:lvl2pPr>
+            <a:lvl3pPr marL="1143000" indent="-228600" algn="l" defTabSz="914400" rtl="0" eaLnBrk="1" latinLnBrk="0" hangingPunct="1">
+              <a:lnSpc>
+                <a:spcPct val="90000"/>
+              </a:lnSpc>
+              <a:spcBef>
+                <a:spcPts val="500"/>
+              </a:spcBef>
+              <a:buFont typeface="Arial" panose="020B0604020202020204" pitchFamily="34" charset="0"/>
+              <a:buChar char="•"/>
+              <a:defRPr sz="2000" kern="1200">
+                <a:solidFill>
+                  <a:schemeClr val="tx1"/>
+                </a:solidFill>
+                <a:latin typeface="+mn-lt"/>
+                <a:ea typeface="+mn-ea"/>
+                <a:cs typeface="+mn-cs"/>
+              </a:defRPr>
+            </a:lvl3pPr>
+            <a:lvl4pPr marL="1600200" indent="-228600" algn="l" defTabSz="914400" rtl="0" eaLnBrk="1" latinLnBrk="0" hangingPunct="1">
+              <a:lnSpc>
+                <a:spcPct val="90000"/>
+              </a:lnSpc>
+              <a:spcBef>
+                <a:spcPts val="500"/>
+              </a:spcBef>
+              <a:buFont typeface="Arial" panose="020B0604020202020204" pitchFamily="34" charset="0"/>
+              <a:buChar char="•"/>
+              <a:defRPr sz="1800" kern="1200">
+                <a:solidFill>
+                  <a:schemeClr val="tx1"/>
+                </a:solidFill>
+                <a:latin typeface="+mn-lt"/>
+                <a:ea typeface="+mn-ea"/>
+                <a:cs typeface="+mn-cs"/>
+              </a:defRPr>
+            </a:lvl4pPr>
+            <a:lvl5pPr marL="2057400" indent="-228600" algn="l" defTabSz="914400" rtl="0" eaLnBrk="1" latinLnBrk="0" hangingPunct="1">
+              <a:lnSpc>
+                <a:spcPct val="90000"/>
+              </a:lnSpc>
+              <a:spcBef>
+                <a:spcPts val="500"/>
+              </a:spcBef>
+              <a:buFont typeface="Arial" panose="020B0604020202020204" pitchFamily="34" charset="0"/>
+              <a:buChar char="•"/>
+              <a:defRPr sz="1800" kern="1200">
+                <a:solidFill>
+                  <a:schemeClr val="tx1"/>
+                </a:solidFill>
+                <a:latin typeface="+mn-lt"/>
+                <a:ea typeface="+mn-ea"/>
+                <a:cs typeface="+mn-cs"/>
+              </a:defRPr>
+            </a:lvl5pPr>
+            <a:lvl6pPr marL="2514600" indent="-228600" algn="l" defTabSz="914400" rtl="0" eaLnBrk="1" latinLnBrk="0" hangingPunct="1">
+              <a:lnSpc>
+                <a:spcPct val="90000"/>
+              </a:lnSpc>
+              <a:spcBef>
+                <a:spcPts val="500"/>
+              </a:spcBef>
+              <a:buFont typeface="Arial" panose="020B0604020202020204" pitchFamily="34" charset="0"/>
+              <a:buChar char="•"/>
+              <a:defRPr sz="1800" kern="1200">
+                <a:solidFill>
+                  <a:schemeClr val="tx1"/>
+                </a:solidFill>
+                <a:latin typeface="+mn-lt"/>
+                <a:ea typeface="+mn-ea"/>
+                <a:cs typeface="+mn-cs"/>
+              </a:defRPr>
+            </a:lvl6pPr>
+            <a:lvl7pPr marL="2971800" indent="-228600" algn="l" defTabSz="914400" rtl="0" eaLnBrk="1" latinLnBrk="0" hangingPunct="1">
+              <a:lnSpc>
+                <a:spcPct val="90000"/>
+              </a:lnSpc>
+              <a:spcBef>
+                <a:spcPts val="500"/>
+              </a:spcBef>
+              <a:buFont typeface="Arial" panose="020B0604020202020204" pitchFamily="34" charset="0"/>
+              <a:buChar char="•"/>
+              <a:defRPr sz="1800" kern="1200">
+                <a:solidFill>
+                  <a:schemeClr val="tx1"/>
+                </a:solidFill>
+                <a:latin typeface="+mn-lt"/>
+                <a:ea typeface="+mn-ea"/>
+                <a:cs typeface="+mn-cs"/>
+              </a:defRPr>
+            </a:lvl7pPr>
+            <a:lvl8pPr marL="3429000" indent="-228600" algn="l" defTabSz="914400" rtl="0" eaLnBrk="1" latinLnBrk="0" hangingPunct="1">
+              <a:lnSpc>
+                <a:spcPct val="90000"/>
+              </a:lnSpc>
+              <a:spcBef>
+                <a:spcPts val="500"/>
+              </a:spcBef>
+              <a:buFont typeface="Arial" panose="020B0604020202020204" pitchFamily="34" charset="0"/>
+              <a:buChar char="•"/>
+              <a:defRPr sz="1800" kern="1200">
+                <a:solidFill>
+                  <a:schemeClr val="tx1"/>
+                </a:solidFill>
+                <a:latin typeface="+mn-lt"/>
+                <a:ea typeface="+mn-ea"/>
+                <a:cs typeface="+mn-cs"/>
+              </a:defRPr>
+            </a:lvl8pPr>
+            <a:lvl9pPr marL="3886200" indent="-228600" algn="l" defTabSz="914400" rtl="0" eaLnBrk="1" latinLnBrk="0" hangingPunct="1">
+              <a:lnSpc>
+                <a:spcPct val="90000"/>
+              </a:lnSpc>
+              <a:spcBef>
+                <a:spcPts val="500"/>
+              </a:spcBef>
+              <a:buFont typeface="Arial" panose="020B0604020202020204" pitchFamily="34" charset="0"/>
+              <a:buChar char="•"/>
+              <a:defRPr sz="1800" kern="1200">
+                <a:solidFill>
+                  <a:schemeClr val="tx1"/>
+                </a:solidFill>
+                <a:latin typeface="+mn-lt"/>
+                <a:ea typeface="+mn-ea"/>
+                <a:cs typeface="+mn-cs"/>
+              </a:defRPr>
+            </a:lvl9pPr>
+          </a:lstStyle>
+          <a:p>
+            <a:pPr marL="0" indent="0">
+              <a:lnSpc>
+                <a:spcPct val="100000"/>
+              </a:lnSpc>
+              <a:buNone/>
+            </a:pPr>
+            <a:r>
+              <a:rPr lang="en-GB" sz="1400" dirty="0">
+                <a:latin typeface="DejaVu Sans Book" panose="020B0603030804020204" pitchFamily="34" charset="0"/>
+                <a:ea typeface="DejaVu Sans Book" panose="020B0603030804020204" pitchFamily="34" charset="0"/>
+                <a:cs typeface="DejaVu Sans Book" panose="020B0603030804020204" pitchFamily="34" charset="0"/>
+              </a:rPr>
+              <a:t>let greeting = "Hello" </a:t>
+            </a:r>
+          </a:p>
+          <a:p>
+            <a:pPr marL="0" indent="0">
+              <a:lnSpc>
+                <a:spcPct val="100000"/>
+              </a:lnSpc>
+              <a:buNone/>
+            </a:pPr>
+            <a:r>
+              <a:rPr lang="en-GB" sz="1400" dirty="0">
+                <a:latin typeface="DejaVu Sans Book" panose="020B0603030804020204" pitchFamily="34" charset="0"/>
+                <a:ea typeface="DejaVu Sans Book" panose="020B0603030804020204" pitchFamily="34" charset="0"/>
+                <a:cs typeface="DejaVu Sans Book" panose="020B0603030804020204" pitchFamily="34" charset="0"/>
+              </a:rPr>
+              <a:t>let name = "Jon"</a:t>
+            </a:r>
+          </a:p>
+          <a:p>
+            <a:pPr marL="0" indent="0">
+              <a:lnSpc>
+                <a:spcPct val="100000"/>
+              </a:lnSpc>
+              <a:buNone/>
+            </a:pPr>
+            <a:r>
+              <a:rPr lang="en-GB" sz="1400" dirty="0">
+                <a:latin typeface="DejaVu Sans Book" panose="020B0603030804020204" pitchFamily="34" charset="0"/>
+                <a:ea typeface="DejaVu Sans Book" panose="020B0603030804020204" pitchFamily="34" charset="0"/>
+                <a:cs typeface="DejaVu Sans Book" panose="020B0603030804020204" pitchFamily="34" charset="0"/>
+              </a:rPr>
+              <a:t>do </a:t>
+            </a:r>
+            <a:r>
+              <a:rPr lang="en-GB" sz="1400" dirty="0" err="1">
+                <a:latin typeface="DejaVu Sans Book" panose="020B0603030804020204" pitchFamily="34" charset="0"/>
+                <a:ea typeface="DejaVu Sans Book" panose="020B0603030804020204" pitchFamily="34" charset="0"/>
+                <a:cs typeface="DejaVu Sans Book" panose="020B0603030804020204" pitchFamily="34" charset="0"/>
+              </a:rPr>
+              <a:t>printfn</a:t>
+            </a:r>
+            <a:r>
+              <a:rPr lang="en-GB" sz="1400" dirty="0">
+                <a:latin typeface="DejaVu Sans Book" panose="020B0603030804020204" pitchFamily="34" charset="0"/>
+                <a:ea typeface="DejaVu Sans Book" panose="020B0603030804020204" pitchFamily="34" charset="0"/>
+                <a:cs typeface="DejaVu Sans Book" panose="020B0603030804020204" pitchFamily="34" charset="0"/>
+              </a:rPr>
+              <a:t> "%s %s" greeting name</a:t>
+            </a:r>
+          </a:p>
+          <a:p>
+            <a:pPr marL="0" indent="0">
+              <a:lnSpc>
+                <a:spcPct val="100000"/>
+              </a:lnSpc>
+              <a:buNone/>
+            </a:pPr>
+            <a:r>
+              <a:rPr lang="en-GB" sz="1400" dirty="0">
+                <a:latin typeface="DejaVu Sans Book" panose="020B0603030804020204" pitchFamily="34" charset="0"/>
+                <a:ea typeface="DejaVu Sans Book" panose="020B0603030804020204" pitchFamily="34" charset="0"/>
+                <a:cs typeface="DejaVu Sans Book" panose="020B0603030804020204" pitchFamily="34" charset="0"/>
+              </a:rPr>
+              <a:t>(</a:t>
+            </a:r>
+          </a:p>
+          <a:p>
+            <a:pPr marL="0" indent="0">
+              <a:lnSpc>
+                <a:spcPct val="100000"/>
+              </a:lnSpc>
+              <a:buNone/>
+            </a:pPr>
+            <a:r>
+              <a:rPr lang="en-GB" sz="1400" dirty="0">
+                <a:latin typeface="DejaVu Sans Book" panose="020B0603030804020204" pitchFamily="34" charset="0"/>
+                <a:ea typeface="DejaVu Sans Book" panose="020B0603030804020204" pitchFamily="34" charset="0"/>
+                <a:cs typeface="DejaVu Sans Book" panose="020B0603030804020204" pitchFamily="34" charset="0"/>
+              </a:rPr>
+              <a:t>   let name = "Anders"</a:t>
+            </a:r>
+          </a:p>
+          <a:p>
+            <a:pPr marL="0" indent="0">
+              <a:lnSpc>
+                <a:spcPct val="100000"/>
+              </a:lnSpc>
+              <a:buNone/>
+            </a:pPr>
+            <a:r>
+              <a:rPr lang="en-GB" sz="1400" dirty="0">
+                <a:latin typeface="DejaVu Sans Book" panose="020B0603030804020204" pitchFamily="34" charset="0"/>
+                <a:ea typeface="DejaVu Sans Book" panose="020B0603030804020204" pitchFamily="34" charset="0"/>
+                <a:cs typeface="DejaVu Sans Book" panose="020B0603030804020204" pitchFamily="34" charset="0"/>
+              </a:rPr>
+              <a:t>   do </a:t>
+            </a:r>
+            <a:r>
+              <a:rPr lang="en-GB" sz="1400" dirty="0" err="1">
+                <a:latin typeface="DejaVu Sans Book" panose="020B0603030804020204" pitchFamily="34" charset="0"/>
+                <a:ea typeface="DejaVu Sans Book" panose="020B0603030804020204" pitchFamily="34" charset="0"/>
+                <a:cs typeface="DejaVu Sans Book" panose="020B0603030804020204" pitchFamily="34" charset="0"/>
+              </a:rPr>
+              <a:t>printfn</a:t>
+            </a:r>
+            <a:r>
+              <a:rPr lang="en-GB" sz="1400" dirty="0">
+                <a:latin typeface="DejaVu Sans Book" panose="020B0603030804020204" pitchFamily="34" charset="0"/>
+                <a:ea typeface="DejaVu Sans Book" panose="020B0603030804020204" pitchFamily="34" charset="0"/>
+                <a:cs typeface="DejaVu Sans Book" panose="020B0603030804020204" pitchFamily="34" charset="0"/>
+              </a:rPr>
+              <a:t> "%s %s" greeting name</a:t>
+            </a:r>
+          </a:p>
+          <a:p>
+            <a:pPr marL="0" indent="0">
+              <a:lnSpc>
+                <a:spcPct val="100000"/>
+              </a:lnSpc>
+              <a:buNone/>
+            </a:pPr>
+            <a:r>
+              <a:rPr lang="en-GB" sz="1400" dirty="0">
+                <a:latin typeface="DejaVu Sans Book" panose="020B0603030804020204" pitchFamily="34" charset="0"/>
+                <a:ea typeface="DejaVu Sans Book" panose="020B0603030804020204" pitchFamily="34" charset="0"/>
+                <a:cs typeface="DejaVu Sans Book" panose="020B0603030804020204" pitchFamily="34" charset="0"/>
+              </a:rPr>
+              <a:t>)</a:t>
+            </a:r>
+          </a:p>
+          <a:p>
+            <a:pPr marL="0" indent="0">
+              <a:lnSpc>
+                <a:spcPct val="100000"/>
+              </a:lnSpc>
+              <a:buNone/>
+            </a:pPr>
+            <a:r>
+              <a:rPr lang="en-GB" sz="1400" dirty="0">
+                <a:latin typeface="DejaVu Sans Book" panose="020B0603030804020204" pitchFamily="34" charset="0"/>
+                <a:ea typeface="DejaVu Sans Book" panose="020B0603030804020204" pitchFamily="34" charset="0"/>
+                <a:cs typeface="DejaVu Sans Book" panose="020B0603030804020204" pitchFamily="34" charset="0"/>
+              </a:rPr>
+              <a:t>do </a:t>
+            </a:r>
+            <a:r>
+              <a:rPr lang="en-GB" sz="1400" dirty="0" err="1">
+                <a:latin typeface="DejaVu Sans Book" panose="020B0603030804020204" pitchFamily="34" charset="0"/>
+                <a:ea typeface="DejaVu Sans Book" panose="020B0603030804020204" pitchFamily="34" charset="0"/>
+                <a:cs typeface="DejaVu Sans Book" panose="020B0603030804020204" pitchFamily="34" charset="0"/>
+              </a:rPr>
+              <a:t>printfn</a:t>
+            </a:r>
+            <a:r>
+              <a:rPr lang="en-GB" sz="1400" dirty="0">
+                <a:latin typeface="DejaVu Sans Book" panose="020B0603030804020204" pitchFamily="34" charset="0"/>
+                <a:ea typeface="DejaVu Sans Book" panose="020B0603030804020204" pitchFamily="34" charset="0"/>
+                <a:cs typeface="DejaVu Sans Book" panose="020B0603030804020204" pitchFamily="34" charset="0"/>
+              </a:rPr>
+              <a:t> "%s %s" greeting name</a:t>
+            </a:r>
+          </a:p>
+        </p:txBody>
+      </p:sp>
+      <p:sp>
+        <p:nvSpPr>
+          <p:cNvPr id="22" name="TextBox 21">
+            <a:extLst>
+              <a:ext uri="{FF2B5EF4-FFF2-40B4-BE49-F238E27FC236}">
+                <a16:creationId xmlns:a16="http://schemas.microsoft.com/office/drawing/2014/main" id="{0EE629AA-59CF-8545-8E76-2CB626811C2A}"/>
+              </a:ext>
+            </a:extLst>
+          </p:cNvPr>
+          <p:cNvSpPr txBox="1"/>
+          <p:nvPr/>
+        </p:nvSpPr>
+        <p:spPr>
+          <a:xfrm>
+            <a:off x="3254206" y="3292430"/>
+            <a:ext cx="3345531" cy="461665"/>
+          </a:xfrm>
+          <a:prstGeom prst="rect">
+            <a:avLst/>
+          </a:prstGeom>
+          <a:noFill/>
+        </p:spPr>
+        <p:txBody>
+          <a:bodyPr wrap="none" rtlCol="0">
+            <a:spAutoFit/>
+          </a:bodyPr>
+          <a:lstStyle/>
+          <a:p>
+            <a:r>
+              <a:rPr lang="en-GB" sz="2400" dirty="0" err="1"/>
+              <a:t>Virkefelter</a:t>
+            </a:r>
+            <a:r>
+              <a:rPr lang="en-GB" sz="2400" dirty="0"/>
+              <a:t> via </a:t>
+            </a:r>
+            <a:r>
+              <a:rPr lang="en-GB" sz="2400" dirty="0" err="1"/>
+              <a:t>parenteser</a:t>
+            </a:r>
+            <a:endParaRPr lang="en-GB" sz="2400" dirty="0"/>
+          </a:p>
+        </p:txBody>
+      </p:sp>
+      <p:cxnSp>
+        <p:nvCxnSpPr>
+          <p:cNvPr id="24" name="Straight Connector 23">
+            <a:extLst>
+              <a:ext uri="{FF2B5EF4-FFF2-40B4-BE49-F238E27FC236}">
+                <a16:creationId xmlns:a16="http://schemas.microsoft.com/office/drawing/2014/main" id="{0A7FAD3F-4C29-6645-B95C-D79E31F1B5FD}"/>
+              </a:ext>
+            </a:extLst>
+          </p:cNvPr>
+          <p:cNvCxnSpPr>
+            <a:cxnSpLocks/>
+          </p:cNvCxnSpPr>
+          <p:nvPr/>
+        </p:nvCxnSpPr>
+        <p:spPr>
+          <a:xfrm>
+            <a:off x="3254205" y="3279149"/>
+            <a:ext cx="5925020" cy="0"/>
+          </a:xfrm>
+          <a:prstGeom prst="line">
+            <a:avLst/>
+          </a:prstGeom>
+        </p:spPr>
+        <p:style>
+          <a:lnRef idx="1">
+            <a:schemeClr val="accent1"/>
+          </a:lnRef>
+          <a:fillRef idx="0">
+            <a:schemeClr val="accent1"/>
+          </a:fillRef>
+          <a:effectRef idx="0">
+            <a:schemeClr val="accent1"/>
+          </a:effectRef>
+          <a:fontRef idx="minor">
+            <a:schemeClr val="tx1"/>
+          </a:fontRef>
+        </p:style>
+      </p:cxnSp>
+      <p:sp>
+        <p:nvSpPr>
+          <p:cNvPr id="11" name="Frame 10">
+            <a:extLst>
+              <a:ext uri="{FF2B5EF4-FFF2-40B4-BE49-F238E27FC236}">
+                <a16:creationId xmlns:a16="http://schemas.microsoft.com/office/drawing/2014/main" id="{1589F8F8-BFCD-0C4F-A8F5-A055BD6FA203}"/>
+              </a:ext>
+            </a:extLst>
+          </p:cNvPr>
+          <p:cNvSpPr/>
+          <p:nvPr/>
+        </p:nvSpPr>
+        <p:spPr>
+          <a:xfrm>
+            <a:off x="3470718" y="3872691"/>
+            <a:ext cx="3963019" cy="2849848"/>
+          </a:xfrm>
+          <a:prstGeom prst="frame">
+            <a:avLst>
+              <a:gd name="adj1" fmla="val 1746"/>
+            </a:avLst>
+          </a:prstGeom>
+        </p:spPr>
+        <p:style>
+          <a:lnRef idx="2">
+            <a:schemeClr val="accent1">
+              <a:shade val="50000"/>
+            </a:schemeClr>
+          </a:lnRef>
+          <a:fillRef idx="1">
+            <a:schemeClr val="accent1"/>
+          </a:fillRef>
+          <a:effectRef idx="0">
+            <a:schemeClr val="accent1"/>
+          </a:effectRef>
+          <a:fontRef idx="minor">
+            <a:schemeClr val="lt1"/>
+          </a:fontRef>
+        </p:style>
+        <p:txBody>
+          <a:bodyPr rot="0" spcFirstLastPara="0" vertOverflow="overflow" horzOverflow="overflow" vert="horz" wrap="square" lIns="91440" tIns="45720" rIns="91440" bIns="45720" numCol="1" spcCol="0" rtlCol="0" fromWordArt="0" anchor="ctr" anchorCtr="0" forceAA="0" compatLnSpc="1">
+            <a:prstTxWarp prst="textNoShape">
+              <a:avLst/>
+            </a:prstTxWarp>
+            <a:noAutofit/>
+          </a:bodyPr>
+          <a:lstStyle/>
+          <a:p>
+            <a:pPr algn="ctr"/>
+            <a:endParaRPr lang="en-GB" sz="2520">
+              <a:solidFill>
+                <a:schemeClr val="tx1"/>
+              </a:solidFill>
+            </a:endParaRPr>
+          </a:p>
+        </p:txBody>
+      </p:sp>
+      <p:sp>
+        <p:nvSpPr>
+          <p:cNvPr id="25" name="Frame 24">
+            <a:extLst>
+              <a:ext uri="{FF2B5EF4-FFF2-40B4-BE49-F238E27FC236}">
+                <a16:creationId xmlns:a16="http://schemas.microsoft.com/office/drawing/2014/main" id="{16DD260F-77CB-F443-A7F1-CB3D5A802CD3}"/>
+              </a:ext>
+            </a:extLst>
+          </p:cNvPr>
+          <p:cNvSpPr/>
+          <p:nvPr/>
+        </p:nvSpPr>
+        <p:spPr>
+          <a:xfrm>
+            <a:off x="3649138" y="5222229"/>
+            <a:ext cx="3276599" cy="771248"/>
+          </a:xfrm>
+          <a:prstGeom prst="frame">
+            <a:avLst>
+              <a:gd name="adj1" fmla="val 1746"/>
+            </a:avLst>
+          </a:prstGeom>
+        </p:spPr>
+        <p:style>
+          <a:lnRef idx="2">
+            <a:schemeClr val="accent1">
+              <a:shade val="50000"/>
+            </a:schemeClr>
+          </a:lnRef>
+          <a:fillRef idx="1">
+            <a:schemeClr val="accent1"/>
+          </a:fillRef>
+          <a:effectRef idx="0">
+            <a:schemeClr val="accent1"/>
+          </a:effectRef>
+          <a:fontRef idx="minor">
+            <a:schemeClr val="lt1"/>
+          </a:fontRef>
+        </p:style>
+        <p:txBody>
+          <a:bodyPr rot="0" spcFirstLastPara="0" vertOverflow="overflow" horzOverflow="overflow" vert="horz" wrap="square" lIns="91440" tIns="45720" rIns="91440" bIns="45720" numCol="1" spcCol="0" rtlCol="0" fromWordArt="0" anchor="ctr" anchorCtr="0" forceAA="0" compatLnSpc="1">
+            <a:prstTxWarp prst="textNoShape">
+              <a:avLst/>
+            </a:prstTxWarp>
+            <a:noAutofit/>
+          </a:bodyPr>
+          <a:lstStyle/>
+          <a:p>
+            <a:pPr algn="ctr"/>
+            <a:endParaRPr lang="en-GB" sz="2520">
+              <a:solidFill>
+                <a:schemeClr val="tx1"/>
+              </a:solidFill>
+            </a:endParaRPr>
+          </a:p>
+        </p:txBody>
+      </p:sp>
+      <p:sp>
+        <p:nvSpPr>
+          <p:cNvPr id="14" name="TextBox 13">
+            <a:extLst>
+              <a:ext uri="{FF2B5EF4-FFF2-40B4-BE49-F238E27FC236}">
+                <a16:creationId xmlns:a16="http://schemas.microsoft.com/office/drawing/2014/main" id="{4DAA077A-15B8-7A41-B80A-C87683361FE3}"/>
+              </a:ext>
+            </a:extLst>
+          </p:cNvPr>
+          <p:cNvSpPr txBox="1"/>
+          <p:nvPr/>
+        </p:nvSpPr>
+        <p:spPr>
+          <a:xfrm>
+            <a:off x="7433734" y="3776679"/>
+            <a:ext cx="348172" cy="480131"/>
+          </a:xfrm>
+          <a:prstGeom prst="rect">
+            <a:avLst/>
+          </a:prstGeom>
+          <a:noFill/>
+        </p:spPr>
+        <p:txBody>
+          <a:bodyPr wrap="none" rtlCol="0">
+            <a:spAutoFit/>
+          </a:bodyPr>
+          <a:lstStyle/>
+          <a:p>
+            <a:r>
+              <a:rPr lang="en-GB" sz="2520" dirty="0"/>
+              <a:t>0</a:t>
+            </a:r>
+          </a:p>
+        </p:txBody>
+      </p:sp>
+      <p:sp>
+        <p:nvSpPr>
+          <p:cNvPr id="15" name="TextBox 14">
+            <a:extLst>
+              <a:ext uri="{FF2B5EF4-FFF2-40B4-BE49-F238E27FC236}">
+                <a16:creationId xmlns:a16="http://schemas.microsoft.com/office/drawing/2014/main" id="{82463494-A9FF-2F41-B3E9-47CFC3C8FA2D}"/>
+              </a:ext>
+            </a:extLst>
+          </p:cNvPr>
+          <p:cNvSpPr txBox="1"/>
+          <p:nvPr/>
+        </p:nvSpPr>
+        <p:spPr>
+          <a:xfrm>
+            <a:off x="6894979" y="5106350"/>
+            <a:ext cx="348172" cy="480131"/>
+          </a:xfrm>
+          <a:prstGeom prst="rect">
+            <a:avLst/>
+          </a:prstGeom>
+          <a:noFill/>
+        </p:spPr>
+        <p:txBody>
+          <a:bodyPr wrap="none" rtlCol="0">
+            <a:spAutoFit/>
+          </a:bodyPr>
+          <a:lstStyle/>
+          <a:p>
+            <a:r>
+              <a:rPr lang="en-GB" sz="2520" dirty="0"/>
+              <a:t>1</a:t>
+            </a:r>
+          </a:p>
+        </p:txBody>
+      </p:sp>
+      <p:cxnSp>
+        <p:nvCxnSpPr>
+          <p:cNvPr id="26" name="Straight Connector 25">
+            <a:extLst>
+              <a:ext uri="{FF2B5EF4-FFF2-40B4-BE49-F238E27FC236}">
+                <a16:creationId xmlns:a16="http://schemas.microsoft.com/office/drawing/2014/main" id="{DE600673-58B3-F347-9773-ECF3658B51EA}"/>
+              </a:ext>
+            </a:extLst>
+          </p:cNvPr>
+          <p:cNvCxnSpPr/>
+          <p:nvPr/>
+        </p:nvCxnSpPr>
+        <p:spPr>
+          <a:xfrm flipV="1">
+            <a:off x="3470718" y="2054631"/>
+            <a:ext cx="2811551" cy="1071832"/>
+          </a:xfrm>
+          <a:prstGeom prst="line">
+            <a:avLst/>
+          </a:prstGeom>
+          <a:ln w="63500">
+            <a:solidFill>
+              <a:srgbClr val="C00000"/>
+            </a:solidFill>
+          </a:ln>
+        </p:spPr>
+        <p:style>
+          <a:lnRef idx="1">
+            <a:schemeClr val="accent1"/>
+          </a:lnRef>
+          <a:fillRef idx="0">
+            <a:schemeClr val="accent1"/>
+          </a:fillRef>
+          <a:effectRef idx="0">
+            <a:schemeClr val="accent1"/>
+          </a:effectRef>
+          <a:fontRef idx="minor">
+            <a:schemeClr val="tx1"/>
+          </a:fontRef>
+        </p:style>
+      </p:cxnSp>
+      <p:cxnSp>
+        <p:nvCxnSpPr>
+          <p:cNvPr id="30" name="Straight Connector 29">
+            <a:extLst>
+              <a:ext uri="{FF2B5EF4-FFF2-40B4-BE49-F238E27FC236}">
+                <a16:creationId xmlns:a16="http://schemas.microsoft.com/office/drawing/2014/main" id="{AE2A515B-5110-A44C-AB8C-007E3B6547EB}"/>
+              </a:ext>
+            </a:extLst>
+          </p:cNvPr>
+          <p:cNvCxnSpPr>
+            <a:cxnSpLocks/>
+          </p:cNvCxnSpPr>
+          <p:nvPr/>
+        </p:nvCxnSpPr>
+        <p:spPr>
+          <a:xfrm>
+            <a:off x="3470718" y="2054631"/>
+            <a:ext cx="2811551" cy="1071832"/>
+          </a:xfrm>
+          <a:prstGeom prst="line">
+            <a:avLst/>
+          </a:prstGeom>
+          <a:ln w="63500">
+            <a:solidFill>
+              <a:srgbClr val="C00000"/>
+            </a:solidFill>
+          </a:ln>
+        </p:spPr>
+        <p:style>
+          <a:lnRef idx="1">
+            <a:schemeClr val="accent1"/>
+          </a:lnRef>
+          <a:fillRef idx="0">
+            <a:schemeClr val="accent1"/>
+          </a:fillRef>
+          <a:effectRef idx="0">
+            <a:schemeClr val="accent1"/>
+          </a:effectRef>
+          <a:fontRef idx="minor">
+            <a:schemeClr val="tx1"/>
+          </a:fontRef>
+        </p:style>
+      </p:cxnSp>
+    </p:spTree>
+    <p:extLst>
+      <p:ext uri="{BB962C8B-B14F-4D97-AF65-F5344CB8AC3E}">
+        <p14:creationId xmlns:p14="http://schemas.microsoft.com/office/powerpoint/2010/main" val="1490876304"/>
+      </p:ext>
+    </p:extLst>
+  </p:cSld>
+  <p:clrMapOvr>
+    <a:masterClrMapping/>
+  </p:clrMapOvr>
+  <p:timing>
+    <p:tnLst>
+      <p:par>
+        <p:cTn id="1" dur="indefinite" restart="never" nodeType="tmRoot">
+          <p:childTnLst>
+            <p:seq concurrent="1" nextAc="seek">
+              <p:cTn id="2" dur="indefinite" nodeType="mainSeq">
+                <p:childTnLst>
+                  <p:par>
+                    <p:cTn id="3" fill="hold">
+                      <p:stCondLst>
+                        <p:cond delay="indefinite"/>
+                      </p:stCondLst>
+                      <p:childTnLst>
+                        <p:par>
+                          <p:cTn id="4" fill="hold">
+                            <p:stCondLst>
+                              <p:cond delay="0"/>
+                            </p:stCondLst>
+                            <p:childTnLst>
+                              <p:par>
+                                <p:cTn id="5" presetID="1" presetClass="entr" presetSubtype="0" fill="hold" nodeType="clickEffect">
+                                  <p:stCondLst>
+                                    <p:cond delay="0"/>
+                                  </p:stCondLst>
+                                  <p:childTnLst>
+                                    <p:set>
+                                      <p:cBhvr>
+                                        <p:cTn id="6" dur="1" fill="hold">
+                                          <p:stCondLst>
+                                            <p:cond delay="0"/>
+                                          </p:stCondLst>
+                                        </p:cTn>
+                                        <p:tgtEl>
+                                          <p:spTgt spid="30"/>
+                                        </p:tgtEl>
+                                        <p:attrNameLst>
+                                          <p:attrName>style.visibility</p:attrName>
+                                        </p:attrNameLst>
+                                      </p:cBhvr>
+                                      <p:to>
+                                        <p:strVal val="visible"/>
+                                      </p:to>
+                                    </p:set>
+                                  </p:childTnLst>
+                                </p:cTn>
+                              </p:par>
+                              <p:par>
+                                <p:cTn id="7" presetID="1" presetClass="entr" presetSubtype="0" fill="hold" nodeType="withEffect">
+                                  <p:stCondLst>
+                                    <p:cond delay="0"/>
+                                  </p:stCondLst>
+                                  <p:childTnLst>
+                                    <p:set>
+                                      <p:cBhvr>
+                                        <p:cTn id="8" dur="1" fill="hold">
+                                          <p:stCondLst>
+                                            <p:cond delay="0"/>
+                                          </p:stCondLst>
+                                        </p:cTn>
+                                        <p:tgtEl>
+                                          <p:spTgt spid="26"/>
+                                        </p:tgtEl>
+                                        <p:attrNameLst>
+                                          <p:attrName>style.visibility</p:attrName>
+                                        </p:attrNameLst>
+                                      </p:cBhvr>
+                                      <p:to>
+                                        <p:strVal val="visible"/>
+                                      </p:to>
+                                    </p:set>
+                                  </p:childTnLst>
+                                </p:cTn>
+                              </p:par>
+                            </p:childTnLst>
+                          </p:cTn>
+                        </p:par>
+                      </p:childTnLst>
+                    </p:cTn>
+                  </p:par>
+                  <p:par>
+                    <p:cTn id="9" fill="hold">
+                      <p:stCondLst>
+                        <p:cond delay="indefinite"/>
+                      </p:stCondLst>
+                      <p:childTnLst>
+                        <p:par>
+                          <p:cTn id="10" fill="hold">
+                            <p:stCondLst>
+                              <p:cond delay="0"/>
+                            </p:stCondLst>
+                            <p:childTnLst>
+                              <p:par>
+                                <p:cTn id="11" presetID="1" presetClass="entr" presetSubtype="0" fill="hold" nodeType="clickEffect">
+                                  <p:stCondLst>
+                                    <p:cond delay="0"/>
+                                  </p:stCondLst>
+                                  <p:childTnLst>
+                                    <p:set>
+                                      <p:cBhvr>
+                                        <p:cTn id="12" dur="1" fill="hold">
+                                          <p:stCondLst>
+                                            <p:cond delay="0"/>
+                                          </p:stCondLst>
+                                        </p:cTn>
+                                        <p:tgtEl>
+                                          <p:spTgt spid="24"/>
+                                        </p:tgtEl>
+                                        <p:attrNameLst>
+                                          <p:attrName>style.visibility</p:attrName>
+                                        </p:attrNameLst>
+                                      </p:cBhvr>
+                                      <p:to>
+                                        <p:strVal val="visible"/>
+                                      </p:to>
+                                    </p:set>
+                                  </p:childTnLst>
+                                </p:cTn>
+                              </p:par>
+                              <p:par>
+                                <p:cTn id="13" presetID="1" presetClass="entr" presetSubtype="0" fill="hold" grpId="0" nodeType="withEffect">
+                                  <p:stCondLst>
+                                    <p:cond delay="0"/>
+                                  </p:stCondLst>
+                                  <p:childTnLst>
+                                    <p:set>
+                                      <p:cBhvr>
+                                        <p:cTn id="14" dur="1" fill="hold">
+                                          <p:stCondLst>
+                                            <p:cond delay="0"/>
+                                          </p:stCondLst>
+                                        </p:cTn>
+                                        <p:tgtEl>
+                                          <p:spTgt spid="22"/>
+                                        </p:tgtEl>
+                                        <p:attrNameLst>
+                                          <p:attrName>style.visibility</p:attrName>
+                                        </p:attrNameLst>
+                                      </p:cBhvr>
+                                      <p:to>
+                                        <p:strVal val="visible"/>
+                                      </p:to>
+                                    </p:set>
+                                  </p:childTnLst>
+                                </p:cTn>
+                              </p:par>
+                              <p:par>
+                                <p:cTn id="15" presetID="1" presetClass="entr" presetSubtype="0" fill="hold" grpId="0" nodeType="withEffect">
+                                  <p:stCondLst>
+                                    <p:cond delay="0"/>
+                                  </p:stCondLst>
+                                  <p:childTnLst>
+                                    <p:set>
+                                      <p:cBhvr>
+                                        <p:cTn id="16" dur="1" fill="hold">
+                                          <p:stCondLst>
+                                            <p:cond delay="0"/>
+                                          </p:stCondLst>
+                                        </p:cTn>
+                                        <p:tgtEl>
+                                          <p:spTgt spid="21"/>
+                                        </p:tgtEl>
+                                        <p:attrNameLst>
+                                          <p:attrName>style.visibility</p:attrName>
+                                        </p:attrNameLst>
+                                      </p:cBhvr>
+                                      <p:to>
+                                        <p:strVal val="visible"/>
+                                      </p:to>
+                                    </p:set>
+                                  </p:childTnLst>
+                                </p:cTn>
+                              </p:par>
+                            </p:childTnLst>
+                          </p:cTn>
+                        </p:par>
+                      </p:childTnLst>
+                    </p:cTn>
+                  </p:par>
+                  <p:par>
+                    <p:cTn id="17" fill="hold">
+                      <p:stCondLst>
+                        <p:cond delay="indefinite"/>
+                      </p:stCondLst>
+                      <p:childTnLst>
+                        <p:par>
+                          <p:cTn id="18" fill="hold">
+                            <p:stCondLst>
+                              <p:cond delay="0"/>
+                            </p:stCondLst>
+                            <p:childTnLst>
+                              <p:par>
+                                <p:cTn id="19" presetID="1" presetClass="entr" presetSubtype="0" fill="hold" grpId="0" nodeType="clickEffect">
+                                  <p:stCondLst>
+                                    <p:cond delay="0"/>
+                                  </p:stCondLst>
+                                  <p:childTnLst>
+                                    <p:set>
+                                      <p:cBhvr>
+                                        <p:cTn id="20" dur="1" fill="hold">
+                                          <p:stCondLst>
+                                            <p:cond delay="0"/>
+                                          </p:stCondLst>
+                                        </p:cTn>
+                                        <p:tgtEl>
+                                          <p:spTgt spid="11"/>
+                                        </p:tgtEl>
+                                        <p:attrNameLst>
+                                          <p:attrName>style.visibility</p:attrName>
+                                        </p:attrNameLst>
+                                      </p:cBhvr>
+                                      <p:to>
+                                        <p:strVal val="visible"/>
+                                      </p:to>
+                                    </p:set>
+                                  </p:childTnLst>
+                                </p:cTn>
+                              </p:par>
+                              <p:par>
+                                <p:cTn id="21" presetID="1" presetClass="entr" presetSubtype="0" fill="hold" grpId="0" nodeType="withEffect">
+                                  <p:stCondLst>
+                                    <p:cond delay="0"/>
+                                  </p:stCondLst>
+                                  <p:childTnLst>
+                                    <p:set>
+                                      <p:cBhvr>
+                                        <p:cTn id="22" dur="1" fill="hold">
+                                          <p:stCondLst>
+                                            <p:cond delay="0"/>
+                                          </p:stCondLst>
+                                        </p:cTn>
+                                        <p:tgtEl>
+                                          <p:spTgt spid="14"/>
+                                        </p:tgtEl>
+                                        <p:attrNameLst>
+                                          <p:attrName>style.visibility</p:attrName>
+                                        </p:attrNameLst>
+                                      </p:cBhvr>
+                                      <p:to>
+                                        <p:strVal val="visible"/>
+                                      </p:to>
+                                    </p:set>
+                                  </p:childTnLst>
+                                </p:cTn>
+                              </p:par>
+                              <p:par>
+                                <p:cTn id="23" presetID="1" presetClass="entr" presetSubtype="0" fill="hold" grpId="0" nodeType="withEffect">
+                                  <p:stCondLst>
+                                    <p:cond delay="0"/>
+                                  </p:stCondLst>
+                                  <p:childTnLst>
+                                    <p:set>
+                                      <p:cBhvr>
+                                        <p:cTn id="24" dur="1" fill="hold">
+                                          <p:stCondLst>
+                                            <p:cond delay="0"/>
+                                          </p:stCondLst>
+                                        </p:cTn>
+                                        <p:tgtEl>
+                                          <p:spTgt spid="25"/>
+                                        </p:tgtEl>
+                                        <p:attrNameLst>
+                                          <p:attrName>style.visibility</p:attrName>
+                                        </p:attrNameLst>
+                                      </p:cBhvr>
+                                      <p:to>
+                                        <p:strVal val="visible"/>
+                                      </p:to>
+                                    </p:set>
+                                  </p:childTnLst>
+                                </p:cTn>
+                              </p:par>
+                              <p:par>
+                                <p:cTn id="25" presetID="1" presetClass="entr" presetSubtype="0" fill="hold" grpId="0" nodeType="withEffect">
+                                  <p:stCondLst>
+                                    <p:cond delay="0"/>
+                                  </p:stCondLst>
+                                  <p:childTnLst>
+                                    <p:set>
+                                      <p:cBhvr>
+                                        <p:cTn id="26" dur="1" fill="hold">
+                                          <p:stCondLst>
+                                            <p:cond delay="0"/>
+                                          </p:stCondLst>
+                                        </p:cTn>
+                                        <p:tgtEl>
+                                          <p:spTgt spid="15"/>
+                                        </p:tgtEl>
+                                        <p:attrNameLst>
+                                          <p:attrName>style.visibility</p:attrName>
+                                        </p:attrNameLst>
+                                      </p:cBhvr>
+                                      <p:to>
+                                        <p:strVal val="visible"/>
+                                      </p:to>
+                                    </p:set>
+                                  </p:childTnLst>
+                                </p:cTn>
+                              </p:par>
+                            </p:childTnLst>
+                          </p:cTn>
+                        </p:par>
+                      </p:childTnLst>
+                    </p:cTn>
+                  </p:par>
+                </p:childTnLst>
+              </p:cTn>
+              <p:prevCondLst>
+                <p:cond evt="onPrev" delay="0">
+                  <p:tgtEl>
+                    <p:sldTgt/>
+                  </p:tgtEl>
+                </p:cond>
+              </p:prevCondLst>
+              <p:nextCondLst>
+                <p:cond evt="onNext" delay="0">
+                  <p:tgtEl>
+                    <p:sldTgt/>
+                  </p:tgtEl>
+                </p:cond>
+              </p:nextCondLst>
+            </p:seq>
+          </p:childTnLst>
+        </p:cTn>
+      </p:par>
+    </p:tnLst>
+    <p:bldLst>
+      <p:bldP spid="21" grpId="0"/>
+      <p:bldP spid="22" grpId="0"/>
+      <p:bldP spid="11" grpId="0" animBg="1"/>
+      <p:bldP spid="25" grpId="0" animBg="1"/>
+      <p:bldP spid="14" grpId="0"/>
+      <p:bldP spid="15" grpId="0"/>
+    </p:bldLst>
+  </p:timing>
+</p:sld>
+</file>
+
 <file path=ppt/slides/slide2.xml><?xml version="1.0" encoding="utf-8"?>
 <p:sld xmlns:a="http://schemas.openxmlformats.org/drawingml/2006/main" xmlns:r="http://schemas.openxmlformats.org/officeDocument/2006/relationships" xmlns:p="http://schemas.openxmlformats.org/presentationml/2006/main">
   <p:cSld>
@@ -4152,12 +5589,6 @@
             <a:normAutofit/>
           </a:bodyPr>
           <a:lstStyle/>
-          <a:p>
-            <a:r>
-              <a:rPr lang="da-DK" dirty="0"/>
-              <a:t>Fortolker vs. oversætter</a:t>
-            </a:r>
-          </a:p>
           <a:p>
             <a:r>
               <a:rPr lang="da-DK" dirty="0"/>
@@ -5032,7 +6463,7 @@
         <p:spPr>
           <a:xfrm>
             <a:off x="838200" y="1937208"/>
-            <a:ext cx="2513124" cy="480131"/>
+            <a:ext cx="2271071" cy="400110"/>
           </a:xfrm>
           <a:prstGeom prst="rect">
             <a:avLst/>
@@ -5050,22 +6481,22 @@
               <a:t>Operatorer</a:t>
             </a:r>
             <a:r>
-              <a:rPr lang="en-GB" sz="2520" dirty="0"/>
+              <a:rPr lang="en-GB" sz="2000" dirty="0"/>
               <a:t> </a:t>
             </a:r>
             <a:r>
-              <a:rPr lang="en-GB" sz="2520" dirty="0" err="1"/>
+              <a:rPr lang="en-GB" sz="2000" dirty="0" err="1"/>
               <a:t>og</a:t>
             </a:r>
             <a:r>
-              <a:rPr lang="en-GB" sz="2520" dirty="0"/>
+              <a:rPr lang="en-GB" sz="2000" dirty="0"/>
               <a:t> </a:t>
             </a:r>
             <a:r>
-              <a:rPr lang="en-GB" sz="2520" dirty="0" err="1"/>
+              <a:rPr lang="en-GB" sz="2000" dirty="0" err="1"/>
               <a:t>typer</a:t>
             </a:r>
-            <a:endParaRPr lang="en-GB" sz="2520" dirty="0"/>
+            <a:endParaRPr lang="en-GB" sz="2000" dirty="0"/>
           </a:p>
         </p:txBody>
       </p:sp>
@@ -5155,7 +6586,7 @@
     </p:spTree>
     <p:extLst>
       <p:ext uri="{BB962C8B-B14F-4D97-AF65-F5344CB8AC3E}">
-        <p14:creationId xmlns:p14="http://schemas.microsoft.com/office/powerpoint/2010/main" val="772479840"/>
+        <p14:creationId xmlns:p14="http://schemas.microsoft.com/office/powerpoint/2010/main" val="2543347970"/>
       </p:ext>
     </p:extLst>
   </p:cSld>
@@ -5262,7 +6693,2389 @@
           <p:cNvPr id="2" name="Title 1">
             <a:extLst>
               <a:ext uri="{FF2B5EF4-FFF2-40B4-BE49-F238E27FC236}">
-                <a16:creationId xmlns:a16="http://schemas.microsoft.com/office/drawing/2014/main" id="{7ACF8DE1-EA4E-4342-B99B-F65420FE7DD6}"/>
+                <a16:creationId xmlns:a16="http://schemas.microsoft.com/office/drawing/2014/main" id="{7D951FD5-6FCD-E042-A892-142E147469EA}"/>
+              </a:ext>
+            </a:extLst>
+          </p:cNvPr>
+          <p:cNvSpPr>
+            <a:spLocks noGrp="1"/>
+          </p:cNvSpPr>
+          <p:nvPr>
+            <p:ph type="title"/>
+          </p:nvPr>
+        </p:nvSpPr>
+        <p:spPr/>
+        <p:txBody>
+          <a:bodyPr/>
+          <a:lstStyle/>
+          <a:p>
+            <a:r>
+              <a:rPr lang="en-GB" dirty="0" err="1"/>
+              <a:t>Operatorer</a:t>
+            </a:r>
+            <a:r>
+              <a:rPr lang="en-GB" dirty="0"/>
+              <a:t> </a:t>
+            </a:r>
+            <a:r>
+              <a:rPr lang="en-GB" dirty="0" err="1"/>
+              <a:t>og</a:t>
+            </a:r>
+            <a:r>
+              <a:rPr lang="en-GB" dirty="0"/>
+              <a:t> </a:t>
+            </a:r>
+            <a:r>
+              <a:rPr lang="en-GB" dirty="0" err="1"/>
+              <a:t>præcedens</a:t>
+            </a:r>
+            <a:endParaRPr lang="en-GB" dirty="0"/>
+          </a:p>
+        </p:txBody>
+      </p:sp>
+      <p:sp>
+        <p:nvSpPr>
+          <p:cNvPr id="3" name="Content Placeholder 2">
+            <a:extLst>
+              <a:ext uri="{FF2B5EF4-FFF2-40B4-BE49-F238E27FC236}">
+                <a16:creationId xmlns:a16="http://schemas.microsoft.com/office/drawing/2014/main" id="{01F1339C-CD04-ED4E-A829-7F36C1E0AB5C}"/>
+              </a:ext>
+            </a:extLst>
+          </p:cNvPr>
+          <p:cNvSpPr>
+            <a:spLocks noGrp="1"/>
+          </p:cNvSpPr>
+          <p:nvPr>
+            <p:ph idx="1"/>
+          </p:nvPr>
+        </p:nvSpPr>
+        <p:spPr>
+          <a:xfrm>
+            <a:off x="838200" y="2448341"/>
+            <a:ext cx="2686001" cy="3373392"/>
+          </a:xfrm>
+        </p:spPr>
+        <p:txBody>
+          <a:bodyPr>
+            <a:normAutofit/>
+          </a:bodyPr>
+          <a:lstStyle/>
+          <a:p>
+            <a:pPr marL="0" indent="0">
+              <a:lnSpc>
+                <a:spcPct val="100000"/>
+              </a:lnSpc>
+              <a:buNone/>
+            </a:pPr>
+            <a:r>
+              <a:rPr lang="en-GB" sz="1400" dirty="0">
+                <a:latin typeface="DejaVu Sans Book" panose="020B0603030804020204" pitchFamily="34" charset="0"/>
+                <a:ea typeface="DejaVu Sans Book" panose="020B0603030804020204" pitchFamily="34" charset="0"/>
+                <a:cs typeface="DejaVu Sans Book" panose="020B0603030804020204" pitchFamily="34" charset="0"/>
+              </a:rPr>
+              <a:t>3 + 4</a:t>
+            </a:r>
+          </a:p>
+          <a:p>
+            <a:pPr marL="0" indent="0">
+              <a:lnSpc>
+                <a:spcPct val="100000"/>
+              </a:lnSpc>
+              <a:buNone/>
+            </a:pPr>
+            <a:r>
+              <a:rPr lang="en-GB" sz="1400" dirty="0">
+                <a:latin typeface="DejaVu Sans Book" panose="020B0603030804020204" pitchFamily="34" charset="0"/>
+                <a:ea typeface="DejaVu Sans Book" panose="020B0603030804020204" pitchFamily="34" charset="0"/>
+                <a:cs typeface="DejaVu Sans Book" panose="020B0603030804020204" pitchFamily="34" charset="0"/>
+              </a:rPr>
+              <a:t>3.0 + 4.0</a:t>
+            </a:r>
+          </a:p>
+          <a:p>
+            <a:pPr marL="0" indent="0">
+              <a:lnSpc>
+                <a:spcPct val="100000"/>
+              </a:lnSpc>
+              <a:buNone/>
+            </a:pPr>
+            <a:r>
+              <a:rPr lang="en-GB" sz="1400" u="sng" dirty="0">
+                <a:latin typeface="DejaVu Sans Book" panose="020B0603030804020204" pitchFamily="34" charset="0"/>
+                <a:ea typeface="DejaVu Sans Book" panose="020B0603030804020204" pitchFamily="34" charset="0"/>
+                <a:cs typeface="DejaVu Sans Book" panose="020B0603030804020204" pitchFamily="34" charset="0"/>
+              </a:rPr>
+              <a:t>3 + 4.0</a:t>
+            </a:r>
+          </a:p>
+          <a:p>
+            <a:pPr marL="0" indent="0">
+              <a:lnSpc>
+                <a:spcPct val="100000"/>
+              </a:lnSpc>
+              <a:buNone/>
+            </a:pPr>
+            <a:r>
+              <a:rPr lang="en-GB" sz="1400" dirty="0">
+                <a:latin typeface="DejaVu Sans Book" panose="020B0603030804020204" pitchFamily="34" charset="0"/>
+                <a:ea typeface="DejaVu Sans Book" panose="020B0603030804020204" pitchFamily="34" charset="0"/>
+                <a:cs typeface="DejaVu Sans Book" panose="020B0603030804020204" pitchFamily="34" charset="0"/>
+              </a:rPr>
+              <a:t>5 / 2</a:t>
+            </a:r>
+          </a:p>
+          <a:p>
+            <a:pPr marL="0" indent="0">
+              <a:lnSpc>
+                <a:spcPct val="100000"/>
+              </a:lnSpc>
+              <a:buNone/>
+            </a:pPr>
+            <a:r>
+              <a:rPr lang="en-GB" sz="1400" dirty="0">
+                <a:latin typeface="DejaVu Sans Book" panose="020B0603030804020204" pitchFamily="34" charset="0"/>
+                <a:ea typeface="DejaVu Sans Book" panose="020B0603030804020204" pitchFamily="34" charset="0"/>
+                <a:cs typeface="DejaVu Sans Book" panose="020B0603030804020204" pitchFamily="34" charset="0"/>
+              </a:rPr>
+              <a:t>5 % 2</a:t>
+            </a:r>
+          </a:p>
+          <a:p>
+            <a:pPr marL="0" indent="0">
+              <a:lnSpc>
+                <a:spcPct val="100000"/>
+              </a:lnSpc>
+              <a:buNone/>
+            </a:pPr>
+            <a:r>
+              <a:rPr lang="en-GB" sz="1400" dirty="0">
+                <a:latin typeface="DejaVu Sans Book" panose="020B0603030804020204" pitchFamily="34" charset="0"/>
+                <a:ea typeface="DejaVu Sans Book" panose="020B0603030804020204" pitchFamily="34" charset="0"/>
+                <a:cs typeface="DejaVu Sans Book" panose="020B0603030804020204" pitchFamily="34" charset="0"/>
+              </a:rPr>
+              <a:t>2 * (5 / 2) + 5 % 2</a:t>
+            </a:r>
+          </a:p>
+          <a:p>
+            <a:pPr marL="0" indent="0">
+              <a:lnSpc>
+                <a:spcPct val="100000"/>
+              </a:lnSpc>
+              <a:buNone/>
+            </a:pPr>
+            <a:r>
+              <a:rPr lang="en-GB" sz="1400" dirty="0">
+                <a:latin typeface="DejaVu Sans Book" panose="020B0603030804020204" pitchFamily="34" charset="0"/>
+                <a:ea typeface="DejaVu Sans Book" panose="020B0603030804020204" pitchFamily="34" charset="0"/>
+                <a:cs typeface="DejaVu Sans Book" panose="020B0603030804020204" pitchFamily="34" charset="0"/>
+              </a:rPr>
+              <a:t>2.0 ** 3.0</a:t>
+            </a:r>
+          </a:p>
+          <a:p>
+            <a:pPr marL="0" indent="0">
+              <a:lnSpc>
+                <a:spcPct val="100000"/>
+              </a:lnSpc>
+              <a:buNone/>
+            </a:pPr>
+            <a:r>
+              <a:rPr lang="en-GB" sz="1400" dirty="0" err="1">
+                <a:latin typeface="DejaVu Sans Book" panose="020B0603030804020204" pitchFamily="34" charset="0"/>
+                <a:ea typeface="DejaVu Sans Book" panose="020B0603030804020204" pitchFamily="34" charset="0"/>
+                <a:cs typeface="DejaVu Sans Book" panose="020B0603030804020204" pitchFamily="34" charset="0"/>
+              </a:rPr>
+              <a:t>pown</a:t>
+            </a:r>
+            <a:r>
+              <a:rPr lang="en-GB" sz="1400" dirty="0">
+                <a:latin typeface="DejaVu Sans Book" panose="020B0603030804020204" pitchFamily="34" charset="0"/>
+                <a:ea typeface="DejaVu Sans Book" panose="020B0603030804020204" pitchFamily="34" charset="0"/>
+                <a:cs typeface="DejaVu Sans Book" panose="020B0603030804020204" pitchFamily="34" charset="0"/>
+              </a:rPr>
+              <a:t> 2 3</a:t>
+            </a:r>
+          </a:p>
+          <a:p>
+            <a:pPr marL="0" indent="0">
+              <a:lnSpc>
+                <a:spcPct val="100000"/>
+              </a:lnSpc>
+              <a:buNone/>
+            </a:pPr>
+            <a:r>
+              <a:rPr lang="en-GB" sz="1400" dirty="0">
+                <a:latin typeface="DejaVu Sans Book" panose="020B0603030804020204" pitchFamily="34" charset="0"/>
+                <a:ea typeface="DejaVu Sans Book" panose="020B0603030804020204" pitchFamily="34" charset="0"/>
+                <a:cs typeface="DejaVu Sans Book" panose="020B0603030804020204" pitchFamily="34" charset="0"/>
+              </a:rPr>
+              <a:t>"</a:t>
+            </a:r>
+            <a:r>
+              <a:rPr lang="en-GB" sz="1400" dirty="0" err="1">
+                <a:latin typeface="DejaVu Sans Book" panose="020B0603030804020204" pitchFamily="34" charset="0"/>
+                <a:ea typeface="DejaVu Sans Book" panose="020B0603030804020204" pitchFamily="34" charset="0"/>
+                <a:cs typeface="DejaVu Sans Book" panose="020B0603030804020204" pitchFamily="34" charset="0"/>
+              </a:rPr>
+              <a:t>hej</a:t>
+            </a:r>
+            <a:r>
+              <a:rPr lang="en-GB" sz="1400" dirty="0">
+                <a:latin typeface="DejaVu Sans Book" panose="020B0603030804020204" pitchFamily="34" charset="0"/>
+                <a:ea typeface="DejaVu Sans Book" panose="020B0603030804020204" pitchFamily="34" charset="0"/>
+                <a:cs typeface="DejaVu Sans Book" panose="020B0603030804020204" pitchFamily="34" charset="0"/>
+              </a:rPr>
+              <a:t> " + "med " + "dig"</a:t>
+            </a:r>
+          </a:p>
+        </p:txBody>
+      </p:sp>
+      <p:sp>
+        <p:nvSpPr>
+          <p:cNvPr id="4" name="Content Placeholder 2">
+            <a:extLst>
+              <a:ext uri="{FF2B5EF4-FFF2-40B4-BE49-F238E27FC236}">
+                <a16:creationId xmlns:a16="http://schemas.microsoft.com/office/drawing/2014/main" id="{84CE778E-7175-DD4C-9379-77596FC3CA32}"/>
+              </a:ext>
+            </a:extLst>
+          </p:cNvPr>
+          <p:cNvSpPr txBox="1">
+            <a:spLocks/>
+          </p:cNvSpPr>
+          <p:nvPr/>
+        </p:nvSpPr>
+        <p:spPr>
+          <a:xfrm>
+            <a:off x="3592291" y="2448343"/>
+            <a:ext cx="1964965" cy="3373392"/>
+          </a:xfrm>
+          <a:prstGeom prst="rect">
+            <a:avLst/>
+          </a:prstGeom>
+        </p:spPr>
+        <p:txBody>
+          <a:bodyPr vert="horz" lIns="91440" tIns="45720" rIns="91440" bIns="45720" rtlCol="0">
+            <a:normAutofit/>
+          </a:bodyPr>
+          <a:lstStyle>
+            <a:lvl1pPr marL="228600" indent="-228600" algn="l" defTabSz="914400" rtl="0" eaLnBrk="1" latinLnBrk="0" hangingPunct="1">
+              <a:lnSpc>
+                <a:spcPct val="90000"/>
+              </a:lnSpc>
+              <a:spcBef>
+                <a:spcPts val="1000"/>
+              </a:spcBef>
+              <a:buFont typeface="Arial" panose="020B0604020202020204" pitchFamily="34" charset="0"/>
+              <a:buChar char="•"/>
+              <a:defRPr sz="2800" kern="1200">
+                <a:solidFill>
+                  <a:schemeClr val="tx1"/>
+                </a:solidFill>
+                <a:latin typeface="+mn-lt"/>
+                <a:ea typeface="+mn-ea"/>
+                <a:cs typeface="+mn-cs"/>
+              </a:defRPr>
+            </a:lvl1pPr>
+            <a:lvl2pPr marL="685800" indent="-228600" algn="l" defTabSz="914400" rtl="0" eaLnBrk="1" latinLnBrk="0" hangingPunct="1">
+              <a:lnSpc>
+                <a:spcPct val="90000"/>
+              </a:lnSpc>
+              <a:spcBef>
+                <a:spcPts val="500"/>
+              </a:spcBef>
+              <a:buFont typeface="Arial" panose="020B0604020202020204" pitchFamily="34" charset="0"/>
+              <a:buChar char="•"/>
+              <a:defRPr sz="2400" kern="1200">
+                <a:solidFill>
+                  <a:schemeClr val="tx1"/>
+                </a:solidFill>
+                <a:latin typeface="+mn-lt"/>
+                <a:ea typeface="+mn-ea"/>
+                <a:cs typeface="+mn-cs"/>
+              </a:defRPr>
+            </a:lvl2pPr>
+            <a:lvl3pPr marL="1143000" indent="-228600" algn="l" defTabSz="914400" rtl="0" eaLnBrk="1" latinLnBrk="0" hangingPunct="1">
+              <a:lnSpc>
+                <a:spcPct val="90000"/>
+              </a:lnSpc>
+              <a:spcBef>
+                <a:spcPts val="500"/>
+              </a:spcBef>
+              <a:buFont typeface="Arial" panose="020B0604020202020204" pitchFamily="34" charset="0"/>
+              <a:buChar char="•"/>
+              <a:defRPr sz="2000" kern="1200">
+                <a:solidFill>
+                  <a:schemeClr val="tx1"/>
+                </a:solidFill>
+                <a:latin typeface="+mn-lt"/>
+                <a:ea typeface="+mn-ea"/>
+                <a:cs typeface="+mn-cs"/>
+              </a:defRPr>
+            </a:lvl3pPr>
+            <a:lvl4pPr marL="1600200" indent="-228600" algn="l" defTabSz="914400" rtl="0" eaLnBrk="1" latinLnBrk="0" hangingPunct="1">
+              <a:lnSpc>
+                <a:spcPct val="90000"/>
+              </a:lnSpc>
+              <a:spcBef>
+                <a:spcPts val="500"/>
+              </a:spcBef>
+              <a:buFont typeface="Arial" panose="020B0604020202020204" pitchFamily="34" charset="0"/>
+              <a:buChar char="•"/>
+              <a:defRPr sz="1800" kern="1200">
+                <a:solidFill>
+                  <a:schemeClr val="tx1"/>
+                </a:solidFill>
+                <a:latin typeface="+mn-lt"/>
+                <a:ea typeface="+mn-ea"/>
+                <a:cs typeface="+mn-cs"/>
+              </a:defRPr>
+            </a:lvl4pPr>
+            <a:lvl5pPr marL="2057400" indent="-228600" algn="l" defTabSz="914400" rtl="0" eaLnBrk="1" latinLnBrk="0" hangingPunct="1">
+              <a:lnSpc>
+                <a:spcPct val="90000"/>
+              </a:lnSpc>
+              <a:spcBef>
+                <a:spcPts val="500"/>
+              </a:spcBef>
+              <a:buFont typeface="Arial" panose="020B0604020202020204" pitchFamily="34" charset="0"/>
+              <a:buChar char="•"/>
+              <a:defRPr sz="1800" kern="1200">
+                <a:solidFill>
+                  <a:schemeClr val="tx1"/>
+                </a:solidFill>
+                <a:latin typeface="+mn-lt"/>
+                <a:ea typeface="+mn-ea"/>
+                <a:cs typeface="+mn-cs"/>
+              </a:defRPr>
+            </a:lvl5pPr>
+            <a:lvl6pPr marL="2514600" indent="-228600" algn="l" defTabSz="914400" rtl="0" eaLnBrk="1" latinLnBrk="0" hangingPunct="1">
+              <a:lnSpc>
+                <a:spcPct val="90000"/>
+              </a:lnSpc>
+              <a:spcBef>
+                <a:spcPts val="500"/>
+              </a:spcBef>
+              <a:buFont typeface="Arial" panose="020B0604020202020204" pitchFamily="34" charset="0"/>
+              <a:buChar char="•"/>
+              <a:defRPr sz="1800" kern="1200">
+                <a:solidFill>
+                  <a:schemeClr val="tx1"/>
+                </a:solidFill>
+                <a:latin typeface="+mn-lt"/>
+                <a:ea typeface="+mn-ea"/>
+                <a:cs typeface="+mn-cs"/>
+              </a:defRPr>
+            </a:lvl6pPr>
+            <a:lvl7pPr marL="2971800" indent="-228600" algn="l" defTabSz="914400" rtl="0" eaLnBrk="1" latinLnBrk="0" hangingPunct="1">
+              <a:lnSpc>
+                <a:spcPct val="90000"/>
+              </a:lnSpc>
+              <a:spcBef>
+                <a:spcPts val="500"/>
+              </a:spcBef>
+              <a:buFont typeface="Arial" panose="020B0604020202020204" pitchFamily="34" charset="0"/>
+              <a:buChar char="•"/>
+              <a:defRPr sz="1800" kern="1200">
+                <a:solidFill>
+                  <a:schemeClr val="tx1"/>
+                </a:solidFill>
+                <a:latin typeface="+mn-lt"/>
+                <a:ea typeface="+mn-ea"/>
+                <a:cs typeface="+mn-cs"/>
+              </a:defRPr>
+            </a:lvl7pPr>
+            <a:lvl8pPr marL="3429000" indent="-228600" algn="l" defTabSz="914400" rtl="0" eaLnBrk="1" latinLnBrk="0" hangingPunct="1">
+              <a:lnSpc>
+                <a:spcPct val="90000"/>
+              </a:lnSpc>
+              <a:spcBef>
+                <a:spcPts val="500"/>
+              </a:spcBef>
+              <a:buFont typeface="Arial" panose="020B0604020202020204" pitchFamily="34" charset="0"/>
+              <a:buChar char="•"/>
+              <a:defRPr sz="1800" kern="1200">
+                <a:solidFill>
+                  <a:schemeClr val="tx1"/>
+                </a:solidFill>
+                <a:latin typeface="+mn-lt"/>
+                <a:ea typeface="+mn-ea"/>
+                <a:cs typeface="+mn-cs"/>
+              </a:defRPr>
+            </a:lvl8pPr>
+            <a:lvl9pPr marL="3886200" indent="-228600" algn="l" defTabSz="914400" rtl="0" eaLnBrk="1" latinLnBrk="0" hangingPunct="1">
+              <a:lnSpc>
+                <a:spcPct val="90000"/>
+              </a:lnSpc>
+              <a:spcBef>
+                <a:spcPts val="500"/>
+              </a:spcBef>
+              <a:buFont typeface="Arial" panose="020B0604020202020204" pitchFamily="34" charset="0"/>
+              <a:buChar char="•"/>
+              <a:defRPr sz="1800" kern="1200">
+                <a:solidFill>
+                  <a:schemeClr val="tx1"/>
+                </a:solidFill>
+                <a:latin typeface="+mn-lt"/>
+                <a:ea typeface="+mn-ea"/>
+                <a:cs typeface="+mn-cs"/>
+              </a:defRPr>
+            </a:lvl9pPr>
+          </a:lstStyle>
+          <a:p>
+            <a:pPr marL="0" indent="0">
+              <a:lnSpc>
+                <a:spcPct val="100000"/>
+              </a:lnSpc>
+              <a:buNone/>
+            </a:pPr>
+            <a:r>
+              <a:rPr lang="en-GB" sz="1400" dirty="0" err="1">
+                <a:latin typeface="DejaVu Sans Book" panose="020B0603030804020204" pitchFamily="34" charset="0"/>
+                <a:ea typeface="DejaVu Sans Book" panose="020B0603030804020204" pitchFamily="34" charset="0"/>
+                <a:cs typeface="DejaVu Sans Book" panose="020B0603030804020204" pitchFamily="34" charset="0"/>
+              </a:rPr>
+              <a:t>exp</a:t>
+            </a:r>
+            <a:r>
+              <a:rPr lang="en-GB" sz="1400" dirty="0">
+                <a:latin typeface="DejaVu Sans Book" panose="020B0603030804020204" pitchFamily="34" charset="0"/>
+                <a:ea typeface="DejaVu Sans Book" panose="020B0603030804020204" pitchFamily="34" charset="0"/>
+                <a:cs typeface="DejaVu Sans Book" panose="020B0603030804020204" pitchFamily="34" charset="0"/>
+              </a:rPr>
+              <a:t> 0.0</a:t>
+            </a:r>
+          </a:p>
+          <a:p>
+            <a:pPr marL="0" indent="0">
+              <a:lnSpc>
+                <a:spcPct val="100000"/>
+              </a:lnSpc>
+              <a:buNone/>
+            </a:pPr>
+            <a:r>
+              <a:rPr lang="en-GB" sz="1400" dirty="0" err="1">
+                <a:latin typeface="DejaVu Sans Book" panose="020B0603030804020204" pitchFamily="34" charset="0"/>
+                <a:ea typeface="DejaVu Sans Book" panose="020B0603030804020204" pitchFamily="34" charset="0"/>
+                <a:cs typeface="DejaVu Sans Book" panose="020B0603030804020204" pitchFamily="34" charset="0"/>
+              </a:rPr>
+              <a:t>exp</a:t>
+            </a:r>
+            <a:r>
+              <a:rPr lang="en-GB" sz="1400" dirty="0">
+                <a:latin typeface="DejaVu Sans Book" panose="020B0603030804020204" pitchFamily="34" charset="0"/>
+                <a:ea typeface="DejaVu Sans Book" panose="020B0603030804020204" pitchFamily="34" charset="0"/>
+                <a:cs typeface="DejaVu Sans Book" panose="020B0603030804020204" pitchFamily="34" charset="0"/>
+              </a:rPr>
+              <a:t> 1.0</a:t>
+            </a:r>
+          </a:p>
+          <a:p>
+            <a:pPr marL="0" indent="0">
+              <a:lnSpc>
+                <a:spcPct val="100000"/>
+              </a:lnSpc>
+              <a:buNone/>
+            </a:pPr>
+            <a:r>
+              <a:rPr lang="en-GB" sz="1400" dirty="0" err="1">
+                <a:latin typeface="DejaVu Sans Book" panose="020B0603030804020204" pitchFamily="34" charset="0"/>
+                <a:ea typeface="DejaVu Sans Book" panose="020B0603030804020204" pitchFamily="34" charset="0"/>
+                <a:cs typeface="DejaVu Sans Book" panose="020B0603030804020204" pitchFamily="34" charset="0"/>
+              </a:rPr>
+              <a:t>exp</a:t>
+            </a:r>
+            <a:r>
+              <a:rPr lang="en-GB" sz="1400" dirty="0">
+                <a:latin typeface="DejaVu Sans Book" panose="020B0603030804020204" pitchFamily="34" charset="0"/>
+                <a:ea typeface="DejaVu Sans Book" panose="020B0603030804020204" pitchFamily="34" charset="0"/>
+                <a:cs typeface="DejaVu Sans Book" panose="020B0603030804020204" pitchFamily="34" charset="0"/>
+              </a:rPr>
+              <a:t> 0.0 + 1.0</a:t>
+            </a:r>
+          </a:p>
+          <a:p>
+            <a:pPr marL="0" indent="0">
+              <a:lnSpc>
+                <a:spcPct val="100000"/>
+              </a:lnSpc>
+              <a:buNone/>
+            </a:pPr>
+            <a:r>
+              <a:rPr lang="en-GB" sz="1400" u="sng" dirty="0">
+                <a:latin typeface="DejaVu Sans Book" panose="020B0603030804020204" pitchFamily="34" charset="0"/>
+                <a:ea typeface="DejaVu Sans Book" panose="020B0603030804020204" pitchFamily="34" charset="0"/>
+                <a:cs typeface="DejaVu Sans Book" panose="020B0603030804020204" pitchFamily="34" charset="0"/>
+              </a:rPr>
+              <a:t>2.0 ** 3.0 ** 4.0</a:t>
+            </a:r>
+          </a:p>
+          <a:p>
+            <a:pPr marL="0" indent="0">
+              <a:lnSpc>
+                <a:spcPct val="100000"/>
+              </a:lnSpc>
+              <a:buNone/>
+            </a:pPr>
+            <a:r>
+              <a:rPr lang="en-GB" sz="1400" u="sng" dirty="0">
+                <a:latin typeface="DejaVu Sans Book" panose="020B0603030804020204" pitchFamily="34" charset="0"/>
+                <a:ea typeface="DejaVu Sans Book" panose="020B0603030804020204" pitchFamily="34" charset="0"/>
+                <a:cs typeface="DejaVu Sans Book" panose="020B0603030804020204" pitchFamily="34" charset="0"/>
+              </a:rPr>
+              <a:t>2.0 / 3.0 / 4.0</a:t>
+            </a:r>
+          </a:p>
+        </p:txBody>
+      </p:sp>
+      <p:sp>
+        <p:nvSpPr>
+          <p:cNvPr id="5" name="Content Placeholder 2">
+            <a:extLst>
+              <a:ext uri="{FF2B5EF4-FFF2-40B4-BE49-F238E27FC236}">
+                <a16:creationId xmlns:a16="http://schemas.microsoft.com/office/drawing/2014/main" id="{74FB4E8C-854A-1A44-B8DC-7EBB5C6FCF31}"/>
+              </a:ext>
+            </a:extLst>
+          </p:cNvPr>
+          <p:cNvSpPr txBox="1">
+            <a:spLocks/>
+          </p:cNvSpPr>
+          <p:nvPr/>
+        </p:nvSpPr>
+        <p:spPr>
+          <a:xfrm>
+            <a:off x="5612677" y="2448343"/>
+            <a:ext cx="2740914" cy="3373392"/>
+          </a:xfrm>
+          <a:prstGeom prst="rect">
+            <a:avLst/>
+          </a:prstGeom>
+        </p:spPr>
+        <p:txBody>
+          <a:bodyPr vert="horz" lIns="91440" tIns="45720" rIns="91440" bIns="45720" rtlCol="0">
+            <a:normAutofit/>
+          </a:bodyPr>
+          <a:lstStyle>
+            <a:lvl1pPr marL="228600" indent="-228600" algn="l" defTabSz="914400" rtl="0" eaLnBrk="1" latinLnBrk="0" hangingPunct="1">
+              <a:lnSpc>
+                <a:spcPct val="90000"/>
+              </a:lnSpc>
+              <a:spcBef>
+                <a:spcPts val="1000"/>
+              </a:spcBef>
+              <a:buFont typeface="Arial" panose="020B0604020202020204" pitchFamily="34" charset="0"/>
+              <a:buChar char="•"/>
+              <a:defRPr sz="2800" kern="1200">
+                <a:solidFill>
+                  <a:schemeClr val="tx1"/>
+                </a:solidFill>
+                <a:latin typeface="+mn-lt"/>
+                <a:ea typeface="+mn-ea"/>
+                <a:cs typeface="+mn-cs"/>
+              </a:defRPr>
+            </a:lvl1pPr>
+            <a:lvl2pPr marL="685800" indent="-228600" algn="l" defTabSz="914400" rtl="0" eaLnBrk="1" latinLnBrk="0" hangingPunct="1">
+              <a:lnSpc>
+                <a:spcPct val="90000"/>
+              </a:lnSpc>
+              <a:spcBef>
+                <a:spcPts val="500"/>
+              </a:spcBef>
+              <a:buFont typeface="Arial" panose="020B0604020202020204" pitchFamily="34" charset="0"/>
+              <a:buChar char="•"/>
+              <a:defRPr sz="2400" kern="1200">
+                <a:solidFill>
+                  <a:schemeClr val="tx1"/>
+                </a:solidFill>
+                <a:latin typeface="+mn-lt"/>
+                <a:ea typeface="+mn-ea"/>
+                <a:cs typeface="+mn-cs"/>
+              </a:defRPr>
+            </a:lvl2pPr>
+            <a:lvl3pPr marL="1143000" indent="-228600" algn="l" defTabSz="914400" rtl="0" eaLnBrk="1" latinLnBrk="0" hangingPunct="1">
+              <a:lnSpc>
+                <a:spcPct val="90000"/>
+              </a:lnSpc>
+              <a:spcBef>
+                <a:spcPts val="500"/>
+              </a:spcBef>
+              <a:buFont typeface="Arial" panose="020B0604020202020204" pitchFamily="34" charset="0"/>
+              <a:buChar char="•"/>
+              <a:defRPr sz="2000" kern="1200">
+                <a:solidFill>
+                  <a:schemeClr val="tx1"/>
+                </a:solidFill>
+                <a:latin typeface="+mn-lt"/>
+                <a:ea typeface="+mn-ea"/>
+                <a:cs typeface="+mn-cs"/>
+              </a:defRPr>
+            </a:lvl3pPr>
+            <a:lvl4pPr marL="1600200" indent="-228600" algn="l" defTabSz="914400" rtl="0" eaLnBrk="1" latinLnBrk="0" hangingPunct="1">
+              <a:lnSpc>
+                <a:spcPct val="90000"/>
+              </a:lnSpc>
+              <a:spcBef>
+                <a:spcPts val="500"/>
+              </a:spcBef>
+              <a:buFont typeface="Arial" panose="020B0604020202020204" pitchFamily="34" charset="0"/>
+              <a:buChar char="•"/>
+              <a:defRPr sz="1800" kern="1200">
+                <a:solidFill>
+                  <a:schemeClr val="tx1"/>
+                </a:solidFill>
+                <a:latin typeface="+mn-lt"/>
+                <a:ea typeface="+mn-ea"/>
+                <a:cs typeface="+mn-cs"/>
+              </a:defRPr>
+            </a:lvl4pPr>
+            <a:lvl5pPr marL="2057400" indent="-228600" algn="l" defTabSz="914400" rtl="0" eaLnBrk="1" latinLnBrk="0" hangingPunct="1">
+              <a:lnSpc>
+                <a:spcPct val="90000"/>
+              </a:lnSpc>
+              <a:spcBef>
+                <a:spcPts val="500"/>
+              </a:spcBef>
+              <a:buFont typeface="Arial" panose="020B0604020202020204" pitchFamily="34" charset="0"/>
+              <a:buChar char="•"/>
+              <a:defRPr sz="1800" kern="1200">
+                <a:solidFill>
+                  <a:schemeClr val="tx1"/>
+                </a:solidFill>
+                <a:latin typeface="+mn-lt"/>
+                <a:ea typeface="+mn-ea"/>
+                <a:cs typeface="+mn-cs"/>
+              </a:defRPr>
+            </a:lvl5pPr>
+            <a:lvl6pPr marL="2514600" indent="-228600" algn="l" defTabSz="914400" rtl="0" eaLnBrk="1" latinLnBrk="0" hangingPunct="1">
+              <a:lnSpc>
+                <a:spcPct val="90000"/>
+              </a:lnSpc>
+              <a:spcBef>
+                <a:spcPts val="500"/>
+              </a:spcBef>
+              <a:buFont typeface="Arial" panose="020B0604020202020204" pitchFamily="34" charset="0"/>
+              <a:buChar char="•"/>
+              <a:defRPr sz="1800" kern="1200">
+                <a:solidFill>
+                  <a:schemeClr val="tx1"/>
+                </a:solidFill>
+                <a:latin typeface="+mn-lt"/>
+                <a:ea typeface="+mn-ea"/>
+                <a:cs typeface="+mn-cs"/>
+              </a:defRPr>
+            </a:lvl6pPr>
+            <a:lvl7pPr marL="2971800" indent="-228600" algn="l" defTabSz="914400" rtl="0" eaLnBrk="1" latinLnBrk="0" hangingPunct="1">
+              <a:lnSpc>
+                <a:spcPct val="90000"/>
+              </a:lnSpc>
+              <a:spcBef>
+                <a:spcPts val="500"/>
+              </a:spcBef>
+              <a:buFont typeface="Arial" panose="020B0604020202020204" pitchFamily="34" charset="0"/>
+              <a:buChar char="•"/>
+              <a:defRPr sz="1800" kern="1200">
+                <a:solidFill>
+                  <a:schemeClr val="tx1"/>
+                </a:solidFill>
+                <a:latin typeface="+mn-lt"/>
+                <a:ea typeface="+mn-ea"/>
+                <a:cs typeface="+mn-cs"/>
+              </a:defRPr>
+            </a:lvl7pPr>
+            <a:lvl8pPr marL="3429000" indent="-228600" algn="l" defTabSz="914400" rtl="0" eaLnBrk="1" latinLnBrk="0" hangingPunct="1">
+              <a:lnSpc>
+                <a:spcPct val="90000"/>
+              </a:lnSpc>
+              <a:spcBef>
+                <a:spcPts val="500"/>
+              </a:spcBef>
+              <a:buFont typeface="Arial" panose="020B0604020202020204" pitchFamily="34" charset="0"/>
+              <a:buChar char="•"/>
+              <a:defRPr sz="1800" kern="1200">
+                <a:solidFill>
+                  <a:schemeClr val="tx1"/>
+                </a:solidFill>
+                <a:latin typeface="+mn-lt"/>
+                <a:ea typeface="+mn-ea"/>
+                <a:cs typeface="+mn-cs"/>
+              </a:defRPr>
+            </a:lvl8pPr>
+            <a:lvl9pPr marL="3886200" indent="-228600" algn="l" defTabSz="914400" rtl="0" eaLnBrk="1" latinLnBrk="0" hangingPunct="1">
+              <a:lnSpc>
+                <a:spcPct val="90000"/>
+              </a:lnSpc>
+              <a:spcBef>
+                <a:spcPts val="500"/>
+              </a:spcBef>
+              <a:buFont typeface="Arial" panose="020B0604020202020204" pitchFamily="34" charset="0"/>
+              <a:buChar char="•"/>
+              <a:defRPr sz="1800" kern="1200">
+                <a:solidFill>
+                  <a:schemeClr val="tx1"/>
+                </a:solidFill>
+                <a:latin typeface="+mn-lt"/>
+                <a:ea typeface="+mn-ea"/>
+                <a:cs typeface="+mn-cs"/>
+              </a:defRPr>
+            </a:lvl9pPr>
+          </a:lstStyle>
+          <a:p>
+            <a:pPr marL="0" indent="0">
+              <a:lnSpc>
+                <a:spcPct val="100000"/>
+              </a:lnSpc>
+              <a:buNone/>
+            </a:pPr>
+            <a:r>
+              <a:rPr lang="en-GB" sz="1400" dirty="0">
+                <a:latin typeface="DejaVu Sans Book" panose="020B0603030804020204" pitchFamily="34" charset="0"/>
+                <a:ea typeface="DejaVu Sans Book" panose="020B0603030804020204" pitchFamily="34" charset="0"/>
+                <a:cs typeface="DejaVu Sans Book" panose="020B0603030804020204" pitchFamily="34" charset="0"/>
+              </a:rPr>
+              <a:t>float 3</a:t>
+            </a:r>
+          </a:p>
+          <a:p>
+            <a:pPr marL="0" indent="0">
+              <a:lnSpc>
+                <a:spcPct val="100000"/>
+              </a:lnSpc>
+              <a:buNone/>
+            </a:pPr>
+            <a:r>
+              <a:rPr lang="en-GB" sz="1400" dirty="0" err="1">
+                <a:latin typeface="DejaVu Sans Book" panose="020B0603030804020204" pitchFamily="34" charset="0"/>
+                <a:ea typeface="DejaVu Sans Book" panose="020B0603030804020204" pitchFamily="34" charset="0"/>
+                <a:cs typeface="DejaVu Sans Book" panose="020B0603030804020204" pitchFamily="34" charset="0"/>
+              </a:rPr>
+              <a:t>int</a:t>
+            </a:r>
+            <a:r>
+              <a:rPr lang="en-GB" sz="1400" dirty="0">
+                <a:latin typeface="DejaVu Sans Book" panose="020B0603030804020204" pitchFamily="34" charset="0"/>
+                <a:ea typeface="DejaVu Sans Book" panose="020B0603030804020204" pitchFamily="34" charset="0"/>
+                <a:cs typeface="DejaVu Sans Book" panose="020B0603030804020204" pitchFamily="34" charset="0"/>
+              </a:rPr>
+              <a:t> 3.2</a:t>
+            </a:r>
+          </a:p>
+          <a:p>
+            <a:pPr marL="0" indent="0">
+              <a:lnSpc>
+                <a:spcPct val="100000"/>
+              </a:lnSpc>
+              <a:buNone/>
+            </a:pPr>
+            <a:r>
+              <a:rPr lang="en-GB" sz="1400" dirty="0" err="1">
+                <a:latin typeface="DejaVu Sans Book" panose="020B0603030804020204" pitchFamily="34" charset="0"/>
+                <a:ea typeface="DejaVu Sans Book" panose="020B0603030804020204" pitchFamily="34" charset="0"/>
+                <a:cs typeface="DejaVu Sans Book" panose="020B0603030804020204" pitchFamily="34" charset="0"/>
+              </a:rPr>
+              <a:t>int</a:t>
+            </a:r>
+            <a:r>
+              <a:rPr lang="en-GB" sz="1400" dirty="0">
+                <a:latin typeface="DejaVu Sans Book" panose="020B0603030804020204" pitchFamily="34" charset="0"/>
+                <a:ea typeface="DejaVu Sans Book" panose="020B0603030804020204" pitchFamily="34" charset="0"/>
+                <a:cs typeface="DejaVu Sans Book" panose="020B0603030804020204" pitchFamily="34" charset="0"/>
+              </a:rPr>
+              <a:t> 3.6</a:t>
+            </a:r>
+          </a:p>
+          <a:p>
+            <a:pPr marL="0" indent="0">
+              <a:lnSpc>
+                <a:spcPct val="100000"/>
+              </a:lnSpc>
+              <a:buNone/>
+            </a:pPr>
+            <a:r>
+              <a:rPr lang="en-GB" sz="1400" u="sng" dirty="0" err="1">
+                <a:latin typeface="DejaVu Sans Book" panose="020B0603030804020204" pitchFamily="34" charset="0"/>
+                <a:ea typeface="DejaVu Sans Book" panose="020B0603030804020204" pitchFamily="34" charset="0"/>
+                <a:cs typeface="DejaVu Sans Book" panose="020B0603030804020204" pitchFamily="34" charset="0"/>
+              </a:rPr>
+              <a:t>int</a:t>
+            </a:r>
+            <a:r>
+              <a:rPr lang="en-GB" sz="1400" u="sng" dirty="0">
+                <a:latin typeface="DejaVu Sans Book" panose="020B0603030804020204" pitchFamily="34" charset="0"/>
+                <a:ea typeface="DejaVu Sans Book" panose="020B0603030804020204" pitchFamily="34" charset="0"/>
+                <a:cs typeface="DejaVu Sans Book" panose="020B0603030804020204" pitchFamily="34" charset="0"/>
+              </a:rPr>
+              <a:t> (3.2 + 0.5)</a:t>
+            </a:r>
+          </a:p>
+          <a:p>
+            <a:pPr marL="0" indent="0">
+              <a:lnSpc>
+                <a:spcPct val="100000"/>
+              </a:lnSpc>
+              <a:buNone/>
+            </a:pPr>
+            <a:r>
+              <a:rPr lang="en-GB" sz="1400" u="sng" dirty="0" err="1">
+                <a:latin typeface="DejaVu Sans Book" panose="020B0603030804020204" pitchFamily="34" charset="0"/>
+                <a:ea typeface="DejaVu Sans Book" panose="020B0603030804020204" pitchFamily="34" charset="0"/>
+                <a:cs typeface="DejaVu Sans Book" panose="020B0603030804020204" pitchFamily="34" charset="0"/>
+              </a:rPr>
+              <a:t>int</a:t>
+            </a:r>
+            <a:r>
+              <a:rPr lang="en-GB" sz="1400" u="sng" dirty="0">
+                <a:latin typeface="DejaVu Sans Book" panose="020B0603030804020204" pitchFamily="34" charset="0"/>
+                <a:ea typeface="DejaVu Sans Book" panose="020B0603030804020204" pitchFamily="34" charset="0"/>
+                <a:cs typeface="DejaVu Sans Book" panose="020B0603030804020204" pitchFamily="34" charset="0"/>
+              </a:rPr>
+              <a:t> (3.6 + 0.5)</a:t>
+            </a:r>
+          </a:p>
+          <a:p>
+            <a:pPr marL="0" indent="0">
+              <a:lnSpc>
+                <a:spcPct val="100000"/>
+              </a:lnSpc>
+              <a:buNone/>
+            </a:pPr>
+            <a:r>
+              <a:rPr lang="en-GB" sz="1400" dirty="0" err="1">
+                <a:latin typeface="DejaVu Sans Book" panose="020B0603030804020204" pitchFamily="34" charset="0"/>
+                <a:ea typeface="DejaVu Sans Book" panose="020B0603030804020204" pitchFamily="34" charset="0"/>
+                <a:cs typeface="DejaVu Sans Book" panose="020B0603030804020204" pitchFamily="34" charset="0"/>
+              </a:rPr>
+              <a:t>int</a:t>
+            </a:r>
+            <a:r>
+              <a:rPr lang="en-GB" sz="1400" dirty="0">
+                <a:latin typeface="DejaVu Sans Book" panose="020B0603030804020204" pitchFamily="34" charset="0"/>
+                <a:ea typeface="DejaVu Sans Book" panose="020B0603030804020204" pitchFamily="34" charset="0"/>
+                <a:cs typeface="DejaVu Sans Book" panose="020B0603030804020204" pitchFamily="34" charset="0"/>
+              </a:rPr>
+              <a:t> 'a'</a:t>
+            </a:r>
+          </a:p>
+          <a:p>
+            <a:pPr marL="0" indent="0">
+              <a:lnSpc>
+                <a:spcPct val="100000"/>
+              </a:lnSpc>
+              <a:buNone/>
+            </a:pPr>
+            <a:r>
+              <a:rPr lang="en-GB" sz="1400" dirty="0" err="1">
+                <a:latin typeface="DejaVu Sans Book" panose="020B0603030804020204" pitchFamily="34" charset="0"/>
+                <a:ea typeface="DejaVu Sans Book" panose="020B0603030804020204" pitchFamily="34" charset="0"/>
+                <a:cs typeface="DejaVu Sans Book" panose="020B0603030804020204" pitchFamily="34" charset="0"/>
+              </a:rPr>
+              <a:t>int</a:t>
+            </a:r>
+            <a:r>
+              <a:rPr lang="en-GB" sz="1400" dirty="0">
+                <a:latin typeface="DejaVu Sans Book" panose="020B0603030804020204" pitchFamily="34" charset="0"/>
+                <a:ea typeface="DejaVu Sans Book" panose="020B0603030804020204" pitchFamily="34" charset="0"/>
+                <a:cs typeface="DejaVu Sans Book" panose="020B0603030804020204" pitchFamily="34" charset="0"/>
+              </a:rPr>
+              <a:t> 'A'</a:t>
+            </a:r>
+          </a:p>
+          <a:p>
+            <a:pPr marL="0" indent="0">
+              <a:lnSpc>
+                <a:spcPct val="100000"/>
+              </a:lnSpc>
+              <a:buNone/>
+            </a:pPr>
+            <a:r>
+              <a:rPr lang="en-GB" sz="1400" dirty="0">
+                <a:latin typeface="DejaVu Sans Book" panose="020B0603030804020204" pitchFamily="34" charset="0"/>
+                <a:ea typeface="DejaVu Sans Book" panose="020B0603030804020204" pitchFamily="34" charset="0"/>
+                <a:cs typeface="DejaVu Sans Book" panose="020B0603030804020204" pitchFamily="34" charset="0"/>
+              </a:rPr>
+              <a:t>char 65</a:t>
+            </a:r>
+          </a:p>
+          <a:p>
+            <a:pPr marL="0" indent="0">
+              <a:lnSpc>
+                <a:spcPct val="100000"/>
+              </a:lnSpc>
+              <a:buNone/>
+            </a:pPr>
+            <a:r>
+              <a:rPr lang="en-GB" sz="1400" dirty="0">
+                <a:latin typeface="DejaVu Sans Book" panose="020B0603030804020204" pitchFamily="34" charset="0"/>
+                <a:ea typeface="DejaVu Sans Book" panose="020B0603030804020204" pitchFamily="34" charset="0"/>
+                <a:cs typeface="DejaVu Sans Book" panose="020B0603030804020204" pitchFamily="34" charset="0"/>
+              </a:rPr>
+              <a:t>char (</a:t>
+            </a:r>
+            <a:r>
+              <a:rPr lang="en-GB" sz="1400" dirty="0" err="1">
+                <a:latin typeface="DejaVu Sans Book" panose="020B0603030804020204" pitchFamily="34" charset="0"/>
+                <a:ea typeface="DejaVu Sans Book" panose="020B0603030804020204" pitchFamily="34" charset="0"/>
+                <a:cs typeface="DejaVu Sans Book" panose="020B0603030804020204" pitchFamily="34" charset="0"/>
+              </a:rPr>
+              <a:t>int</a:t>
+            </a:r>
+            <a:r>
+              <a:rPr lang="en-GB" sz="1400" dirty="0">
+                <a:latin typeface="DejaVu Sans Book" panose="020B0603030804020204" pitchFamily="34" charset="0"/>
+                <a:ea typeface="DejaVu Sans Book" panose="020B0603030804020204" pitchFamily="34" charset="0"/>
+                <a:cs typeface="DejaVu Sans Book" panose="020B0603030804020204" pitchFamily="34" charset="0"/>
+              </a:rPr>
+              <a:t> 'c' - </a:t>
+            </a:r>
+            <a:r>
+              <a:rPr lang="en-GB" sz="1400" dirty="0" err="1">
+                <a:latin typeface="DejaVu Sans Book" panose="020B0603030804020204" pitchFamily="34" charset="0"/>
+                <a:ea typeface="DejaVu Sans Book" panose="020B0603030804020204" pitchFamily="34" charset="0"/>
+                <a:cs typeface="DejaVu Sans Book" panose="020B0603030804020204" pitchFamily="34" charset="0"/>
+              </a:rPr>
+              <a:t>int</a:t>
+            </a:r>
+            <a:r>
+              <a:rPr lang="en-GB" sz="1400" dirty="0">
+                <a:latin typeface="DejaVu Sans Book" panose="020B0603030804020204" pitchFamily="34" charset="0"/>
+                <a:ea typeface="DejaVu Sans Book" panose="020B0603030804020204" pitchFamily="34" charset="0"/>
+                <a:cs typeface="DejaVu Sans Book" panose="020B0603030804020204" pitchFamily="34" charset="0"/>
+              </a:rPr>
+              <a:t> 'a' + </a:t>
+            </a:r>
+            <a:r>
+              <a:rPr lang="en-GB" sz="1400" dirty="0" err="1">
+                <a:latin typeface="DejaVu Sans Book" panose="020B0603030804020204" pitchFamily="34" charset="0"/>
+                <a:ea typeface="DejaVu Sans Book" panose="020B0603030804020204" pitchFamily="34" charset="0"/>
+                <a:cs typeface="DejaVu Sans Book" panose="020B0603030804020204" pitchFamily="34" charset="0"/>
+              </a:rPr>
+              <a:t>int</a:t>
+            </a:r>
+            <a:r>
+              <a:rPr lang="en-GB" sz="1400" dirty="0">
+                <a:latin typeface="DejaVu Sans Book" panose="020B0603030804020204" pitchFamily="34" charset="0"/>
+                <a:ea typeface="DejaVu Sans Book" panose="020B0603030804020204" pitchFamily="34" charset="0"/>
+                <a:cs typeface="DejaVu Sans Book" panose="020B0603030804020204" pitchFamily="34" charset="0"/>
+              </a:rPr>
+              <a:t> 'A')</a:t>
+            </a:r>
+          </a:p>
+        </p:txBody>
+      </p:sp>
+      <p:sp>
+        <p:nvSpPr>
+          <p:cNvPr id="6" name="Content Placeholder 2">
+            <a:extLst>
+              <a:ext uri="{FF2B5EF4-FFF2-40B4-BE49-F238E27FC236}">
+                <a16:creationId xmlns:a16="http://schemas.microsoft.com/office/drawing/2014/main" id="{BEAFB9E9-7E5C-E84B-84B5-3F813D7396C1}"/>
+              </a:ext>
+            </a:extLst>
+          </p:cNvPr>
+          <p:cNvSpPr txBox="1">
+            <a:spLocks/>
+          </p:cNvSpPr>
+          <p:nvPr/>
+        </p:nvSpPr>
+        <p:spPr>
+          <a:xfrm>
+            <a:off x="8483242" y="2448343"/>
+            <a:ext cx="2870563" cy="3373392"/>
+          </a:xfrm>
+          <a:prstGeom prst="rect">
+            <a:avLst/>
+          </a:prstGeom>
+        </p:spPr>
+        <p:txBody>
+          <a:bodyPr vert="horz" lIns="91440" tIns="45720" rIns="91440" bIns="45720" rtlCol="0">
+            <a:normAutofit/>
+          </a:bodyPr>
+          <a:lstStyle>
+            <a:lvl1pPr marL="228600" indent="-228600" algn="l" defTabSz="914400" rtl="0" eaLnBrk="1" latinLnBrk="0" hangingPunct="1">
+              <a:lnSpc>
+                <a:spcPct val="90000"/>
+              </a:lnSpc>
+              <a:spcBef>
+                <a:spcPts val="1000"/>
+              </a:spcBef>
+              <a:buFont typeface="Arial" panose="020B0604020202020204" pitchFamily="34" charset="0"/>
+              <a:buChar char="•"/>
+              <a:defRPr sz="2800" kern="1200">
+                <a:solidFill>
+                  <a:schemeClr val="tx1"/>
+                </a:solidFill>
+                <a:latin typeface="+mn-lt"/>
+                <a:ea typeface="+mn-ea"/>
+                <a:cs typeface="+mn-cs"/>
+              </a:defRPr>
+            </a:lvl1pPr>
+            <a:lvl2pPr marL="685800" indent="-228600" algn="l" defTabSz="914400" rtl="0" eaLnBrk="1" latinLnBrk="0" hangingPunct="1">
+              <a:lnSpc>
+                <a:spcPct val="90000"/>
+              </a:lnSpc>
+              <a:spcBef>
+                <a:spcPts val="500"/>
+              </a:spcBef>
+              <a:buFont typeface="Arial" panose="020B0604020202020204" pitchFamily="34" charset="0"/>
+              <a:buChar char="•"/>
+              <a:defRPr sz="2400" kern="1200">
+                <a:solidFill>
+                  <a:schemeClr val="tx1"/>
+                </a:solidFill>
+                <a:latin typeface="+mn-lt"/>
+                <a:ea typeface="+mn-ea"/>
+                <a:cs typeface="+mn-cs"/>
+              </a:defRPr>
+            </a:lvl2pPr>
+            <a:lvl3pPr marL="1143000" indent="-228600" algn="l" defTabSz="914400" rtl="0" eaLnBrk="1" latinLnBrk="0" hangingPunct="1">
+              <a:lnSpc>
+                <a:spcPct val="90000"/>
+              </a:lnSpc>
+              <a:spcBef>
+                <a:spcPts val="500"/>
+              </a:spcBef>
+              <a:buFont typeface="Arial" panose="020B0604020202020204" pitchFamily="34" charset="0"/>
+              <a:buChar char="•"/>
+              <a:defRPr sz="2000" kern="1200">
+                <a:solidFill>
+                  <a:schemeClr val="tx1"/>
+                </a:solidFill>
+                <a:latin typeface="+mn-lt"/>
+                <a:ea typeface="+mn-ea"/>
+                <a:cs typeface="+mn-cs"/>
+              </a:defRPr>
+            </a:lvl3pPr>
+            <a:lvl4pPr marL="1600200" indent="-228600" algn="l" defTabSz="914400" rtl="0" eaLnBrk="1" latinLnBrk="0" hangingPunct="1">
+              <a:lnSpc>
+                <a:spcPct val="90000"/>
+              </a:lnSpc>
+              <a:spcBef>
+                <a:spcPts val="500"/>
+              </a:spcBef>
+              <a:buFont typeface="Arial" panose="020B0604020202020204" pitchFamily="34" charset="0"/>
+              <a:buChar char="•"/>
+              <a:defRPr sz="1800" kern="1200">
+                <a:solidFill>
+                  <a:schemeClr val="tx1"/>
+                </a:solidFill>
+                <a:latin typeface="+mn-lt"/>
+                <a:ea typeface="+mn-ea"/>
+                <a:cs typeface="+mn-cs"/>
+              </a:defRPr>
+            </a:lvl4pPr>
+            <a:lvl5pPr marL="2057400" indent="-228600" algn="l" defTabSz="914400" rtl="0" eaLnBrk="1" latinLnBrk="0" hangingPunct="1">
+              <a:lnSpc>
+                <a:spcPct val="90000"/>
+              </a:lnSpc>
+              <a:spcBef>
+                <a:spcPts val="500"/>
+              </a:spcBef>
+              <a:buFont typeface="Arial" panose="020B0604020202020204" pitchFamily="34" charset="0"/>
+              <a:buChar char="•"/>
+              <a:defRPr sz="1800" kern="1200">
+                <a:solidFill>
+                  <a:schemeClr val="tx1"/>
+                </a:solidFill>
+                <a:latin typeface="+mn-lt"/>
+                <a:ea typeface="+mn-ea"/>
+                <a:cs typeface="+mn-cs"/>
+              </a:defRPr>
+            </a:lvl5pPr>
+            <a:lvl6pPr marL="2514600" indent="-228600" algn="l" defTabSz="914400" rtl="0" eaLnBrk="1" latinLnBrk="0" hangingPunct="1">
+              <a:lnSpc>
+                <a:spcPct val="90000"/>
+              </a:lnSpc>
+              <a:spcBef>
+                <a:spcPts val="500"/>
+              </a:spcBef>
+              <a:buFont typeface="Arial" panose="020B0604020202020204" pitchFamily="34" charset="0"/>
+              <a:buChar char="•"/>
+              <a:defRPr sz="1800" kern="1200">
+                <a:solidFill>
+                  <a:schemeClr val="tx1"/>
+                </a:solidFill>
+                <a:latin typeface="+mn-lt"/>
+                <a:ea typeface="+mn-ea"/>
+                <a:cs typeface="+mn-cs"/>
+              </a:defRPr>
+            </a:lvl6pPr>
+            <a:lvl7pPr marL="2971800" indent="-228600" algn="l" defTabSz="914400" rtl="0" eaLnBrk="1" latinLnBrk="0" hangingPunct="1">
+              <a:lnSpc>
+                <a:spcPct val="90000"/>
+              </a:lnSpc>
+              <a:spcBef>
+                <a:spcPts val="500"/>
+              </a:spcBef>
+              <a:buFont typeface="Arial" panose="020B0604020202020204" pitchFamily="34" charset="0"/>
+              <a:buChar char="•"/>
+              <a:defRPr sz="1800" kern="1200">
+                <a:solidFill>
+                  <a:schemeClr val="tx1"/>
+                </a:solidFill>
+                <a:latin typeface="+mn-lt"/>
+                <a:ea typeface="+mn-ea"/>
+                <a:cs typeface="+mn-cs"/>
+              </a:defRPr>
+            </a:lvl7pPr>
+            <a:lvl8pPr marL="3429000" indent="-228600" algn="l" defTabSz="914400" rtl="0" eaLnBrk="1" latinLnBrk="0" hangingPunct="1">
+              <a:lnSpc>
+                <a:spcPct val="90000"/>
+              </a:lnSpc>
+              <a:spcBef>
+                <a:spcPts val="500"/>
+              </a:spcBef>
+              <a:buFont typeface="Arial" panose="020B0604020202020204" pitchFamily="34" charset="0"/>
+              <a:buChar char="•"/>
+              <a:defRPr sz="1800" kern="1200">
+                <a:solidFill>
+                  <a:schemeClr val="tx1"/>
+                </a:solidFill>
+                <a:latin typeface="+mn-lt"/>
+                <a:ea typeface="+mn-ea"/>
+                <a:cs typeface="+mn-cs"/>
+              </a:defRPr>
+            </a:lvl8pPr>
+            <a:lvl9pPr marL="3886200" indent="-228600" algn="l" defTabSz="914400" rtl="0" eaLnBrk="1" latinLnBrk="0" hangingPunct="1">
+              <a:lnSpc>
+                <a:spcPct val="90000"/>
+              </a:lnSpc>
+              <a:spcBef>
+                <a:spcPts val="500"/>
+              </a:spcBef>
+              <a:buFont typeface="Arial" panose="020B0604020202020204" pitchFamily="34" charset="0"/>
+              <a:buChar char="•"/>
+              <a:defRPr sz="1800" kern="1200">
+                <a:solidFill>
+                  <a:schemeClr val="tx1"/>
+                </a:solidFill>
+                <a:latin typeface="+mn-lt"/>
+                <a:ea typeface="+mn-ea"/>
+                <a:cs typeface="+mn-cs"/>
+              </a:defRPr>
+            </a:lvl9pPr>
+          </a:lstStyle>
+          <a:p>
+            <a:pPr marL="0" indent="0">
+              <a:lnSpc>
+                <a:spcPct val="100000"/>
+              </a:lnSpc>
+              <a:buNone/>
+            </a:pPr>
+            <a:r>
+              <a:rPr lang="en-GB" sz="1400" dirty="0">
+                <a:latin typeface="DejaVu Sans Book" panose="020B0603030804020204" pitchFamily="34" charset="0"/>
+                <a:ea typeface="DejaVu Sans Book" panose="020B0603030804020204" pitchFamily="34" charset="0"/>
+                <a:cs typeface="DejaVu Sans Book" panose="020B0603030804020204" pitchFamily="34" charset="0"/>
+              </a:rPr>
+              <a:t>2 - 3</a:t>
+            </a:r>
+          </a:p>
+          <a:p>
+            <a:pPr marL="0" indent="0">
+              <a:lnSpc>
+                <a:spcPct val="100000"/>
+              </a:lnSpc>
+              <a:buNone/>
+            </a:pPr>
+            <a:r>
+              <a:rPr lang="en-GB" sz="1400" dirty="0">
+                <a:latin typeface="DejaVu Sans Book" panose="020B0603030804020204" pitchFamily="34" charset="0"/>
+                <a:ea typeface="DejaVu Sans Book" panose="020B0603030804020204" pitchFamily="34" charset="0"/>
+                <a:cs typeface="DejaVu Sans Book" panose="020B0603030804020204" pitchFamily="34" charset="0"/>
+              </a:rPr>
+              <a:t>-3</a:t>
+            </a:r>
+          </a:p>
+          <a:p>
+            <a:pPr marL="0" indent="0">
+              <a:lnSpc>
+                <a:spcPct val="100000"/>
+              </a:lnSpc>
+              <a:buNone/>
+            </a:pPr>
+            <a:r>
+              <a:rPr lang="en-GB" sz="1400" dirty="0">
+                <a:latin typeface="DejaVu Sans Book" panose="020B0603030804020204" pitchFamily="34" charset="0"/>
+                <a:ea typeface="DejaVu Sans Book" panose="020B0603030804020204" pitchFamily="34" charset="0"/>
+                <a:cs typeface="DejaVu Sans Book" panose="020B0603030804020204" pitchFamily="34" charset="0"/>
+              </a:rPr>
+              <a:t>char (</a:t>
+            </a:r>
+            <a:r>
+              <a:rPr lang="en-GB" sz="1400" dirty="0" err="1">
+                <a:latin typeface="DejaVu Sans Book" panose="020B0603030804020204" pitchFamily="34" charset="0"/>
+                <a:ea typeface="DejaVu Sans Book" panose="020B0603030804020204" pitchFamily="34" charset="0"/>
+                <a:cs typeface="DejaVu Sans Book" panose="020B0603030804020204" pitchFamily="34" charset="0"/>
+              </a:rPr>
+              <a:t>int</a:t>
+            </a:r>
+            <a:r>
+              <a:rPr lang="en-GB" sz="1400" dirty="0">
+                <a:latin typeface="DejaVu Sans Book" panose="020B0603030804020204" pitchFamily="34" charset="0"/>
+                <a:ea typeface="DejaVu Sans Book" panose="020B0603030804020204" pitchFamily="34" charset="0"/>
+                <a:cs typeface="DejaVu Sans Book" panose="020B0603030804020204" pitchFamily="34" charset="0"/>
+              </a:rPr>
+              <a:t> 'c' + -</a:t>
+            </a:r>
+            <a:r>
+              <a:rPr lang="en-GB" sz="1400" dirty="0" err="1">
+                <a:latin typeface="DejaVu Sans Book" panose="020B0603030804020204" pitchFamily="34" charset="0"/>
+                <a:ea typeface="DejaVu Sans Book" panose="020B0603030804020204" pitchFamily="34" charset="0"/>
+                <a:cs typeface="DejaVu Sans Book" panose="020B0603030804020204" pitchFamily="34" charset="0"/>
+              </a:rPr>
+              <a:t>int</a:t>
+            </a:r>
+            <a:r>
+              <a:rPr lang="en-GB" sz="1400" dirty="0">
+                <a:latin typeface="DejaVu Sans Book" panose="020B0603030804020204" pitchFamily="34" charset="0"/>
+                <a:ea typeface="DejaVu Sans Book" panose="020B0603030804020204" pitchFamily="34" charset="0"/>
+                <a:cs typeface="DejaVu Sans Book" panose="020B0603030804020204" pitchFamily="34" charset="0"/>
+              </a:rPr>
+              <a:t> 'a' + </a:t>
+            </a:r>
+            <a:r>
+              <a:rPr lang="en-GB" sz="1400" dirty="0" err="1">
+                <a:latin typeface="DejaVu Sans Book" panose="020B0603030804020204" pitchFamily="34" charset="0"/>
+                <a:ea typeface="DejaVu Sans Book" panose="020B0603030804020204" pitchFamily="34" charset="0"/>
+                <a:cs typeface="DejaVu Sans Book" panose="020B0603030804020204" pitchFamily="34" charset="0"/>
+              </a:rPr>
+              <a:t>int</a:t>
+            </a:r>
+            <a:r>
+              <a:rPr lang="en-GB" sz="1400" dirty="0">
+                <a:latin typeface="DejaVu Sans Book" panose="020B0603030804020204" pitchFamily="34" charset="0"/>
+                <a:ea typeface="DejaVu Sans Book" panose="020B0603030804020204" pitchFamily="34" charset="0"/>
+                <a:cs typeface="DejaVu Sans Book" panose="020B0603030804020204" pitchFamily="34" charset="0"/>
+              </a:rPr>
+              <a:t> 'A’)</a:t>
+            </a:r>
+          </a:p>
+          <a:p>
+            <a:pPr marL="0" indent="0">
+              <a:lnSpc>
+                <a:spcPct val="100000"/>
+              </a:lnSpc>
+              <a:buNone/>
+            </a:pPr>
+            <a:r>
+              <a:rPr lang="en-GB" sz="1400" u="sng" dirty="0">
+                <a:latin typeface="DejaVu Sans Book" panose="020B0603030804020204" pitchFamily="34" charset="0"/>
+                <a:ea typeface="DejaVu Sans Book" panose="020B0603030804020204" pitchFamily="34" charset="0"/>
+                <a:cs typeface="DejaVu Sans Book" panose="020B0603030804020204" pitchFamily="34" charset="0"/>
+              </a:rPr>
+              <a:t>char (</a:t>
+            </a:r>
+            <a:r>
+              <a:rPr lang="en-GB" sz="1400" u="sng" dirty="0" err="1">
+                <a:latin typeface="DejaVu Sans Book" panose="020B0603030804020204" pitchFamily="34" charset="0"/>
+                <a:ea typeface="DejaVu Sans Book" panose="020B0603030804020204" pitchFamily="34" charset="0"/>
+                <a:cs typeface="DejaVu Sans Book" panose="020B0603030804020204" pitchFamily="34" charset="0"/>
+              </a:rPr>
+              <a:t>int</a:t>
+            </a:r>
+            <a:r>
+              <a:rPr lang="en-GB" sz="1400" u="sng" dirty="0">
+                <a:latin typeface="DejaVu Sans Book" panose="020B0603030804020204" pitchFamily="34" charset="0"/>
+                <a:ea typeface="DejaVu Sans Book" panose="020B0603030804020204" pitchFamily="34" charset="0"/>
+                <a:cs typeface="DejaVu Sans Book" panose="020B0603030804020204" pitchFamily="34" charset="0"/>
+              </a:rPr>
+              <a:t> 'c’ -</a:t>
+            </a:r>
+            <a:r>
+              <a:rPr lang="en-GB" sz="1400" u="sng" dirty="0" err="1">
+                <a:latin typeface="DejaVu Sans Book" panose="020B0603030804020204" pitchFamily="34" charset="0"/>
+                <a:ea typeface="DejaVu Sans Book" panose="020B0603030804020204" pitchFamily="34" charset="0"/>
+                <a:cs typeface="DejaVu Sans Book" panose="020B0603030804020204" pitchFamily="34" charset="0"/>
+              </a:rPr>
+              <a:t>int</a:t>
+            </a:r>
+            <a:r>
+              <a:rPr lang="en-GB" sz="1400" u="sng" dirty="0">
+                <a:latin typeface="DejaVu Sans Book" panose="020B0603030804020204" pitchFamily="34" charset="0"/>
+                <a:ea typeface="DejaVu Sans Book" panose="020B0603030804020204" pitchFamily="34" charset="0"/>
+                <a:cs typeface="DejaVu Sans Book" panose="020B0603030804020204" pitchFamily="34" charset="0"/>
+              </a:rPr>
+              <a:t> 'a' + </a:t>
+            </a:r>
+            <a:r>
+              <a:rPr lang="en-GB" sz="1400" u="sng" dirty="0" err="1">
+                <a:latin typeface="DejaVu Sans Book" panose="020B0603030804020204" pitchFamily="34" charset="0"/>
+                <a:ea typeface="DejaVu Sans Book" panose="020B0603030804020204" pitchFamily="34" charset="0"/>
+                <a:cs typeface="DejaVu Sans Book" panose="020B0603030804020204" pitchFamily="34" charset="0"/>
+              </a:rPr>
+              <a:t>int</a:t>
+            </a:r>
+            <a:r>
+              <a:rPr lang="en-GB" sz="1400" u="sng" dirty="0">
+                <a:latin typeface="DejaVu Sans Book" panose="020B0603030804020204" pitchFamily="34" charset="0"/>
+                <a:ea typeface="DejaVu Sans Book" panose="020B0603030804020204" pitchFamily="34" charset="0"/>
+                <a:cs typeface="DejaVu Sans Book" panose="020B0603030804020204" pitchFamily="34" charset="0"/>
+              </a:rPr>
+              <a:t> 'A')</a:t>
+            </a:r>
+          </a:p>
+          <a:p>
+            <a:pPr marL="0" indent="0">
+              <a:lnSpc>
+                <a:spcPct val="100000"/>
+              </a:lnSpc>
+              <a:buNone/>
+            </a:pPr>
+            <a:endParaRPr lang="en-GB" sz="1400" dirty="0">
+              <a:latin typeface="DejaVu Sans Book" panose="020B0603030804020204" pitchFamily="34" charset="0"/>
+              <a:ea typeface="DejaVu Sans Book" panose="020B0603030804020204" pitchFamily="34" charset="0"/>
+              <a:cs typeface="DejaVu Sans Book" panose="020B0603030804020204" pitchFamily="34" charset="0"/>
+            </a:endParaRPr>
+          </a:p>
+        </p:txBody>
+      </p:sp>
+      <p:cxnSp>
+        <p:nvCxnSpPr>
+          <p:cNvPr id="7" name="Straight Connector 6">
+            <a:extLst>
+              <a:ext uri="{FF2B5EF4-FFF2-40B4-BE49-F238E27FC236}">
+                <a16:creationId xmlns:a16="http://schemas.microsoft.com/office/drawing/2014/main" id="{5A09C2F5-8773-5C40-80FB-890ED2D7CEF5}"/>
+              </a:ext>
+            </a:extLst>
+          </p:cNvPr>
+          <p:cNvCxnSpPr>
+            <a:cxnSpLocks/>
+          </p:cNvCxnSpPr>
+          <p:nvPr/>
+        </p:nvCxnSpPr>
+        <p:spPr>
+          <a:xfrm>
+            <a:off x="3592285" y="1850272"/>
+            <a:ext cx="0" cy="4128437"/>
+          </a:xfrm>
+          <a:prstGeom prst="line">
+            <a:avLst/>
+          </a:prstGeom>
+        </p:spPr>
+        <p:style>
+          <a:lnRef idx="1">
+            <a:schemeClr val="accent1"/>
+          </a:lnRef>
+          <a:fillRef idx="0">
+            <a:schemeClr val="accent1"/>
+          </a:fillRef>
+          <a:effectRef idx="0">
+            <a:schemeClr val="accent1"/>
+          </a:effectRef>
+          <a:fontRef idx="minor">
+            <a:schemeClr val="tx1"/>
+          </a:fontRef>
+        </p:style>
+      </p:cxnSp>
+      <p:cxnSp>
+        <p:nvCxnSpPr>
+          <p:cNvPr id="8" name="Straight Connector 7">
+            <a:extLst>
+              <a:ext uri="{FF2B5EF4-FFF2-40B4-BE49-F238E27FC236}">
+                <a16:creationId xmlns:a16="http://schemas.microsoft.com/office/drawing/2014/main" id="{C9DB7069-2F82-9A4C-9851-E87494EB8821}"/>
+              </a:ext>
+            </a:extLst>
+          </p:cNvPr>
+          <p:cNvCxnSpPr>
+            <a:cxnSpLocks/>
+          </p:cNvCxnSpPr>
+          <p:nvPr/>
+        </p:nvCxnSpPr>
+        <p:spPr>
+          <a:xfrm>
+            <a:off x="5612674" y="1850272"/>
+            <a:ext cx="0" cy="4128437"/>
+          </a:xfrm>
+          <a:prstGeom prst="line">
+            <a:avLst/>
+          </a:prstGeom>
+        </p:spPr>
+        <p:style>
+          <a:lnRef idx="1">
+            <a:schemeClr val="accent1"/>
+          </a:lnRef>
+          <a:fillRef idx="0">
+            <a:schemeClr val="accent1"/>
+          </a:fillRef>
+          <a:effectRef idx="0">
+            <a:schemeClr val="accent1"/>
+          </a:effectRef>
+          <a:fontRef idx="minor">
+            <a:schemeClr val="tx1"/>
+          </a:fontRef>
+        </p:style>
+      </p:cxnSp>
+      <p:cxnSp>
+        <p:nvCxnSpPr>
+          <p:cNvPr id="9" name="Straight Connector 8">
+            <a:extLst>
+              <a:ext uri="{FF2B5EF4-FFF2-40B4-BE49-F238E27FC236}">
+                <a16:creationId xmlns:a16="http://schemas.microsoft.com/office/drawing/2014/main" id="{2C261977-CCDA-A449-983C-629F4D2C2170}"/>
+              </a:ext>
+            </a:extLst>
+          </p:cNvPr>
+          <p:cNvCxnSpPr>
+            <a:cxnSpLocks/>
+          </p:cNvCxnSpPr>
+          <p:nvPr/>
+        </p:nvCxnSpPr>
+        <p:spPr>
+          <a:xfrm>
+            <a:off x="8462454" y="1850272"/>
+            <a:ext cx="0" cy="4128437"/>
+          </a:xfrm>
+          <a:prstGeom prst="line">
+            <a:avLst/>
+          </a:prstGeom>
+        </p:spPr>
+        <p:style>
+          <a:lnRef idx="1">
+            <a:schemeClr val="accent1"/>
+          </a:lnRef>
+          <a:fillRef idx="0">
+            <a:schemeClr val="accent1"/>
+          </a:fillRef>
+          <a:effectRef idx="0">
+            <a:schemeClr val="accent1"/>
+          </a:effectRef>
+          <a:fontRef idx="minor">
+            <a:schemeClr val="tx1"/>
+          </a:fontRef>
+        </p:style>
+      </p:cxnSp>
+      <p:cxnSp>
+        <p:nvCxnSpPr>
+          <p:cNvPr id="10" name="Straight Connector 9">
+            <a:extLst>
+              <a:ext uri="{FF2B5EF4-FFF2-40B4-BE49-F238E27FC236}">
+                <a16:creationId xmlns:a16="http://schemas.microsoft.com/office/drawing/2014/main" id="{FA39AE1F-3021-7444-98E0-02C182A52905}"/>
+              </a:ext>
+            </a:extLst>
+          </p:cNvPr>
+          <p:cNvCxnSpPr>
+            <a:cxnSpLocks/>
+          </p:cNvCxnSpPr>
+          <p:nvPr/>
+        </p:nvCxnSpPr>
+        <p:spPr>
+          <a:xfrm>
+            <a:off x="838200" y="1850267"/>
+            <a:ext cx="0" cy="4128437"/>
+          </a:xfrm>
+          <a:prstGeom prst="line">
+            <a:avLst/>
+          </a:prstGeom>
+        </p:spPr>
+        <p:style>
+          <a:lnRef idx="1">
+            <a:schemeClr val="accent1"/>
+          </a:lnRef>
+          <a:fillRef idx="0">
+            <a:schemeClr val="accent1"/>
+          </a:fillRef>
+          <a:effectRef idx="0">
+            <a:schemeClr val="accent1"/>
+          </a:effectRef>
+          <a:fontRef idx="minor">
+            <a:schemeClr val="tx1"/>
+          </a:fontRef>
+        </p:style>
+      </p:cxnSp>
+      <p:sp>
+        <p:nvSpPr>
+          <p:cNvPr id="33" name="TextBox 32">
+            <a:extLst>
+              <a:ext uri="{FF2B5EF4-FFF2-40B4-BE49-F238E27FC236}">
+                <a16:creationId xmlns:a16="http://schemas.microsoft.com/office/drawing/2014/main" id="{002F40A4-37E0-9C4C-AEE4-8FC15F7563D3}"/>
+              </a:ext>
+            </a:extLst>
+          </p:cNvPr>
+          <p:cNvSpPr txBox="1"/>
+          <p:nvPr/>
+        </p:nvSpPr>
+        <p:spPr>
+          <a:xfrm>
+            <a:off x="838200" y="1937208"/>
+            <a:ext cx="2271071" cy="400110"/>
+          </a:xfrm>
+          <a:prstGeom prst="rect">
+            <a:avLst/>
+          </a:prstGeom>
+          <a:noFill/>
+        </p:spPr>
+        <p:txBody>
+          <a:bodyPr wrap="none" rtlCol="0">
+            <a:spAutoFit/>
+          </a:bodyPr>
+          <a:lstStyle/>
+          <a:p>
+            <a:r>
+              <a:rPr lang="en-GB" sz="2000" dirty="0" err="1"/>
+              <a:t>Operatorer</a:t>
+            </a:r>
+            <a:r>
+              <a:rPr lang="en-GB" sz="2000" dirty="0"/>
+              <a:t> </a:t>
+            </a:r>
+            <a:r>
+              <a:rPr lang="en-GB" sz="2000" dirty="0" err="1"/>
+              <a:t>og</a:t>
+            </a:r>
+            <a:r>
+              <a:rPr lang="en-GB" sz="2000" dirty="0"/>
+              <a:t> </a:t>
+            </a:r>
+            <a:r>
+              <a:rPr lang="en-GB" sz="2000" dirty="0" err="1"/>
+              <a:t>typer</a:t>
+            </a:r>
+            <a:endParaRPr lang="en-GB" sz="2000" dirty="0"/>
+          </a:p>
+        </p:txBody>
+      </p:sp>
+      <p:sp>
+        <p:nvSpPr>
+          <p:cNvPr id="34" name="TextBox 33">
+            <a:extLst>
+              <a:ext uri="{FF2B5EF4-FFF2-40B4-BE49-F238E27FC236}">
+                <a16:creationId xmlns:a16="http://schemas.microsoft.com/office/drawing/2014/main" id="{83DB5C78-6841-D340-967E-93DC23631568}"/>
+              </a:ext>
+            </a:extLst>
+          </p:cNvPr>
+          <p:cNvSpPr txBox="1"/>
+          <p:nvPr/>
+        </p:nvSpPr>
+        <p:spPr>
+          <a:xfrm>
+            <a:off x="3592296" y="1691208"/>
+            <a:ext cx="1964956" cy="707886"/>
+          </a:xfrm>
+          <a:prstGeom prst="rect">
+            <a:avLst/>
+          </a:prstGeom>
+          <a:noFill/>
+        </p:spPr>
+        <p:txBody>
+          <a:bodyPr wrap="square" rtlCol="0">
+            <a:spAutoFit/>
+          </a:bodyPr>
+          <a:lstStyle/>
+          <a:p>
+            <a:r>
+              <a:rPr lang="en-GB" sz="2000" dirty="0" err="1"/>
+              <a:t>Præcendens</a:t>
+            </a:r>
+            <a:r>
+              <a:rPr lang="en-GB" sz="2000" dirty="0"/>
+              <a:t> </a:t>
+            </a:r>
+            <a:r>
+              <a:rPr lang="en-GB" sz="2000" dirty="0" err="1"/>
+              <a:t>og</a:t>
+            </a:r>
+            <a:r>
+              <a:rPr lang="en-GB" sz="2000" dirty="0"/>
+              <a:t> association</a:t>
+            </a:r>
+          </a:p>
+        </p:txBody>
+      </p:sp>
+      <p:sp>
+        <p:nvSpPr>
+          <p:cNvPr id="35" name="TextBox 34">
+            <a:extLst>
+              <a:ext uri="{FF2B5EF4-FFF2-40B4-BE49-F238E27FC236}">
+                <a16:creationId xmlns:a16="http://schemas.microsoft.com/office/drawing/2014/main" id="{C1EF2861-5EFD-6142-B0DE-FBA35F9A0DD4}"/>
+              </a:ext>
+            </a:extLst>
+          </p:cNvPr>
+          <p:cNvSpPr txBox="1"/>
+          <p:nvPr/>
+        </p:nvSpPr>
+        <p:spPr>
+          <a:xfrm>
+            <a:off x="5612675" y="1937211"/>
+            <a:ext cx="1405513" cy="400110"/>
+          </a:xfrm>
+          <a:prstGeom prst="rect">
+            <a:avLst/>
+          </a:prstGeom>
+          <a:noFill/>
+        </p:spPr>
+        <p:txBody>
+          <a:bodyPr wrap="none" rtlCol="0">
+            <a:spAutoFit/>
+          </a:bodyPr>
+          <a:lstStyle/>
+          <a:p>
+            <a:r>
+              <a:rPr lang="en-GB" sz="2000" dirty="0"/>
+              <a:t>Typecasting</a:t>
+            </a:r>
+          </a:p>
+        </p:txBody>
+      </p:sp>
+      <p:sp>
+        <p:nvSpPr>
+          <p:cNvPr id="36" name="TextBox 35">
+            <a:extLst>
+              <a:ext uri="{FF2B5EF4-FFF2-40B4-BE49-F238E27FC236}">
+                <a16:creationId xmlns:a16="http://schemas.microsoft.com/office/drawing/2014/main" id="{D3E7B5F3-323D-1949-A20A-27F668F94420}"/>
+              </a:ext>
+            </a:extLst>
+          </p:cNvPr>
+          <p:cNvSpPr txBox="1"/>
+          <p:nvPr/>
+        </p:nvSpPr>
+        <p:spPr>
+          <a:xfrm>
+            <a:off x="8462456" y="1937211"/>
+            <a:ext cx="2081724" cy="400110"/>
+          </a:xfrm>
+          <a:prstGeom prst="rect">
+            <a:avLst/>
+          </a:prstGeom>
+          <a:noFill/>
+        </p:spPr>
+        <p:txBody>
+          <a:bodyPr wrap="none" rtlCol="0">
+            <a:spAutoFit/>
+          </a:bodyPr>
+          <a:lstStyle/>
+          <a:p>
+            <a:r>
+              <a:rPr lang="en-GB" sz="2000" dirty="0" err="1"/>
+              <a:t>Unære</a:t>
+            </a:r>
+            <a:r>
+              <a:rPr lang="en-GB" sz="2000" dirty="0"/>
+              <a:t> </a:t>
+            </a:r>
+            <a:r>
+              <a:rPr lang="en-GB" sz="2000" dirty="0" err="1"/>
+              <a:t>operatorer</a:t>
+            </a:r>
+            <a:endParaRPr lang="en-GB" sz="2000" dirty="0"/>
+          </a:p>
+        </p:txBody>
+      </p:sp>
+      <p:cxnSp>
+        <p:nvCxnSpPr>
+          <p:cNvPr id="37" name="Straight Connector 36">
+            <a:extLst>
+              <a:ext uri="{FF2B5EF4-FFF2-40B4-BE49-F238E27FC236}">
+                <a16:creationId xmlns:a16="http://schemas.microsoft.com/office/drawing/2014/main" id="{28C8E072-4794-D645-B8D8-83DD3B1FC177}"/>
+              </a:ext>
+            </a:extLst>
+          </p:cNvPr>
+          <p:cNvCxnSpPr>
+            <a:cxnSpLocks/>
+          </p:cNvCxnSpPr>
+          <p:nvPr/>
+        </p:nvCxnSpPr>
+        <p:spPr>
+          <a:xfrm>
+            <a:off x="838200" y="2364376"/>
+            <a:ext cx="10515600" cy="0"/>
+          </a:xfrm>
+          <a:prstGeom prst="line">
+            <a:avLst/>
+          </a:prstGeom>
+        </p:spPr>
+        <p:style>
+          <a:lnRef idx="1">
+            <a:schemeClr val="accent1"/>
+          </a:lnRef>
+          <a:fillRef idx="0">
+            <a:schemeClr val="accent1"/>
+          </a:fillRef>
+          <a:effectRef idx="0">
+            <a:schemeClr val="accent1"/>
+          </a:effectRef>
+          <a:fontRef idx="minor">
+            <a:schemeClr val="tx1"/>
+          </a:fontRef>
+        </p:style>
+      </p:cxnSp>
+      <p:cxnSp>
+        <p:nvCxnSpPr>
+          <p:cNvPr id="46" name="Straight Connector 45">
+            <a:extLst>
+              <a:ext uri="{FF2B5EF4-FFF2-40B4-BE49-F238E27FC236}">
+                <a16:creationId xmlns:a16="http://schemas.microsoft.com/office/drawing/2014/main" id="{94EE0CD5-CC49-E94A-9C5F-4DEEAF649FFF}"/>
+              </a:ext>
+            </a:extLst>
+          </p:cNvPr>
+          <p:cNvCxnSpPr>
+            <a:cxnSpLocks/>
+          </p:cNvCxnSpPr>
+          <p:nvPr/>
+        </p:nvCxnSpPr>
+        <p:spPr>
+          <a:xfrm flipV="1">
+            <a:off x="929898" y="3239146"/>
+            <a:ext cx="697424" cy="92991"/>
+          </a:xfrm>
+          <a:prstGeom prst="line">
+            <a:avLst/>
+          </a:prstGeom>
+          <a:ln w="38100">
+            <a:solidFill>
+              <a:srgbClr val="C00000">
+                <a:alpha val="50000"/>
+              </a:srgbClr>
+            </a:solidFill>
+          </a:ln>
+        </p:spPr>
+        <p:style>
+          <a:lnRef idx="1">
+            <a:schemeClr val="accent1"/>
+          </a:lnRef>
+          <a:fillRef idx="0">
+            <a:schemeClr val="accent1"/>
+          </a:fillRef>
+          <a:effectRef idx="0">
+            <a:schemeClr val="accent1"/>
+          </a:effectRef>
+          <a:fontRef idx="minor">
+            <a:schemeClr val="tx1"/>
+          </a:fontRef>
+        </p:style>
+      </p:cxnSp>
+      <p:sp>
+        <p:nvSpPr>
+          <p:cNvPr id="53" name="TextBox 52">
+            <a:extLst>
+              <a:ext uri="{FF2B5EF4-FFF2-40B4-BE49-F238E27FC236}">
+                <a16:creationId xmlns:a16="http://schemas.microsoft.com/office/drawing/2014/main" id="{4D77C9C0-F5E2-174B-80BB-11D7FD01541C}"/>
+              </a:ext>
+            </a:extLst>
+          </p:cNvPr>
+          <p:cNvSpPr txBox="1"/>
+          <p:nvPr/>
+        </p:nvSpPr>
+        <p:spPr>
+          <a:xfrm>
+            <a:off x="4102679" y="3456718"/>
+            <a:ext cx="1191352" cy="307777"/>
+          </a:xfrm>
+          <a:prstGeom prst="rect">
+            <a:avLst/>
+          </a:prstGeom>
+          <a:noFill/>
+        </p:spPr>
+        <p:txBody>
+          <a:bodyPr wrap="none" rtlCol="0">
+            <a:spAutoFit/>
+          </a:bodyPr>
+          <a:lstStyle/>
+          <a:p>
+            <a:r>
+              <a:rPr lang="en-GB" sz="1400" dirty="0">
+                <a:solidFill>
+                  <a:schemeClr val="accent6"/>
+                </a:solidFill>
+                <a:latin typeface="DejaVu Sans Book" panose="020B0603030804020204" pitchFamily="34" charset="0"/>
+                <a:ea typeface="DejaVu Sans Book" panose="020B0603030804020204" pitchFamily="34" charset="0"/>
+                <a:cs typeface="DejaVu Sans Book" panose="020B0603030804020204" pitchFamily="34" charset="0"/>
+              </a:rPr>
+              <a:t>(               )</a:t>
+            </a:r>
+          </a:p>
+        </p:txBody>
+      </p:sp>
+      <p:sp>
+        <p:nvSpPr>
+          <p:cNvPr id="54" name="TextBox 53">
+            <a:extLst>
+              <a:ext uri="{FF2B5EF4-FFF2-40B4-BE49-F238E27FC236}">
+                <a16:creationId xmlns:a16="http://schemas.microsoft.com/office/drawing/2014/main" id="{9E5F309B-19EA-AF4E-BA15-12FEC4FD9C25}"/>
+              </a:ext>
+            </a:extLst>
+          </p:cNvPr>
+          <p:cNvSpPr txBox="1"/>
+          <p:nvPr/>
+        </p:nvSpPr>
+        <p:spPr>
+          <a:xfrm>
+            <a:off x="3513577" y="3801123"/>
+            <a:ext cx="1075936" cy="307777"/>
+          </a:xfrm>
+          <a:prstGeom prst="rect">
+            <a:avLst/>
+          </a:prstGeom>
+          <a:noFill/>
+        </p:spPr>
+        <p:txBody>
+          <a:bodyPr wrap="none" rtlCol="0">
+            <a:spAutoFit/>
+          </a:bodyPr>
+          <a:lstStyle/>
+          <a:p>
+            <a:r>
+              <a:rPr lang="en-GB" sz="1400" dirty="0">
+                <a:solidFill>
+                  <a:schemeClr val="accent6"/>
+                </a:solidFill>
+                <a:latin typeface="DejaVu Sans Book" panose="020B0603030804020204" pitchFamily="34" charset="0"/>
+                <a:ea typeface="DejaVu Sans Book" panose="020B0603030804020204" pitchFamily="34" charset="0"/>
+                <a:cs typeface="DejaVu Sans Book" panose="020B0603030804020204" pitchFamily="34" charset="0"/>
+              </a:rPr>
+              <a:t>(             )</a:t>
+            </a:r>
+          </a:p>
+        </p:txBody>
+      </p:sp>
+      <p:cxnSp>
+        <p:nvCxnSpPr>
+          <p:cNvPr id="55" name="Straight Connector 54">
+            <a:extLst>
+              <a:ext uri="{FF2B5EF4-FFF2-40B4-BE49-F238E27FC236}">
+                <a16:creationId xmlns:a16="http://schemas.microsoft.com/office/drawing/2014/main" id="{99E83C82-A64E-2143-9DA9-2ACA3C031970}"/>
+              </a:ext>
+            </a:extLst>
+          </p:cNvPr>
+          <p:cNvCxnSpPr>
+            <a:cxnSpLocks/>
+          </p:cNvCxnSpPr>
+          <p:nvPr/>
+        </p:nvCxnSpPr>
+        <p:spPr>
+          <a:xfrm flipV="1">
+            <a:off x="8522657" y="3580112"/>
+            <a:ext cx="2558632" cy="114508"/>
+          </a:xfrm>
+          <a:prstGeom prst="line">
+            <a:avLst/>
+          </a:prstGeom>
+          <a:ln w="38100">
+            <a:solidFill>
+              <a:srgbClr val="C00000">
+                <a:alpha val="50000"/>
+              </a:srgbClr>
+            </a:solidFill>
+          </a:ln>
+        </p:spPr>
+        <p:style>
+          <a:lnRef idx="1">
+            <a:schemeClr val="accent1"/>
+          </a:lnRef>
+          <a:fillRef idx="0">
+            <a:schemeClr val="accent1"/>
+          </a:fillRef>
+          <a:effectRef idx="0">
+            <a:schemeClr val="accent1"/>
+          </a:effectRef>
+          <a:fontRef idx="minor">
+            <a:schemeClr val="tx1"/>
+          </a:fontRef>
+        </p:style>
+      </p:cxnSp>
+      <p:sp>
+        <p:nvSpPr>
+          <p:cNvPr id="57" name="TextBox 56">
+            <a:extLst>
+              <a:ext uri="{FF2B5EF4-FFF2-40B4-BE49-F238E27FC236}">
+                <a16:creationId xmlns:a16="http://schemas.microsoft.com/office/drawing/2014/main" id="{FCE57C74-0DC0-D341-96E9-DCD928EB1B6C}"/>
+              </a:ext>
+            </a:extLst>
+          </p:cNvPr>
+          <p:cNvSpPr txBox="1"/>
+          <p:nvPr/>
+        </p:nvSpPr>
+        <p:spPr>
+          <a:xfrm>
+            <a:off x="7038615" y="3469970"/>
+            <a:ext cx="506870" cy="307777"/>
+          </a:xfrm>
+          <a:prstGeom prst="rect">
+            <a:avLst/>
+          </a:prstGeom>
+          <a:noFill/>
+        </p:spPr>
+        <p:txBody>
+          <a:bodyPr wrap="none" rtlCol="0">
+            <a:spAutoFit/>
+          </a:bodyPr>
+          <a:lstStyle/>
+          <a:p>
+            <a:r>
+              <a:rPr lang="en-GB" sz="1400" dirty="0">
+                <a:solidFill>
+                  <a:schemeClr val="accent6"/>
+                </a:solidFill>
+                <a:latin typeface="DejaVu Sans Book" panose="020B0603030804020204" pitchFamily="34" charset="0"/>
+                <a:ea typeface="DejaVu Sans Book" panose="020B0603030804020204" pitchFamily="34" charset="0"/>
+                <a:cs typeface="DejaVu Sans Book" panose="020B0603030804020204" pitchFamily="34" charset="0"/>
+              </a:rPr>
+              <a:t>= 3</a:t>
+            </a:r>
+          </a:p>
+        </p:txBody>
+      </p:sp>
+      <p:sp>
+        <p:nvSpPr>
+          <p:cNvPr id="58" name="TextBox 57">
+            <a:extLst>
+              <a:ext uri="{FF2B5EF4-FFF2-40B4-BE49-F238E27FC236}">
+                <a16:creationId xmlns:a16="http://schemas.microsoft.com/office/drawing/2014/main" id="{F4DB46FE-4F4F-5147-97A2-8D04019D1D9D}"/>
+              </a:ext>
+            </a:extLst>
+          </p:cNvPr>
+          <p:cNvSpPr txBox="1"/>
+          <p:nvPr/>
+        </p:nvSpPr>
+        <p:spPr>
+          <a:xfrm>
+            <a:off x="7035506" y="3787871"/>
+            <a:ext cx="506870" cy="307777"/>
+          </a:xfrm>
+          <a:prstGeom prst="rect">
+            <a:avLst/>
+          </a:prstGeom>
+          <a:noFill/>
+        </p:spPr>
+        <p:txBody>
+          <a:bodyPr wrap="none" rtlCol="0">
+            <a:spAutoFit/>
+          </a:bodyPr>
+          <a:lstStyle/>
+          <a:p>
+            <a:r>
+              <a:rPr lang="en-GB" sz="1400" dirty="0">
+                <a:solidFill>
+                  <a:schemeClr val="accent6"/>
+                </a:solidFill>
+                <a:latin typeface="DejaVu Sans Book" panose="020B0603030804020204" pitchFamily="34" charset="0"/>
+                <a:ea typeface="DejaVu Sans Book" panose="020B0603030804020204" pitchFamily="34" charset="0"/>
+                <a:cs typeface="DejaVu Sans Book" panose="020B0603030804020204" pitchFamily="34" charset="0"/>
+              </a:rPr>
+              <a:t>= 4</a:t>
+            </a:r>
+          </a:p>
+        </p:txBody>
+      </p:sp>
+      <p:pic>
+        <p:nvPicPr>
+          <p:cNvPr id="22" name="Content Placeholder 3">
+            <a:extLst>
+              <a:ext uri="{FF2B5EF4-FFF2-40B4-BE49-F238E27FC236}">
+                <a16:creationId xmlns:a16="http://schemas.microsoft.com/office/drawing/2014/main" id="{09D3C618-04CC-C04D-AC71-05D89FB01D48}"/>
+              </a:ext>
+            </a:extLst>
+          </p:cNvPr>
+          <p:cNvPicPr>
+            <a:picLocks noChangeAspect="1"/>
+          </p:cNvPicPr>
+          <p:nvPr/>
+        </p:nvPicPr>
+        <p:blipFill>
+          <a:blip r:embed="rId3">
+            <a:extLst>
+              <a:ext uri="{28A0092B-C50C-407E-A947-70E740481C1C}">
+                <a14:useLocalDpi xmlns:a14="http://schemas.microsoft.com/office/drawing/2010/main" val="0"/>
+              </a:ext>
+            </a:extLst>
+          </a:blip>
+          <a:stretch>
+            <a:fillRect/>
+          </a:stretch>
+        </p:blipFill>
+        <p:spPr>
+          <a:xfrm>
+            <a:off x="5677314" y="1846622"/>
+            <a:ext cx="6443950" cy="4128437"/>
+          </a:xfrm>
+          <a:prstGeom prst="rect">
+            <a:avLst/>
+          </a:prstGeom>
+        </p:spPr>
+      </p:pic>
+    </p:spTree>
+    <p:extLst>
+      <p:ext uri="{BB962C8B-B14F-4D97-AF65-F5344CB8AC3E}">
+        <p14:creationId xmlns:p14="http://schemas.microsoft.com/office/powerpoint/2010/main" val="3768265769"/>
+      </p:ext>
+    </p:extLst>
+  </p:cSld>
+  <p:clrMapOvr>
+    <a:masterClrMapping/>
+  </p:clrMapOvr>
+  <p:timing>
+    <p:tnLst>
+      <p:par>
+        <p:cTn id="1" dur="indefinite" restart="never" nodeType="tmRoot">
+          <p:childTnLst>
+            <p:seq concurrent="1" nextAc="seek">
+              <p:cTn id="2" dur="indefinite" nodeType="mainSeq">
+                <p:childTnLst>
+                  <p:par>
+                    <p:cTn id="3" fill="hold">
+                      <p:stCondLst>
+                        <p:cond delay="indefinite"/>
+                      </p:stCondLst>
+                      <p:childTnLst>
+                        <p:par>
+                          <p:cTn id="4" fill="hold">
+                            <p:stCondLst>
+                              <p:cond delay="0"/>
+                            </p:stCondLst>
+                            <p:childTnLst>
+                              <p:par>
+                                <p:cTn id="5" presetID="1" presetClass="entr" presetSubtype="0" fill="hold" grpId="0" nodeType="clickEffect">
+                                  <p:stCondLst>
+                                    <p:cond delay="0"/>
+                                  </p:stCondLst>
+                                  <p:childTnLst>
+                                    <p:set>
+                                      <p:cBhvr>
+                                        <p:cTn id="6" dur="1" fill="hold">
+                                          <p:stCondLst>
+                                            <p:cond delay="0"/>
+                                          </p:stCondLst>
+                                        </p:cTn>
+                                        <p:tgtEl>
+                                          <p:spTgt spid="53"/>
+                                        </p:tgtEl>
+                                        <p:attrNameLst>
+                                          <p:attrName>style.visibility</p:attrName>
+                                        </p:attrNameLst>
+                                      </p:cBhvr>
+                                      <p:to>
+                                        <p:strVal val="visible"/>
+                                      </p:to>
+                                    </p:set>
+                                  </p:childTnLst>
+                                </p:cTn>
+                              </p:par>
+                            </p:childTnLst>
+                          </p:cTn>
+                        </p:par>
+                      </p:childTnLst>
+                    </p:cTn>
+                  </p:par>
+                  <p:par>
+                    <p:cTn id="7" fill="hold">
+                      <p:stCondLst>
+                        <p:cond delay="indefinite"/>
+                      </p:stCondLst>
+                      <p:childTnLst>
+                        <p:par>
+                          <p:cTn id="8" fill="hold">
+                            <p:stCondLst>
+                              <p:cond delay="0"/>
+                            </p:stCondLst>
+                            <p:childTnLst>
+                              <p:par>
+                                <p:cTn id="9" presetID="1" presetClass="entr" presetSubtype="0" fill="hold" grpId="0" nodeType="clickEffect">
+                                  <p:stCondLst>
+                                    <p:cond delay="0"/>
+                                  </p:stCondLst>
+                                  <p:childTnLst>
+                                    <p:set>
+                                      <p:cBhvr>
+                                        <p:cTn id="10" dur="1" fill="hold">
+                                          <p:stCondLst>
+                                            <p:cond delay="0"/>
+                                          </p:stCondLst>
+                                        </p:cTn>
+                                        <p:tgtEl>
+                                          <p:spTgt spid="54"/>
+                                        </p:tgtEl>
+                                        <p:attrNameLst>
+                                          <p:attrName>style.visibility</p:attrName>
+                                        </p:attrNameLst>
+                                      </p:cBhvr>
+                                      <p:to>
+                                        <p:strVal val="visible"/>
+                                      </p:to>
+                                    </p:set>
+                                  </p:childTnLst>
+                                </p:cTn>
+                              </p:par>
+                            </p:childTnLst>
+                          </p:cTn>
+                        </p:par>
+                      </p:childTnLst>
+                    </p:cTn>
+                  </p:par>
+                  <p:par>
+                    <p:cTn id="11" fill="hold">
+                      <p:stCondLst>
+                        <p:cond delay="indefinite"/>
+                      </p:stCondLst>
+                      <p:childTnLst>
+                        <p:par>
+                          <p:cTn id="12" fill="hold">
+                            <p:stCondLst>
+                              <p:cond delay="0"/>
+                            </p:stCondLst>
+                            <p:childTnLst>
+                              <p:par>
+                                <p:cTn id="13" presetID="1" presetClass="exit" presetSubtype="0" fill="hold" nodeType="clickEffect">
+                                  <p:stCondLst>
+                                    <p:cond delay="0"/>
+                                  </p:stCondLst>
+                                  <p:childTnLst>
+                                    <p:set>
+                                      <p:cBhvr>
+                                        <p:cTn id="14" dur="1" fill="hold">
+                                          <p:stCondLst>
+                                            <p:cond delay="0"/>
+                                          </p:stCondLst>
+                                        </p:cTn>
+                                        <p:tgtEl>
+                                          <p:spTgt spid="22"/>
+                                        </p:tgtEl>
+                                        <p:attrNameLst>
+                                          <p:attrName>style.visibility</p:attrName>
+                                        </p:attrNameLst>
+                                      </p:cBhvr>
+                                      <p:to>
+                                        <p:strVal val="hidden"/>
+                                      </p:to>
+                                    </p:set>
+                                  </p:childTnLst>
+                                </p:cTn>
+                              </p:par>
+                            </p:childTnLst>
+                          </p:cTn>
+                        </p:par>
+                      </p:childTnLst>
+                    </p:cTn>
+                  </p:par>
+                  <p:par>
+                    <p:cTn id="15" fill="hold">
+                      <p:stCondLst>
+                        <p:cond delay="indefinite"/>
+                      </p:stCondLst>
+                      <p:childTnLst>
+                        <p:par>
+                          <p:cTn id="16" fill="hold">
+                            <p:stCondLst>
+                              <p:cond delay="0"/>
+                            </p:stCondLst>
+                            <p:childTnLst>
+                              <p:par>
+                                <p:cTn id="17" presetID="1" presetClass="entr" presetSubtype="0" fill="hold" grpId="0" nodeType="clickEffect">
+                                  <p:stCondLst>
+                                    <p:cond delay="0"/>
+                                  </p:stCondLst>
+                                  <p:childTnLst>
+                                    <p:set>
+                                      <p:cBhvr>
+                                        <p:cTn id="18" dur="1" fill="hold">
+                                          <p:stCondLst>
+                                            <p:cond delay="0"/>
+                                          </p:stCondLst>
+                                        </p:cTn>
+                                        <p:tgtEl>
+                                          <p:spTgt spid="57"/>
+                                        </p:tgtEl>
+                                        <p:attrNameLst>
+                                          <p:attrName>style.visibility</p:attrName>
+                                        </p:attrNameLst>
+                                      </p:cBhvr>
+                                      <p:to>
+                                        <p:strVal val="visible"/>
+                                      </p:to>
+                                    </p:set>
+                                  </p:childTnLst>
+                                </p:cTn>
+                              </p:par>
+                            </p:childTnLst>
+                          </p:cTn>
+                        </p:par>
+                      </p:childTnLst>
+                    </p:cTn>
+                  </p:par>
+                  <p:par>
+                    <p:cTn id="19" fill="hold">
+                      <p:stCondLst>
+                        <p:cond delay="indefinite"/>
+                      </p:stCondLst>
+                      <p:childTnLst>
+                        <p:par>
+                          <p:cTn id="20" fill="hold">
+                            <p:stCondLst>
+                              <p:cond delay="0"/>
+                            </p:stCondLst>
+                            <p:childTnLst>
+                              <p:par>
+                                <p:cTn id="21" presetID="1" presetClass="entr" presetSubtype="0" fill="hold" grpId="0" nodeType="clickEffect">
+                                  <p:stCondLst>
+                                    <p:cond delay="0"/>
+                                  </p:stCondLst>
+                                  <p:childTnLst>
+                                    <p:set>
+                                      <p:cBhvr>
+                                        <p:cTn id="22" dur="1" fill="hold">
+                                          <p:stCondLst>
+                                            <p:cond delay="0"/>
+                                          </p:stCondLst>
+                                        </p:cTn>
+                                        <p:tgtEl>
+                                          <p:spTgt spid="58"/>
+                                        </p:tgtEl>
+                                        <p:attrNameLst>
+                                          <p:attrName>style.visibility</p:attrName>
+                                        </p:attrNameLst>
+                                      </p:cBhvr>
+                                      <p:to>
+                                        <p:strVal val="visible"/>
+                                      </p:to>
+                                    </p:set>
+                                  </p:childTnLst>
+                                </p:cTn>
+                              </p:par>
+                            </p:childTnLst>
+                          </p:cTn>
+                        </p:par>
+                      </p:childTnLst>
+                    </p:cTn>
+                  </p:par>
+                  <p:par>
+                    <p:cTn id="23" fill="hold">
+                      <p:stCondLst>
+                        <p:cond delay="indefinite"/>
+                      </p:stCondLst>
+                      <p:childTnLst>
+                        <p:par>
+                          <p:cTn id="24" fill="hold">
+                            <p:stCondLst>
+                              <p:cond delay="0"/>
+                            </p:stCondLst>
+                            <p:childTnLst>
+                              <p:par>
+                                <p:cTn id="25" presetID="1" presetClass="entr" presetSubtype="0" fill="hold" grpId="0" nodeType="clickEffect">
+                                  <p:stCondLst>
+                                    <p:cond delay="0"/>
+                                  </p:stCondLst>
+                                  <p:childTnLst>
+                                    <p:set>
+                                      <p:cBhvr>
+                                        <p:cTn id="26" dur="1" fill="hold">
+                                          <p:stCondLst>
+                                            <p:cond delay="0"/>
+                                          </p:stCondLst>
+                                        </p:cTn>
+                                        <p:tgtEl>
+                                          <p:spTgt spid="6"/>
+                                        </p:tgtEl>
+                                        <p:attrNameLst>
+                                          <p:attrName>style.visibility</p:attrName>
+                                        </p:attrNameLst>
+                                      </p:cBhvr>
+                                      <p:to>
+                                        <p:strVal val="visible"/>
+                                      </p:to>
+                                    </p:set>
+                                  </p:childTnLst>
+                                </p:cTn>
+                              </p:par>
+                            </p:childTnLst>
+                          </p:cTn>
+                        </p:par>
+                      </p:childTnLst>
+                    </p:cTn>
+                  </p:par>
+                  <p:par>
+                    <p:cTn id="27" fill="hold">
+                      <p:stCondLst>
+                        <p:cond delay="indefinite"/>
+                      </p:stCondLst>
+                      <p:childTnLst>
+                        <p:par>
+                          <p:cTn id="28" fill="hold">
+                            <p:stCondLst>
+                              <p:cond delay="0"/>
+                            </p:stCondLst>
+                            <p:childTnLst>
+                              <p:par>
+                                <p:cTn id="29" presetID="1" presetClass="entr" presetSubtype="0" fill="hold" nodeType="clickEffect">
+                                  <p:stCondLst>
+                                    <p:cond delay="0"/>
+                                  </p:stCondLst>
+                                  <p:childTnLst>
+                                    <p:set>
+                                      <p:cBhvr>
+                                        <p:cTn id="30" dur="1" fill="hold">
+                                          <p:stCondLst>
+                                            <p:cond delay="0"/>
+                                          </p:stCondLst>
+                                        </p:cTn>
+                                        <p:tgtEl>
+                                          <p:spTgt spid="55"/>
+                                        </p:tgtEl>
+                                        <p:attrNameLst>
+                                          <p:attrName>style.visibility</p:attrName>
+                                        </p:attrNameLst>
+                                      </p:cBhvr>
+                                      <p:to>
+                                        <p:strVal val="visible"/>
+                                      </p:to>
+                                    </p:set>
+                                  </p:childTnLst>
+                                </p:cTn>
+                              </p:par>
+                            </p:childTnLst>
+                          </p:cTn>
+                        </p:par>
+                      </p:childTnLst>
+                    </p:cTn>
+                  </p:par>
+                </p:childTnLst>
+              </p:cTn>
+              <p:prevCondLst>
+                <p:cond evt="onPrev" delay="0">
+                  <p:tgtEl>
+                    <p:sldTgt/>
+                  </p:tgtEl>
+                </p:cond>
+              </p:prevCondLst>
+              <p:nextCondLst>
+                <p:cond evt="onNext" delay="0">
+                  <p:tgtEl>
+                    <p:sldTgt/>
+                  </p:tgtEl>
+                </p:cond>
+              </p:nextCondLst>
+            </p:seq>
+          </p:childTnLst>
+        </p:cTn>
+      </p:par>
+    </p:tnLst>
+    <p:bldLst>
+      <p:bldP spid="6" grpId="0"/>
+      <p:bldP spid="53" grpId="0"/>
+      <p:bldP spid="54" grpId="0"/>
+      <p:bldP spid="57" grpId="0"/>
+      <p:bldP spid="58" grpId="0"/>
+    </p:bldLst>
+  </p:timing>
+</p:sld>
+</file>
+
+<file path=ppt/slides/slide5.xml><?xml version="1.0" encoding="utf-8"?>
+<p:sld xmlns:a="http://schemas.openxmlformats.org/drawingml/2006/main" xmlns:r="http://schemas.openxmlformats.org/officeDocument/2006/relationships" xmlns:p="http://schemas.openxmlformats.org/presentationml/2006/main">
+  <p:cSld>
+    <p:spTree>
+      <p:nvGrpSpPr>
+        <p:cNvPr id="1" name=""/>
+        <p:cNvGrpSpPr/>
+        <p:nvPr/>
+      </p:nvGrpSpPr>
+      <p:grpSpPr>
+        <a:xfrm>
+          <a:off x="0" y="0"/>
+          <a:ext cx="0" cy="0"/>
+          <a:chOff x="0" y="0"/>
+          <a:chExt cx="0" cy="0"/>
+        </a:xfrm>
+      </p:grpSpPr>
+      <p:sp>
+        <p:nvSpPr>
+          <p:cNvPr id="2" name="Title 1">
+            <a:extLst>
+              <a:ext uri="{FF2B5EF4-FFF2-40B4-BE49-F238E27FC236}">
+                <a16:creationId xmlns:a16="http://schemas.microsoft.com/office/drawing/2014/main" id="{A6163BC1-C946-404A-841A-E7901DF9BF26}"/>
               </a:ext>
             </a:extLst>
           </p:cNvPr>
@@ -5276,7 +9089,7 @@
         <p:spPr>
           <a:xfrm>
             <a:off x="838200" y="365130"/>
-            <a:ext cx="10515600" cy="1325563"/>
+            <a:ext cx="10894017" cy="1325563"/>
           </a:xfrm>
         </p:spPr>
         <p:txBody>
@@ -5284,62 +9097,2419 @@
           <a:lstStyle/>
           <a:p>
             <a:r>
-              <a:rPr lang="da-DK"/>
-              <a:t>Præcedens og association</a:t>
-            </a:r>
+              <a:rPr lang="en-GB" dirty="0"/>
+              <a:t>String </a:t>
+            </a:r>
+            <a:r>
+              <a:rPr lang="en-GB" dirty="0" err="1"/>
+              <a:t>slicing,boolske</a:t>
+            </a:r>
+            <a:r>
+              <a:rPr lang="en-GB" dirty="0"/>
+              <a:t> </a:t>
+            </a:r>
+            <a:r>
+              <a:rPr lang="en-GB" dirty="0" err="1"/>
+              <a:t>værdier</a:t>
+            </a:r>
+            <a:r>
+              <a:rPr lang="en-GB" dirty="0"/>
+              <a:t> </a:t>
+            </a:r>
+            <a:r>
+              <a:rPr lang="en-GB" dirty="0" err="1"/>
+              <a:t>og</a:t>
+            </a:r>
+            <a:r>
+              <a:rPr lang="en-GB" dirty="0"/>
+              <a:t> </a:t>
+            </a:r>
+            <a:r>
+              <a:rPr lang="en-GB" dirty="0" err="1"/>
+              <a:t>operatorer</a:t>
+            </a:r>
+            <a:endParaRPr lang="en-GB" dirty="0"/>
           </a:p>
         </p:txBody>
       </p:sp>
-      <p:pic>
-        <p:nvPicPr>
-          <p:cNvPr id="4" name="Content Placeholder 3">
+      <p:sp>
+        <p:nvSpPr>
+          <p:cNvPr id="4" name="Content Placeholder 2">
             <a:extLst>
               <a:ext uri="{FF2B5EF4-FFF2-40B4-BE49-F238E27FC236}">
-                <a16:creationId xmlns:a16="http://schemas.microsoft.com/office/drawing/2014/main" id="{91EFF094-9E1F-374D-BD65-555FA92B259C}"/>
+                <a16:creationId xmlns:a16="http://schemas.microsoft.com/office/drawing/2014/main" id="{3ED22099-B289-8744-AFEC-BC82A4A8BDBA}"/>
               </a:ext>
             </a:extLst>
           </p:cNvPr>
-          <p:cNvPicPr>
-            <a:picLocks noChangeAspect="1"/>
-          </p:cNvPicPr>
+          <p:cNvSpPr txBox="1">
+            <a:spLocks/>
+          </p:cNvSpPr>
           <p:nvPr/>
-        </p:nvPicPr>
-        <p:blipFill>
-          <a:blip r:embed="rId3">
-            <a:extLst>
-              <a:ext uri="{28A0092B-C50C-407E-A947-70E740481C1C}">
-                <a14:useLocalDpi xmlns:a14="http://schemas.microsoft.com/office/drawing/2010/main" val="0"/>
-              </a:ext>
-            </a:extLst>
-          </a:blip>
-          <a:stretch>
-            <a:fillRect/>
-          </a:stretch>
-        </p:blipFill>
+        </p:nvSpPr>
         <p:spPr>
           <a:xfrm>
-            <a:off x="1797805" y="1441344"/>
-            <a:ext cx="8060857" cy="5164338"/>
+            <a:off x="838200" y="2448340"/>
+            <a:ext cx="5035658" cy="2263145"/>
           </a:xfrm>
           <a:prstGeom prst="rect">
             <a:avLst/>
           </a:prstGeom>
         </p:spPr>
-      </p:pic>
+        <p:txBody>
+          <a:bodyPr vert="horz" lIns="91440" tIns="45720" rIns="91440" bIns="45720" rtlCol="0">
+            <a:normAutofit/>
+          </a:bodyPr>
+          <a:lstStyle>
+            <a:lvl1pPr marL="228600" indent="-228600" algn="l" defTabSz="914400" rtl="0" eaLnBrk="1" latinLnBrk="0" hangingPunct="1">
+              <a:lnSpc>
+                <a:spcPct val="90000"/>
+              </a:lnSpc>
+              <a:spcBef>
+                <a:spcPts val="1000"/>
+              </a:spcBef>
+              <a:buFont typeface="Arial" panose="020B0604020202020204" pitchFamily="34" charset="0"/>
+              <a:buChar char="•"/>
+              <a:defRPr sz="2800" kern="1200">
+                <a:solidFill>
+                  <a:schemeClr val="tx1"/>
+                </a:solidFill>
+                <a:latin typeface="+mn-lt"/>
+                <a:ea typeface="+mn-ea"/>
+                <a:cs typeface="+mn-cs"/>
+              </a:defRPr>
+            </a:lvl1pPr>
+            <a:lvl2pPr marL="685800" indent="-228600" algn="l" defTabSz="914400" rtl="0" eaLnBrk="1" latinLnBrk="0" hangingPunct="1">
+              <a:lnSpc>
+                <a:spcPct val="90000"/>
+              </a:lnSpc>
+              <a:spcBef>
+                <a:spcPts val="500"/>
+              </a:spcBef>
+              <a:buFont typeface="Arial" panose="020B0604020202020204" pitchFamily="34" charset="0"/>
+              <a:buChar char="•"/>
+              <a:defRPr sz="2400" kern="1200">
+                <a:solidFill>
+                  <a:schemeClr val="tx1"/>
+                </a:solidFill>
+                <a:latin typeface="+mn-lt"/>
+                <a:ea typeface="+mn-ea"/>
+                <a:cs typeface="+mn-cs"/>
+              </a:defRPr>
+            </a:lvl2pPr>
+            <a:lvl3pPr marL="1143000" indent="-228600" algn="l" defTabSz="914400" rtl="0" eaLnBrk="1" latinLnBrk="0" hangingPunct="1">
+              <a:lnSpc>
+                <a:spcPct val="90000"/>
+              </a:lnSpc>
+              <a:spcBef>
+                <a:spcPts val="500"/>
+              </a:spcBef>
+              <a:buFont typeface="Arial" panose="020B0604020202020204" pitchFamily="34" charset="0"/>
+              <a:buChar char="•"/>
+              <a:defRPr sz="2000" kern="1200">
+                <a:solidFill>
+                  <a:schemeClr val="tx1"/>
+                </a:solidFill>
+                <a:latin typeface="+mn-lt"/>
+                <a:ea typeface="+mn-ea"/>
+                <a:cs typeface="+mn-cs"/>
+              </a:defRPr>
+            </a:lvl3pPr>
+            <a:lvl4pPr marL="1600200" indent="-228600" algn="l" defTabSz="914400" rtl="0" eaLnBrk="1" latinLnBrk="0" hangingPunct="1">
+              <a:lnSpc>
+                <a:spcPct val="90000"/>
+              </a:lnSpc>
+              <a:spcBef>
+                <a:spcPts val="500"/>
+              </a:spcBef>
+              <a:buFont typeface="Arial" panose="020B0604020202020204" pitchFamily="34" charset="0"/>
+              <a:buChar char="•"/>
+              <a:defRPr sz="1800" kern="1200">
+                <a:solidFill>
+                  <a:schemeClr val="tx1"/>
+                </a:solidFill>
+                <a:latin typeface="+mn-lt"/>
+                <a:ea typeface="+mn-ea"/>
+                <a:cs typeface="+mn-cs"/>
+              </a:defRPr>
+            </a:lvl4pPr>
+            <a:lvl5pPr marL="2057400" indent="-228600" algn="l" defTabSz="914400" rtl="0" eaLnBrk="1" latinLnBrk="0" hangingPunct="1">
+              <a:lnSpc>
+                <a:spcPct val="90000"/>
+              </a:lnSpc>
+              <a:spcBef>
+                <a:spcPts val="500"/>
+              </a:spcBef>
+              <a:buFont typeface="Arial" panose="020B0604020202020204" pitchFamily="34" charset="0"/>
+              <a:buChar char="•"/>
+              <a:defRPr sz="1800" kern="1200">
+                <a:solidFill>
+                  <a:schemeClr val="tx1"/>
+                </a:solidFill>
+                <a:latin typeface="+mn-lt"/>
+                <a:ea typeface="+mn-ea"/>
+                <a:cs typeface="+mn-cs"/>
+              </a:defRPr>
+            </a:lvl5pPr>
+            <a:lvl6pPr marL="2514600" indent="-228600" algn="l" defTabSz="914400" rtl="0" eaLnBrk="1" latinLnBrk="0" hangingPunct="1">
+              <a:lnSpc>
+                <a:spcPct val="90000"/>
+              </a:lnSpc>
+              <a:spcBef>
+                <a:spcPts val="500"/>
+              </a:spcBef>
+              <a:buFont typeface="Arial" panose="020B0604020202020204" pitchFamily="34" charset="0"/>
+              <a:buChar char="•"/>
+              <a:defRPr sz="1800" kern="1200">
+                <a:solidFill>
+                  <a:schemeClr val="tx1"/>
+                </a:solidFill>
+                <a:latin typeface="+mn-lt"/>
+                <a:ea typeface="+mn-ea"/>
+                <a:cs typeface="+mn-cs"/>
+              </a:defRPr>
+            </a:lvl6pPr>
+            <a:lvl7pPr marL="2971800" indent="-228600" algn="l" defTabSz="914400" rtl="0" eaLnBrk="1" latinLnBrk="0" hangingPunct="1">
+              <a:lnSpc>
+                <a:spcPct val="90000"/>
+              </a:lnSpc>
+              <a:spcBef>
+                <a:spcPts val="500"/>
+              </a:spcBef>
+              <a:buFont typeface="Arial" panose="020B0604020202020204" pitchFamily="34" charset="0"/>
+              <a:buChar char="•"/>
+              <a:defRPr sz="1800" kern="1200">
+                <a:solidFill>
+                  <a:schemeClr val="tx1"/>
+                </a:solidFill>
+                <a:latin typeface="+mn-lt"/>
+                <a:ea typeface="+mn-ea"/>
+                <a:cs typeface="+mn-cs"/>
+              </a:defRPr>
+            </a:lvl7pPr>
+            <a:lvl8pPr marL="3429000" indent="-228600" algn="l" defTabSz="914400" rtl="0" eaLnBrk="1" latinLnBrk="0" hangingPunct="1">
+              <a:lnSpc>
+                <a:spcPct val="90000"/>
+              </a:lnSpc>
+              <a:spcBef>
+                <a:spcPts val="500"/>
+              </a:spcBef>
+              <a:buFont typeface="Arial" panose="020B0604020202020204" pitchFamily="34" charset="0"/>
+              <a:buChar char="•"/>
+              <a:defRPr sz="1800" kern="1200">
+                <a:solidFill>
+                  <a:schemeClr val="tx1"/>
+                </a:solidFill>
+                <a:latin typeface="+mn-lt"/>
+                <a:ea typeface="+mn-ea"/>
+                <a:cs typeface="+mn-cs"/>
+              </a:defRPr>
+            </a:lvl8pPr>
+            <a:lvl9pPr marL="3886200" indent="-228600" algn="l" defTabSz="914400" rtl="0" eaLnBrk="1" latinLnBrk="0" hangingPunct="1">
+              <a:lnSpc>
+                <a:spcPct val="90000"/>
+              </a:lnSpc>
+              <a:spcBef>
+                <a:spcPts val="500"/>
+              </a:spcBef>
+              <a:buFont typeface="Arial" panose="020B0604020202020204" pitchFamily="34" charset="0"/>
+              <a:buChar char="•"/>
+              <a:defRPr sz="1800" kern="1200">
+                <a:solidFill>
+                  <a:schemeClr val="tx1"/>
+                </a:solidFill>
+                <a:latin typeface="+mn-lt"/>
+                <a:ea typeface="+mn-ea"/>
+                <a:cs typeface="+mn-cs"/>
+              </a:defRPr>
+            </a:lvl9pPr>
+          </a:lstStyle>
+          <a:p>
+            <a:pPr marL="0" indent="0">
+              <a:lnSpc>
+                <a:spcPct val="100000"/>
+              </a:lnSpc>
+              <a:buNone/>
+            </a:pPr>
+            <a:r>
+              <a:rPr lang="en-GB" sz="1400" u="sng" dirty="0">
+                <a:latin typeface="DejaVu Sans Book" panose="020B0603030804020204" pitchFamily="34" charset="0"/>
+                <a:ea typeface="DejaVu Sans Book" panose="020B0603030804020204" pitchFamily="34" charset="0"/>
+                <a:cs typeface="DejaVu Sans Book" panose="020B0603030804020204" pitchFamily="34" charset="0"/>
+              </a:rPr>
+              <a:t>"</a:t>
+            </a:r>
+            <a:r>
+              <a:rPr lang="en-GB" sz="1400" u="sng" dirty="0" err="1">
+                <a:latin typeface="DejaVu Sans Book" panose="020B0603030804020204" pitchFamily="34" charset="0"/>
+                <a:ea typeface="DejaVu Sans Book" panose="020B0603030804020204" pitchFamily="34" charset="0"/>
+                <a:cs typeface="DejaVu Sans Book" panose="020B0603030804020204" pitchFamily="34" charset="0"/>
+              </a:rPr>
+              <a:t>abcdefghijkl</a:t>
+            </a:r>
+            <a:r>
+              <a:rPr lang="en-GB" sz="1400" u="sng" dirty="0">
+                <a:latin typeface="DejaVu Sans Book" panose="020B0603030804020204" pitchFamily="34" charset="0"/>
+                <a:ea typeface="DejaVu Sans Book" panose="020B0603030804020204" pitchFamily="34" charset="0"/>
+                <a:cs typeface="DejaVu Sans Book" panose="020B0603030804020204" pitchFamily="34" charset="0"/>
+              </a:rPr>
+              <a:t>".[1]</a:t>
+            </a:r>
+          </a:p>
+          <a:p>
+            <a:pPr marL="0" indent="0">
+              <a:lnSpc>
+                <a:spcPct val="100000"/>
+              </a:lnSpc>
+              <a:buNone/>
+            </a:pPr>
+            <a:r>
+              <a:rPr lang="en-GB" sz="1400" u="sng" dirty="0">
+                <a:latin typeface="DejaVu Sans Book" panose="020B0603030804020204" pitchFamily="34" charset="0"/>
+                <a:ea typeface="DejaVu Sans Book" panose="020B0603030804020204" pitchFamily="34" charset="0"/>
+                <a:cs typeface="DejaVu Sans Book" panose="020B0603030804020204" pitchFamily="34" charset="0"/>
+              </a:rPr>
+              <a:t>"</a:t>
+            </a:r>
+            <a:r>
+              <a:rPr lang="en-GB" sz="1400" u="sng" dirty="0" err="1">
+                <a:latin typeface="DejaVu Sans Book" panose="020B0603030804020204" pitchFamily="34" charset="0"/>
+                <a:ea typeface="DejaVu Sans Book" panose="020B0603030804020204" pitchFamily="34" charset="0"/>
+                <a:cs typeface="DejaVu Sans Book" panose="020B0603030804020204" pitchFamily="34" charset="0"/>
+              </a:rPr>
+              <a:t>abcdefghijkl</a:t>
+            </a:r>
+            <a:r>
+              <a:rPr lang="en-GB" sz="1400" u="sng" dirty="0">
+                <a:latin typeface="DejaVu Sans Book" panose="020B0603030804020204" pitchFamily="34" charset="0"/>
+                <a:ea typeface="DejaVu Sans Book" panose="020B0603030804020204" pitchFamily="34" charset="0"/>
+                <a:cs typeface="DejaVu Sans Book" panose="020B0603030804020204" pitchFamily="34" charset="0"/>
+              </a:rPr>
+              <a:t>".[1..4]</a:t>
+            </a:r>
+          </a:p>
+          <a:p>
+            <a:pPr marL="0" indent="0">
+              <a:lnSpc>
+                <a:spcPct val="100000"/>
+              </a:lnSpc>
+              <a:buNone/>
+            </a:pPr>
+            <a:r>
+              <a:rPr lang="en-GB" sz="1400" u="sng" dirty="0">
+                <a:latin typeface="DejaVu Sans Book" panose="020B0603030804020204" pitchFamily="34" charset="0"/>
+                <a:ea typeface="DejaVu Sans Book" panose="020B0603030804020204" pitchFamily="34" charset="0"/>
+                <a:cs typeface="DejaVu Sans Book" panose="020B0603030804020204" pitchFamily="34" charset="0"/>
+              </a:rPr>
+              <a:t>"</a:t>
+            </a:r>
+            <a:r>
+              <a:rPr lang="en-GB" sz="1400" u="sng" dirty="0" err="1">
+                <a:latin typeface="DejaVu Sans Book" panose="020B0603030804020204" pitchFamily="34" charset="0"/>
+                <a:ea typeface="DejaVu Sans Book" panose="020B0603030804020204" pitchFamily="34" charset="0"/>
+                <a:cs typeface="DejaVu Sans Book" panose="020B0603030804020204" pitchFamily="34" charset="0"/>
+              </a:rPr>
+              <a:t>abcdefghijkl</a:t>
+            </a:r>
+            <a:r>
+              <a:rPr lang="en-GB" sz="1400" u="sng" dirty="0">
+                <a:latin typeface="DejaVu Sans Book" panose="020B0603030804020204" pitchFamily="34" charset="0"/>
+                <a:ea typeface="DejaVu Sans Book" panose="020B0603030804020204" pitchFamily="34" charset="0"/>
+                <a:cs typeface="DejaVu Sans Book" panose="020B0603030804020204" pitchFamily="34" charset="0"/>
+              </a:rPr>
+              <a:t>".[..4]</a:t>
+            </a:r>
+          </a:p>
+          <a:p>
+            <a:pPr marL="0" indent="0">
+              <a:lnSpc>
+                <a:spcPct val="100000"/>
+              </a:lnSpc>
+              <a:buNone/>
+            </a:pPr>
+            <a:r>
+              <a:rPr lang="en-GB" sz="1400" u="sng" dirty="0">
+                <a:latin typeface="DejaVu Sans Book" panose="020B0603030804020204" pitchFamily="34" charset="0"/>
+                <a:ea typeface="DejaVu Sans Book" panose="020B0603030804020204" pitchFamily="34" charset="0"/>
+                <a:cs typeface="DejaVu Sans Book" panose="020B0603030804020204" pitchFamily="34" charset="0"/>
+              </a:rPr>
+              <a:t>"</a:t>
+            </a:r>
+            <a:r>
+              <a:rPr lang="en-GB" sz="1400" u="sng" dirty="0" err="1">
+                <a:latin typeface="DejaVu Sans Book" panose="020B0603030804020204" pitchFamily="34" charset="0"/>
+                <a:ea typeface="DejaVu Sans Book" panose="020B0603030804020204" pitchFamily="34" charset="0"/>
+                <a:cs typeface="DejaVu Sans Book" panose="020B0603030804020204" pitchFamily="34" charset="0"/>
+              </a:rPr>
+              <a:t>abcdefghijkl</a:t>
+            </a:r>
+            <a:r>
+              <a:rPr lang="en-GB" sz="1400" u="sng" dirty="0">
+                <a:latin typeface="DejaVu Sans Book" panose="020B0603030804020204" pitchFamily="34" charset="0"/>
+                <a:ea typeface="DejaVu Sans Book" panose="020B0603030804020204" pitchFamily="34" charset="0"/>
+                <a:cs typeface="DejaVu Sans Book" panose="020B0603030804020204" pitchFamily="34" charset="0"/>
+              </a:rPr>
+              <a:t>".[4..]</a:t>
+            </a:r>
+          </a:p>
+          <a:p>
+            <a:pPr marL="0" indent="0">
+              <a:lnSpc>
+                <a:spcPct val="100000"/>
+              </a:lnSpc>
+              <a:buNone/>
+            </a:pPr>
+            <a:r>
+              <a:rPr lang="en-GB" sz="1400" u="sng" dirty="0">
+                <a:latin typeface="DejaVu Sans Book" panose="020B0603030804020204" pitchFamily="34" charset="0"/>
+                <a:ea typeface="DejaVu Sans Book" panose="020B0603030804020204" pitchFamily="34" charset="0"/>
+                <a:cs typeface="DejaVu Sans Book" panose="020B0603030804020204" pitchFamily="34" charset="0"/>
+              </a:rPr>
+              <a:t>"</a:t>
+            </a:r>
+            <a:r>
+              <a:rPr lang="en-GB" sz="1400" u="sng" dirty="0" err="1">
+                <a:latin typeface="DejaVu Sans Book" panose="020B0603030804020204" pitchFamily="34" charset="0"/>
+                <a:ea typeface="DejaVu Sans Book" panose="020B0603030804020204" pitchFamily="34" charset="0"/>
+                <a:cs typeface="DejaVu Sans Book" panose="020B0603030804020204" pitchFamily="34" charset="0"/>
+              </a:rPr>
+              <a:t>abcdefghijkl</a:t>
+            </a:r>
+            <a:r>
+              <a:rPr lang="en-GB" sz="1400" u="sng" dirty="0">
+                <a:latin typeface="DejaVu Sans Book" panose="020B0603030804020204" pitchFamily="34" charset="0"/>
+                <a:ea typeface="DejaVu Sans Book" panose="020B0603030804020204" pitchFamily="34" charset="0"/>
+                <a:cs typeface="DejaVu Sans Book" panose="020B0603030804020204" pitchFamily="34" charset="0"/>
+              </a:rPr>
+              <a:t>".Length</a:t>
+            </a:r>
+          </a:p>
+          <a:p>
+            <a:pPr marL="0" indent="0">
+              <a:lnSpc>
+                <a:spcPct val="100000"/>
+              </a:lnSpc>
+              <a:buNone/>
+            </a:pPr>
+            <a:r>
+              <a:rPr lang="en-GB" sz="1400" u="sng" dirty="0">
+                <a:latin typeface="DejaVu Sans Book" panose="020B0603030804020204" pitchFamily="34" charset="0"/>
+                <a:ea typeface="DejaVu Sans Book" panose="020B0603030804020204" pitchFamily="34" charset="0"/>
+                <a:cs typeface="DejaVu Sans Book" panose="020B0603030804020204" pitchFamily="34" charset="0"/>
+              </a:rPr>
+              <a:t>"</a:t>
+            </a:r>
+            <a:r>
+              <a:rPr lang="en-GB" sz="1400" u="sng" dirty="0" err="1">
+                <a:latin typeface="DejaVu Sans Book" panose="020B0603030804020204" pitchFamily="34" charset="0"/>
+                <a:ea typeface="DejaVu Sans Book" panose="020B0603030804020204" pitchFamily="34" charset="0"/>
+                <a:cs typeface="DejaVu Sans Book" panose="020B0603030804020204" pitchFamily="34" charset="0"/>
+              </a:rPr>
+              <a:t>abcdefghijkl</a:t>
+            </a:r>
+            <a:r>
+              <a:rPr lang="en-GB" sz="1400" u="sng" dirty="0">
+                <a:latin typeface="DejaVu Sans Book" panose="020B0603030804020204" pitchFamily="34" charset="0"/>
+                <a:ea typeface="DejaVu Sans Book" panose="020B0603030804020204" pitchFamily="34" charset="0"/>
+                <a:cs typeface="DejaVu Sans Book" panose="020B0603030804020204" pitchFamily="34" charset="0"/>
+              </a:rPr>
+              <a:t>".[0..11]</a:t>
+            </a:r>
+          </a:p>
+        </p:txBody>
+      </p:sp>
+      <p:sp>
+        <p:nvSpPr>
+          <p:cNvPr id="5" name="TextBox 4">
+            <a:extLst>
+              <a:ext uri="{FF2B5EF4-FFF2-40B4-BE49-F238E27FC236}">
+                <a16:creationId xmlns:a16="http://schemas.microsoft.com/office/drawing/2014/main" id="{70A7D154-B20E-F944-8F38-85810BBE11C4}"/>
+              </a:ext>
+            </a:extLst>
+          </p:cNvPr>
+          <p:cNvSpPr txBox="1"/>
+          <p:nvPr/>
+        </p:nvSpPr>
+        <p:spPr>
+          <a:xfrm>
+            <a:off x="2869675" y="2463407"/>
+            <a:ext cx="622286" cy="307777"/>
+          </a:xfrm>
+          <a:prstGeom prst="rect">
+            <a:avLst/>
+          </a:prstGeom>
+          <a:noFill/>
+        </p:spPr>
+        <p:txBody>
+          <a:bodyPr wrap="none" rtlCol="0">
+            <a:spAutoFit/>
+          </a:bodyPr>
+          <a:lstStyle/>
+          <a:p>
+            <a:r>
+              <a:rPr lang="en-GB" sz="1400" dirty="0">
+                <a:solidFill>
+                  <a:schemeClr val="accent6"/>
+                </a:solidFill>
+                <a:latin typeface="DejaVu Sans Book" panose="020B0603030804020204" pitchFamily="34" charset="0"/>
+                <a:ea typeface="DejaVu Sans Book" panose="020B0603030804020204" pitchFamily="34" charset="0"/>
+                <a:cs typeface="DejaVu Sans Book" panose="020B0603030804020204" pitchFamily="34" charset="0"/>
+              </a:rPr>
+              <a:t>= ‘b’</a:t>
+            </a:r>
+          </a:p>
+        </p:txBody>
+      </p:sp>
+      <p:sp>
+        <p:nvSpPr>
+          <p:cNvPr id="6" name="TextBox 5">
+            <a:extLst>
+              <a:ext uri="{FF2B5EF4-FFF2-40B4-BE49-F238E27FC236}">
+                <a16:creationId xmlns:a16="http://schemas.microsoft.com/office/drawing/2014/main" id="{46B24CC0-06A6-AB4D-9BA8-06AE0260AB42}"/>
+              </a:ext>
+            </a:extLst>
+          </p:cNvPr>
+          <p:cNvSpPr txBox="1"/>
+          <p:nvPr/>
+        </p:nvSpPr>
+        <p:spPr>
+          <a:xfrm>
+            <a:off x="2885066" y="2802179"/>
+            <a:ext cx="997389" cy="307777"/>
+          </a:xfrm>
+          <a:prstGeom prst="rect">
+            <a:avLst/>
+          </a:prstGeom>
+          <a:noFill/>
+        </p:spPr>
+        <p:txBody>
+          <a:bodyPr wrap="none" rtlCol="0">
+            <a:spAutoFit/>
+          </a:bodyPr>
+          <a:lstStyle/>
+          <a:p>
+            <a:r>
+              <a:rPr lang="en-GB" sz="1400" dirty="0">
+                <a:solidFill>
+                  <a:schemeClr val="accent6"/>
+                </a:solidFill>
+                <a:latin typeface="DejaVu Sans Book" panose="020B0603030804020204" pitchFamily="34" charset="0"/>
+                <a:ea typeface="DejaVu Sans Book" panose="020B0603030804020204" pitchFamily="34" charset="0"/>
+                <a:cs typeface="DejaVu Sans Book" panose="020B0603030804020204" pitchFamily="34" charset="0"/>
+              </a:rPr>
+              <a:t>= </a:t>
+            </a:r>
+            <a:r>
+              <a:rPr lang="da-DK" sz="1400" dirty="0">
+                <a:solidFill>
+                  <a:schemeClr val="accent6"/>
+                </a:solidFill>
+                <a:latin typeface="DejaVu Sans Book" panose="020B0603030804020204" pitchFamily="34" charset="0"/>
+                <a:ea typeface="DejaVu Sans Book" panose="020B0603030804020204" pitchFamily="34" charset="0"/>
+                <a:cs typeface="DejaVu Sans Book" panose="020B0603030804020204" pitchFamily="34" charset="0"/>
+              </a:rPr>
+              <a:t>"</a:t>
+            </a:r>
+            <a:r>
+              <a:rPr lang="da-DK" sz="1400" dirty="0" err="1">
+                <a:solidFill>
+                  <a:schemeClr val="accent6"/>
+                </a:solidFill>
+                <a:latin typeface="DejaVu Sans Book" panose="020B0603030804020204" pitchFamily="34" charset="0"/>
+                <a:ea typeface="DejaVu Sans Book" panose="020B0603030804020204" pitchFamily="34" charset="0"/>
+                <a:cs typeface="DejaVu Sans Book" panose="020B0603030804020204" pitchFamily="34" charset="0"/>
+              </a:rPr>
+              <a:t>bcde</a:t>
+            </a:r>
+            <a:r>
+              <a:rPr lang="da-DK" sz="1400" dirty="0">
+                <a:solidFill>
+                  <a:schemeClr val="accent6"/>
+                </a:solidFill>
+                <a:latin typeface="DejaVu Sans Book" panose="020B0603030804020204" pitchFamily="34" charset="0"/>
+                <a:ea typeface="DejaVu Sans Book" panose="020B0603030804020204" pitchFamily="34" charset="0"/>
+                <a:cs typeface="DejaVu Sans Book" panose="020B0603030804020204" pitchFamily="34" charset="0"/>
+              </a:rPr>
+              <a:t>"</a:t>
+            </a:r>
+            <a:endParaRPr lang="da-DK" sz="1400" dirty="0">
+              <a:latin typeface="DejaVu Sans Book" panose="020B0603030804020204" pitchFamily="34" charset="0"/>
+              <a:ea typeface="DejaVu Sans Book" panose="020B0603030804020204" pitchFamily="34" charset="0"/>
+              <a:cs typeface="DejaVu Sans Book" panose="020B0603030804020204" pitchFamily="34" charset="0"/>
+            </a:endParaRPr>
+          </a:p>
+        </p:txBody>
+      </p:sp>
+      <p:sp>
+        <p:nvSpPr>
+          <p:cNvPr id="7" name="TextBox 6">
+            <a:extLst>
+              <a:ext uri="{FF2B5EF4-FFF2-40B4-BE49-F238E27FC236}">
+                <a16:creationId xmlns:a16="http://schemas.microsoft.com/office/drawing/2014/main" id="{9E8D4D4A-512D-9542-BE39-0CDCD0221B4F}"/>
+              </a:ext>
+            </a:extLst>
+          </p:cNvPr>
+          <p:cNvSpPr txBox="1"/>
+          <p:nvPr/>
+        </p:nvSpPr>
+        <p:spPr>
+          <a:xfrm>
+            <a:off x="2885066" y="3140516"/>
+            <a:ext cx="1107996" cy="307777"/>
+          </a:xfrm>
+          <a:prstGeom prst="rect">
+            <a:avLst/>
+          </a:prstGeom>
+          <a:noFill/>
+        </p:spPr>
+        <p:txBody>
+          <a:bodyPr wrap="none" rtlCol="0">
+            <a:spAutoFit/>
+          </a:bodyPr>
+          <a:lstStyle/>
+          <a:p>
+            <a:r>
+              <a:rPr lang="en-GB" sz="1400" dirty="0">
+                <a:solidFill>
+                  <a:schemeClr val="accent6"/>
+                </a:solidFill>
+                <a:latin typeface="DejaVu Sans Book" panose="020B0603030804020204" pitchFamily="34" charset="0"/>
+                <a:ea typeface="DejaVu Sans Book" panose="020B0603030804020204" pitchFamily="34" charset="0"/>
+                <a:cs typeface="DejaVu Sans Book" panose="020B0603030804020204" pitchFamily="34" charset="0"/>
+              </a:rPr>
+              <a:t>= </a:t>
+            </a:r>
+            <a:r>
+              <a:rPr lang="da-DK" sz="1400" dirty="0">
+                <a:solidFill>
+                  <a:schemeClr val="accent6"/>
+                </a:solidFill>
+                <a:latin typeface="DejaVu Sans Book" panose="020B0603030804020204" pitchFamily="34" charset="0"/>
+                <a:ea typeface="DejaVu Sans Book" panose="020B0603030804020204" pitchFamily="34" charset="0"/>
+                <a:cs typeface="DejaVu Sans Book" panose="020B0603030804020204" pitchFamily="34" charset="0"/>
+              </a:rPr>
+              <a:t>"</a:t>
+            </a:r>
+            <a:r>
+              <a:rPr lang="da-DK" sz="1400" dirty="0" err="1">
+                <a:solidFill>
+                  <a:schemeClr val="accent6"/>
+                </a:solidFill>
+                <a:latin typeface="DejaVu Sans Book" panose="020B0603030804020204" pitchFamily="34" charset="0"/>
+                <a:ea typeface="DejaVu Sans Book" panose="020B0603030804020204" pitchFamily="34" charset="0"/>
+                <a:cs typeface="DejaVu Sans Book" panose="020B0603030804020204" pitchFamily="34" charset="0"/>
+              </a:rPr>
+              <a:t>abcde</a:t>
+            </a:r>
+            <a:r>
+              <a:rPr lang="da-DK" sz="1400" dirty="0">
+                <a:solidFill>
+                  <a:schemeClr val="accent6"/>
+                </a:solidFill>
+                <a:latin typeface="DejaVu Sans Book" panose="020B0603030804020204" pitchFamily="34" charset="0"/>
+                <a:ea typeface="DejaVu Sans Book" panose="020B0603030804020204" pitchFamily="34" charset="0"/>
+                <a:cs typeface="DejaVu Sans Book" panose="020B0603030804020204" pitchFamily="34" charset="0"/>
+              </a:rPr>
+              <a:t>"</a:t>
+            </a:r>
+          </a:p>
+        </p:txBody>
+      </p:sp>
+      <p:sp>
+        <p:nvSpPr>
+          <p:cNvPr id="8" name="TextBox 7">
+            <a:extLst>
+              <a:ext uri="{FF2B5EF4-FFF2-40B4-BE49-F238E27FC236}">
+                <a16:creationId xmlns:a16="http://schemas.microsoft.com/office/drawing/2014/main" id="{F94F2E34-AEA1-994D-A5F8-4B718BC3A03F}"/>
+              </a:ext>
+            </a:extLst>
+          </p:cNvPr>
+          <p:cNvSpPr txBox="1"/>
+          <p:nvPr/>
+        </p:nvSpPr>
+        <p:spPr>
+          <a:xfrm>
+            <a:off x="2885063" y="3494350"/>
+            <a:ext cx="1213794" cy="307777"/>
+          </a:xfrm>
+          <a:prstGeom prst="rect">
+            <a:avLst/>
+          </a:prstGeom>
+          <a:noFill/>
+        </p:spPr>
+        <p:txBody>
+          <a:bodyPr wrap="none" rtlCol="0">
+            <a:spAutoFit/>
+          </a:bodyPr>
+          <a:lstStyle/>
+          <a:p>
+            <a:r>
+              <a:rPr lang="en-GB" sz="1400" dirty="0">
+                <a:solidFill>
+                  <a:schemeClr val="accent6"/>
+                </a:solidFill>
+                <a:latin typeface="DejaVu Sans Book" panose="020B0603030804020204" pitchFamily="34" charset="0"/>
+                <a:ea typeface="DejaVu Sans Book" panose="020B0603030804020204" pitchFamily="34" charset="0"/>
+                <a:cs typeface="DejaVu Sans Book" panose="020B0603030804020204" pitchFamily="34" charset="0"/>
+              </a:rPr>
+              <a:t>= </a:t>
+            </a:r>
+            <a:r>
+              <a:rPr lang="da-DK" sz="1400" dirty="0">
+                <a:solidFill>
+                  <a:schemeClr val="accent6"/>
+                </a:solidFill>
+                <a:latin typeface="DejaVu Sans Book" panose="020B0603030804020204" pitchFamily="34" charset="0"/>
+                <a:ea typeface="DejaVu Sans Book" panose="020B0603030804020204" pitchFamily="34" charset="0"/>
+                <a:cs typeface="DejaVu Sans Book" panose="020B0603030804020204" pitchFamily="34" charset="0"/>
+              </a:rPr>
+              <a:t>"</a:t>
+            </a:r>
+            <a:r>
+              <a:rPr lang="da-DK" sz="1400" dirty="0" err="1">
+                <a:solidFill>
+                  <a:schemeClr val="accent6"/>
+                </a:solidFill>
+                <a:latin typeface="DejaVu Sans Book" panose="020B0603030804020204" pitchFamily="34" charset="0"/>
+                <a:ea typeface="DejaVu Sans Book" panose="020B0603030804020204" pitchFamily="34" charset="0"/>
+                <a:cs typeface="DejaVu Sans Book" panose="020B0603030804020204" pitchFamily="34" charset="0"/>
+              </a:rPr>
+              <a:t>efghijkl</a:t>
+            </a:r>
+            <a:r>
+              <a:rPr lang="da-DK" sz="1400" dirty="0">
+                <a:solidFill>
+                  <a:schemeClr val="accent6"/>
+                </a:solidFill>
+                <a:latin typeface="DejaVu Sans Book" panose="020B0603030804020204" pitchFamily="34" charset="0"/>
+                <a:ea typeface="DejaVu Sans Book" panose="020B0603030804020204" pitchFamily="34" charset="0"/>
+                <a:cs typeface="DejaVu Sans Book" panose="020B0603030804020204" pitchFamily="34" charset="0"/>
+              </a:rPr>
+              <a:t>"</a:t>
+            </a:r>
+          </a:p>
+        </p:txBody>
+      </p:sp>
+      <p:sp>
+        <p:nvSpPr>
+          <p:cNvPr id="9" name="TextBox 8">
+            <a:extLst>
+              <a:ext uri="{FF2B5EF4-FFF2-40B4-BE49-F238E27FC236}">
+                <a16:creationId xmlns:a16="http://schemas.microsoft.com/office/drawing/2014/main" id="{4E2E672D-9B66-4C40-81CA-90ADA0C718E5}"/>
+              </a:ext>
+            </a:extLst>
+          </p:cNvPr>
+          <p:cNvSpPr txBox="1"/>
+          <p:nvPr/>
+        </p:nvSpPr>
+        <p:spPr>
+          <a:xfrm>
+            <a:off x="2885069" y="3821918"/>
+            <a:ext cx="620683" cy="307777"/>
+          </a:xfrm>
+          <a:prstGeom prst="rect">
+            <a:avLst/>
+          </a:prstGeom>
+          <a:noFill/>
+        </p:spPr>
+        <p:txBody>
+          <a:bodyPr wrap="none" rtlCol="0">
+            <a:spAutoFit/>
+          </a:bodyPr>
+          <a:lstStyle/>
+          <a:p>
+            <a:r>
+              <a:rPr lang="en-GB" sz="1400" dirty="0">
+                <a:solidFill>
+                  <a:schemeClr val="accent6"/>
+                </a:solidFill>
+                <a:latin typeface="DejaVu Sans Book" panose="020B0603030804020204" pitchFamily="34" charset="0"/>
+                <a:ea typeface="DejaVu Sans Book" panose="020B0603030804020204" pitchFamily="34" charset="0"/>
+                <a:cs typeface="DejaVu Sans Book" panose="020B0603030804020204" pitchFamily="34" charset="0"/>
+              </a:rPr>
+              <a:t>= 12</a:t>
+            </a:r>
+          </a:p>
+        </p:txBody>
+      </p:sp>
+      <p:sp>
+        <p:nvSpPr>
+          <p:cNvPr id="10" name="TextBox 9">
+            <a:extLst>
+              <a:ext uri="{FF2B5EF4-FFF2-40B4-BE49-F238E27FC236}">
+                <a16:creationId xmlns:a16="http://schemas.microsoft.com/office/drawing/2014/main" id="{8E9AEB84-41DD-0541-9E2B-5C1D3F87D7AF}"/>
+              </a:ext>
+            </a:extLst>
+          </p:cNvPr>
+          <p:cNvSpPr txBox="1"/>
+          <p:nvPr/>
+        </p:nvSpPr>
+        <p:spPr>
+          <a:xfrm>
+            <a:off x="2885062" y="4144756"/>
+            <a:ext cx="1651414" cy="307777"/>
+          </a:xfrm>
+          <a:prstGeom prst="rect">
+            <a:avLst/>
+          </a:prstGeom>
+          <a:noFill/>
+        </p:spPr>
+        <p:txBody>
+          <a:bodyPr wrap="none" rtlCol="0">
+            <a:spAutoFit/>
+          </a:bodyPr>
+          <a:lstStyle/>
+          <a:p>
+            <a:r>
+              <a:rPr lang="en-GB" sz="1400" dirty="0">
+                <a:solidFill>
+                  <a:schemeClr val="accent6"/>
+                </a:solidFill>
+                <a:latin typeface="DejaVu Sans Book" panose="020B0603030804020204" pitchFamily="34" charset="0"/>
+                <a:ea typeface="DejaVu Sans Book" panose="020B0603030804020204" pitchFamily="34" charset="0"/>
+                <a:cs typeface="DejaVu Sans Book" panose="020B0603030804020204" pitchFamily="34" charset="0"/>
+              </a:rPr>
+              <a:t>= </a:t>
+            </a:r>
+            <a:r>
+              <a:rPr lang="da-DK" sz="1400" dirty="0">
+                <a:solidFill>
+                  <a:schemeClr val="accent6"/>
+                </a:solidFill>
+                <a:latin typeface="DejaVu Sans Book" panose="020B0603030804020204" pitchFamily="34" charset="0"/>
+                <a:ea typeface="DejaVu Sans Book" panose="020B0603030804020204" pitchFamily="34" charset="0"/>
+                <a:cs typeface="DejaVu Sans Book" panose="020B0603030804020204" pitchFamily="34" charset="0"/>
+              </a:rPr>
+              <a:t>"</a:t>
+            </a:r>
+            <a:r>
+              <a:rPr lang="da-DK" sz="1400" dirty="0" err="1">
+                <a:solidFill>
+                  <a:schemeClr val="accent6"/>
+                </a:solidFill>
+                <a:latin typeface="DejaVu Sans Book" panose="020B0603030804020204" pitchFamily="34" charset="0"/>
+                <a:ea typeface="DejaVu Sans Book" panose="020B0603030804020204" pitchFamily="34" charset="0"/>
+                <a:cs typeface="DejaVu Sans Book" panose="020B0603030804020204" pitchFamily="34" charset="0"/>
+              </a:rPr>
+              <a:t>abcdefghijkl</a:t>
+            </a:r>
+            <a:r>
+              <a:rPr lang="da-DK" sz="1400" dirty="0">
+                <a:solidFill>
+                  <a:schemeClr val="accent6"/>
+                </a:solidFill>
+                <a:latin typeface="DejaVu Sans Book" panose="020B0603030804020204" pitchFamily="34" charset="0"/>
+                <a:ea typeface="DejaVu Sans Book" panose="020B0603030804020204" pitchFamily="34" charset="0"/>
+                <a:cs typeface="DejaVu Sans Book" panose="020B0603030804020204" pitchFamily="34" charset="0"/>
+              </a:rPr>
+              <a:t>"</a:t>
+            </a:r>
+          </a:p>
+        </p:txBody>
+      </p:sp>
+      <p:cxnSp>
+        <p:nvCxnSpPr>
+          <p:cNvPr id="11" name="Straight Connector 10">
+            <a:extLst>
+              <a:ext uri="{FF2B5EF4-FFF2-40B4-BE49-F238E27FC236}">
+                <a16:creationId xmlns:a16="http://schemas.microsoft.com/office/drawing/2014/main" id="{43A35C5C-6344-6E43-8A27-C7973D85C453}"/>
+              </a:ext>
+            </a:extLst>
+          </p:cNvPr>
+          <p:cNvCxnSpPr>
+            <a:cxnSpLocks/>
+          </p:cNvCxnSpPr>
+          <p:nvPr/>
+        </p:nvCxnSpPr>
+        <p:spPr>
+          <a:xfrm>
+            <a:off x="5157614" y="1850272"/>
+            <a:ext cx="0" cy="4128437"/>
+          </a:xfrm>
+          <a:prstGeom prst="line">
+            <a:avLst/>
+          </a:prstGeom>
+        </p:spPr>
+        <p:style>
+          <a:lnRef idx="1">
+            <a:schemeClr val="accent1"/>
+          </a:lnRef>
+          <a:fillRef idx="0">
+            <a:schemeClr val="accent1"/>
+          </a:fillRef>
+          <a:effectRef idx="0">
+            <a:schemeClr val="accent1"/>
+          </a:effectRef>
+          <a:fontRef idx="minor">
+            <a:schemeClr val="tx1"/>
+          </a:fontRef>
+        </p:style>
+      </p:cxnSp>
+      <p:cxnSp>
+        <p:nvCxnSpPr>
+          <p:cNvPr id="12" name="Straight Connector 11">
+            <a:extLst>
+              <a:ext uri="{FF2B5EF4-FFF2-40B4-BE49-F238E27FC236}">
+                <a16:creationId xmlns:a16="http://schemas.microsoft.com/office/drawing/2014/main" id="{6E1D33A4-76E2-D446-BCF7-493D38BDAC2A}"/>
+              </a:ext>
+            </a:extLst>
+          </p:cNvPr>
+          <p:cNvCxnSpPr>
+            <a:cxnSpLocks/>
+          </p:cNvCxnSpPr>
+          <p:nvPr/>
+        </p:nvCxnSpPr>
+        <p:spPr>
+          <a:xfrm>
+            <a:off x="7178002" y="1850272"/>
+            <a:ext cx="0" cy="4128437"/>
+          </a:xfrm>
+          <a:prstGeom prst="line">
+            <a:avLst/>
+          </a:prstGeom>
+        </p:spPr>
+        <p:style>
+          <a:lnRef idx="1">
+            <a:schemeClr val="accent1"/>
+          </a:lnRef>
+          <a:fillRef idx="0">
+            <a:schemeClr val="accent1"/>
+          </a:fillRef>
+          <a:effectRef idx="0">
+            <a:schemeClr val="accent1"/>
+          </a:effectRef>
+          <a:fontRef idx="minor">
+            <a:schemeClr val="tx1"/>
+          </a:fontRef>
+        </p:style>
+      </p:cxnSp>
+      <p:cxnSp>
+        <p:nvCxnSpPr>
+          <p:cNvPr id="13" name="Straight Connector 12">
+            <a:extLst>
+              <a:ext uri="{FF2B5EF4-FFF2-40B4-BE49-F238E27FC236}">
+                <a16:creationId xmlns:a16="http://schemas.microsoft.com/office/drawing/2014/main" id="{A6BCB359-E1FE-8644-8A87-5185D54A1DFC}"/>
+              </a:ext>
+            </a:extLst>
+          </p:cNvPr>
+          <p:cNvCxnSpPr>
+            <a:cxnSpLocks/>
+          </p:cNvCxnSpPr>
+          <p:nvPr/>
+        </p:nvCxnSpPr>
+        <p:spPr>
+          <a:xfrm>
+            <a:off x="838200" y="1850267"/>
+            <a:ext cx="0" cy="4128437"/>
+          </a:xfrm>
+          <a:prstGeom prst="line">
+            <a:avLst/>
+          </a:prstGeom>
+        </p:spPr>
+        <p:style>
+          <a:lnRef idx="1">
+            <a:schemeClr val="accent1"/>
+          </a:lnRef>
+          <a:fillRef idx="0">
+            <a:schemeClr val="accent1"/>
+          </a:fillRef>
+          <a:effectRef idx="0">
+            <a:schemeClr val="accent1"/>
+          </a:effectRef>
+          <a:fontRef idx="minor">
+            <a:schemeClr val="tx1"/>
+          </a:fontRef>
+        </p:style>
+      </p:cxnSp>
+      <p:sp>
+        <p:nvSpPr>
+          <p:cNvPr id="14" name="TextBox 13">
+            <a:extLst>
+              <a:ext uri="{FF2B5EF4-FFF2-40B4-BE49-F238E27FC236}">
+                <a16:creationId xmlns:a16="http://schemas.microsoft.com/office/drawing/2014/main" id="{CA0AD8F8-6AC5-F246-B713-7DC57433057B}"/>
+              </a:ext>
+            </a:extLst>
+          </p:cNvPr>
+          <p:cNvSpPr txBox="1"/>
+          <p:nvPr/>
+        </p:nvSpPr>
+        <p:spPr>
+          <a:xfrm>
+            <a:off x="838200" y="1937208"/>
+            <a:ext cx="845103" cy="400110"/>
+          </a:xfrm>
+          <a:prstGeom prst="rect">
+            <a:avLst/>
+          </a:prstGeom>
+          <a:noFill/>
+        </p:spPr>
+        <p:txBody>
+          <a:bodyPr wrap="none" rtlCol="0">
+            <a:spAutoFit/>
+          </a:bodyPr>
+          <a:lstStyle/>
+          <a:p>
+            <a:r>
+              <a:rPr lang="en-GB" sz="2000" dirty="0"/>
+              <a:t>Slicing</a:t>
+            </a:r>
+          </a:p>
+        </p:txBody>
+      </p:sp>
+      <p:sp>
+        <p:nvSpPr>
+          <p:cNvPr id="15" name="TextBox 14">
+            <a:extLst>
+              <a:ext uri="{FF2B5EF4-FFF2-40B4-BE49-F238E27FC236}">
+                <a16:creationId xmlns:a16="http://schemas.microsoft.com/office/drawing/2014/main" id="{8356B932-90E4-6C44-AD0B-6FB04415C606}"/>
+              </a:ext>
+            </a:extLst>
+          </p:cNvPr>
+          <p:cNvSpPr txBox="1"/>
+          <p:nvPr/>
+        </p:nvSpPr>
+        <p:spPr>
+          <a:xfrm>
+            <a:off x="5157627" y="1691209"/>
+            <a:ext cx="1920859" cy="707886"/>
+          </a:xfrm>
+          <a:prstGeom prst="rect">
+            <a:avLst/>
+          </a:prstGeom>
+          <a:noFill/>
+        </p:spPr>
+        <p:txBody>
+          <a:bodyPr wrap="square" rtlCol="0">
+            <a:spAutoFit/>
+          </a:bodyPr>
+          <a:lstStyle/>
+          <a:p>
+            <a:r>
+              <a:rPr lang="en-GB" sz="2000" dirty="0" err="1"/>
+              <a:t>Boolske</a:t>
+            </a:r>
+            <a:r>
+              <a:rPr lang="en-GB" sz="2000" dirty="0"/>
+              <a:t> </a:t>
+            </a:r>
+            <a:r>
+              <a:rPr lang="en-GB" sz="2000" dirty="0" err="1"/>
+              <a:t>værdier</a:t>
+            </a:r>
+            <a:r>
+              <a:rPr lang="en-GB" sz="2000" dirty="0"/>
+              <a:t> </a:t>
+            </a:r>
+            <a:r>
+              <a:rPr lang="en-GB" sz="2000" dirty="0" err="1"/>
+              <a:t>og</a:t>
+            </a:r>
+            <a:r>
+              <a:rPr lang="en-GB" sz="2000" dirty="0"/>
+              <a:t> </a:t>
+            </a:r>
+            <a:r>
+              <a:rPr lang="en-GB" sz="2000" dirty="0" err="1"/>
+              <a:t>operatorer</a:t>
+            </a:r>
+            <a:endParaRPr lang="en-GB" sz="2000" dirty="0"/>
+          </a:p>
+        </p:txBody>
+      </p:sp>
+      <p:sp>
+        <p:nvSpPr>
+          <p:cNvPr id="16" name="TextBox 15">
+            <a:extLst>
+              <a:ext uri="{FF2B5EF4-FFF2-40B4-BE49-F238E27FC236}">
+                <a16:creationId xmlns:a16="http://schemas.microsoft.com/office/drawing/2014/main" id="{36C8B54D-CEC3-1245-A005-C594C8FC7D7D}"/>
+              </a:ext>
+            </a:extLst>
+          </p:cNvPr>
+          <p:cNvSpPr txBox="1"/>
+          <p:nvPr/>
+        </p:nvSpPr>
+        <p:spPr>
+          <a:xfrm>
+            <a:off x="7178008" y="1937211"/>
+            <a:ext cx="2003562" cy="400110"/>
+          </a:xfrm>
+          <a:prstGeom prst="rect">
+            <a:avLst/>
+          </a:prstGeom>
+          <a:noFill/>
+        </p:spPr>
+        <p:txBody>
+          <a:bodyPr wrap="none" rtlCol="0">
+            <a:spAutoFit/>
+          </a:bodyPr>
+          <a:lstStyle/>
+          <a:p>
+            <a:r>
+              <a:rPr lang="en-GB" sz="2000" dirty="0" err="1"/>
+              <a:t>Sammenligninger</a:t>
+            </a:r>
+            <a:endParaRPr lang="en-GB" sz="2000" dirty="0"/>
+          </a:p>
+        </p:txBody>
+      </p:sp>
+      <p:cxnSp>
+        <p:nvCxnSpPr>
+          <p:cNvPr id="17" name="Straight Connector 16">
+            <a:extLst>
+              <a:ext uri="{FF2B5EF4-FFF2-40B4-BE49-F238E27FC236}">
+                <a16:creationId xmlns:a16="http://schemas.microsoft.com/office/drawing/2014/main" id="{AEDB743F-031F-3046-8837-DC14E6C7782F}"/>
+              </a:ext>
+            </a:extLst>
+          </p:cNvPr>
+          <p:cNvCxnSpPr>
+            <a:cxnSpLocks/>
+          </p:cNvCxnSpPr>
+          <p:nvPr/>
+        </p:nvCxnSpPr>
+        <p:spPr>
+          <a:xfrm>
+            <a:off x="838200" y="2364376"/>
+            <a:ext cx="10515600" cy="0"/>
+          </a:xfrm>
+          <a:prstGeom prst="line">
+            <a:avLst/>
+          </a:prstGeom>
+        </p:spPr>
+        <p:style>
+          <a:lnRef idx="1">
+            <a:schemeClr val="accent1"/>
+          </a:lnRef>
+          <a:fillRef idx="0">
+            <a:schemeClr val="accent1"/>
+          </a:fillRef>
+          <a:effectRef idx="0">
+            <a:schemeClr val="accent1"/>
+          </a:effectRef>
+          <a:fontRef idx="minor">
+            <a:schemeClr val="tx1"/>
+          </a:fontRef>
+        </p:style>
+      </p:cxnSp>
+      <p:sp>
+        <p:nvSpPr>
+          <p:cNvPr id="18" name="Content Placeholder 2">
+            <a:extLst>
+              <a:ext uri="{FF2B5EF4-FFF2-40B4-BE49-F238E27FC236}">
+                <a16:creationId xmlns:a16="http://schemas.microsoft.com/office/drawing/2014/main" id="{D8D60602-7CDD-0B4A-8E36-293CE7E1ACE0}"/>
+              </a:ext>
+            </a:extLst>
+          </p:cNvPr>
+          <p:cNvSpPr txBox="1">
+            <a:spLocks/>
+          </p:cNvSpPr>
+          <p:nvPr/>
+        </p:nvSpPr>
+        <p:spPr>
+          <a:xfrm>
+            <a:off x="5113523" y="2455817"/>
+            <a:ext cx="1964965" cy="3373392"/>
+          </a:xfrm>
+          <a:prstGeom prst="rect">
+            <a:avLst/>
+          </a:prstGeom>
+        </p:spPr>
+        <p:txBody>
+          <a:bodyPr vert="horz" lIns="91440" tIns="45720" rIns="91440" bIns="45720" rtlCol="0">
+            <a:normAutofit/>
+          </a:bodyPr>
+          <a:lstStyle>
+            <a:lvl1pPr marL="228600" indent="-228600" algn="l" defTabSz="914400" rtl="0" eaLnBrk="1" latinLnBrk="0" hangingPunct="1">
+              <a:lnSpc>
+                <a:spcPct val="90000"/>
+              </a:lnSpc>
+              <a:spcBef>
+                <a:spcPts val="1000"/>
+              </a:spcBef>
+              <a:buFont typeface="Arial" panose="020B0604020202020204" pitchFamily="34" charset="0"/>
+              <a:buChar char="•"/>
+              <a:defRPr sz="2800" kern="1200">
+                <a:solidFill>
+                  <a:schemeClr val="tx1"/>
+                </a:solidFill>
+                <a:latin typeface="+mn-lt"/>
+                <a:ea typeface="+mn-ea"/>
+                <a:cs typeface="+mn-cs"/>
+              </a:defRPr>
+            </a:lvl1pPr>
+            <a:lvl2pPr marL="685800" indent="-228600" algn="l" defTabSz="914400" rtl="0" eaLnBrk="1" latinLnBrk="0" hangingPunct="1">
+              <a:lnSpc>
+                <a:spcPct val="90000"/>
+              </a:lnSpc>
+              <a:spcBef>
+                <a:spcPts val="500"/>
+              </a:spcBef>
+              <a:buFont typeface="Arial" panose="020B0604020202020204" pitchFamily="34" charset="0"/>
+              <a:buChar char="•"/>
+              <a:defRPr sz="2400" kern="1200">
+                <a:solidFill>
+                  <a:schemeClr val="tx1"/>
+                </a:solidFill>
+                <a:latin typeface="+mn-lt"/>
+                <a:ea typeface="+mn-ea"/>
+                <a:cs typeface="+mn-cs"/>
+              </a:defRPr>
+            </a:lvl2pPr>
+            <a:lvl3pPr marL="1143000" indent="-228600" algn="l" defTabSz="914400" rtl="0" eaLnBrk="1" latinLnBrk="0" hangingPunct="1">
+              <a:lnSpc>
+                <a:spcPct val="90000"/>
+              </a:lnSpc>
+              <a:spcBef>
+                <a:spcPts val="500"/>
+              </a:spcBef>
+              <a:buFont typeface="Arial" panose="020B0604020202020204" pitchFamily="34" charset="0"/>
+              <a:buChar char="•"/>
+              <a:defRPr sz="2000" kern="1200">
+                <a:solidFill>
+                  <a:schemeClr val="tx1"/>
+                </a:solidFill>
+                <a:latin typeface="+mn-lt"/>
+                <a:ea typeface="+mn-ea"/>
+                <a:cs typeface="+mn-cs"/>
+              </a:defRPr>
+            </a:lvl3pPr>
+            <a:lvl4pPr marL="1600200" indent="-228600" algn="l" defTabSz="914400" rtl="0" eaLnBrk="1" latinLnBrk="0" hangingPunct="1">
+              <a:lnSpc>
+                <a:spcPct val="90000"/>
+              </a:lnSpc>
+              <a:spcBef>
+                <a:spcPts val="500"/>
+              </a:spcBef>
+              <a:buFont typeface="Arial" panose="020B0604020202020204" pitchFamily="34" charset="0"/>
+              <a:buChar char="•"/>
+              <a:defRPr sz="1800" kern="1200">
+                <a:solidFill>
+                  <a:schemeClr val="tx1"/>
+                </a:solidFill>
+                <a:latin typeface="+mn-lt"/>
+                <a:ea typeface="+mn-ea"/>
+                <a:cs typeface="+mn-cs"/>
+              </a:defRPr>
+            </a:lvl4pPr>
+            <a:lvl5pPr marL="2057400" indent="-228600" algn="l" defTabSz="914400" rtl="0" eaLnBrk="1" latinLnBrk="0" hangingPunct="1">
+              <a:lnSpc>
+                <a:spcPct val="90000"/>
+              </a:lnSpc>
+              <a:spcBef>
+                <a:spcPts val="500"/>
+              </a:spcBef>
+              <a:buFont typeface="Arial" panose="020B0604020202020204" pitchFamily="34" charset="0"/>
+              <a:buChar char="•"/>
+              <a:defRPr sz="1800" kern="1200">
+                <a:solidFill>
+                  <a:schemeClr val="tx1"/>
+                </a:solidFill>
+                <a:latin typeface="+mn-lt"/>
+                <a:ea typeface="+mn-ea"/>
+                <a:cs typeface="+mn-cs"/>
+              </a:defRPr>
+            </a:lvl5pPr>
+            <a:lvl6pPr marL="2514600" indent="-228600" algn="l" defTabSz="914400" rtl="0" eaLnBrk="1" latinLnBrk="0" hangingPunct="1">
+              <a:lnSpc>
+                <a:spcPct val="90000"/>
+              </a:lnSpc>
+              <a:spcBef>
+                <a:spcPts val="500"/>
+              </a:spcBef>
+              <a:buFont typeface="Arial" panose="020B0604020202020204" pitchFamily="34" charset="0"/>
+              <a:buChar char="•"/>
+              <a:defRPr sz="1800" kern="1200">
+                <a:solidFill>
+                  <a:schemeClr val="tx1"/>
+                </a:solidFill>
+                <a:latin typeface="+mn-lt"/>
+                <a:ea typeface="+mn-ea"/>
+                <a:cs typeface="+mn-cs"/>
+              </a:defRPr>
+            </a:lvl6pPr>
+            <a:lvl7pPr marL="2971800" indent="-228600" algn="l" defTabSz="914400" rtl="0" eaLnBrk="1" latinLnBrk="0" hangingPunct="1">
+              <a:lnSpc>
+                <a:spcPct val="90000"/>
+              </a:lnSpc>
+              <a:spcBef>
+                <a:spcPts val="500"/>
+              </a:spcBef>
+              <a:buFont typeface="Arial" panose="020B0604020202020204" pitchFamily="34" charset="0"/>
+              <a:buChar char="•"/>
+              <a:defRPr sz="1800" kern="1200">
+                <a:solidFill>
+                  <a:schemeClr val="tx1"/>
+                </a:solidFill>
+                <a:latin typeface="+mn-lt"/>
+                <a:ea typeface="+mn-ea"/>
+                <a:cs typeface="+mn-cs"/>
+              </a:defRPr>
+            </a:lvl7pPr>
+            <a:lvl8pPr marL="3429000" indent="-228600" algn="l" defTabSz="914400" rtl="0" eaLnBrk="1" latinLnBrk="0" hangingPunct="1">
+              <a:lnSpc>
+                <a:spcPct val="90000"/>
+              </a:lnSpc>
+              <a:spcBef>
+                <a:spcPts val="500"/>
+              </a:spcBef>
+              <a:buFont typeface="Arial" panose="020B0604020202020204" pitchFamily="34" charset="0"/>
+              <a:buChar char="•"/>
+              <a:defRPr sz="1800" kern="1200">
+                <a:solidFill>
+                  <a:schemeClr val="tx1"/>
+                </a:solidFill>
+                <a:latin typeface="+mn-lt"/>
+                <a:ea typeface="+mn-ea"/>
+                <a:cs typeface="+mn-cs"/>
+              </a:defRPr>
+            </a:lvl8pPr>
+            <a:lvl9pPr marL="3886200" indent="-228600" algn="l" defTabSz="914400" rtl="0" eaLnBrk="1" latinLnBrk="0" hangingPunct="1">
+              <a:lnSpc>
+                <a:spcPct val="90000"/>
+              </a:lnSpc>
+              <a:spcBef>
+                <a:spcPts val="500"/>
+              </a:spcBef>
+              <a:buFont typeface="Arial" panose="020B0604020202020204" pitchFamily="34" charset="0"/>
+              <a:buChar char="•"/>
+              <a:defRPr sz="1800" kern="1200">
+                <a:solidFill>
+                  <a:schemeClr val="tx1"/>
+                </a:solidFill>
+                <a:latin typeface="+mn-lt"/>
+                <a:ea typeface="+mn-ea"/>
+                <a:cs typeface="+mn-cs"/>
+              </a:defRPr>
+            </a:lvl9pPr>
+          </a:lstStyle>
+          <a:p>
+            <a:pPr marL="0" indent="0">
+              <a:lnSpc>
+                <a:spcPct val="100000"/>
+              </a:lnSpc>
+              <a:buNone/>
+            </a:pPr>
+            <a:r>
+              <a:rPr lang="en-GB" sz="1400" dirty="0">
+                <a:latin typeface="DejaVu Sans Book" panose="020B0603030804020204" pitchFamily="34" charset="0"/>
+                <a:ea typeface="DejaVu Sans Book" panose="020B0603030804020204" pitchFamily="34" charset="0"/>
+                <a:cs typeface="DejaVu Sans Book" panose="020B0603030804020204" pitchFamily="34" charset="0"/>
+              </a:rPr>
+              <a:t>true = 1</a:t>
+            </a:r>
+          </a:p>
+          <a:p>
+            <a:pPr marL="0" indent="0">
+              <a:lnSpc>
+                <a:spcPct val="100000"/>
+              </a:lnSpc>
+              <a:buNone/>
+            </a:pPr>
+            <a:r>
+              <a:rPr lang="en-GB" sz="1400" dirty="0">
+                <a:latin typeface="DejaVu Sans Book" panose="020B0603030804020204" pitchFamily="34" charset="0"/>
+                <a:ea typeface="DejaVu Sans Book" panose="020B0603030804020204" pitchFamily="34" charset="0"/>
+                <a:cs typeface="DejaVu Sans Book" panose="020B0603030804020204" pitchFamily="34" charset="0"/>
+              </a:rPr>
+              <a:t>false = 0</a:t>
+            </a:r>
+          </a:p>
+          <a:p>
+            <a:pPr marL="0" indent="0">
+              <a:lnSpc>
+                <a:spcPct val="100000"/>
+              </a:lnSpc>
+              <a:buNone/>
+            </a:pPr>
+            <a:r>
+              <a:rPr lang="en-GB" sz="1400" dirty="0">
+                <a:latin typeface="DejaVu Sans Book" panose="020B0603030804020204" pitchFamily="34" charset="0"/>
+                <a:ea typeface="DejaVu Sans Book" panose="020B0603030804020204" pitchFamily="34" charset="0"/>
+                <a:cs typeface="DejaVu Sans Book" panose="020B0603030804020204" pitchFamily="34" charset="0"/>
+              </a:rPr>
+              <a:t>a &amp;&amp; b</a:t>
+            </a:r>
+          </a:p>
+          <a:p>
+            <a:pPr marL="0" indent="0">
+              <a:lnSpc>
+                <a:spcPct val="100000"/>
+              </a:lnSpc>
+              <a:buNone/>
+            </a:pPr>
+            <a:r>
+              <a:rPr lang="en-GB" sz="1400" dirty="0">
+                <a:latin typeface="DejaVu Sans Book" panose="020B0603030804020204" pitchFamily="34" charset="0"/>
+                <a:ea typeface="DejaVu Sans Book" panose="020B0603030804020204" pitchFamily="34" charset="0"/>
+                <a:cs typeface="DejaVu Sans Book" panose="020B0603030804020204" pitchFamily="34" charset="0"/>
+              </a:rPr>
+              <a:t>a || b</a:t>
+            </a:r>
+          </a:p>
+          <a:p>
+            <a:pPr marL="0" indent="0">
+              <a:lnSpc>
+                <a:spcPct val="100000"/>
+              </a:lnSpc>
+              <a:buNone/>
+            </a:pPr>
+            <a:r>
+              <a:rPr lang="en-GB" sz="1400" dirty="0">
+                <a:latin typeface="DejaVu Sans Book" panose="020B0603030804020204" pitchFamily="34" charset="0"/>
+                <a:ea typeface="DejaVu Sans Book" panose="020B0603030804020204" pitchFamily="34" charset="0"/>
+                <a:cs typeface="DejaVu Sans Book" panose="020B0603030804020204" pitchFamily="34" charset="0"/>
+              </a:rPr>
+              <a:t>not a</a:t>
+            </a:r>
+            <a:endParaRPr lang="en-GB" sz="1400" u="sng" dirty="0">
+              <a:latin typeface="DejaVu Sans Book" panose="020B0603030804020204" pitchFamily="34" charset="0"/>
+              <a:ea typeface="DejaVu Sans Book" panose="020B0603030804020204" pitchFamily="34" charset="0"/>
+              <a:cs typeface="DejaVu Sans Book" panose="020B0603030804020204" pitchFamily="34" charset="0"/>
+            </a:endParaRPr>
+          </a:p>
+        </p:txBody>
+      </p:sp>
+      <p:sp>
+        <p:nvSpPr>
+          <p:cNvPr id="19" name="Content Placeholder 2">
+            <a:extLst>
+              <a:ext uri="{FF2B5EF4-FFF2-40B4-BE49-F238E27FC236}">
+                <a16:creationId xmlns:a16="http://schemas.microsoft.com/office/drawing/2014/main" id="{5262AE0A-9828-7445-AA6C-476F973328F1}"/>
+              </a:ext>
+            </a:extLst>
+          </p:cNvPr>
+          <p:cNvSpPr txBox="1">
+            <a:spLocks/>
+          </p:cNvSpPr>
+          <p:nvPr/>
+        </p:nvSpPr>
+        <p:spPr>
+          <a:xfrm>
+            <a:off x="7183612" y="2448340"/>
+            <a:ext cx="1964965" cy="3373392"/>
+          </a:xfrm>
+          <a:prstGeom prst="rect">
+            <a:avLst/>
+          </a:prstGeom>
+        </p:spPr>
+        <p:txBody>
+          <a:bodyPr vert="horz" lIns="91440" tIns="45720" rIns="91440" bIns="45720" rtlCol="0">
+            <a:normAutofit/>
+          </a:bodyPr>
+          <a:lstStyle>
+            <a:lvl1pPr marL="228600" indent="-228600" algn="l" defTabSz="914400" rtl="0" eaLnBrk="1" latinLnBrk="0" hangingPunct="1">
+              <a:lnSpc>
+                <a:spcPct val="90000"/>
+              </a:lnSpc>
+              <a:spcBef>
+                <a:spcPts val="1000"/>
+              </a:spcBef>
+              <a:buFont typeface="Arial" panose="020B0604020202020204" pitchFamily="34" charset="0"/>
+              <a:buChar char="•"/>
+              <a:defRPr sz="2800" kern="1200">
+                <a:solidFill>
+                  <a:schemeClr val="tx1"/>
+                </a:solidFill>
+                <a:latin typeface="+mn-lt"/>
+                <a:ea typeface="+mn-ea"/>
+                <a:cs typeface="+mn-cs"/>
+              </a:defRPr>
+            </a:lvl1pPr>
+            <a:lvl2pPr marL="685800" indent="-228600" algn="l" defTabSz="914400" rtl="0" eaLnBrk="1" latinLnBrk="0" hangingPunct="1">
+              <a:lnSpc>
+                <a:spcPct val="90000"/>
+              </a:lnSpc>
+              <a:spcBef>
+                <a:spcPts val="500"/>
+              </a:spcBef>
+              <a:buFont typeface="Arial" panose="020B0604020202020204" pitchFamily="34" charset="0"/>
+              <a:buChar char="•"/>
+              <a:defRPr sz="2400" kern="1200">
+                <a:solidFill>
+                  <a:schemeClr val="tx1"/>
+                </a:solidFill>
+                <a:latin typeface="+mn-lt"/>
+                <a:ea typeface="+mn-ea"/>
+                <a:cs typeface="+mn-cs"/>
+              </a:defRPr>
+            </a:lvl2pPr>
+            <a:lvl3pPr marL="1143000" indent="-228600" algn="l" defTabSz="914400" rtl="0" eaLnBrk="1" latinLnBrk="0" hangingPunct="1">
+              <a:lnSpc>
+                <a:spcPct val="90000"/>
+              </a:lnSpc>
+              <a:spcBef>
+                <a:spcPts val="500"/>
+              </a:spcBef>
+              <a:buFont typeface="Arial" panose="020B0604020202020204" pitchFamily="34" charset="0"/>
+              <a:buChar char="•"/>
+              <a:defRPr sz="2000" kern="1200">
+                <a:solidFill>
+                  <a:schemeClr val="tx1"/>
+                </a:solidFill>
+                <a:latin typeface="+mn-lt"/>
+                <a:ea typeface="+mn-ea"/>
+                <a:cs typeface="+mn-cs"/>
+              </a:defRPr>
+            </a:lvl3pPr>
+            <a:lvl4pPr marL="1600200" indent="-228600" algn="l" defTabSz="914400" rtl="0" eaLnBrk="1" latinLnBrk="0" hangingPunct="1">
+              <a:lnSpc>
+                <a:spcPct val="90000"/>
+              </a:lnSpc>
+              <a:spcBef>
+                <a:spcPts val="500"/>
+              </a:spcBef>
+              <a:buFont typeface="Arial" panose="020B0604020202020204" pitchFamily="34" charset="0"/>
+              <a:buChar char="•"/>
+              <a:defRPr sz="1800" kern="1200">
+                <a:solidFill>
+                  <a:schemeClr val="tx1"/>
+                </a:solidFill>
+                <a:latin typeface="+mn-lt"/>
+                <a:ea typeface="+mn-ea"/>
+                <a:cs typeface="+mn-cs"/>
+              </a:defRPr>
+            </a:lvl4pPr>
+            <a:lvl5pPr marL="2057400" indent="-228600" algn="l" defTabSz="914400" rtl="0" eaLnBrk="1" latinLnBrk="0" hangingPunct="1">
+              <a:lnSpc>
+                <a:spcPct val="90000"/>
+              </a:lnSpc>
+              <a:spcBef>
+                <a:spcPts val="500"/>
+              </a:spcBef>
+              <a:buFont typeface="Arial" panose="020B0604020202020204" pitchFamily="34" charset="0"/>
+              <a:buChar char="•"/>
+              <a:defRPr sz="1800" kern="1200">
+                <a:solidFill>
+                  <a:schemeClr val="tx1"/>
+                </a:solidFill>
+                <a:latin typeface="+mn-lt"/>
+                <a:ea typeface="+mn-ea"/>
+                <a:cs typeface="+mn-cs"/>
+              </a:defRPr>
+            </a:lvl5pPr>
+            <a:lvl6pPr marL="2514600" indent="-228600" algn="l" defTabSz="914400" rtl="0" eaLnBrk="1" latinLnBrk="0" hangingPunct="1">
+              <a:lnSpc>
+                <a:spcPct val="90000"/>
+              </a:lnSpc>
+              <a:spcBef>
+                <a:spcPts val="500"/>
+              </a:spcBef>
+              <a:buFont typeface="Arial" panose="020B0604020202020204" pitchFamily="34" charset="0"/>
+              <a:buChar char="•"/>
+              <a:defRPr sz="1800" kern="1200">
+                <a:solidFill>
+                  <a:schemeClr val="tx1"/>
+                </a:solidFill>
+                <a:latin typeface="+mn-lt"/>
+                <a:ea typeface="+mn-ea"/>
+                <a:cs typeface="+mn-cs"/>
+              </a:defRPr>
+            </a:lvl6pPr>
+            <a:lvl7pPr marL="2971800" indent="-228600" algn="l" defTabSz="914400" rtl="0" eaLnBrk="1" latinLnBrk="0" hangingPunct="1">
+              <a:lnSpc>
+                <a:spcPct val="90000"/>
+              </a:lnSpc>
+              <a:spcBef>
+                <a:spcPts val="500"/>
+              </a:spcBef>
+              <a:buFont typeface="Arial" panose="020B0604020202020204" pitchFamily="34" charset="0"/>
+              <a:buChar char="•"/>
+              <a:defRPr sz="1800" kern="1200">
+                <a:solidFill>
+                  <a:schemeClr val="tx1"/>
+                </a:solidFill>
+                <a:latin typeface="+mn-lt"/>
+                <a:ea typeface="+mn-ea"/>
+                <a:cs typeface="+mn-cs"/>
+              </a:defRPr>
+            </a:lvl7pPr>
+            <a:lvl8pPr marL="3429000" indent="-228600" algn="l" defTabSz="914400" rtl="0" eaLnBrk="1" latinLnBrk="0" hangingPunct="1">
+              <a:lnSpc>
+                <a:spcPct val="90000"/>
+              </a:lnSpc>
+              <a:spcBef>
+                <a:spcPts val="500"/>
+              </a:spcBef>
+              <a:buFont typeface="Arial" panose="020B0604020202020204" pitchFamily="34" charset="0"/>
+              <a:buChar char="•"/>
+              <a:defRPr sz="1800" kern="1200">
+                <a:solidFill>
+                  <a:schemeClr val="tx1"/>
+                </a:solidFill>
+                <a:latin typeface="+mn-lt"/>
+                <a:ea typeface="+mn-ea"/>
+                <a:cs typeface="+mn-cs"/>
+              </a:defRPr>
+            </a:lvl8pPr>
+            <a:lvl9pPr marL="3886200" indent="-228600" algn="l" defTabSz="914400" rtl="0" eaLnBrk="1" latinLnBrk="0" hangingPunct="1">
+              <a:lnSpc>
+                <a:spcPct val="90000"/>
+              </a:lnSpc>
+              <a:spcBef>
+                <a:spcPts val="500"/>
+              </a:spcBef>
+              <a:buFont typeface="Arial" panose="020B0604020202020204" pitchFamily="34" charset="0"/>
+              <a:buChar char="•"/>
+              <a:defRPr sz="1800" kern="1200">
+                <a:solidFill>
+                  <a:schemeClr val="tx1"/>
+                </a:solidFill>
+                <a:latin typeface="+mn-lt"/>
+                <a:ea typeface="+mn-ea"/>
+                <a:cs typeface="+mn-cs"/>
+              </a:defRPr>
+            </a:lvl9pPr>
+          </a:lstStyle>
+          <a:p>
+            <a:pPr marL="0" indent="0">
+              <a:lnSpc>
+                <a:spcPct val="100000"/>
+              </a:lnSpc>
+              <a:buNone/>
+            </a:pPr>
+            <a:r>
+              <a:rPr lang="en-GB" sz="1400" dirty="0">
+                <a:latin typeface="DejaVu Sans Book" panose="020B0603030804020204" pitchFamily="34" charset="0"/>
+                <a:ea typeface="DejaVu Sans Book" panose="020B0603030804020204" pitchFamily="34" charset="0"/>
+                <a:cs typeface="DejaVu Sans Book" panose="020B0603030804020204" pitchFamily="34" charset="0"/>
+              </a:rPr>
+              <a:t>3 &lt; 4</a:t>
+            </a:r>
+          </a:p>
+          <a:p>
+            <a:pPr marL="0" indent="0">
+              <a:lnSpc>
+                <a:spcPct val="100000"/>
+              </a:lnSpc>
+              <a:buNone/>
+            </a:pPr>
+            <a:r>
+              <a:rPr lang="en-GB" sz="1400" dirty="0">
+                <a:latin typeface="DejaVu Sans Book" panose="020B0603030804020204" pitchFamily="34" charset="0"/>
+                <a:ea typeface="DejaVu Sans Book" panose="020B0603030804020204" pitchFamily="34" charset="0"/>
+                <a:cs typeface="DejaVu Sans Book" panose="020B0603030804020204" pitchFamily="34" charset="0"/>
+              </a:rPr>
+              <a:t>3 &gt; 4</a:t>
+            </a:r>
+          </a:p>
+          <a:p>
+            <a:pPr marL="0" indent="0">
+              <a:lnSpc>
+                <a:spcPct val="100000"/>
+              </a:lnSpc>
+              <a:buNone/>
+            </a:pPr>
+            <a:r>
+              <a:rPr lang="en-GB" sz="1400" dirty="0">
+                <a:latin typeface="DejaVu Sans Book" panose="020B0603030804020204" pitchFamily="34" charset="0"/>
+                <a:ea typeface="DejaVu Sans Book" panose="020B0603030804020204" pitchFamily="34" charset="0"/>
+                <a:cs typeface="DejaVu Sans Book" panose="020B0603030804020204" pitchFamily="34" charset="0"/>
+              </a:rPr>
+              <a:t>3 &lt;&gt; 4</a:t>
+            </a:r>
+          </a:p>
+          <a:p>
+            <a:pPr marL="0" indent="0">
+              <a:lnSpc>
+                <a:spcPct val="100000"/>
+              </a:lnSpc>
+              <a:buNone/>
+            </a:pPr>
+            <a:r>
+              <a:rPr lang="en-GB" sz="1400" dirty="0">
+                <a:latin typeface="DejaVu Sans Book" panose="020B0603030804020204" pitchFamily="34" charset="0"/>
+                <a:ea typeface="DejaVu Sans Book" panose="020B0603030804020204" pitchFamily="34" charset="0"/>
+                <a:cs typeface="DejaVu Sans Book" panose="020B0603030804020204" pitchFamily="34" charset="0"/>
+              </a:rPr>
+              <a:t>3 = 4</a:t>
+            </a:r>
+          </a:p>
+          <a:p>
+            <a:pPr marL="0" indent="0">
+              <a:lnSpc>
+                <a:spcPct val="100000"/>
+              </a:lnSpc>
+              <a:buNone/>
+            </a:pPr>
+            <a:r>
+              <a:rPr lang="en-GB" sz="1400" dirty="0">
+                <a:latin typeface="DejaVu Sans Book" panose="020B0603030804020204" pitchFamily="34" charset="0"/>
+                <a:ea typeface="DejaVu Sans Book" panose="020B0603030804020204" pitchFamily="34" charset="0"/>
+                <a:cs typeface="DejaVu Sans Book" panose="020B0603030804020204" pitchFamily="34" charset="0"/>
+              </a:rPr>
+              <a:t>not 3 = 4</a:t>
+            </a:r>
+          </a:p>
+          <a:p>
+            <a:pPr marL="0" indent="0">
+              <a:lnSpc>
+                <a:spcPct val="100000"/>
+              </a:lnSpc>
+              <a:buNone/>
+            </a:pPr>
+            <a:endParaRPr lang="en-GB" sz="1400" dirty="0">
+              <a:latin typeface="DejaVu Sans Book" panose="020B0603030804020204" pitchFamily="34" charset="0"/>
+              <a:ea typeface="DejaVu Sans Book" panose="020B0603030804020204" pitchFamily="34" charset="0"/>
+              <a:cs typeface="DejaVu Sans Book" panose="020B0603030804020204" pitchFamily="34" charset="0"/>
+            </a:endParaRPr>
+          </a:p>
+        </p:txBody>
+      </p:sp>
+      <p:sp>
+        <p:nvSpPr>
+          <p:cNvPr id="22" name="Content Placeholder 2">
+            <a:extLst>
+              <a:ext uri="{FF2B5EF4-FFF2-40B4-BE49-F238E27FC236}">
+                <a16:creationId xmlns:a16="http://schemas.microsoft.com/office/drawing/2014/main" id="{8F054922-E7CB-894D-88AD-1A1F97C05EF0}"/>
+              </a:ext>
+            </a:extLst>
+          </p:cNvPr>
+          <p:cNvSpPr txBox="1">
+            <a:spLocks/>
+          </p:cNvSpPr>
+          <p:nvPr/>
+        </p:nvSpPr>
+        <p:spPr>
+          <a:xfrm>
+            <a:off x="7183612" y="4142512"/>
+            <a:ext cx="1964965" cy="322838"/>
+          </a:xfrm>
+          <a:prstGeom prst="rect">
+            <a:avLst/>
+          </a:prstGeom>
+        </p:spPr>
+        <p:txBody>
+          <a:bodyPr vert="horz" lIns="91440" tIns="45720" rIns="91440" bIns="45720" rtlCol="0">
+            <a:normAutofit/>
+          </a:bodyPr>
+          <a:lstStyle>
+            <a:lvl1pPr marL="228600" indent="-228600" algn="l" defTabSz="914400" rtl="0" eaLnBrk="1" latinLnBrk="0" hangingPunct="1">
+              <a:lnSpc>
+                <a:spcPct val="90000"/>
+              </a:lnSpc>
+              <a:spcBef>
+                <a:spcPts val="1000"/>
+              </a:spcBef>
+              <a:buFont typeface="Arial" panose="020B0604020202020204" pitchFamily="34" charset="0"/>
+              <a:buChar char="•"/>
+              <a:defRPr sz="2800" kern="1200">
+                <a:solidFill>
+                  <a:schemeClr val="tx1"/>
+                </a:solidFill>
+                <a:latin typeface="+mn-lt"/>
+                <a:ea typeface="+mn-ea"/>
+                <a:cs typeface="+mn-cs"/>
+              </a:defRPr>
+            </a:lvl1pPr>
+            <a:lvl2pPr marL="685800" indent="-228600" algn="l" defTabSz="914400" rtl="0" eaLnBrk="1" latinLnBrk="0" hangingPunct="1">
+              <a:lnSpc>
+                <a:spcPct val="90000"/>
+              </a:lnSpc>
+              <a:spcBef>
+                <a:spcPts val="500"/>
+              </a:spcBef>
+              <a:buFont typeface="Arial" panose="020B0604020202020204" pitchFamily="34" charset="0"/>
+              <a:buChar char="•"/>
+              <a:defRPr sz="2400" kern="1200">
+                <a:solidFill>
+                  <a:schemeClr val="tx1"/>
+                </a:solidFill>
+                <a:latin typeface="+mn-lt"/>
+                <a:ea typeface="+mn-ea"/>
+                <a:cs typeface="+mn-cs"/>
+              </a:defRPr>
+            </a:lvl2pPr>
+            <a:lvl3pPr marL="1143000" indent="-228600" algn="l" defTabSz="914400" rtl="0" eaLnBrk="1" latinLnBrk="0" hangingPunct="1">
+              <a:lnSpc>
+                <a:spcPct val="90000"/>
+              </a:lnSpc>
+              <a:spcBef>
+                <a:spcPts val="500"/>
+              </a:spcBef>
+              <a:buFont typeface="Arial" panose="020B0604020202020204" pitchFamily="34" charset="0"/>
+              <a:buChar char="•"/>
+              <a:defRPr sz="2000" kern="1200">
+                <a:solidFill>
+                  <a:schemeClr val="tx1"/>
+                </a:solidFill>
+                <a:latin typeface="+mn-lt"/>
+                <a:ea typeface="+mn-ea"/>
+                <a:cs typeface="+mn-cs"/>
+              </a:defRPr>
+            </a:lvl3pPr>
+            <a:lvl4pPr marL="1600200" indent="-228600" algn="l" defTabSz="914400" rtl="0" eaLnBrk="1" latinLnBrk="0" hangingPunct="1">
+              <a:lnSpc>
+                <a:spcPct val="90000"/>
+              </a:lnSpc>
+              <a:spcBef>
+                <a:spcPts val="500"/>
+              </a:spcBef>
+              <a:buFont typeface="Arial" panose="020B0604020202020204" pitchFamily="34" charset="0"/>
+              <a:buChar char="•"/>
+              <a:defRPr sz="1800" kern="1200">
+                <a:solidFill>
+                  <a:schemeClr val="tx1"/>
+                </a:solidFill>
+                <a:latin typeface="+mn-lt"/>
+                <a:ea typeface="+mn-ea"/>
+                <a:cs typeface="+mn-cs"/>
+              </a:defRPr>
+            </a:lvl4pPr>
+            <a:lvl5pPr marL="2057400" indent="-228600" algn="l" defTabSz="914400" rtl="0" eaLnBrk="1" latinLnBrk="0" hangingPunct="1">
+              <a:lnSpc>
+                <a:spcPct val="90000"/>
+              </a:lnSpc>
+              <a:spcBef>
+                <a:spcPts val="500"/>
+              </a:spcBef>
+              <a:buFont typeface="Arial" panose="020B0604020202020204" pitchFamily="34" charset="0"/>
+              <a:buChar char="•"/>
+              <a:defRPr sz="1800" kern="1200">
+                <a:solidFill>
+                  <a:schemeClr val="tx1"/>
+                </a:solidFill>
+                <a:latin typeface="+mn-lt"/>
+                <a:ea typeface="+mn-ea"/>
+                <a:cs typeface="+mn-cs"/>
+              </a:defRPr>
+            </a:lvl5pPr>
+            <a:lvl6pPr marL="2514600" indent="-228600" algn="l" defTabSz="914400" rtl="0" eaLnBrk="1" latinLnBrk="0" hangingPunct="1">
+              <a:lnSpc>
+                <a:spcPct val="90000"/>
+              </a:lnSpc>
+              <a:spcBef>
+                <a:spcPts val="500"/>
+              </a:spcBef>
+              <a:buFont typeface="Arial" panose="020B0604020202020204" pitchFamily="34" charset="0"/>
+              <a:buChar char="•"/>
+              <a:defRPr sz="1800" kern="1200">
+                <a:solidFill>
+                  <a:schemeClr val="tx1"/>
+                </a:solidFill>
+                <a:latin typeface="+mn-lt"/>
+                <a:ea typeface="+mn-ea"/>
+                <a:cs typeface="+mn-cs"/>
+              </a:defRPr>
+            </a:lvl6pPr>
+            <a:lvl7pPr marL="2971800" indent="-228600" algn="l" defTabSz="914400" rtl="0" eaLnBrk="1" latinLnBrk="0" hangingPunct="1">
+              <a:lnSpc>
+                <a:spcPct val="90000"/>
+              </a:lnSpc>
+              <a:spcBef>
+                <a:spcPts val="500"/>
+              </a:spcBef>
+              <a:buFont typeface="Arial" panose="020B0604020202020204" pitchFamily="34" charset="0"/>
+              <a:buChar char="•"/>
+              <a:defRPr sz="1800" kern="1200">
+                <a:solidFill>
+                  <a:schemeClr val="tx1"/>
+                </a:solidFill>
+                <a:latin typeface="+mn-lt"/>
+                <a:ea typeface="+mn-ea"/>
+                <a:cs typeface="+mn-cs"/>
+              </a:defRPr>
+            </a:lvl7pPr>
+            <a:lvl8pPr marL="3429000" indent="-228600" algn="l" defTabSz="914400" rtl="0" eaLnBrk="1" latinLnBrk="0" hangingPunct="1">
+              <a:lnSpc>
+                <a:spcPct val="90000"/>
+              </a:lnSpc>
+              <a:spcBef>
+                <a:spcPts val="500"/>
+              </a:spcBef>
+              <a:buFont typeface="Arial" panose="020B0604020202020204" pitchFamily="34" charset="0"/>
+              <a:buChar char="•"/>
+              <a:defRPr sz="1800" kern="1200">
+                <a:solidFill>
+                  <a:schemeClr val="tx1"/>
+                </a:solidFill>
+                <a:latin typeface="+mn-lt"/>
+                <a:ea typeface="+mn-ea"/>
+                <a:cs typeface="+mn-cs"/>
+              </a:defRPr>
+            </a:lvl8pPr>
+            <a:lvl9pPr marL="3886200" indent="-228600" algn="l" defTabSz="914400" rtl="0" eaLnBrk="1" latinLnBrk="0" hangingPunct="1">
+              <a:lnSpc>
+                <a:spcPct val="90000"/>
+              </a:lnSpc>
+              <a:spcBef>
+                <a:spcPts val="500"/>
+              </a:spcBef>
+              <a:buFont typeface="Arial" panose="020B0604020202020204" pitchFamily="34" charset="0"/>
+              <a:buChar char="•"/>
+              <a:defRPr sz="1800" kern="1200">
+                <a:solidFill>
+                  <a:schemeClr val="tx1"/>
+                </a:solidFill>
+                <a:latin typeface="+mn-lt"/>
+                <a:ea typeface="+mn-ea"/>
+                <a:cs typeface="+mn-cs"/>
+              </a:defRPr>
+            </a:lvl9pPr>
+          </a:lstStyle>
+          <a:p>
+            <a:pPr marL="0" indent="0">
+              <a:lnSpc>
+                <a:spcPct val="100000"/>
+              </a:lnSpc>
+              <a:buNone/>
+            </a:pPr>
+            <a:r>
+              <a:rPr lang="en-GB" sz="1400" dirty="0">
+                <a:solidFill>
+                  <a:schemeClr val="accent6"/>
+                </a:solidFill>
+                <a:latin typeface="DejaVu Sans Book" panose="020B0603030804020204" pitchFamily="34" charset="0"/>
+                <a:ea typeface="DejaVu Sans Book" panose="020B0603030804020204" pitchFamily="34" charset="0"/>
+                <a:cs typeface="DejaVu Sans Book" panose="020B0603030804020204" pitchFamily="34" charset="0"/>
+              </a:rPr>
+              <a:t>not (3 = 4)</a:t>
+            </a:r>
+          </a:p>
+          <a:p>
+            <a:pPr marL="0" indent="0">
+              <a:lnSpc>
+                <a:spcPct val="100000"/>
+              </a:lnSpc>
+              <a:buNone/>
+            </a:pPr>
+            <a:endParaRPr lang="en-GB" sz="1400" dirty="0">
+              <a:latin typeface="DejaVu Sans Book" panose="020B0603030804020204" pitchFamily="34" charset="0"/>
+              <a:ea typeface="DejaVu Sans Book" panose="020B0603030804020204" pitchFamily="34" charset="0"/>
+              <a:cs typeface="DejaVu Sans Book" panose="020B0603030804020204" pitchFamily="34" charset="0"/>
+            </a:endParaRPr>
+          </a:p>
+        </p:txBody>
+      </p:sp>
+      <p:cxnSp>
+        <p:nvCxnSpPr>
+          <p:cNvPr id="23" name="Straight Connector 22">
+            <a:extLst>
+              <a:ext uri="{FF2B5EF4-FFF2-40B4-BE49-F238E27FC236}">
+                <a16:creationId xmlns:a16="http://schemas.microsoft.com/office/drawing/2014/main" id="{7E4750FC-EEDA-A145-A093-96CE3CA96B89}"/>
+              </a:ext>
+            </a:extLst>
+          </p:cNvPr>
+          <p:cNvCxnSpPr>
+            <a:cxnSpLocks/>
+          </p:cNvCxnSpPr>
+          <p:nvPr/>
+        </p:nvCxnSpPr>
+        <p:spPr>
+          <a:xfrm flipV="1">
+            <a:off x="7237714" y="3921075"/>
+            <a:ext cx="945397" cy="92991"/>
+          </a:xfrm>
+          <a:prstGeom prst="line">
+            <a:avLst/>
+          </a:prstGeom>
+          <a:ln w="38100">
+            <a:solidFill>
+              <a:srgbClr val="C00000">
+                <a:alpha val="50000"/>
+              </a:srgbClr>
+            </a:solidFill>
+          </a:ln>
+        </p:spPr>
+        <p:style>
+          <a:lnRef idx="1">
+            <a:schemeClr val="accent1"/>
+          </a:lnRef>
+          <a:fillRef idx="0">
+            <a:schemeClr val="accent1"/>
+          </a:fillRef>
+          <a:effectRef idx="0">
+            <a:schemeClr val="accent1"/>
+          </a:effectRef>
+          <a:fontRef idx="minor">
+            <a:schemeClr val="tx1"/>
+          </a:fontRef>
+        </p:style>
+      </p:cxnSp>
     </p:spTree>
     <p:extLst>
       <p:ext uri="{BB962C8B-B14F-4D97-AF65-F5344CB8AC3E}">
-        <p14:creationId xmlns:p14="http://schemas.microsoft.com/office/powerpoint/2010/main" val="4271887507"/>
+        <p14:creationId xmlns:p14="http://schemas.microsoft.com/office/powerpoint/2010/main" val="772914076"/>
       </p:ext>
     </p:extLst>
   </p:cSld>
   <p:clrMapOvr>
     <a:masterClrMapping/>
   </p:clrMapOvr>
+  <p:timing>
+    <p:tnLst>
+      <p:par>
+        <p:cTn id="1" dur="indefinite" restart="never" nodeType="tmRoot">
+          <p:childTnLst>
+            <p:seq concurrent="1" nextAc="seek">
+              <p:cTn id="2" dur="indefinite" nodeType="mainSeq">
+                <p:childTnLst>
+                  <p:par>
+                    <p:cTn id="3" fill="hold">
+                      <p:stCondLst>
+                        <p:cond delay="indefinite"/>
+                      </p:stCondLst>
+                      <p:childTnLst>
+                        <p:par>
+                          <p:cTn id="4" fill="hold">
+                            <p:stCondLst>
+                              <p:cond delay="0"/>
+                            </p:stCondLst>
+                            <p:childTnLst>
+                              <p:par>
+                                <p:cTn id="5" presetID="1" presetClass="entr" presetSubtype="0" fill="hold" grpId="0" nodeType="clickEffect">
+                                  <p:stCondLst>
+                                    <p:cond delay="0"/>
+                                  </p:stCondLst>
+                                  <p:childTnLst>
+                                    <p:set>
+                                      <p:cBhvr>
+                                        <p:cTn id="6" dur="1" fill="hold">
+                                          <p:stCondLst>
+                                            <p:cond delay="0"/>
+                                          </p:stCondLst>
+                                        </p:cTn>
+                                        <p:tgtEl>
+                                          <p:spTgt spid="5"/>
+                                        </p:tgtEl>
+                                        <p:attrNameLst>
+                                          <p:attrName>style.visibility</p:attrName>
+                                        </p:attrNameLst>
+                                      </p:cBhvr>
+                                      <p:to>
+                                        <p:strVal val="visible"/>
+                                      </p:to>
+                                    </p:set>
+                                  </p:childTnLst>
+                                </p:cTn>
+                              </p:par>
+                            </p:childTnLst>
+                          </p:cTn>
+                        </p:par>
+                      </p:childTnLst>
+                    </p:cTn>
+                  </p:par>
+                  <p:par>
+                    <p:cTn id="7" fill="hold">
+                      <p:stCondLst>
+                        <p:cond delay="indefinite"/>
+                      </p:stCondLst>
+                      <p:childTnLst>
+                        <p:par>
+                          <p:cTn id="8" fill="hold">
+                            <p:stCondLst>
+                              <p:cond delay="0"/>
+                            </p:stCondLst>
+                            <p:childTnLst>
+                              <p:par>
+                                <p:cTn id="9" presetID="1" presetClass="entr" presetSubtype="0" fill="hold" grpId="0" nodeType="clickEffect">
+                                  <p:stCondLst>
+                                    <p:cond delay="0"/>
+                                  </p:stCondLst>
+                                  <p:childTnLst>
+                                    <p:set>
+                                      <p:cBhvr>
+                                        <p:cTn id="10" dur="1" fill="hold">
+                                          <p:stCondLst>
+                                            <p:cond delay="0"/>
+                                          </p:stCondLst>
+                                        </p:cTn>
+                                        <p:tgtEl>
+                                          <p:spTgt spid="6"/>
+                                        </p:tgtEl>
+                                        <p:attrNameLst>
+                                          <p:attrName>style.visibility</p:attrName>
+                                        </p:attrNameLst>
+                                      </p:cBhvr>
+                                      <p:to>
+                                        <p:strVal val="visible"/>
+                                      </p:to>
+                                    </p:set>
+                                  </p:childTnLst>
+                                </p:cTn>
+                              </p:par>
+                            </p:childTnLst>
+                          </p:cTn>
+                        </p:par>
+                      </p:childTnLst>
+                    </p:cTn>
+                  </p:par>
+                  <p:par>
+                    <p:cTn id="11" fill="hold">
+                      <p:stCondLst>
+                        <p:cond delay="indefinite"/>
+                      </p:stCondLst>
+                      <p:childTnLst>
+                        <p:par>
+                          <p:cTn id="12" fill="hold">
+                            <p:stCondLst>
+                              <p:cond delay="0"/>
+                            </p:stCondLst>
+                            <p:childTnLst>
+                              <p:par>
+                                <p:cTn id="13" presetID="1" presetClass="entr" presetSubtype="0" fill="hold" grpId="0" nodeType="clickEffect">
+                                  <p:stCondLst>
+                                    <p:cond delay="0"/>
+                                  </p:stCondLst>
+                                  <p:childTnLst>
+                                    <p:set>
+                                      <p:cBhvr>
+                                        <p:cTn id="14" dur="1" fill="hold">
+                                          <p:stCondLst>
+                                            <p:cond delay="0"/>
+                                          </p:stCondLst>
+                                        </p:cTn>
+                                        <p:tgtEl>
+                                          <p:spTgt spid="7"/>
+                                        </p:tgtEl>
+                                        <p:attrNameLst>
+                                          <p:attrName>style.visibility</p:attrName>
+                                        </p:attrNameLst>
+                                      </p:cBhvr>
+                                      <p:to>
+                                        <p:strVal val="visible"/>
+                                      </p:to>
+                                    </p:set>
+                                  </p:childTnLst>
+                                </p:cTn>
+                              </p:par>
+                            </p:childTnLst>
+                          </p:cTn>
+                        </p:par>
+                      </p:childTnLst>
+                    </p:cTn>
+                  </p:par>
+                  <p:par>
+                    <p:cTn id="15" fill="hold">
+                      <p:stCondLst>
+                        <p:cond delay="indefinite"/>
+                      </p:stCondLst>
+                      <p:childTnLst>
+                        <p:par>
+                          <p:cTn id="16" fill="hold">
+                            <p:stCondLst>
+                              <p:cond delay="0"/>
+                            </p:stCondLst>
+                            <p:childTnLst>
+                              <p:par>
+                                <p:cTn id="17" presetID="1" presetClass="entr" presetSubtype="0" fill="hold" grpId="0" nodeType="clickEffect">
+                                  <p:stCondLst>
+                                    <p:cond delay="0"/>
+                                  </p:stCondLst>
+                                  <p:childTnLst>
+                                    <p:set>
+                                      <p:cBhvr>
+                                        <p:cTn id="18" dur="1" fill="hold">
+                                          <p:stCondLst>
+                                            <p:cond delay="0"/>
+                                          </p:stCondLst>
+                                        </p:cTn>
+                                        <p:tgtEl>
+                                          <p:spTgt spid="8"/>
+                                        </p:tgtEl>
+                                        <p:attrNameLst>
+                                          <p:attrName>style.visibility</p:attrName>
+                                        </p:attrNameLst>
+                                      </p:cBhvr>
+                                      <p:to>
+                                        <p:strVal val="visible"/>
+                                      </p:to>
+                                    </p:set>
+                                  </p:childTnLst>
+                                </p:cTn>
+                              </p:par>
+                            </p:childTnLst>
+                          </p:cTn>
+                        </p:par>
+                      </p:childTnLst>
+                    </p:cTn>
+                  </p:par>
+                  <p:par>
+                    <p:cTn id="19" fill="hold">
+                      <p:stCondLst>
+                        <p:cond delay="indefinite"/>
+                      </p:stCondLst>
+                      <p:childTnLst>
+                        <p:par>
+                          <p:cTn id="20" fill="hold">
+                            <p:stCondLst>
+                              <p:cond delay="0"/>
+                            </p:stCondLst>
+                            <p:childTnLst>
+                              <p:par>
+                                <p:cTn id="21" presetID="1" presetClass="entr" presetSubtype="0" fill="hold" grpId="0" nodeType="clickEffect">
+                                  <p:stCondLst>
+                                    <p:cond delay="0"/>
+                                  </p:stCondLst>
+                                  <p:childTnLst>
+                                    <p:set>
+                                      <p:cBhvr>
+                                        <p:cTn id="22" dur="1" fill="hold">
+                                          <p:stCondLst>
+                                            <p:cond delay="0"/>
+                                          </p:stCondLst>
+                                        </p:cTn>
+                                        <p:tgtEl>
+                                          <p:spTgt spid="9"/>
+                                        </p:tgtEl>
+                                        <p:attrNameLst>
+                                          <p:attrName>style.visibility</p:attrName>
+                                        </p:attrNameLst>
+                                      </p:cBhvr>
+                                      <p:to>
+                                        <p:strVal val="visible"/>
+                                      </p:to>
+                                    </p:set>
+                                  </p:childTnLst>
+                                </p:cTn>
+                              </p:par>
+                            </p:childTnLst>
+                          </p:cTn>
+                        </p:par>
+                      </p:childTnLst>
+                    </p:cTn>
+                  </p:par>
+                  <p:par>
+                    <p:cTn id="23" fill="hold">
+                      <p:stCondLst>
+                        <p:cond delay="indefinite"/>
+                      </p:stCondLst>
+                      <p:childTnLst>
+                        <p:par>
+                          <p:cTn id="24" fill="hold">
+                            <p:stCondLst>
+                              <p:cond delay="0"/>
+                            </p:stCondLst>
+                            <p:childTnLst>
+                              <p:par>
+                                <p:cTn id="25" presetID="1" presetClass="entr" presetSubtype="0" fill="hold" grpId="0" nodeType="clickEffect">
+                                  <p:stCondLst>
+                                    <p:cond delay="0"/>
+                                  </p:stCondLst>
+                                  <p:childTnLst>
+                                    <p:set>
+                                      <p:cBhvr>
+                                        <p:cTn id="26" dur="1" fill="hold">
+                                          <p:stCondLst>
+                                            <p:cond delay="0"/>
+                                          </p:stCondLst>
+                                        </p:cTn>
+                                        <p:tgtEl>
+                                          <p:spTgt spid="10"/>
+                                        </p:tgtEl>
+                                        <p:attrNameLst>
+                                          <p:attrName>style.visibility</p:attrName>
+                                        </p:attrNameLst>
+                                      </p:cBhvr>
+                                      <p:to>
+                                        <p:strVal val="visible"/>
+                                      </p:to>
+                                    </p:set>
+                                  </p:childTnLst>
+                                </p:cTn>
+                              </p:par>
+                            </p:childTnLst>
+                          </p:cTn>
+                        </p:par>
+                      </p:childTnLst>
+                    </p:cTn>
+                  </p:par>
+                  <p:par>
+                    <p:cTn id="27" fill="hold">
+                      <p:stCondLst>
+                        <p:cond delay="indefinite"/>
+                      </p:stCondLst>
+                      <p:childTnLst>
+                        <p:par>
+                          <p:cTn id="28" fill="hold">
+                            <p:stCondLst>
+                              <p:cond delay="0"/>
+                            </p:stCondLst>
+                            <p:childTnLst>
+                              <p:par>
+                                <p:cTn id="29" presetID="1" presetClass="entr" presetSubtype="0" fill="hold" grpId="0" nodeType="clickEffect">
+                                  <p:stCondLst>
+                                    <p:cond delay="0"/>
+                                  </p:stCondLst>
+                                  <p:childTnLst>
+                                    <p:set>
+                                      <p:cBhvr>
+                                        <p:cTn id="30" dur="1" fill="hold">
+                                          <p:stCondLst>
+                                            <p:cond delay="0"/>
+                                          </p:stCondLst>
+                                        </p:cTn>
+                                        <p:tgtEl>
+                                          <p:spTgt spid="18"/>
+                                        </p:tgtEl>
+                                        <p:attrNameLst>
+                                          <p:attrName>style.visibility</p:attrName>
+                                        </p:attrNameLst>
+                                      </p:cBhvr>
+                                      <p:to>
+                                        <p:strVal val="visible"/>
+                                      </p:to>
+                                    </p:set>
+                                  </p:childTnLst>
+                                </p:cTn>
+                              </p:par>
+                            </p:childTnLst>
+                          </p:cTn>
+                        </p:par>
+                      </p:childTnLst>
+                    </p:cTn>
+                  </p:par>
+                  <p:par>
+                    <p:cTn id="31" fill="hold">
+                      <p:stCondLst>
+                        <p:cond delay="indefinite"/>
+                      </p:stCondLst>
+                      <p:childTnLst>
+                        <p:par>
+                          <p:cTn id="32" fill="hold">
+                            <p:stCondLst>
+                              <p:cond delay="0"/>
+                            </p:stCondLst>
+                            <p:childTnLst>
+                              <p:par>
+                                <p:cTn id="33" presetID="1" presetClass="entr" presetSubtype="0" fill="hold" grpId="0" nodeType="clickEffect">
+                                  <p:stCondLst>
+                                    <p:cond delay="0"/>
+                                  </p:stCondLst>
+                                  <p:childTnLst>
+                                    <p:set>
+                                      <p:cBhvr>
+                                        <p:cTn id="34" dur="1" fill="hold">
+                                          <p:stCondLst>
+                                            <p:cond delay="0"/>
+                                          </p:stCondLst>
+                                        </p:cTn>
+                                        <p:tgtEl>
+                                          <p:spTgt spid="19"/>
+                                        </p:tgtEl>
+                                        <p:attrNameLst>
+                                          <p:attrName>style.visibility</p:attrName>
+                                        </p:attrNameLst>
+                                      </p:cBhvr>
+                                      <p:to>
+                                        <p:strVal val="visible"/>
+                                      </p:to>
+                                    </p:set>
+                                  </p:childTnLst>
+                                </p:cTn>
+                              </p:par>
+                            </p:childTnLst>
+                          </p:cTn>
+                        </p:par>
+                      </p:childTnLst>
+                    </p:cTn>
+                  </p:par>
+                  <p:par>
+                    <p:cTn id="35" fill="hold">
+                      <p:stCondLst>
+                        <p:cond delay="indefinite"/>
+                      </p:stCondLst>
+                      <p:childTnLst>
+                        <p:par>
+                          <p:cTn id="36" fill="hold">
+                            <p:stCondLst>
+                              <p:cond delay="0"/>
+                            </p:stCondLst>
+                            <p:childTnLst>
+                              <p:par>
+                                <p:cTn id="37" presetID="1" presetClass="entr" presetSubtype="0" fill="hold" nodeType="clickEffect">
+                                  <p:stCondLst>
+                                    <p:cond delay="0"/>
+                                  </p:stCondLst>
+                                  <p:childTnLst>
+                                    <p:set>
+                                      <p:cBhvr>
+                                        <p:cTn id="38" dur="1" fill="hold">
+                                          <p:stCondLst>
+                                            <p:cond delay="0"/>
+                                          </p:stCondLst>
+                                        </p:cTn>
+                                        <p:tgtEl>
+                                          <p:spTgt spid="23"/>
+                                        </p:tgtEl>
+                                        <p:attrNameLst>
+                                          <p:attrName>style.visibility</p:attrName>
+                                        </p:attrNameLst>
+                                      </p:cBhvr>
+                                      <p:to>
+                                        <p:strVal val="visible"/>
+                                      </p:to>
+                                    </p:set>
+                                  </p:childTnLst>
+                                </p:cTn>
+                              </p:par>
+                              <p:par>
+                                <p:cTn id="39" presetID="1" presetClass="entr" presetSubtype="0" fill="hold" grpId="0" nodeType="withEffect">
+                                  <p:stCondLst>
+                                    <p:cond delay="0"/>
+                                  </p:stCondLst>
+                                  <p:childTnLst>
+                                    <p:set>
+                                      <p:cBhvr>
+                                        <p:cTn id="40" dur="1" fill="hold">
+                                          <p:stCondLst>
+                                            <p:cond delay="0"/>
+                                          </p:stCondLst>
+                                        </p:cTn>
+                                        <p:tgtEl>
+                                          <p:spTgt spid="22"/>
+                                        </p:tgtEl>
+                                        <p:attrNameLst>
+                                          <p:attrName>style.visibility</p:attrName>
+                                        </p:attrNameLst>
+                                      </p:cBhvr>
+                                      <p:to>
+                                        <p:strVal val="visible"/>
+                                      </p:to>
+                                    </p:set>
+                                  </p:childTnLst>
+                                </p:cTn>
+                              </p:par>
+                            </p:childTnLst>
+                          </p:cTn>
+                        </p:par>
+                      </p:childTnLst>
+                    </p:cTn>
+                  </p:par>
+                </p:childTnLst>
+              </p:cTn>
+              <p:prevCondLst>
+                <p:cond evt="onPrev" delay="0">
+                  <p:tgtEl>
+                    <p:sldTgt/>
+                  </p:tgtEl>
+                </p:cond>
+              </p:prevCondLst>
+              <p:nextCondLst>
+                <p:cond evt="onNext" delay="0">
+                  <p:tgtEl>
+                    <p:sldTgt/>
+                  </p:tgtEl>
+                </p:cond>
+              </p:nextCondLst>
+            </p:seq>
+          </p:childTnLst>
+        </p:cTn>
+      </p:par>
+    </p:tnLst>
+    <p:bldLst>
+      <p:bldP spid="5" grpId="0"/>
+      <p:bldP spid="6" grpId="0"/>
+      <p:bldP spid="7" grpId="0"/>
+      <p:bldP spid="8" grpId="0"/>
+      <p:bldP spid="9" grpId="0"/>
+      <p:bldP spid="10" grpId="0"/>
+      <p:bldP spid="18" grpId="0"/>
+      <p:bldP spid="19" grpId="0"/>
+      <p:bldP spid="22" grpId="0"/>
+    </p:bldLst>
+  </p:timing>
 </p:sld>
 </file>
 
-<file path=ppt/slides/slide5.xml><?xml version="1.0" encoding="utf-8"?>
+<file path=ppt/slides/slide6.xml><?xml version="1.0" encoding="utf-8"?>
 <p:sld xmlns:a="http://schemas.openxmlformats.org/drawingml/2006/main" xmlns:r="http://schemas.openxmlformats.org/officeDocument/2006/relationships" xmlns:p="http://schemas.openxmlformats.org/presentationml/2006/main">
   <p:cSld>
     <p:spTree>
@@ -7686,7 +13856,7 @@
 </p:sld>
 </file>
 
-<file path=ppt/slides/slide6.xml><?xml version="1.0" encoding="utf-8"?>
+<file path=ppt/slides/slide7.xml><?xml version="1.0" encoding="utf-8"?>
 <p:sld xmlns:a="http://schemas.openxmlformats.org/drawingml/2006/main" xmlns:r="http://schemas.openxmlformats.org/officeDocument/2006/relationships" xmlns:p="http://schemas.openxmlformats.org/presentationml/2006/main">
   <p:cSld>
     <p:spTree>
@@ -10142,7 +16312,7 @@
 </p:sld>
 </file>
 
-<file path=ppt/slides/slide7.xml><?xml version="1.0" encoding="utf-8"?>
+<file path=ppt/slides/slide8.xml><?xml version="1.0" encoding="utf-8"?>
 <p:sld xmlns:a="http://schemas.openxmlformats.org/drawingml/2006/main" xmlns:r="http://schemas.openxmlformats.org/officeDocument/2006/relationships" xmlns:p="http://schemas.openxmlformats.org/presentationml/2006/main">
   <p:cSld>
     <p:spTree>
@@ -11251,7 +17421,7 @@
 </p:sld>
 </file>
 
-<file path=ppt/slides/slide8.xml><?xml version="1.0" encoding="utf-8"?>
+<file path=ppt/slides/slide9.xml><?xml version="1.0" encoding="utf-8"?>
 <p:sld xmlns:a="http://schemas.openxmlformats.org/drawingml/2006/main" xmlns:r="http://schemas.openxmlformats.org/officeDocument/2006/relationships" xmlns:p="http://schemas.openxmlformats.org/presentationml/2006/main">
   <p:cSld>
     <p:spTree>
@@ -11408,1463 +17578,6 @@
   <p:clrMapOvr>
     <a:masterClrMapping/>
   </p:clrMapOvr>
-</p:sld>
-</file>
-
-<file path=ppt/slides/slide9.xml><?xml version="1.0" encoding="utf-8"?>
-<p:sld xmlns:a="http://schemas.openxmlformats.org/drawingml/2006/main" xmlns:r="http://schemas.openxmlformats.org/officeDocument/2006/relationships" xmlns:p="http://schemas.openxmlformats.org/presentationml/2006/main">
-  <p:cSld>
-    <p:spTree>
-      <p:nvGrpSpPr>
-        <p:cNvPr id="1" name=""/>
-        <p:cNvGrpSpPr/>
-        <p:nvPr/>
-      </p:nvGrpSpPr>
-      <p:grpSpPr>
-        <a:xfrm>
-          <a:off x="0" y="0"/>
-          <a:ext cx="0" cy="0"/>
-          <a:chOff x="0" y="0"/>
-          <a:chExt cx="0" cy="0"/>
-        </a:xfrm>
-      </p:grpSpPr>
-      <p:sp>
-        <p:nvSpPr>
-          <p:cNvPr id="2" name="Title 1">
-            <a:extLst>
-              <a:ext uri="{FF2B5EF4-FFF2-40B4-BE49-F238E27FC236}">
-                <a16:creationId xmlns:a16="http://schemas.microsoft.com/office/drawing/2014/main" id="{29104A8A-8E32-9242-8B8A-6A5E8DB2A3BD}"/>
-              </a:ext>
-            </a:extLst>
-          </p:cNvPr>
-          <p:cNvSpPr>
-            <a:spLocks noGrp="1"/>
-          </p:cNvSpPr>
-          <p:nvPr>
-            <p:ph type="title"/>
-          </p:nvPr>
-        </p:nvSpPr>
-        <p:spPr/>
-        <p:txBody>
-          <a:bodyPr/>
-          <a:lstStyle/>
-          <a:p>
-            <a:r>
-              <a:rPr lang="en-GB" dirty="0" err="1"/>
-              <a:t>Virkefelter</a:t>
-            </a:r>
-            <a:r>
-              <a:rPr lang="en-GB" dirty="0"/>
-              <a:t> (scope)</a:t>
-            </a:r>
-          </a:p>
-        </p:txBody>
-      </p:sp>
-      <p:sp>
-        <p:nvSpPr>
-          <p:cNvPr id="36" name="Content Placeholder 2">
-            <a:extLst>
-              <a:ext uri="{FF2B5EF4-FFF2-40B4-BE49-F238E27FC236}">
-                <a16:creationId xmlns:a16="http://schemas.microsoft.com/office/drawing/2014/main" id="{C6D5DB84-E919-EF48-AFF4-8D5A0EFD8999}"/>
-              </a:ext>
-            </a:extLst>
-          </p:cNvPr>
-          <p:cNvSpPr txBox="1">
-            <a:spLocks/>
-          </p:cNvSpPr>
-          <p:nvPr/>
-        </p:nvSpPr>
-        <p:spPr>
-          <a:xfrm>
-            <a:off x="3504584" y="2054631"/>
-            <a:ext cx="3929154" cy="1071832"/>
-          </a:xfrm>
-          <a:prstGeom prst="rect">
-            <a:avLst/>
-          </a:prstGeom>
-        </p:spPr>
-        <p:txBody>
-          <a:bodyPr vert="horz" lIns="91440" tIns="45720" rIns="91440" bIns="45720" rtlCol="0">
-            <a:normAutofit/>
-          </a:bodyPr>
-          <a:lstStyle>
-            <a:lvl1pPr marL="228600" indent="-228600" algn="l" defTabSz="914400" rtl="0" eaLnBrk="1" latinLnBrk="0" hangingPunct="1">
-              <a:lnSpc>
-                <a:spcPct val="90000"/>
-              </a:lnSpc>
-              <a:spcBef>
-                <a:spcPts val="1000"/>
-              </a:spcBef>
-              <a:buFont typeface="Arial" panose="020B0604020202020204" pitchFamily="34" charset="0"/>
-              <a:buChar char="•"/>
-              <a:defRPr sz="2800" kern="1200">
-                <a:solidFill>
-                  <a:schemeClr val="tx1"/>
-                </a:solidFill>
-                <a:latin typeface="+mn-lt"/>
-                <a:ea typeface="+mn-ea"/>
-                <a:cs typeface="+mn-cs"/>
-              </a:defRPr>
-            </a:lvl1pPr>
-            <a:lvl2pPr marL="685800" indent="-228600" algn="l" defTabSz="914400" rtl="0" eaLnBrk="1" latinLnBrk="0" hangingPunct="1">
-              <a:lnSpc>
-                <a:spcPct val="90000"/>
-              </a:lnSpc>
-              <a:spcBef>
-                <a:spcPts val="500"/>
-              </a:spcBef>
-              <a:buFont typeface="Arial" panose="020B0604020202020204" pitchFamily="34" charset="0"/>
-              <a:buChar char="•"/>
-              <a:defRPr sz="2400" kern="1200">
-                <a:solidFill>
-                  <a:schemeClr val="tx1"/>
-                </a:solidFill>
-                <a:latin typeface="+mn-lt"/>
-                <a:ea typeface="+mn-ea"/>
-                <a:cs typeface="+mn-cs"/>
-              </a:defRPr>
-            </a:lvl2pPr>
-            <a:lvl3pPr marL="1143000" indent="-228600" algn="l" defTabSz="914400" rtl="0" eaLnBrk="1" latinLnBrk="0" hangingPunct="1">
-              <a:lnSpc>
-                <a:spcPct val="90000"/>
-              </a:lnSpc>
-              <a:spcBef>
-                <a:spcPts val="500"/>
-              </a:spcBef>
-              <a:buFont typeface="Arial" panose="020B0604020202020204" pitchFamily="34" charset="0"/>
-              <a:buChar char="•"/>
-              <a:defRPr sz="2000" kern="1200">
-                <a:solidFill>
-                  <a:schemeClr val="tx1"/>
-                </a:solidFill>
-                <a:latin typeface="+mn-lt"/>
-                <a:ea typeface="+mn-ea"/>
-                <a:cs typeface="+mn-cs"/>
-              </a:defRPr>
-            </a:lvl3pPr>
-            <a:lvl4pPr marL="1600200" indent="-228600" algn="l" defTabSz="914400" rtl="0" eaLnBrk="1" latinLnBrk="0" hangingPunct="1">
-              <a:lnSpc>
-                <a:spcPct val="90000"/>
-              </a:lnSpc>
-              <a:spcBef>
-                <a:spcPts val="500"/>
-              </a:spcBef>
-              <a:buFont typeface="Arial" panose="020B0604020202020204" pitchFamily="34" charset="0"/>
-              <a:buChar char="•"/>
-              <a:defRPr sz="1800" kern="1200">
-                <a:solidFill>
-                  <a:schemeClr val="tx1"/>
-                </a:solidFill>
-                <a:latin typeface="+mn-lt"/>
-                <a:ea typeface="+mn-ea"/>
-                <a:cs typeface="+mn-cs"/>
-              </a:defRPr>
-            </a:lvl4pPr>
-            <a:lvl5pPr marL="2057400" indent="-228600" algn="l" defTabSz="914400" rtl="0" eaLnBrk="1" latinLnBrk="0" hangingPunct="1">
-              <a:lnSpc>
-                <a:spcPct val="90000"/>
-              </a:lnSpc>
-              <a:spcBef>
-                <a:spcPts val="500"/>
-              </a:spcBef>
-              <a:buFont typeface="Arial" panose="020B0604020202020204" pitchFamily="34" charset="0"/>
-              <a:buChar char="•"/>
-              <a:defRPr sz="1800" kern="1200">
-                <a:solidFill>
-                  <a:schemeClr val="tx1"/>
-                </a:solidFill>
-                <a:latin typeface="+mn-lt"/>
-                <a:ea typeface="+mn-ea"/>
-                <a:cs typeface="+mn-cs"/>
-              </a:defRPr>
-            </a:lvl5pPr>
-            <a:lvl6pPr marL="2514600" indent="-228600" algn="l" defTabSz="914400" rtl="0" eaLnBrk="1" latinLnBrk="0" hangingPunct="1">
-              <a:lnSpc>
-                <a:spcPct val="90000"/>
-              </a:lnSpc>
-              <a:spcBef>
-                <a:spcPts val="500"/>
-              </a:spcBef>
-              <a:buFont typeface="Arial" panose="020B0604020202020204" pitchFamily="34" charset="0"/>
-              <a:buChar char="•"/>
-              <a:defRPr sz="1800" kern="1200">
-                <a:solidFill>
-                  <a:schemeClr val="tx1"/>
-                </a:solidFill>
-                <a:latin typeface="+mn-lt"/>
-                <a:ea typeface="+mn-ea"/>
-                <a:cs typeface="+mn-cs"/>
-              </a:defRPr>
-            </a:lvl6pPr>
-            <a:lvl7pPr marL="2971800" indent="-228600" algn="l" defTabSz="914400" rtl="0" eaLnBrk="1" latinLnBrk="0" hangingPunct="1">
-              <a:lnSpc>
-                <a:spcPct val="90000"/>
-              </a:lnSpc>
-              <a:spcBef>
-                <a:spcPts val="500"/>
-              </a:spcBef>
-              <a:buFont typeface="Arial" panose="020B0604020202020204" pitchFamily="34" charset="0"/>
-              <a:buChar char="•"/>
-              <a:defRPr sz="1800" kern="1200">
-                <a:solidFill>
-                  <a:schemeClr val="tx1"/>
-                </a:solidFill>
-                <a:latin typeface="+mn-lt"/>
-                <a:ea typeface="+mn-ea"/>
-                <a:cs typeface="+mn-cs"/>
-              </a:defRPr>
-            </a:lvl7pPr>
-            <a:lvl8pPr marL="3429000" indent="-228600" algn="l" defTabSz="914400" rtl="0" eaLnBrk="1" latinLnBrk="0" hangingPunct="1">
-              <a:lnSpc>
-                <a:spcPct val="90000"/>
-              </a:lnSpc>
-              <a:spcBef>
-                <a:spcPts val="500"/>
-              </a:spcBef>
-              <a:buFont typeface="Arial" panose="020B0604020202020204" pitchFamily="34" charset="0"/>
-              <a:buChar char="•"/>
-              <a:defRPr sz="1800" kern="1200">
-                <a:solidFill>
-                  <a:schemeClr val="tx1"/>
-                </a:solidFill>
-                <a:latin typeface="+mn-lt"/>
-                <a:ea typeface="+mn-ea"/>
-                <a:cs typeface="+mn-cs"/>
-              </a:defRPr>
-            </a:lvl8pPr>
-            <a:lvl9pPr marL="3886200" indent="-228600" algn="l" defTabSz="914400" rtl="0" eaLnBrk="1" latinLnBrk="0" hangingPunct="1">
-              <a:lnSpc>
-                <a:spcPct val="90000"/>
-              </a:lnSpc>
-              <a:spcBef>
-                <a:spcPts val="500"/>
-              </a:spcBef>
-              <a:buFont typeface="Arial" panose="020B0604020202020204" pitchFamily="34" charset="0"/>
-              <a:buChar char="•"/>
-              <a:defRPr sz="1800" kern="1200">
-                <a:solidFill>
-                  <a:schemeClr val="tx1"/>
-                </a:solidFill>
-                <a:latin typeface="+mn-lt"/>
-                <a:ea typeface="+mn-ea"/>
-                <a:cs typeface="+mn-cs"/>
-              </a:defRPr>
-            </a:lvl9pPr>
-          </a:lstStyle>
-          <a:p>
-            <a:pPr marL="0" indent="0">
-              <a:lnSpc>
-                <a:spcPct val="100000"/>
-              </a:lnSpc>
-              <a:buNone/>
-            </a:pPr>
-            <a:r>
-              <a:rPr lang="en-GB" sz="1400" dirty="0">
-                <a:latin typeface="DejaVu Sans Book" panose="020B0603030804020204" pitchFamily="34" charset="0"/>
-                <a:ea typeface="DejaVu Sans Book" panose="020B0603030804020204" pitchFamily="34" charset="0"/>
-                <a:cs typeface="DejaVu Sans Book" panose="020B0603030804020204" pitchFamily="34" charset="0"/>
-              </a:rPr>
-              <a:t>let name = "World" </a:t>
-            </a:r>
-          </a:p>
-          <a:p>
-            <a:pPr marL="0" indent="0">
-              <a:lnSpc>
-                <a:spcPct val="100000"/>
-              </a:lnSpc>
-              <a:buNone/>
-            </a:pPr>
-            <a:r>
-              <a:rPr lang="en-GB" sz="1400" dirty="0">
-                <a:latin typeface="DejaVu Sans Book" panose="020B0603030804020204" pitchFamily="34" charset="0"/>
-                <a:ea typeface="DejaVu Sans Book" panose="020B0603030804020204" pitchFamily="34" charset="0"/>
-                <a:cs typeface="DejaVu Sans Book" panose="020B0603030804020204" pitchFamily="34" charset="0"/>
-              </a:rPr>
-              <a:t>let name = "Jon"</a:t>
-            </a:r>
-          </a:p>
-          <a:p>
-            <a:pPr marL="0" indent="0">
-              <a:lnSpc>
-                <a:spcPct val="100000"/>
-              </a:lnSpc>
-              <a:buNone/>
-            </a:pPr>
-            <a:r>
-              <a:rPr lang="en-GB" sz="1400" dirty="0">
-                <a:latin typeface="DejaVu Sans Book" panose="020B0603030804020204" pitchFamily="34" charset="0"/>
-                <a:ea typeface="DejaVu Sans Book" panose="020B0603030804020204" pitchFamily="34" charset="0"/>
-                <a:cs typeface="DejaVu Sans Book" panose="020B0603030804020204" pitchFamily="34" charset="0"/>
-              </a:rPr>
-              <a:t>do </a:t>
-            </a:r>
-            <a:r>
-              <a:rPr lang="en-GB" sz="1400" dirty="0" err="1">
-                <a:latin typeface="DejaVu Sans Book" panose="020B0603030804020204" pitchFamily="34" charset="0"/>
-                <a:ea typeface="DejaVu Sans Book" panose="020B0603030804020204" pitchFamily="34" charset="0"/>
-                <a:cs typeface="DejaVu Sans Book" panose="020B0603030804020204" pitchFamily="34" charset="0"/>
-              </a:rPr>
-              <a:t>printfn</a:t>
-            </a:r>
-            <a:r>
-              <a:rPr lang="en-GB" sz="1400" dirty="0">
-                <a:latin typeface="DejaVu Sans Book" panose="020B0603030804020204" pitchFamily="34" charset="0"/>
-                <a:ea typeface="DejaVu Sans Book" panose="020B0603030804020204" pitchFamily="34" charset="0"/>
-                <a:cs typeface="DejaVu Sans Book" panose="020B0603030804020204" pitchFamily="34" charset="0"/>
-              </a:rPr>
-              <a:t> "Hello %s" name</a:t>
-            </a:r>
-          </a:p>
-        </p:txBody>
-      </p:sp>
-      <p:sp>
-        <p:nvSpPr>
-          <p:cNvPr id="37" name="TextBox 36">
-            <a:extLst>
-              <a:ext uri="{FF2B5EF4-FFF2-40B4-BE49-F238E27FC236}">
-                <a16:creationId xmlns:a16="http://schemas.microsoft.com/office/drawing/2014/main" id="{417BC465-2A38-FD47-B905-DEC10D569BD8}"/>
-              </a:ext>
-            </a:extLst>
-          </p:cNvPr>
-          <p:cNvSpPr txBox="1"/>
-          <p:nvPr/>
-        </p:nvSpPr>
-        <p:spPr>
-          <a:xfrm>
-            <a:off x="3254204" y="1466384"/>
-            <a:ext cx="5925020" cy="461665"/>
-          </a:xfrm>
-          <a:prstGeom prst="rect">
-            <a:avLst/>
-          </a:prstGeom>
-          <a:noFill/>
-        </p:spPr>
-        <p:txBody>
-          <a:bodyPr wrap="none" rtlCol="0">
-            <a:spAutoFit/>
-          </a:bodyPr>
-          <a:lstStyle/>
-          <a:p>
-            <a:r>
-              <a:rPr lang="en-GB" sz="2400" dirty="0" err="1"/>
-              <a:t>Navne</a:t>
-            </a:r>
-            <a:r>
-              <a:rPr lang="en-GB" sz="2400" dirty="0"/>
-              <a:t> (</a:t>
-            </a:r>
-            <a:r>
-              <a:rPr lang="en-GB" sz="2400" dirty="0" err="1"/>
-              <a:t>i</a:t>
-            </a:r>
-            <a:r>
-              <a:rPr lang="en-GB" sz="2400" dirty="0"/>
-              <a:t> </a:t>
-            </a:r>
-            <a:r>
-              <a:rPr lang="en-GB" sz="2400" dirty="0" err="1"/>
-              <a:t>yderste</a:t>
-            </a:r>
-            <a:r>
-              <a:rPr lang="en-GB" sz="2400" dirty="0"/>
-              <a:t> </a:t>
-            </a:r>
-            <a:r>
-              <a:rPr lang="en-GB" sz="2400" dirty="0" err="1"/>
-              <a:t>virkefelt</a:t>
-            </a:r>
-            <a:r>
-              <a:rPr lang="en-GB" sz="2400" dirty="0"/>
-              <a:t>) </a:t>
-            </a:r>
-            <a:r>
-              <a:rPr lang="en-GB" sz="2400" dirty="0" err="1"/>
-              <a:t>kan</a:t>
-            </a:r>
-            <a:r>
-              <a:rPr lang="en-GB" sz="2400" dirty="0"/>
-              <a:t> </a:t>
-            </a:r>
-            <a:r>
-              <a:rPr lang="en-GB" sz="2400" dirty="0" err="1"/>
-              <a:t>ikke</a:t>
-            </a:r>
-            <a:r>
-              <a:rPr lang="en-GB" sz="2400" dirty="0"/>
-              <a:t> </a:t>
-            </a:r>
-            <a:r>
-              <a:rPr lang="en-GB" sz="2400" dirty="0" err="1"/>
-              <a:t>overskrives</a:t>
-            </a:r>
-            <a:endParaRPr lang="en-GB" sz="2400" dirty="0"/>
-          </a:p>
-        </p:txBody>
-      </p:sp>
-      <p:sp>
-        <p:nvSpPr>
-          <p:cNvPr id="21" name="Content Placeholder 2">
-            <a:extLst>
-              <a:ext uri="{FF2B5EF4-FFF2-40B4-BE49-F238E27FC236}">
-                <a16:creationId xmlns:a16="http://schemas.microsoft.com/office/drawing/2014/main" id="{B126CC79-D1D0-0142-92F0-870AE622FD74}"/>
-              </a:ext>
-            </a:extLst>
-          </p:cNvPr>
-          <p:cNvSpPr txBox="1">
-            <a:spLocks/>
-          </p:cNvSpPr>
-          <p:nvPr/>
-        </p:nvSpPr>
-        <p:spPr>
-          <a:xfrm>
-            <a:off x="3504587" y="3889622"/>
-            <a:ext cx="4123679" cy="2832914"/>
-          </a:xfrm>
-          <a:prstGeom prst="rect">
-            <a:avLst/>
-          </a:prstGeom>
-        </p:spPr>
-        <p:txBody>
-          <a:bodyPr vert="horz" lIns="91440" tIns="45720" rIns="91440" bIns="45720" rtlCol="0">
-            <a:noAutofit/>
-          </a:bodyPr>
-          <a:lstStyle>
-            <a:lvl1pPr marL="228600" indent="-228600" algn="l" defTabSz="914400" rtl="0" eaLnBrk="1" latinLnBrk="0" hangingPunct="1">
-              <a:lnSpc>
-                <a:spcPct val="90000"/>
-              </a:lnSpc>
-              <a:spcBef>
-                <a:spcPts val="1000"/>
-              </a:spcBef>
-              <a:buFont typeface="Arial" panose="020B0604020202020204" pitchFamily="34" charset="0"/>
-              <a:buChar char="•"/>
-              <a:defRPr sz="2800" kern="1200">
-                <a:solidFill>
-                  <a:schemeClr val="tx1"/>
-                </a:solidFill>
-                <a:latin typeface="+mn-lt"/>
-                <a:ea typeface="+mn-ea"/>
-                <a:cs typeface="+mn-cs"/>
-              </a:defRPr>
-            </a:lvl1pPr>
-            <a:lvl2pPr marL="685800" indent="-228600" algn="l" defTabSz="914400" rtl="0" eaLnBrk="1" latinLnBrk="0" hangingPunct="1">
-              <a:lnSpc>
-                <a:spcPct val="90000"/>
-              </a:lnSpc>
-              <a:spcBef>
-                <a:spcPts val="500"/>
-              </a:spcBef>
-              <a:buFont typeface="Arial" panose="020B0604020202020204" pitchFamily="34" charset="0"/>
-              <a:buChar char="•"/>
-              <a:defRPr sz="2400" kern="1200">
-                <a:solidFill>
-                  <a:schemeClr val="tx1"/>
-                </a:solidFill>
-                <a:latin typeface="+mn-lt"/>
-                <a:ea typeface="+mn-ea"/>
-                <a:cs typeface="+mn-cs"/>
-              </a:defRPr>
-            </a:lvl2pPr>
-            <a:lvl3pPr marL="1143000" indent="-228600" algn="l" defTabSz="914400" rtl="0" eaLnBrk="1" latinLnBrk="0" hangingPunct="1">
-              <a:lnSpc>
-                <a:spcPct val="90000"/>
-              </a:lnSpc>
-              <a:spcBef>
-                <a:spcPts val="500"/>
-              </a:spcBef>
-              <a:buFont typeface="Arial" panose="020B0604020202020204" pitchFamily="34" charset="0"/>
-              <a:buChar char="•"/>
-              <a:defRPr sz="2000" kern="1200">
-                <a:solidFill>
-                  <a:schemeClr val="tx1"/>
-                </a:solidFill>
-                <a:latin typeface="+mn-lt"/>
-                <a:ea typeface="+mn-ea"/>
-                <a:cs typeface="+mn-cs"/>
-              </a:defRPr>
-            </a:lvl3pPr>
-            <a:lvl4pPr marL="1600200" indent="-228600" algn="l" defTabSz="914400" rtl="0" eaLnBrk="1" latinLnBrk="0" hangingPunct="1">
-              <a:lnSpc>
-                <a:spcPct val="90000"/>
-              </a:lnSpc>
-              <a:spcBef>
-                <a:spcPts val="500"/>
-              </a:spcBef>
-              <a:buFont typeface="Arial" panose="020B0604020202020204" pitchFamily="34" charset="0"/>
-              <a:buChar char="•"/>
-              <a:defRPr sz="1800" kern="1200">
-                <a:solidFill>
-                  <a:schemeClr val="tx1"/>
-                </a:solidFill>
-                <a:latin typeface="+mn-lt"/>
-                <a:ea typeface="+mn-ea"/>
-                <a:cs typeface="+mn-cs"/>
-              </a:defRPr>
-            </a:lvl4pPr>
-            <a:lvl5pPr marL="2057400" indent="-228600" algn="l" defTabSz="914400" rtl="0" eaLnBrk="1" latinLnBrk="0" hangingPunct="1">
-              <a:lnSpc>
-                <a:spcPct val="90000"/>
-              </a:lnSpc>
-              <a:spcBef>
-                <a:spcPts val="500"/>
-              </a:spcBef>
-              <a:buFont typeface="Arial" panose="020B0604020202020204" pitchFamily="34" charset="0"/>
-              <a:buChar char="•"/>
-              <a:defRPr sz="1800" kern="1200">
-                <a:solidFill>
-                  <a:schemeClr val="tx1"/>
-                </a:solidFill>
-                <a:latin typeface="+mn-lt"/>
-                <a:ea typeface="+mn-ea"/>
-                <a:cs typeface="+mn-cs"/>
-              </a:defRPr>
-            </a:lvl5pPr>
-            <a:lvl6pPr marL="2514600" indent="-228600" algn="l" defTabSz="914400" rtl="0" eaLnBrk="1" latinLnBrk="0" hangingPunct="1">
-              <a:lnSpc>
-                <a:spcPct val="90000"/>
-              </a:lnSpc>
-              <a:spcBef>
-                <a:spcPts val="500"/>
-              </a:spcBef>
-              <a:buFont typeface="Arial" panose="020B0604020202020204" pitchFamily="34" charset="0"/>
-              <a:buChar char="•"/>
-              <a:defRPr sz="1800" kern="1200">
-                <a:solidFill>
-                  <a:schemeClr val="tx1"/>
-                </a:solidFill>
-                <a:latin typeface="+mn-lt"/>
-                <a:ea typeface="+mn-ea"/>
-                <a:cs typeface="+mn-cs"/>
-              </a:defRPr>
-            </a:lvl6pPr>
-            <a:lvl7pPr marL="2971800" indent="-228600" algn="l" defTabSz="914400" rtl="0" eaLnBrk="1" latinLnBrk="0" hangingPunct="1">
-              <a:lnSpc>
-                <a:spcPct val="90000"/>
-              </a:lnSpc>
-              <a:spcBef>
-                <a:spcPts val="500"/>
-              </a:spcBef>
-              <a:buFont typeface="Arial" panose="020B0604020202020204" pitchFamily="34" charset="0"/>
-              <a:buChar char="•"/>
-              <a:defRPr sz="1800" kern="1200">
-                <a:solidFill>
-                  <a:schemeClr val="tx1"/>
-                </a:solidFill>
-                <a:latin typeface="+mn-lt"/>
-                <a:ea typeface="+mn-ea"/>
-                <a:cs typeface="+mn-cs"/>
-              </a:defRPr>
-            </a:lvl7pPr>
-            <a:lvl8pPr marL="3429000" indent="-228600" algn="l" defTabSz="914400" rtl="0" eaLnBrk="1" latinLnBrk="0" hangingPunct="1">
-              <a:lnSpc>
-                <a:spcPct val="90000"/>
-              </a:lnSpc>
-              <a:spcBef>
-                <a:spcPts val="500"/>
-              </a:spcBef>
-              <a:buFont typeface="Arial" panose="020B0604020202020204" pitchFamily="34" charset="0"/>
-              <a:buChar char="•"/>
-              <a:defRPr sz="1800" kern="1200">
-                <a:solidFill>
-                  <a:schemeClr val="tx1"/>
-                </a:solidFill>
-                <a:latin typeface="+mn-lt"/>
-                <a:ea typeface="+mn-ea"/>
-                <a:cs typeface="+mn-cs"/>
-              </a:defRPr>
-            </a:lvl8pPr>
-            <a:lvl9pPr marL="3886200" indent="-228600" algn="l" defTabSz="914400" rtl="0" eaLnBrk="1" latinLnBrk="0" hangingPunct="1">
-              <a:lnSpc>
-                <a:spcPct val="90000"/>
-              </a:lnSpc>
-              <a:spcBef>
-                <a:spcPts val="500"/>
-              </a:spcBef>
-              <a:buFont typeface="Arial" panose="020B0604020202020204" pitchFamily="34" charset="0"/>
-              <a:buChar char="•"/>
-              <a:defRPr sz="1800" kern="1200">
-                <a:solidFill>
-                  <a:schemeClr val="tx1"/>
-                </a:solidFill>
-                <a:latin typeface="+mn-lt"/>
-                <a:ea typeface="+mn-ea"/>
-                <a:cs typeface="+mn-cs"/>
-              </a:defRPr>
-            </a:lvl9pPr>
-          </a:lstStyle>
-          <a:p>
-            <a:pPr marL="0" indent="0">
-              <a:lnSpc>
-                <a:spcPct val="100000"/>
-              </a:lnSpc>
-              <a:buNone/>
-            </a:pPr>
-            <a:r>
-              <a:rPr lang="en-GB" sz="1400" dirty="0">
-                <a:latin typeface="DejaVu Sans Book" panose="020B0603030804020204" pitchFamily="34" charset="0"/>
-                <a:ea typeface="DejaVu Sans Book" panose="020B0603030804020204" pitchFamily="34" charset="0"/>
-                <a:cs typeface="DejaVu Sans Book" panose="020B0603030804020204" pitchFamily="34" charset="0"/>
-              </a:rPr>
-              <a:t>let greeting = "Hello" </a:t>
-            </a:r>
-          </a:p>
-          <a:p>
-            <a:pPr marL="0" indent="0">
-              <a:lnSpc>
-                <a:spcPct val="100000"/>
-              </a:lnSpc>
-              <a:buNone/>
-            </a:pPr>
-            <a:r>
-              <a:rPr lang="en-GB" sz="1400" dirty="0">
-                <a:latin typeface="DejaVu Sans Book" panose="020B0603030804020204" pitchFamily="34" charset="0"/>
-                <a:ea typeface="DejaVu Sans Book" panose="020B0603030804020204" pitchFamily="34" charset="0"/>
-                <a:cs typeface="DejaVu Sans Book" panose="020B0603030804020204" pitchFamily="34" charset="0"/>
-              </a:rPr>
-              <a:t>let name = "Jon"</a:t>
-            </a:r>
-          </a:p>
-          <a:p>
-            <a:pPr marL="0" indent="0">
-              <a:lnSpc>
-                <a:spcPct val="100000"/>
-              </a:lnSpc>
-              <a:buNone/>
-            </a:pPr>
-            <a:r>
-              <a:rPr lang="en-GB" sz="1400" dirty="0">
-                <a:latin typeface="DejaVu Sans Book" panose="020B0603030804020204" pitchFamily="34" charset="0"/>
-                <a:ea typeface="DejaVu Sans Book" panose="020B0603030804020204" pitchFamily="34" charset="0"/>
-                <a:cs typeface="DejaVu Sans Book" panose="020B0603030804020204" pitchFamily="34" charset="0"/>
-              </a:rPr>
-              <a:t>do </a:t>
-            </a:r>
-            <a:r>
-              <a:rPr lang="en-GB" sz="1400" dirty="0" err="1">
-                <a:latin typeface="DejaVu Sans Book" panose="020B0603030804020204" pitchFamily="34" charset="0"/>
-                <a:ea typeface="DejaVu Sans Book" panose="020B0603030804020204" pitchFamily="34" charset="0"/>
-                <a:cs typeface="DejaVu Sans Book" panose="020B0603030804020204" pitchFamily="34" charset="0"/>
-              </a:rPr>
-              <a:t>printfn</a:t>
-            </a:r>
-            <a:r>
-              <a:rPr lang="en-GB" sz="1400" dirty="0">
-                <a:latin typeface="DejaVu Sans Book" panose="020B0603030804020204" pitchFamily="34" charset="0"/>
-                <a:ea typeface="DejaVu Sans Book" panose="020B0603030804020204" pitchFamily="34" charset="0"/>
-                <a:cs typeface="DejaVu Sans Book" panose="020B0603030804020204" pitchFamily="34" charset="0"/>
-              </a:rPr>
-              <a:t> "%s %s" greeting name</a:t>
-            </a:r>
-          </a:p>
-          <a:p>
-            <a:pPr marL="0" indent="0">
-              <a:lnSpc>
-                <a:spcPct val="100000"/>
-              </a:lnSpc>
-              <a:buNone/>
-            </a:pPr>
-            <a:r>
-              <a:rPr lang="en-GB" sz="1400" dirty="0">
-                <a:latin typeface="DejaVu Sans Book" panose="020B0603030804020204" pitchFamily="34" charset="0"/>
-                <a:ea typeface="DejaVu Sans Book" panose="020B0603030804020204" pitchFamily="34" charset="0"/>
-                <a:cs typeface="DejaVu Sans Book" panose="020B0603030804020204" pitchFamily="34" charset="0"/>
-              </a:rPr>
-              <a:t>(</a:t>
-            </a:r>
-          </a:p>
-          <a:p>
-            <a:pPr marL="0" indent="0">
-              <a:lnSpc>
-                <a:spcPct val="100000"/>
-              </a:lnSpc>
-              <a:buNone/>
-            </a:pPr>
-            <a:r>
-              <a:rPr lang="en-GB" sz="1400" dirty="0">
-                <a:latin typeface="DejaVu Sans Book" panose="020B0603030804020204" pitchFamily="34" charset="0"/>
-                <a:ea typeface="DejaVu Sans Book" panose="020B0603030804020204" pitchFamily="34" charset="0"/>
-                <a:cs typeface="DejaVu Sans Book" panose="020B0603030804020204" pitchFamily="34" charset="0"/>
-              </a:rPr>
-              <a:t>   let name = "Anders"</a:t>
-            </a:r>
-          </a:p>
-          <a:p>
-            <a:pPr marL="0" indent="0">
-              <a:lnSpc>
-                <a:spcPct val="100000"/>
-              </a:lnSpc>
-              <a:buNone/>
-            </a:pPr>
-            <a:r>
-              <a:rPr lang="en-GB" sz="1400" dirty="0">
-                <a:latin typeface="DejaVu Sans Book" panose="020B0603030804020204" pitchFamily="34" charset="0"/>
-                <a:ea typeface="DejaVu Sans Book" panose="020B0603030804020204" pitchFamily="34" charset="0"/>
-                <a:cs typeface="DejaVu Sans Book" panose="020B0603030804020204" pitchFamily="34" charset="0"/>
-              </a:rPr>
-              <a:t>   do </a:t>
-            </a:r>
-            <a:r>
-              <a:rPr lang="en-GB" sz="1400" dirty="0" err="1">
-                <a:latin typeface="DejaVu Sans Book" panose="020B0603030804020204" pitchFamily="34" charset="0"/>
-                <a:ea typeface="DejaVu Sans Book" panose="020B0603030804020204" pitchFamily="34" charset="0"/>
-                <a:cs typeface="DejaVu Sans Book" panose="020B0603030804020204" pitchFamily="34" charset="0"/>
-              </a:rPr>
-              <a:t>printfn</a:t>
-            </a:r>
-            <a:r>
-              <a:rPr lang="en-GB" sz="1400" dirty="0">
-                <a:latin typeface="DejaVu Sans Book" panose="020B0603030804020204" pitchFamily="34" charset="0"/>
-                <a:ea typeface="DejaVu Sans Book" panose="020B0603030804020204" pitchFamily="34" charset="0"/>
-                <a:cs typeface="DejaVu Sans Book" panose="020B0603030804020204" pitchFamily="34" charset="0"/>
-              </a:rPr>
-              <a:t> "%s %s" greeting name</a:t>
-            </a:r>
-          </a:p>
-          <a:p>
-            <a:pPr marL="0" indent="0">
-              <a:lnSpc>
-                <a:spcPct val="100000"/>
-              </a:lnSpc>
-              <a:buNone/>
-            </a:pPr>
-            <a:r>
-              <a:rPr lang="en-GB" sz="1400" dirty="0">
-                <a:latin typeface="DejaVu Sans Book" panose="020B0603030804020204" pitchFamily="34" charset="0"/>
-                <a:ea typeface="DejaVu Sans Book" panose="020B0603030804020204" pitchFamily="34" charset="0"/>
-                <a:cs typeface="DejaVu Sans Book" panose="020B0603030804020204" pitchFamily="34" charset="0"/>
-              </a:rPr>
-              <a:t>)</a:t>
-            </a:r>
-          </a:p>
-          <a:p>
-            <a:pPr marL="0" indent="0">
-              <a:lnSpc>
-                <a:spcPct val="100000"/>
-              </a:lnSpc>
-              <a:buNone/>
-            </a:pPr>
-            <a:r>
-              <a:rPr lang="en-GB" sz="1400" dirty="0">
-                <a:latin typeface="DejaVu Sans Book" panose="020B0603030804020204" pitchFamily="34" charset="0"/>
-                <a:ea typeface="DejaVu Sans Book" panose="020B0603030804020204" pitchFamily="34" charset="0"/>
-                <a:cs typeface="DejaVu Sans Book" panose="020B0603030804020204" pitchFamily="34" charset="0"/>
-              </a:rPr>
-              <a:t>do </a:t>
-            </a:r>
-            <a:r>
-              <a:rPr lang="en-GB" sz="1400" dirty="0" err="1">
-                <a:latin typeface="DejaVu Sans Book" panose="020B0603030804020204" pitchFamily="34" charset="0"/>
-                <a:ea typeface="DejaVu Sans Book" panose="020B0603030804020204" pitchFamily="34" charset="0"/>
-                <a:cs typeface="DejaVu Sans Book" panose="020B0603030804020204" pitchFamily="34" charset="0"/>
-              </a:rPr>
-              <a:t>printfn</a:t>
-            </a:r>
-            <a:r>
-              <a:rPr lang="en-GB" sz="1400" dirty="0">
-                <a:latin typeface="DejaVu Sans Book" panose="020B0603030804020204" pitchFamily="34" charset="0"/>
-                <a:ea typeface="DejaVu Sans Book" panose="020B0603030804020204" pitchFamily="34" charset="0"/>
-                <a:cs typeface="DejaVu Sans Book" panose="020B0603030804020204" pitchFamily="34" charset="0"/>
-              </a:rPr>
-              <a:t> "%s %s" greeting name</a:t>
-            </a:r>
-          </a:p>
-        </p:txBody>
-      </p:sp>
-      <p:sp>
-        <p:nvSpPr>
-          <p:cNvPr id="22" name="TextBox 21">
-            <a:extLst>
-              <a:ext uri="{FF2B5EF4-FFF2-40B4-BE49-F238E27FC236}">
-                <a16:creationId xmlns:a16="http://schemas.microsoft.com/office/drawing/2014/main" id="{0EE629AA-59CF-8545-8E76-2CB626811C2A}"/>
-              </a:ext>
-            </a:extLst>
-          </p:cNvPr>
-          <p:cNvSpPr txBox="1"/>
-          <p:nvPr/>
-        </p:nvSpPr>
-        <p:spPr>
-          <a:xfrm>
-            <a:off x="3254206" y="3292430"/>
-            <a:ext cx="3345531" cy="461665"/>
-          </a:xfrm>
-          <a:prstGeom prst="rect">
-            <a:avLst/>
-          </a:prstGeom>
-          <a:noFill/>
-        </p:spPr>
-        <p:txBody>
-          <a:bodyPr wrap="none" rtlCol="0">
-            <a:spAutoFit/>
-          </a:bodyPr>
-          <a:lstStyle/>
-          <a:p>
-            <a:r>
-              <a:rPr lang="en-GB" sz="2400" dirty="0" err="1"/>
-              <a:t>Virkefelter</a:t>
-            </a:r>
-            <a:r>
-              <a:rPr lang="en-GB" sz="2400" dirty="0"/>
-              <a:t> via </a:t>
-            </a:r>
-            <a:r>
-              <a:rPr lang="en-GB" sz="2400" dirty="0" err="1"/>
-              <a:t>parenteser</a:t>
-            </a:r>
-            <a:endParaRPr lang="en-GB" sz="2400" dirty="0"/>
-          </a:p>
-        </p:txBody>
-      </p:sp>
-      <p:cxnSp>
-        <p:nvCxnSpPr>
-          <p:cNvPr id="24" name="Straight Connector 23">
-            <a:extLst>
-              <a:ext uri="{FF2B5EF4-FFF2-40B4-BE49-F238E27FC236}">
-                <a16:creationId xmlns:a16="http://schemas.microsoft.com/office/drawing/2014/main" id="{0A7FAD3F-4C29-6645-B95C-D79E31F1B5FD}"/>
-              </a:ext>
-            </a:extLst>
-          </p:cNvPr>
-          <p:cNvCxnSpPr>
-            <a:cxnSpLocks/>
-          </p:cNvCxnSpPr>
-          <p:nvPr/>
-        </p:nvCxnSpPr>
-        <p:spPr>
-          <a:xfrm>
-            <a:off x="3254205" y="3279149"/>
-            <a:ext cx="5925020" cy="0"/>
-          </a:xfrm>
-          <a:prstGeom prst="line">
-            <a:avLst/>
-          </a:prstGeom>
-        </p:spPr>
-        <p:style>
-          <a:lnRef idx="1">
-            <a:schemeClr val="accent1"/>
-          </a:lnRef>
-          <a:fillRef idx="0">
-            <a:schemeClr val="accent1"/>
-          </a:fillRef>
-          <a:effectRef idx="0">
-            <a:schemeClr val="accent1"/>
-          </a:effectRef>
-          <a:fontRef idx="minor">
-            <a:schemeClr val="tx1"/>
-          </a:fontRef>
-        </p:style>
-      </p:cxnSp>
-      <p:sp>
-        <p:nvSpPr>
-          <p:cNvPr id="11" name="Frame 10">
-            <a:extLst>
-              <a:ext uri="{FF2B5EF4-FFF2-40B4-BE49-F238E27FC236}">
-                <a16:creationId xmlns:a16="http://schemas.microsoft.com/office/drawing/2014/main" id="{1589F8F8-BFCD-0C4F-A8F5-A055BD6FA203}"/>
-              </a:ext>
-            </a:extLst>
-          </p:cNvPr>
-          <p:cNvSpPr/>
-          <p:nvPr/>
-        </p:nvSpPr>
-        <p:spPr>
-          <a:xfrm>
-            <a:off x="3470718" y="3872691"/>
-            <a:ext cx="3963019" cy="2849848"/>
-          </a:xfrm>
-          <a:prstGeom prst="frame">
-            <a:avLst>
-              <a:gd name="adj1" fmla="val 1746"/>
-            </a:avLst>
-          </a:prstGeom>
-        </p:spPr>
-        <p:style>
-          <a:lnRef idx="2">
-            <a:schemeClr val="accent1">
-              <a:shade val="50000"/>
-            </a:schemeClr>
-          </a:lnRef>
-          <a:fillRef idx="1">
-            <a:schemeClr val="accent1"/>
-          </a:fillRef>
-          <a:effectRef idx="0">
-            <a:schemeClr val="accent1"/>
-          </a:effectRef>
-          <a:fontRef idx="minor">
-            <a:schemeClr val="lt1"/>
-          </a:fontRef>
-        </p:style>
-        <p:txBody>
-          <a:bodyPr rot="0" spcFirstLastPara="0" vertOverflow="overflow" horzOverflow="overflow" vert="horz" wrap="square" lIns="91440" tIns="45720" rIns="91440" bIns="45720" numCol="1" spcCol="0" rtlCol="0" fromWordArt="0" anchor="ctr" anchorCtr="0" forceAA="0" compatLnSpc="1">
-            <a:prstTxWarp prst="textNoShape">
-              <a:avLst/>
-            </a:prstTxWarp>
-            <a:noAutofit/>
-          </a:bodyPr>
-          <a:lstStyle/>
-          <a:p>
-            <a:pPr algn="ctr"/>
-            <a:endParaRPr lang="en-GB" sz="2520">
-              <a:solidFill>
-                <a:schemeClr val="tx1"/>
-              </a:solidFill>
-            </a:endParaRPr>
-          </a:p>
-        </p:txBody>
-      </p:sp>
-      <p:sp>
-        <p:nvSpPr>
-          <p:cNvPr id="25" name="Frame 24">
-            <a:extLst>
-              <a:ext uri="{FF2B5EF4-FFF2-40B4-BE49-F238E27FC236}">
-                <a16:creationId xmlns:a16="http://schemas.microsoft.com/office/drawing/2014/main" id="{16DD260F-77CB-F443-A7F1-CB3D5A802CD3}"/>
-              </a:ext>
-            </a:extLst>
-          </p:cNvPr>
-          <p:cNvSpPr/>
-          <p:nvPr/>
-        </p:nvSpPr>
-        <p:spPr>
-          <a:xfrm>
-            <a:off x="3649138" y="5222229"/>
-            <a:ext cx="3276599" cy="771248"/>
-          </a:xfrm>
-          <a:prstGeom prst="frame">
-            <a:avLst>
-              <a:gd name="adj1" fmla="val 1746"/>
-            </a:avLst>
-          </a:prstGeom>
-        </p:spPr>
-        <p:style>
-          <a:lnRef idx="2">
-            <a:schemeClr val="accent1">
-              <a:shade val="50000"/>
-            </a:schemeClr>
-          </a:lnRef>
-          <a:fillRef idx="1">
-            <a:schemeClr val="accent1"/>
-          </a:fillRef>
-          <a:effectRef idx="0">
-            <a:schemeClr val="accent1"/>
-          </a:effectRef>
-          <a:fontRef idx="minor">
-            <a:schemeClr val="lt1"/>
-          </a:fontRef>
-        </p:style>
-        <p:txBody>
-          <a:bodyPr rot="0" spcFirstLastPara="0" vertOverflow="overflow" horzOverflow="overflow" vert="horz" wrap="square" lIns="91440" tIns="45720" rIns="91440" bIns="45720" numCol="1" spcCol="0" rtlCol="0" fromWordArt="0" anchor="ctr" anchorCtr="0" forceAA="0" compatLnSpc="1">
-            <a:prstTxWarp prst="textNoShape">
-              <a:avLst/>
-            </a:prstTxWarp>
-            <a:noAutofit/>
-          </a:bodyPr>
-          <a:lstStyle/>
-          <a:p>
-            <a:pPr algn="ctr"/>
-            <a:endParaRPr lang="en-GB" sz="2520">
-              <a:solidFill>
-                <a:schemeClr val="tx1"/>
-              </a:solidFill>
-            </a:endParaRPr>
-          </a:p>
-        </p:txBody>
-      </p:sp>
-      <p:sp>
-        <p:nvSpPr>
-          <p:cNvPr id="14" name="TextBox 13">
-            <a:extLst>
-              <a:ext uri="{FF2B5EF4-FFF2-40B4-BE49-F238E27FC236}">
-                <a16:creationId xmlns:a16="http://schemas.microsoft.com/office/drawing/2014/main" id="{4DAA077A-15B8-7A41-B80A-C87683361FE3}"/>
-              </a:ext>
-            </a:extLst>
-          </p:cNvPr>
-          <p:cNvSpPr txBox="1"/>
-          <p:nvPr/>
-        </p:nvSpPr>
-        <p:spPr>
-          <a:xfrm>
-            <a:off x="7433734" y="3776679"/>
-            <a:ext cx="348172" cy="480131"/>
-          </a:xfrm>
-          <a:prstGeom prst="rect">
-            <a:avLst/>
-          </a:prstGeom>
-          <a:noFill/>
-        </p:spPr>
-        <p:txBody>
-          <a:bodyPr wrap="none" rtlCol="0">
-            <a:spAutoFit/>
-          </a:bodyPr>
-          <a:lstStyle/>
-          <a:p>
-            <a:r>
-              <a:rPr lang="en-GB" sz="2520" dirty="0"/>
-              <a:t>0</a:t>
-            </a:r>
-          </a:p>
-        </p:txBody>
-      </p:sp>
-      <p:sp>
-        <p:nvSpPr>
-          <p:cNvPr id="15" name="TextBox 14">
-            <a:extLst>
-              <a:ext uri="{FF2B5EF4-FFF2-40B4-BE49-F238E27FC236}">
-                <a16:creationId xmlns:a16="http://schemas.microsoft.com/office/drawing/2014/main" id="{82463494-A9FF-2F41-B3E9-47CFC3C8FA2D}"/>
-              </a:ext>
-            </a:extLst>
-          </p:cNvPr>
-          <p:cNvSpPr txBox="1"/>
-          <p:nvPr/>
-        </p:nvSpPr>
-        <p:spPr>
-          <a:xfrm>
-            <a:off x="6894979" y="5106350"/>
-            <a:ext cx="348172" cy="480131"/>
-          </a:xfrm>
-          <a:prstGeom prst="rect">
-            <a:avLst/>
-          </a:prstGeom>
-          <a:noFill/>
-        </p:spPr>
-        <p:txBody>
-          <a:bodyPr wrap="none" rtlCol="0">
-            <a:spAutoFit/>
-          </a:bodyPr>
-          <a:lstStyle/>
-          <a:p>
-            <a:r>
-              <a:rPr lang="en-GB" sz="2520" dirty="0"/>
-              <a:t>1</a:t>
-            </a:r>
-          </a:p>
-        </p:txBody>
-      </p:sp>
-      <p:cxnSp>
-        <p:nvCxnSpPr>
-          <p:cNvPr id="26" name="Straight Connector 25">
-            <a:extLst>
-              <a:ext uri="{FF2B5EF4-FFF2-40B4-BE49-F238E27FC236}">
-                <a16:creationId xmlns:a16="http://schemas.microsoft.com/office/drawing/2014/main" id="{DE600673-58B3-F347-9773-ECF3658B51EA}"/>
-              </a:ext>
-            </a:extLst>
-          </p:cNvPr>
-          <p:cNvCxnSpPr/>
-          <p:nvPr/>
-        </p:nvCxnSpPr>
-        <p:spPr>
-          <a:xfrm flipV="1">
-            <a:off x="3470718" y="2054631"/>
-            <a:ext cx="2811551" cy="1071832"/>
-          </a:xfrm>
-          <a:prstGeom prst="line">
-            <a:avLst/>
-          </a:prstGeom>
-          <a:ln w="63500">
-            <a:solidFill>
-              <a:srgbClr val="C00000"/>
-            </a:solidFill>
-          </a:ln>
-        </p:spPr>
-        <p:style>
-          <a:lnRef idx="1">
-            <a:schemeClr val="accent1"/>
-          </a:lnRef>
-          <a:fillRef idx="0">
-            <a:schemeClr val="accent1"/>
-          </a:fillRef>
-          <a:effectRef idx="0">
-            <a:schemeClr val="accent1"/>
-          </a:effectRef>
-          <a:fontRef idx="minor">
-            <a:schemeClr val="tx1"/>
-          </a:fontRef>
-        </p:style>
-      </p:cxnSp>
-      <p:cxnSp>
-        <p:nvCxnSpPr>
-          <p:cNvPr id="30" name="Straight Connector 29">
-            <a:extLst>
-              <a:ext uri="{FF2B5EF4-FFF2-40B4-BE49-F238E27FC236}">
-                <a16:creationId xmlns:a16="http://schemas.microsoft.com/office/drawing/2014/main" id="{AE2A515B-5110-A44C-AB8C-007E3B6547EB}"/>
-              </a:ext>
-            </a:extLst>
-          </p:cNvPr>
-          <p:cNvCxnSpPr>
-            <a:cxnSpLocks/>
-          </p:cNvCxnSpPr>
-          <p:nvPr/>
-        </p:nvCxnSpPr>
-        <p:spPr>
-          <a:xfrm>
-            <a:off x="3470718" y="2054631"/>
-            <a:ext cx="2811551" cy="1071832"/>
-          </a:xfrm>
-          <a:prstGeom prst="line">
-            <a:avLst/>
-          </a:prstGeom>
-          <a:ln w="63500">
-            <a:solidFill>
-              <a:srgbClr val="C00000"/>
-            </a:solidFill>
-          </a:ln>
-        </p:spPr>
-        <p:style>
-          <a:lnRef idx="1">
-            <a:schemeClr val="accent1"/>
-          </a:lnRef>
-          <a:fillRef idx="0">
-            <a:schemeClr val="accent1"/>
-          </a:fillRef>
-          <a:effectRef idx="0">
-            <a:schemeClr val="accent1"/>
-          </a:effectRef>
-          <a:fontRef idx="minor">
-            <a:schemeClr val="tx1"/>
-          </a:fontRef>
-        </p:style>
-      </p:cxnSp>
-    </p:spTree>
-    <p:extLst>
-      <p:ext uri="{BB962C8B-B14F-4D97-AF65-F5344CB8AC3E}">
-        <p14:creationId xmlns:p14="http://schemas.microsoft.com/office/powerpoint/2010/main" val="1490876304"/>
-      </p:ext>
-    </p:extLst>
-  </p:cSld>
-  <p:clrMapOvr>
-    <a:masterClrMapping/>
-  </p:clrMapOvr>
-  <p:timing>
-    <p:tnLst>
-      <p:par>
-        <p:cTn id="1" dur="indefinite" restart="never" nodeType="tmRoot">
-          <p:childTnLst>
-            <p:seq concurrent="1" nextAc="seek">
-              <p:cTn id="2" dur="indefinite" nodeType="mainSeq">
-                <p:childTnLst>
-                  <p:par>
-                    <p:cTn id="3" fill="hold">
-                      <p:stCondLst>
-                        <p:cond delay="indefinite"/>
-                      </p:stCondLst>
-                      <p:childTnLst>
-                        <p:par>
-                          <p:cTn id="4" fill="hold">
-                            <p:stCondLst>
-                              <p:cond delay="0"/>
-                            </p:stCondLst>
-                            <p:childTnLst>
-                              <p:par>
-                                <p:cTn id="5" presetID="1" presetClass="entr" presetSubtype="0" fill="hold" nodeType="clickEffect">
-                                  <p:stCondLst>
-                                    <p:cond delay="0"/>
-                                  </p:stCondLst>
-                                  <p:childTnLst>
-                                    <p:set>
-                                      <p:cBhvr>
-                                        <p:cTn id="6" dur="1" fill="hold">
-                                          <p:stCondLst>
-                                            <p:cond delay="0"/>
-                                          </p:stCondLst>
-                                        </p:cTn>
-                                        <p:tgtEl>
-                                          <p:spTgt spid="30"/>
-                                        </p:tgtEl>
-                                        <p:attrNameLst>
-                                          <p:attrName>style.visibility</p:attrName>
-                                        </p:attrNameLst>
-                                      </p:cBhvr>
-                                      <p:to>
-                                        <p:strVal val="visible"/>
-                                      </p:to>
-                                    </p:set>
-                                  </p:childTnLst>
-                                </p:cTn>
-                              </p:par>
-                              <p:par>
-                                <p:cTn id="7" presetID="1" presetClass="entr" presetSubtype="0" fill="hold" nodeType="withEffect">
-                                  <p:stCondLst>
-                                    <p:cond delay="0"/>
-                                  </p:stCondLst>
-                                  <p:childTnLst>
-                                    <p:set>
-                                      <p:cBhvr>
-                                        <p:cTn id="8" dur="1" fill="hold">
-                                          <p:stCondLst>
-                                            <p:cond delay="0"/>
-                                          </p:stCondLst>
-                                        </p:cTn>
-                                        <p:tgtEl>
-                                          <p:spTgt spid="26"/>
-                                        </p:tgtEl>
-                                        <p:attrNameLst>
-                                          <p:attrName>style.visibility</p:attrName>
-                                        </p:attrNameLst>
-                                      </p:cBhvr>
-                                      <p:to>
-                                        <p:strVal val="visible"/>
-                                      </p:to>
-                                    </p:set>
-                                  </p:childTnLst>
-                                </p:cTn>
-                              </p:par>
-                            </p:childTnLst>
-                          </p:cTn>
-                        </p:par>
-                      </p:childTnLst>
-                    </p:cTn>
-                  </p:par>
-                  <p:par>
-                    <p:cTn id="9" fill="hold">
-                      <p:stCondLst>
-                        <p:cond delay="indefinite"/>
-                      </p:stCondLst>
-                      <p:childTnLst>
-                        <p:par>
-                          <p:cTn id="10" fill="hold">
-                            <p:stCondLst>
-                              <p:cond delay="0"/>
-                            </p:stCondLst>
-                            <p:childTnLst>
-                              <p:par>
-                                <p:cTn id="11" presetID="1" presetClass="entr" presetSubtype="0" fill="hold" nodeType="clickEffect">
-                                  <p:stCondLst>
-                                    <p:cond delay="0"/>
-                                  </p:stCondLst>
-                                  <p:childTnLst>
-                                    <p:set>
-                                      <p:cBhvr>
-                                        <p:cTn id="12" dur="1" fill="hold">
-                                          <p:stCondLst>
-                                            <p:cond delay="0"/>
-                                          </p:stCondLst>
-                                        </p:cTn>
-                                        <p:tgtEl>
-                                          <p:spTgt spid="24"/>
-                                        </p:tgtEl>
-                                        <p:attrNameLst>
-                                          <p:attrName>style.visibility</p:attrName>
-                                        </p:attrNameLst>
-                                      </p:cBhvr>
-                                      <p:to>
-                                        <p:strVal val="visible"/>
-                                      </p:to>
-                                    </p:set>
-                                  </p:childTnLst>
-                                </p:cTn>
-                              </p:par>
-                              <p:par>
-                                <p:cTn id="13" presetID="1" presetClass="entr" presetSubtype="0" fill="hold" grpId="0" nodeType="withEffect">
-                                  <p:stCondLst>
-                                    <p:cond delay="0"/>
-                                  </p:stCondLst>
-                                  <p:childTnLst>
-                                    <p:set>
-                                      <p:cBhvr>
-                                        <p:cTn id="14" dur="1" fill="hold">
-                                          <p:stCondLst>
-                                            <p:cond delay="0"/>
-                                          </p:stCondLst>
-                                        </p:cTn>
-                                        <p:tgtEl>
-                                          <p:spTgt spid="22"/>
-                                        </p:tgtEl>
-                                        <p:attrNameLst>
-                                          <p:attrName>style.visibility</p:attrName>
-                                        </p:attrNameLst>
-                                      </p:cBhvr>
-                                      <p:to>
-                                        <p:strVal val="visible"/>
-                                      </p:to>
-                                    </p:set>
-                                  </p:childTnLst>
-                                </p:cTn>
-                              </p:par>
-                              <p:par>
-                                <p:cTn id="15" presetID="1" presetClass="entr" presetSubtype="0" fill="hold" grpId="0" nodeType="withEffect">
-                                  <p:stCondLst>
-                                    <p:cond delay="0"/>
-                                  </p:stCondLst>
-                                  <p:childTnLst>
-                                    <p:set>
-                                      <p:cBhvr>
-                                        <p:cTn id="16" dur="1" fill="hold">
-                                          <p:stCondLst>
-                                            <p:cond delay="0"/>
-                                          </p:stCondLst>
-                                        </p:cTn>
-                                        <p:tgtEl>
-                                          <p:spTgt spid="21"/>
-                                        </p:tgtEl>
-                                        <p:attrNameLst>
-                                          <p:attrName>style.visibility</p:attrName>
-                                        </p:attrNameLst>
-                                      </p:cBhvr>
-                                      <p:to>
-                                        <p:strVal val="visible"/>
-                                      </p:to>
-                                    </p:set>
-                                  </p:childTnLst>
-                                </p:cTn>
-                              </p:par>
-                            </p:childTnLst>
-                          </p:cTn>
-                        </p:par>
-                      </p:childTnLst>
-                    </p:cTn>
-                  </p:par>
-                  <p:par>
-                    <p:cTn id="17" fill="hold">
-                      <p:stCondLst>
-                        <p:cond delay="indefinite"/>
-                      </p:stCondLst>
-                      <p:childTnLst>
-                        <p:par>
-                          <p:cTn id="18" fill="hold">
-                            <p:stCondLst>
-                              <p:cond delay="0"/>
-                            </p:stCondLst>
-                            <p:childTnLst>
-                              <p:par>
-                                <p:cTn id="19" presetID="1" presetClass="entr" presetSubtype="0" fill="hold" grpId="0" nodeType="clickEffect">
-                                  <p:stCondLst>
-                                    <p:cond delay="0"/>
-                                  </p:stCondLst>
-                                  <p:childTnLst>
-                                    <p:set>
-                                      <p:cBhvr>
-                                        <p:cTn id="20" dur="1" fill="hold">
-                                          <p:stCondLst>
-                                            <p:cond delay="0"/>
-                                          </p:stCondLst>
-                                        </p:cTn>
-                                        <p:tgtEl>
-                                          <p:spTgt spid="11"/>
-                                        </p:tgtEl>
-                                        <p:attrNameLst>
-                                          <p:attrName>style.visibility</p:attrName>
-                                        </p:attrNameLst>
-                                      </p:cBhvr>
-                                      <p:to>
-                                        <p:strVal val="visible"/>
-                                      </p:to>
-                                    </p:set>
-                                  </p:childTnLst>
-                                </p:cTn>
-                              </p:par>
-                              <p:par>
-                                <p:cTn id="21" presetID="1" presetClass="entr" presetSubtype="0" fill="hold" grpId="0" nodeType="withEffect">
-                                  <p:stCondLst>
-                                    <p:cond delay="0"/>
-                                  </p:stCondLst>
-                                  <p:childTnLst>
-                                    <p:set>
-                                      <p:cBhvr>
-                                        <p:cTn id="22" dur="1" fill="hold">
-                                          <p:stCondLst>
-                                            <p:cond delay="0"/>
-                                          </p:stCondLst>
-                                        </p:cTn>
-                                        <p:tgtEl>
-                                          <p:spTgt spid="14"/>
-                                        </p:tgtEl>
-                                        <p:attrNameLst>
-                                          <p:attrName>style.visibility</p:attrName>
-                                        </p:attrNameLst>
-                                      </p:cBhvr>
-                                      <p:to>
-                                        <p:strVal val="visible"/>
-                                      </p:to>
-                                    </p:set>
-                                  </p:childTnLst>
-                                </p:cTn>
-                              </p:par>
-                              <p:par>
-                                <p:cTn id="23" presetID="1" presetClass="entr" presetSubtype="0" fill="hold" grpId="0" nodeType="withEffect">
-                                  <p:stCondLst>
-                                    <p:cond delay="0"/>
-                                  </p:stCondLst>
-                                  <p:childTnLst>
-                                    <p:set>
-                                      <p:cBhvr>
-                                        <p:cTn id="24" dur="1" fill="hold">
-                                          <p:stCondLst>
-                                            <p:cond delay="0"/>
-                                          </p:stCondLst>
-                                        </p:cTn>
-                                        <p:tgtEl>
-                                          <p:spTgt spid="25"/>
-                                        </p:tgtEl>
-                                        <p:attrNameLst>
-                                          <p:attrName>style.visibility</p:attrName>
-                                        </p:attrNameLst>
-                                      </p:cBhvr>
-                                      <p:to>
-                                        <p:strVal val="visible"/>
-                                      </p:to>
-                                    </p:set>
-                                  </p:childTnLst>
-                                </p:cTn>
-                              </p:par>
-                              <p:par>
-                                <p:cTn id="25" presetID="1" presetClass="entr" presetSubtype="0" fill="hold" grpId="0" nodeType="withEffect">
-                                  <p:stCondLst>
-                                    <p:cond delay="0"/>
-                                  </p:stCondLst>
-                                  <p:childTnLst>
-                                    <p:set>
-                                      <p:cBhvr>
-                                        <p:cTn id="26" dur="1" fill="hold">
-                                          <p:stCondLst>
-                                            <p:cond delay="0"/>
-                                          </p:stCondLst>
-                                        </p:cTn>
-                                        <p:tgtEl>
-                                          <p:spTgt spid="15"/>
-                                        </p:tgtEl>
-                                        <p:attrNameLst>
-                                          <p:attrName>style.visibility</p:attrName>
-                                        </p:attrNameLst>
-                                      </p:cBhvr>
-                                      <p:to>
-                                        <p:strVal val="visible"/>
-                                      </p:to>
-                                    </p:set>
-                                  </p:childTnLst>
-                                </p:cTn>
-                              </p:par>
-                            </p:childTnLst>
-                          </p:cTn>
-                        </p:par>
-                      </p:childTnLst>
-                    </p:cTn>
-                  </p:par>
-                </p:childTnLst>
-              </p:cTn>
-              <p:prevCondLst>
-                <p:cond evt="onPrev" delay="0">
-                  <p:tgtEl>
-                    <p:sldTgt/>
-                  </p:tgtEl>
-                </p:cond>
-              </p:prevCondLst>
-              <p:nextCondLst>
-                <p:cond evt="onNext" delay="0">
-                  <p:tgtEl>
-                    <p:sldTgt/>
-                  </p:tgtEl>
-                </p:cond>
-              </p:nextCondLst>
-            </p:seq>
-          </p:childTnLst>
-        </p:cTn>
-      </p:par>
-    </p:tnLst>
-    <p:bldLst>
-      <p:bldP spid="21" grpId="0"/>
-      <p:bldP spid="22" grpId="0"/>
-      <p:bldP spid="11" grpId="0" animBg="1"/>
-      <p:bldP spid="25" grpId="0" animBg="1"/>
-      <p:bldP spid="14" grpId="0"/>
-      <p:bldP spid="15" grpId="0"/>
-    </p:bldLst>
-  </p:timing>
 </p:sld>
 </file>
 

--- a/lectures/3.1PrecedenceNKeywords/lecture.pptx
+++ b/lectures/3.1PrecedenceNKeywords/lecture.pptx
@@ -5,7 +5,7 @@
     <p:sldMasterId id="2147483648" r:id="rId1"/>
   </p:sldMasterIdLst>
   <p:notesMasterIdLst>
-    <p:notesMasterId r:id="rId12"/>
+    <p:notesMasterId r:id="rId7"/>
   </p:notesMasterIdLst>
   <p:sldIdLst>
     <p:sldId id="256" r:id="rId2"/>
@@ -13,11 +13,6 @@
     <p:sldId id="297" r:id="rId4"/>
     <p:sldId id="294" r:id="rId5"/>
     <p:sldId id="299" r:id="rId6"/>
-    <p:sldId id="291" r:id="rId7"/>
-    <p:sldId id="289" r:id="rId8"/>
-    <p:sldId id="292" r:id="rId9"/>
-    <p:sldId id="293" r:id="rId10"/>
-    <p:sldId id="296" r:id="rId11"/>
   </p:sldIdLst>
   <p:sldSz cx="12192000" cy="6858000"/>
   <p:notesSz cx="6858000" cy="9144000"/>
@@ -638,95 +633,6 @@
     <p:extLst>
       <p:ext uri="{BB962C8B-B14F-4D97-AF65-F5344CB8AC3E}">
         <p14:creationId xmlns:p14="http://schemas.microsoft.com/office/powerpoint/2010/main" val="3528125606"/>
-      </p:ext>
-    </p:extLst>
-  </p:cSld>
-  <p:clrMapOvr>
-    <a:masterClrMapping/>
-  </p:clrMapOvr>
-</p:notes>
-</file>
-
-<file path=ppt/notesSlides/notesSlide3.xml><?xml version="1.0" encoding="utf-8"?>
-<p:notes xmlns:a="http://schemas.openxmlformats.org/drawingml/2006/main" xmlns:r="http://schemas.openxmlformats.org/officeDocument/2006/relationships" xmlns:p="http://schemas.openxmlformats.org/presentationml/2006/main">
-  <p:cSld>
-    <p:spTree>
-      <p:nvGrpSpPr>
-        <p:cNvPr id="1" name=""/>
-        <p:cNvGrpSpPr/>
-        <p:nvPr/>
-      </p:nvGrpSpPr>
-      <p:grpSpPr>
-        <a:xfrm>
-          <a:off x="0" y="0"/>
-          <a:ext cx="0" cy="0"/>
-          <a:chOff x="0" y="0"/>
-          <a:chExt cx="0" cy="0"/>
-        </a:xfrm>
-      </p:grpSpPr>
-      <p:sp>
-        <p:nvSpPr>
-          <p:cNvPr id="2" name="Slide Image Placeholder 1"/>
-          <p:cNvSpPr>
-            <a:spLocks noGrp="1" noRot="1" noChangeAspect="1"/>
-          </p:cNvSpPr>
-          <p:nvPr>
-            <p:ph type="sldImg"/>
-          </p:nvPr>
-        </p:nvSpPr>
-        <p:spPr>
-          <a:xfrm>
-            <a:off x="685800" y="1143000"/>
-            <a:ext cx="5486400" cy="3086100"/>
-          </a:xfrm>
-        </p:spPr>
-      </p:sp>
-      <p:sp>
-        <p:nvSpPr>
-          <p:cNvPr id="3" name="Notes Placeholder 2"/>
-          <p:cNvSpPr>
-            <a:spLocks noGrp="1"/>
-          </p:cNvSpPr>
-          <p:nvPr>
-            <p:ph type="body" idx="1"/>
-          </p:nvPr>
-        </p:nvSpPr>
-        <p:spPr/>
-        <p:txBody>
-          <a:bodyPr/>
-          <a:lstStyle/>
-          <a:p>
-            <a:endParaRPr lang="en-GB" dirty="0"/>
-          </a:p>
-        </p:txBody>
-      </p:sp>
-      <p:sp>
-        <p:nvSpPr>
-          <p:cNvPr id="4" name="Slide Number Placeholder 3"/>
-          <p:cNvSpPr>
-            <a:spLocks noGrp="1"/>
-          </p:cNvSpPr>
-          <p:nvPr>
-            <p:ph type="sldNum" sz="quarter" idx="5"/>
-          </p:nvPr>
-        </p:nvSpPr>
-        <p:spPr/>
-        <p:txBody>
-          <a:bodyPr/>
-          <a:lstStyle/>
-          <a:p>
-            <a:fld id="{186431B5-AB57-3E4A-80D5-B6800CF8539B}" type="slidenum">
-              <a:rPr lang="en-GB" smtClean="0"/>
-              <a:t>6</a:t>
-            </a:fld>
-            <a:endParaRPr lang="en-GB"/>
-          </a:p>
-        </p:txBody>
-      </p:sp>
-    </p:spTree>
-    <p:extLst>
-      <p:ext uri="{BB962C8B-B14F-4D97-AF65-F5344CB8AC3E}">
-        <p14:creationId xmlns:p14="http://schemas.microsoft.com/office/powerpoint/2010/main" val="3882565584"/>
       </p:ext>
     </p:extLst>
   </p:cSld>
@@ -4045,1463 +3951,6 @@
 </p:sld>
 </file>
 
-<file path=ppt/slides/slide10.xml><?xml version="1.0" encoding="utf-8"?>
-<p:sld xmlns:a="http://schemas.openxmlformats.org/drawingml/2006/main" xmlns:r="http://schemas.openxmlformats.org/officeDocument/2006/relationships" xmlns:p="http://schemas.openxmlformats.org/presentationml/2006/main">
-  <p:cSld>
-    <p:spTree>
-      <p:nvGrpSpPr>
-        <p:cNvPr id="1" name=""/>
-        <p:cNvGrpSpPr/>
-        <p:nvPr/>
-      </p:nvGrpSpPr>
-      <p:grpSpPr>
-        <a:xfrm>
-          <a:off x="0" y="0"/>
-          <a:ext cx="0" cy="0"/>
-          <a:chOff x="0" y="0"/>
-          <a:chExt cx="0" cy="0"/>
-        </a:xfrm>
-      </p:grpSpPr>
-      <p:sp>
-        <p:nvSpPr>
-          <p:cNvPr id="2" name="Title 1">
-            <a:extLst>
-              <a:ext uri="{FF2B5EF4-FFF2-40B4-BE49-F238E27FC236}">
-                <a16:creationId xmlns:a16="http://schemas.microsoft.com/office/drawing/2014/main" id="{29104A8A-8E32-9242-8B8A-6A5E8DB2A3BD}"/>
-              </a:ext>
-            </a:extLst>
-          </p:cNvPr>
-          <p:cNvSpPr>
-            <a:spLocks noGrp="1"/>
-          </p:cNvSpPr>
-          <p:nvPr>
-            <p:ph type="title"/>
-          </p:nvPr>
-        </p:nvSpPr>
-        <p:spPr/>
-        <p:txBody>
-          <a:bodyPr/>
-          <a:lstStyle/>
-          <a:p>
-            <a:r>
-              <a:rPr lang="en-GB" dirty="0" err="1"/>
-              <a:t>Virkefelter</a:t>
-            </a:r>
-            <a:r>
-              <a:rPr lang="en-GB" dirty="0"/>
-              <a:t> (scope)</a:t>
-            </a:r>
-          </a:p>
-        </p:txBody>
-      </p:sp>
-      <p:sp>
-        <p:nvSpPr>
-          <p:cNvPr id="36" name="Content Placeholder 2">
-            <a:extLst>
-              <a:ext uri="{FF2B5EF4-FFF2-40B4-BE49-F238E27FC236}">
-                <a16:creationId xmlns:a16="http://schemas.microsoft.com/office/drawing/2014/main" id="{C6D5DB84-E919-EF48-AFF4-8D5A0EFD8999}"/>
-              </a:ext>
-            </a:extLst>
-          </p:cNvPr>
-          <p:cNvSpPr txBox="1">
-            <a:spLocks/>
-          </p:cNvSpPr>
-          <p:nvPr/>
-        </p:nvSpPr>
-        <p:spPr>
-          <a:xfrm>
-            <a:off x="3504584" y="2054631"/>
-            <a:ext cx="3929154" cy="1071832"/>
-          </a:xfrm>
-          <a:prstGeom prst="rect">
-            <a:avLst/>
-          </a:prstGeom>
-        </p:spPr>
-        <p:txBody>
-          <a:bodyPr vert="horz" lIns="91440" tIns="45720" rIns="91440" bIns="45720" rtlCol="0">
-            <a:normAutofit/>
-          </a:bodyPr>
-          <a:lstStyle>
-            <a:lvl1pPr marL="228600" indent="-228600" algn="l" defTabSz="914400" rtl="0" eaLnBrk="1" latinLnBrk="0" hangingPunct="1">
-              <a:lnSpc>
-                <a:spcPct val="90000"/>
-              </a:lnSpc>
-              <a:spcBef>
-                <a:spcPts val="1000"/>
-              </a:spcBef>
-              <a:buFont typeface="Arial" panose="020B0604020202020204" pitchFamily="34" charset="0"/>
-              <a:buChar char="•"/>
-              <a:defRPr sz="2800" kern="1200">
-                <a:solidFill>
-                  <a:schemeClr val="tx1"/>
-                </a:solidFill>
-                <a:latin typeface="+mn-lt"/>
-                <a:ea typeface="+mn-ea"/>
-                <a:cs typeface="+mn-cs"/>
-              </a:defRPr>
-            </a:lvl1pPr>
-            <a:lvl2pPr marL="685800" indent="-228600" algn="l" defTabSz="914400" rtl="0" eaLnBrk="1" latinLnBrk="0" hangingPunct="1">
-              <a:lnSpc>
-                <a:spcPct val="90000"/>
-              </a:lnSpc>
-              <a:spcBef>
-                <a:spcPts val="500"/>
-              </a:spcBef>
-              <a:buFont typeface="Arial" panose="020B0604020202020204" pitchFamily="34" charset="0"/>
-              <a:buChar char="•"/>
-              <a:defRPr sz="2400" kern="1200">
-                <a:solidFill>
-                  <a:schemeClr val="tx1"/>
-                </a:solidFill>
-                <a:latin typeface="+mn-lt"/>
-                <a:ea typeface="+mn-ea"/>
-                <a:cs typeface="+mn-cs"/>
-              </a:defRPr>
-            </a:lvl2pPr>
-            <a:lvl3pPr marL="1143000" indent="-228600" algn="l" defTabSz="914400" rtl="0" eaLnBrk="1" latinLnBrk="0" hangingPunct="1">
-              <a:lnSpc>
-                <a:spcPct val="90000"/>
-              </a:lnSpc>
-              <a:spcBef>
-                <a:spcPts val="500"/>
-              </a:spcBef>
-              <a:buFont typeface="Arial" panose="020B0604020202020204" pitchFamily="34" charset="0"/>
-              <a:buChar char="•"/>
-              <a:defRPr sz="2000" kern="1200">
-                <a:solidFill>
-                  <a:schemeClr val="tx1"/>
-                </a:solidFill>
-                <a:latin typeface="+mn-lt"/>
-                <a:ea typeface="+mn-ea"/>
-                <a:cs typeface="+mn-cs"/>
-              </a:defRPr>
-            </a:lvl3pPr>
-            <a:lvl4pPr marL="1600200" indent="-228600" algn="l" defTabSz="914400" rtl="0" eaLnBrk="1" latinLnBrk="0" hangingPunct="1">
-              <a:lnSpc>
-                <a:spcPct val="90000"/>
-              </a:lnSpc>
-              <a:spcBef>
-                <a:spcPts val="500"/>
-              </a:spcBef>
-              <a:buFont typeface="Arial" panose="020B0604020202020204" pitchFamily="34" charset="0"/>
-              <a:buChar char="•"/>
-              <a:defRPr sz="1800" kern="1200">
-                <a:solidFill>
-                  <a:schemeClr val="tx1"/>
-                </a:solidFill>
-                <a:latin typeface="+mn-lt"/>
-                <a:ea typeface="+mn-ea"/>
-                <a:cs typeface="+mn-cs"/>
-              </a:defRPr>
-            </a:lvl4pPr>
-            <a:lvl5pPr marL="2057400" indent="-228600" algn="l" defTabSz="914400" rtl="0" eaLnBrk="1" latinLnBrk="0" hangingPunct="1">
-              <a:lnSpc>
-                <a:spcPct val="90000"/>
-              </a:lnSpc>
-              <a:spcBef>
-                <a:spcPts val="500"/>
-              </a:spcBef>
-              <a:buFont typeface="Arial" panose="020B0604020202020204" pitchFamily="34" charset="0"/>
-              <a:buChar char="•"/>
-              <a:defRPr sz="1800" kern="1200">
-                <a:solidFill>
-                  <a:schemeClr val="tx1"/>
-                </a:solidFill>
-                <a:latin typeface="+mn-lt"/>
-                <a:ea typeface="+mn-ea"/>
-                <a:cs typeface="+mn-cs"/>
-              </a:defRPr>
-            </a:lvl5pPr>
-            <a:lvl6pPr marL="2514600" indent="-228600" algn="l" defTabSz="914400" rtl="0" eaLnBrk="1" latinLnBrk="0" hangingPunct="1">
-              <a:lnSpc>
-                <a:spcPct val="90000"/>
-              </a:lnSpc>
-              <a:spcBef>
-                <a:spcPts val="500"/>
-              </a:spcBef>
-              <a:buFont typeface="Arial" panose="020B0604020202020204" pitchFamily="34" charset="0"/>
-              <a:buChar char="•"/>
-              <a:defRPr sz="1800" kern="1200">
-                <a:solidFill>
-                  <a:schemeClr val="tx1"/>
-                </a:solidFill>
-                <a:latin typeface="+mn-lt"/>
-                <a:ea typeface="+mn-ea"/>
-                <a:cs typeface="+mn-cs"/>
-              </a:defRPr>
-            </a:lvl6pPr>
-            <a:lvl7pPr marL="2971800" indent="-228600" algn="l" defTabSz="914400" rtl="0" eaLnBrk="1" latinLnBrk="0" hangingPunct="1">
-              <a:lnSpc>
-                <a:spcPct val="90000"/>
-              </a:lnSpc>
-              <a:spcBef>
-                <a:spcPts val="500"/>
-              </a:spcBef>
-              <a:buFont typeface="Arial" panose="020B0604020202020204" pitchFamily="34" charset="0"/>
-              <a:buChar char="•"/>
-              <a:defRPr sz="1800" kern="1200">
-                <a:solidFill>
-                  <a:schemeClr val="tx1"/>
-                </a:solidFill>
-                <a:latin typeface="+mn-lt"/>
-                <a:ea typeface="+mn-ea"/>
-                <a:cs typeface="+mn-cs"/>
-              </a:defRPr>
-            </a:lvl7pPr>
-            <a:lvl8pPr marL="3429000" indent="-228600" algn="l" defTabSz="914400" rtl="0" eaLnBrk="1" latinLnBrk="0" hangingPunct="1">
-              <a:lnSpc>
-                <a:spcPct val="90000"/>
-              </a:lnSpc>
-              <a:spcBef>
-                <a:spcPts val="500"/>
-              </a:spcBef>
-              <a:buFont typeface="Arial" panose="020B0604020202020204" pitchFamily="34" charset="0"/>
-              <a:buChar char="•"/>
-              <a:defRPr sz="1800" kern="1200">
-                <a:solidFill>
-                  <a:schemeClr val="tx1"/>
-                </a:solidFill>
-                <a:latin typeface="+mn-lt"/>
-                <a:ea typeface="+mn-ea"/>
-                <a:cs typeface="+mn-cs"/>
-              </a:defRPr>
-            </a:lvl8pPr>
-            <a:lvl9pPr marL="3886200" indent="-228600" algn="l" defTabSz="914400" rtl="0" eaLnBrk="1" latinLnBrk="0" hangingPunct="1">
-              <a:lnSpc>
-                <a:spcPct val="90000"/>
-              </a:lnSpc>
-              <a:spcBef>
-                <a:spcPts val="500"/>
-              </a:spcBef>
-              <a:buFont typeface="Arial" panose="020B0604020202020204" pitchFamily="34" charset="0"/>
-              <a:buChar char="•"/>
-              <a:defRPr sz="1800" kern="1200">
-                <a:solidFill>
-                  <a:schemeClr val="tx1"/>
-                </a:solidFill>
-                <a:latin typeface="+mn-lt"/>
-                <a:ea typeface="+mn-ea"/>
-                <a:cs typeface="+mn-cs"/>
-              </a:defRPr>
-            </a:lvl9pPr>
-          </a:lstStyle>
-          <a:p>
-            <a:pPr marL="0" indent="0">
-              <a:lnSpc>
-                <a:spcPct val="100000"/>
-              </a:lnSpc>
-              <a:buNone/>
-            </a:pPr>
-            <a:r>
-              <a:rPr lang="en-GB" sz="1400" dirty="0">
-                <a:latin typeface="DejaVu Sans Book" panose="020B0603030804020204" pitchFamily="34" charset="0"/>
-                <a:ea typeface="DejaVu Sans Book" panose="020B0603030804020204" pitchFamily="34" charset="0"/>
-                <a:cs typeface="DejaVu Sans Book" panose="020B0603030804020204" pitchFamily="34" charset="0"/>
-              </a:rPr>
-              <a:t>let name = "World" </a:t>
-            </a:r>
-          </a:p>
-          <a:p>
-            <a:pPr marL="0" indent="0">
-              <a:lnSpc>
-                <a:spcPct val="100000"/>
-              </a:lnSpc>
-              <a:buNone/>
-            </a:pPr>
-            <a:r>
-              <a:rPr lang="en-GB" sz="1400" dirty="0">
-                <a:latin typeface="DejaVu Sans Book" panose="020B0603030804020204" pitchFamily="34" charset="0"/>
-                <a:ea typeface="DejaVu Sans Book" panose="020B0603030804020204" pitchFamily="34" charset="0"/>
-                <a:cs typeface="DejaVu Sans Book" panose="020B0603030804020204" pitchFamily="34" charset="0"/>
-              </a:rPr>
-              <a:t>let name = "Jon"</a:t>
-            </a:r>
-          </a:p>
-          <a:p>
-            <a:pPr marL="0" indent="0">
-              <a:lnSpc>
-                <a:spcPct val="100000"/>
-              </a:lnSpc>
-              <a:buNone/>
-            </a:pPr>
-            <a:r>
-              <a:rPr lang="en-GB" sz="1400" dirty="0">
-                <a:latin typeface="DejaVu Sans Book" panose="020B0603030804020204" pitchFamily="34" charset="0"/>
-                <a:ea typeface="DejaVu Sans Book" panose="020B0603030804020204" pitchFamily="34" charset="0"/>
-                <a:cs typeface="DejaVu Sans Book" panose="020B0603030804020204" pitchFamily="34" charset="0"/>
-              </a:rPr>
-              <a:t>do </a:t>
-            </a:r>
-            <a:r>
-              <a:rPr lang="en-GB" sz="1400" dirty="0" err="1">
-                <a:latin typeface="DejaVu Sans Book" panose="020B0603030804020204" pitchFamily="34" charset="0"/>
-                <a:ea typeface="DejaVu Sans Book" panose="020B0603030804020204" pitchFamily="34" charset="0"/>
-                <a:cs typeface="DejaVu Sans Book" panose="020B0603030804020204" pitchFamily="34" charset="0"/>
-              </a:rPr>
-              <a:t>printfn</a:t>
-            </a:r>
-            <a:r>
-              <a:rPr lang="en-GB" sz="1400" dirty="0">
-                <a:latin typeface="DejaVu Sans Book" panose="020B0603030804020204" pitchFamily="34" charset="0"/>
-                <a:ea typeface="DejaVu Sans Book" panose="020B0603030804020204" pitchFamily="34" charset="0"/>
-                <a:cs typeface="DejaVu Sans Book" panose="020B0603030804020204" pitchFamily="34" charset="0"/>
-              </a:rPr>
-              <a:t> "Hello %s" name</a:t>
-            </a:r>
-          </a:p>
-        </p:txBody>
-      </p:sp>
-      <p:sp>
-        <p:nvSpPr>
-          <p:cNvPr id="37" name="TextBox 36">
-            <a:extLst>
-              <a:ext uri="{FF2B5EF4-FFF2-40B4-BE49-F238E27FC236}">
-                <a16:creationId xmlns:a16="http://schemas.microsoft.com/office/drawing/2014/main" id="{417BC465-2A38-FD47-B905-DEC10D569BD8}"/>
-              </a:ext>
-            </a:extLst>
-          </p:cNvPr>
-          <p:cNvSpPr txBox="1"/>
-          <p:nvPr/>
-        </p:nvSpPr>
-        <p:spPr>
-          <a:xfrm>
-            <a:off x="3254204" y="1466384"/>
-            <a:ext cx="5925020" cy="461665"/>
-          </a:xfrm>
-          <a:prstGeom prst="rect">
-            <a:avLst/>
-          </a:prstGeom>
-          <a:noFill/>
-        </p:spPr>
-        <p:txBody>
-          <a:bodyPr wrap="none" rtlCol="0">
-            <a:spAutoFit/>
-          </a:bodyPr>
-          <a:lstStyle/>
-          <a:p>
-            <a:r>
-              <a:rPr lang="en-GB" sz="2400" dirty="0" err="1"/>
-              <a:t>Navne</a:t>
-            </a:r>
-            <a:r>
-              <a:rPr lang="en-GB" sz="2400" dirty="0"/>
-              <a:t> (</a:t>
-            </a:r>
-            <a:r>
-              <a:rPr lang="en-GB" sz="2400" dirty="0" err="1"/>
-              <a:t>i</a:t>
-            </a:r>
-            <a:r>
-              <a:rPr lang="en-GB" sz="2400" dirty="0"/>
-              <a:t> </a:t>
-            </a:r>
-            <a:r>
-              <a:rPr lang="en-GB" sz="2400" dirty="0" err="1"/>
-              <a:t>yderste</a:t>
-            </a:r>
-            <a:r>
-              <a:rPr lang="en-GB" sz="2400" dirty="0"/>
-              <a:t> </a:t>
-            </a:r>
-            <a:r>
-              <a:rPr lang="en-GB" sz="2400" dirty="0" err="1"/>
-              <a:t>virkefelt</a:t>
-            </a:r>
-            <a:r>
-              <a:rPr lang="en-GB" sz="2400" dirty="0"/>
-              <a:t>) </a:t>
-            </a:r>
-            <a:r>
-              <a:rPr lang="en-GB" sz="2400" dirty="0" err="1"/>
-              <a:t>kan</a:t>
-            </a:r>
-            <a:r>
-              <a:rPr lang="en-GB" sz="2400" dirty="0"/>
-              <a:t> </a:t>
-            </a:r>
-            <a:r>
-              <a:rPr lang="en-GB" sz="2400" dirty="0" err="1"/>
-              <a:t>ikke</a:t>
-            </a:r>
-            <a:r>
-              <a:rPr lang="en-GB" sz="2400" dirty="0"/>
-              <a:t> </a:t>
-            </a:r>
-            <a:r>
-              <a:rPr lang="en-GB" sz="2400" dirty="0" err="1"/>
-              <a:t>overskrives</a:t>
-            </a:r>
-            <a:endParaRPr lang="en-GB" sz="2400" dirty="0"/>
-          </a:p>
-        </p:txBody>
-      </p:sp>
-      <p:sp>
-        <p:nvSpPr>
-          <p:cNvPr id="21" name="Content Placeholder 2">
-            <a:extLst>
-              <a:ext uri="{FF2B5EF4-FFF2-40B4-BE49-F238E27FC236}">
-                <a16:creationId xmlns:a16="http://schemas.microsoft.com/office/drawing/2014/main" id="{B126CC79-D1D0-0142-92F0-870AE622FD74}"/>
-              </a:ext>
-            </a:extLst>
-          </p:cNvPr>
-          <p:cNvSpPr txBox="1">
-            <a:spLocks/>
-          </p:cNvSpPr>
-          <p:nvPr/>
-        </p:nvSpPr>
-        <p:spPr>
-          <a:xfrm>
-            <a:off x="3504587" y="3889622"/>
-            <a:ext cx="4123679" cy="2832914"/>
-          </a:xfrm>
-          <a:prstGeom prst="rect">
-            <a:avLst/>
-          </a:prstGeom>
-        </p:spPr>
-        <p:txBody>
-          <a:bodyPr vert="horz" lIns="91440" tIns="45720" rIns="91440" bIns="45720" rtlCol="0">
-            <a:noAutofit/>
-          </a:bodyPr>
-          <a:lstStyle>
-            <a:lvl1pPr marL="228600" indent="-228600" algn="l" defTabSz="914400" rtl="0" eaLnBrk="1" latinLnBrk="0" hangingPunct="1">
-              <a:lnSpc>
-                <a:spcPct val="90000"/>
-              </a:lnSpc>
-              <a:spcBef>
-                <a:spcPts val="1000"/>
-              </a:spcBef>
-              <a:buFont typeface="Arial" panose="020B0604020202020204" pitchFamily="34" charset="0"/>
-              <a:buChar char="•"/>
-              <a:defRPr sz="2800" kern="1200">
-                <a:solidFill>
-                  <a:schemeClr val="tx1"/>
-                </a:solidFill>
-                <a:latin typeface="+mn-lt"/>
-                <a:ea typeface="+mn-ea"/>
-                <a:cs typeface="+mn-cs"/>
-              </a:defRPr>
-            </a:lvl1pPr>
-            <a:lvl2pPr marL="685800" indent="-228600" algn="l" defTabSz="914400" rtl="0" eaLnBrk="1" latinLnBrk="0" hangingPunct="1">
-              <a:lnSpc>
-                <a:spcPct val="90000"/>
-              </a:lnSpc>
-              <a:spcBef>
-                <a:spcPts val="500"/>
-              </a:spcBef>
-              <a:buFont typeface="Arial" panose="020B0604020202020204" pitchFamily="34" charset="0"/>
-              <a:buChar char="•"/>
-              <a:defRPr sz="2400" kern="1200">
-                <a:solidFill>
-                  <a:schemeClr val="tx1"/>
-                </a:solidFill>
-                <a:latin typeface="+mn-lt"/>
-                <a:ea typeface="+mn-ea"/>
-                <a:cs typeface="+mn-cs"/>
-              </a:defRPr>
-            </a:lvl2pPr>
-            <a:lvl3pPr marL="1143000" indent="-228600" algn="l" defTabSz="914400" rtl="0" eaLnBrk="1" latinLnBrk="0" hangingPunct="1">
-              <a:lnSpc>
-                <a:spcPct val="90000"/>
-              </a:lnSpc>
-              <a:spcBef>
-                <a:spcPts val="500"/>
-              </a:spcBef>
-              <a:buFont typeface="Arial" panose="020B0604020202020204" pitchFamily="34" charset="0"/>
-              <a:buChar char="•"/>
-              <a:defRPr sz="2000" kern="1200">
-                <a:solidFill>
-                  <a:schemeClr val="tx1"/>
-                </a:solidFill>
-                <a:latin typeface="+mn-lt"/>
-                <a:ea typeface="+mn-ea"/>
-                <a:cs typeface="+mn-cs"/>
-              </a:defRPr>
-            </a:lvl3pPr>
-            <a:lvl4pPr marL="1600200" indent="-228600" algn="l" defTabSz="914400" rtl="0" eaLnBrk="1" latinLnBrk="0" hangingPunct="1">
-              <a:lnSpc>
-                <a:spcPct val="90000"/>
-              </a:lnSpc>
-              <a:spcBef>
-                <a:spcPts val="500"/>
-              </a:spcBef>
-              <a:buFont typeface="Arial" panose="020B0604020202020204" pitchFamily="34" charset="0"/>
-              <a:buChar char="•"/>
-              <a:defRPr sz="1800" kern="1200">
-                <a:solidFill>
-                  <a:schemeClr val="tx1"/>
-                </a:solidFill>
-                <a:latin typeface="+mn-lt"/>
-                <a:ea typeface="+mn-ea"/>
-                <a:cs typeface="+mn-cs"/>
-              </a:defRPr>
-            </a:lvl4pPr>
-            <a:lvl5pPr marL="2057400" indent="-228600" algn="l" defTabSz="914400" rtl="0" eaLnBrk="1" latinLnBrk="0" hangingPunct="1">
-              <a:lnSpc>
-                <a:spcPct val="90000"/>
-              </a:lnSpc>
-              <a:spcBef>
-                <a:spcPts val="500"/>
-              </a:spcBef>
-              <a:buFont typeface="Arial" panose="020B0604020202020204" pitchFamily="34" charset="0"/>
-              <a:buChar char="•"/>
-              <a:defRPr sz="1800" kern="1200">
-                <a:solidFill>
-                  <a:schemeClr val="tx1"/>
-                </a:solidFill>
-                <a:latin typeface="+mn-lt"/>
-                <a:ea typeface="+mn-ea"/>
-                <a:cs typeface="+mn-cs"/>
-              </a:defRPr>
-            </a:lvl5pPr>
-            <a:lvl6pPr marL="2514600" indent="-228600" algn="l" defTabSz="914400" rtl="0" eaLnBrk="1" latinLnBrk="0" hangingPunct="1">
-              <a:lnSpc>
-                <a:spcPct val="90000"/>
-              </a:lnSpc>
-              <a:spcBef>
-                <a:spcPts val="500"/>
-              </a:spcBef>
-              <a:buFont typeface="Arial" panose="020B0604020202020204" pitchFamily="34" charset="0"/>
-              <a:buChar char="•"/>
-              <a:defRPr sz="1800" kern="1200">
-                <a:solidFill>
-                  <a:schemeClr val="tx1"/>
-                </a:solidFill>
-                <a:latin typeface="+mn-lt"/>
-                <a:ea typeface="+mn-ea"/>
-                <a:cs typeface="+mn-cs"/>
-              </a:defRPr>
-            </a:lvl6pPr>
-            <a:lvl7pPr marL="2971800" indent="-228600" algn="l" defTabSz="914400" rtl="0" eaLnBrk="1" latinLnBrk="0" hangingPunct="1">
-              <a:lnSpc>
-                <a:spcPct val="90000"/>
-              </a:lnSpc>
-              <a:spcBef>
-                <a:spcPts val="500"/>
-              </a:spcBef>
-              <a:buFont typeface="Arial" panose="020B0604020202020204" pitchFamily="34" charset="0"/>
-              <a:buChar char="•"/>
-              <a:defRPr sz="1800" kern="1200">
-                <a:solidFill>
-                  <a:schemeClr val="tx1"/>
-                </a:solidFill>
-                <a:latin typeface="+mn-lt"/>
-                <a:ea typeface="+mn-ea"/>
-                <a:cs typeface="+mn-cs"/>
-              </a:defRPr>
-            </a:lvl7pPr>
-            <a:lvl8pPr marL="3429000" indent="-228600" algn="l" defTabSz="914400" rtl="0" eaLnBrk="1" latinLnBrk="0" hangingPunct="1">
-              <a:lnSpc>
-                <a:spcPct val="90000"/>
-              </a:lnSpc>
-              <a:spcBef>
-                <a:spcPts val="500"/>
-              </a:spcBef>
-              <a:buFont typeface="Arial" panose="020B0604020202020204" pitchFamily="34" charset="0"/>
-              <a:buChar char="•"/>
-              <a:defRPr sz="1800" kern="1200">
-                <a:solidFill>
-                  <a:schemeClr val="tx1"/>
-                </a:solidFill>
-                <a:latin typeface="+mn-lt"/>
-                <a:ea typeface="+mn-ea"/>
-                <a:cs typeface="+mn-cs"/>
-              </a:defRPr>
-            </a:lvl8pPr>
-            <a:lvl9pPr marL="3886200" indent="-228600" algn="l" defTabSz="914400" rtl="0" eaLnBrk="1" latinLnBrk="0" hangingPunct="1">
-              <a:lnSpc>
-                <a:spcPct val="90000"/>
-              </a:lnSpc>
-              <a:spcBef>
-                <a:spcPts val="500"/>
-              </a:spcBef>
-              <a:buFont typeface="Arial" panose="020B0604020202020204" pitchFamily="34" charset="0"/>
-              <a:buChar char="•"/>
-              <a:defRPr sz="1800" kern="1200">
-                <a:solidFill>
-                  <a:schemeClr val="tx1"/>
-                </a:solidFill>
-                <a:latin typeface="+mn-lt"/>
-                <a:ea typeface="+mn-ea"/>
-                <a:cs typeface="+mn-cs"/>
-              </a:defRPr>
-            </a:lvl9pPr>
-          </a:lstStyle>
-          <a:p>
-            <a:pPr marL="0" indent="0">
-              <a:lnSpc>
-                <a:spcPct val="100000"/>
-              </a:lnSpc>
-              <a:buNone/>
-            </a:pPr>
-            <a:r>
-              <a:rPr lang="en-GB" sz="1400" dirty="0">
-                <a:latin typeface="DejaVu Sans Book" panose="020B0603030804020204" pitchFamily="34" charset="0"/>
-                <a:ea typeface="DejaVu Sans Book" panose="020B0603030804020204" pitchFamily="34" charset="0"/>
-                <a:cs typeface="DejaVu Sans Book" panose="020B0603030804020204" pitchFamily="34" charset="0"/>
-              </a:rPr>
-              <a:t>let greeting = "Hello" </a:t>
-            </a:r>
-          </a:p>
-          <a:p>
-            <a:pPr marL="0" indent="0">
-              <a:lnSpc>
-                <a:spcPct val="100000"/>
-              </a:lnSpc>
-              <a:buNone/>
-            </a:pPr>
-            <a:r>
-              <a:rPr lang="en-GB" sz="1400" dirty="0">
-                <a:latin typeface="DejaVu Sans Book" panose="020B0603030804020204" pitchFamily="34" charset="0"/>
-                <a:ea typeface="DejaVu Sans Book" panose="020B0603030804020204" pitchFamily="34" charset="0"/>
-                <a:cs typeface="DejaVu Sans Book" panose="020B0603030804020204" pitchFamily="34" charset="0"/>
-              </a:rPr>
-              <a:t>let name = "Jon"</a:t>
-            </a:r>
-          </a:p>
-          <a:p>
-            <a:pPr marL="0" indent="0">
-              <a:lnSpc>
-                <a:spcPct val="100000"/>
-              </a:lnSpc>
-              <a:buNone/>
-            </a:pPr>
-            <a:r>
-              <a:rPr lang="en-GB" sz="1400" dirty="0">
-                <a:latin typeface="DejaVu Sans Book" panose="020B0603030804020204" pitchFamily="34" charset="0"/>
-                <a:ea typeface="DejaVu Sans Book" panose="020B0603030804020204" pitchFamily="34" charset="0"/>
-                <a:cs typeface="DejaVu Sans Book" panose="020B0603030804020204" pitchFamily="34" charset="0"/>
-              </a:rPr>
-              <a:t>do </a:t>
-            </a:r>
-            <a:r>
-              <a:rPr lang="en-GB" sz="1400" dirty="0" err="1">
-                <a:latin typeface="DejaVu Sans Book" panose="020B0603030804020204" pitchFamily="34" charset="0"/>
-                <a:ea typeface="DejaVu Sans Book" panose="020B0603030804020204" pitchFamily="34" charset="0"/>
-                <a:cs typeface="DejaVu Sans Book" panose="020B0603030804020204" pitchFamily="34" charset="0"/>
-              </a:rPr>
-              <a:t>printfn</a:t>
-            </a:r>
-            <a:r>
-              <a:rPr lang="en-GB" sz="1400" dirty="0">
-                <a:latin typeface="DejaVu Sans Book" panose="020B0603030804020204" pitchFamily="34" charset="0"/>
-                <a:ea typeface="DejaVu Sans Book" panose="020B0603030804020204" pitchFamily="34" charset="0"/>
-                <a:cs typeface="DejaVu Sans Book" panose="020B0603030804020204" pitchFamily="34" charset="0"/>
-              </a:rPr>
-              <a:t> "%s %s" greeting name</a:t>
-            </a:r>
-          </a:p>
-          <a:p>
-            <a:pPr marL="0" indent="0">
-              <a:lnSpc>
-                <a:spcPct val="100000"/>
-              </a:lnSpc>
-              <a:buNone/>
-            </a:pPr>
-            <a:r>
-              <a:rPr lang="en-GB" sz="1400" dirty="0">
-                <a:latin typeface="DejaVu Sans Book" panose="020B0603030804020204" pitchFamily="34" charset="0"/>
-                <a:ea typeface="DejaVu Sans Book" panose="020B0603030804020204" pitchFamily="34" charset="0"/>
-                <a:cs typeface="DejaVu Sans Book" panose="020B0603030804020204" pitchFamily="34" charset="0"/>
-              </a:rPr>
-              <a:t>(</a:t>
-            </a:r>
-          </a:p>
-          <a:p>
-            <a:pPr marL="0" indent="0">
-              <a:lnSpc>
-                <a:spcPct val="100000"/>
-              </a:lnSpc>
-              <a:buNone/>
-            </a:pPr>
-            <a:r>
-              <a:rPr lang="en-GB" sz="1400" dirty="0">
-                <a:latin typeface="DejaVu Sans Book" panose="020B0603030804020204" pitchFamily="34" charset="0"/>
-                <a:ea typeface="DejaVu Sans Book" panose="020B0603030804020204" pitchFamily="34" charset="0"/>
-                <a:cs typeface="DejaVu Sans Book" panose="020B0603030804020204" pitchFamily="34" charset="0"/>
-              </a:rPr>
-              <a:t>   let name = "Anders"</a:t>
-            </a:r>
-          </a:p>
-          <a:p>
-            <a:pPr marL="0" indent="0">
-              <a:lnSpc>
-                <a:spcPct val="100000"/>
-              </a:lnSpc>
-              <a:buNone/>
-            </a:pPr>
-            <a:r>
-              <a:rPr lang="en-GB" sz="1400" dirty="0">
-                <a:latin typeface="DejaVu Sans Book" panose="020B0603030804020204" pitchFamily="34" charset="0"/>
-                <a:ea typeface="DejaVu Sans Book" panose="020B0603030804020204" pitchFamily="34" charset="0"/>
-                <a:cs typeface="DejaVu Sans Book" panose="020B0603030804020204" pitchFamily="34" charset="0"/>
-              </a:rPr>
-              <a:t>   do </a:t>
-            </a:r>
-            <a:r>
-              <a:rPr lang="en-GB" sz="1400" dirty="0" err="1">
-                <a:latin typeface="DejaVu Sans Book" panose="020B0603030804020204" pitchFamily="34" charset="0"/>
-                <a:ea typeface="DejaVu Sans Book" panose="020B0603030804020204" pitchFamily="34" charset="0"/>
-                <a:cs typeface="DejaVu Sans Book" panose="020B0603030804020204" pitchFamily="34" charset="0"/>
-              </a:rPr>
-              <a:t>printfn</a:t>
-            </a:r>
-            <a:r>
-              <a:rPr lang="en-GB" sz="1400" dirty="0">
-                <a:latin typeface="DejaVu Sans Book" panose="020B0603030804020204" pitchFamily="34" charset="0"/>
-                <a:ea typeface="DejaVu Sans Book" panose="020B0603030804020204" pitchFamily="34" charset="0"/>
-                <a:cs typeface="DejaVu Sans Book" panose="020B0603030804020204" pitchFamily="34" charset="0"/>
-              </a:rPr>
-              <a:t> "%s %s" greeting name</a:t>
-            </a:r>
-          </a:p>
-          <a:p>
-            <a:pPr marL="0" indent="0">
-              <a:lnSpc>
-                <a:spcPct val="100000"/>
-              </a:lnSpc>
-              <a:buNone/>
-            </a:pPr>
-            <a:r>
-              <a:rPr lang="en-GB" sz="1400" dirty="0">
-                <a:latin typeface="DejaVu Sans Book" panose="020B0603030804020204" pitchFamily="34" charset="0"/>
-                <a:ea typeface="DejaVu Sans Book" panose="020B0603030804020204" pitchFamily="34" charset="0"/>
-                <a:cs typeface="DejaVu Sans Book" panose="020B0603030804020204" pitchFamily="34" charset="0"/>
-              </a:rPr>
-              <a:t>)</a:t>
-            </a:r>
-          </a:p>
-          <a:p>
-            <a:pPr marL="0" indent="0">
-              <a:lnSpc>
-                <a:spcPct val="100000"/>
-              </a:lnSpc>
-              <a:buNone/>
-            </a:pPr>
-            <a:r>
-              <a:rPr lang="en-GB" sz="1400" dirty="0">
-                <a:latin typeface="DejaVu Sans Book" panose="020B0603030804020204" pitchFamily="34" charset="0"/>
-                <a:ea typeface="DejaVu Sans Book" panose="020B0603030804020204" pitchFamily="34" charset="0"/>
-                <a:cs typeface="DejaVu Sans Book" panose="020B0603030804020204" pitchFamily="34" charset="0"/>
-              </a:rPr>
-              <a:t>do </a:t>
-            </a:r>
-            <a:r>
-              <a:rPr lang="en-GB" sz="1400" dirty="0" err="1">
-                <a:latin typeface="DejaVu Sans Book" panose="020B0603030804020204" pitchFamily="34" charset="0"/>
-                <a:ea typeface="DejaVu Sans Book" panose="020B0603030804020204" pitchFamily="34" charset="0"/>
-                <a:cs typeface="DejaVu Sans Book" panose="020B0603030804020204" pitchFamily="34" charset="0"/>
-              </a:rPr>
-              <a:t>printfn</a:t>
-            </a:r>
-            <a:r>
-              <a:rPr lang="en-GB" sz="1400" dirty="0">
-                <a:latin typeface="DejaVu Sans Book" panose="020B0603030804020204" pitchFamily="34" charset="0"/>
-                <a:ea typeface="DejaVu Sans Book" panose="020B0603030804020204" pitchFamily="34" charset="0"/>
-                <a:cs typeface="DejaVu Sans Book" panose="020B0603030804020204" pitchFamily="34" charset="0"/>
-              </a:rPr>
-              <a:t> "%s %s" greeting name</a:t>
-            </a:r>
-          </a:p>
-        </p:txBody>
-      </p:sp>
-      <p:sp>
-        <p:nvSpPr>
-          <p:cNvPr id="22" name="TextBox 21">
-            <a:extLst>
-              <a:ext uri="{FF2B5EF4-FFF2-40B4-BE49-F238E27FC236}">
-                <a16:creationId xmlns:a16="http://schemas.microsoft.com/office/drawing/2014/main" id="{0EE629AA-59CF-8545-8E76-2CB626811C2A}"/>
-              </a:ext>
-            </a:extLst>
-          </p:cNvPr>
-          <p:cNvSpPr txBox="1"/>
-          <p:nvPr/>
-        </p:nvSpPr>
-        <p:spPr>
-          <a:xfrm>
-            <a:off x="3254206" y="3292430"/>
-            <a:ext cx="3345531" cy="461665"/>
-          </a:xfrm>
-          <a:prstGeom prst="rect">
-            <a:avLst/>
-          </a:prstGeom>
-          <a:noFill/>
-        </p:spPr>
-        <p:txBody>
-          <a:bodyPr wrap="none" rtlCol="0">
-            <a:spAutoFit/>
-          </a:bodyPr>
-          <a:lstStyle/>
-          <a:p>
-            <a:r>
-              <a:rPr lang="en-GB" sz="2400" dirty="0" err="1"/>
-              <a:t>Virkefelter</a:t>
-            </a:r>
-            <a:r>
-              <a:rPr lang="en-GB" sz="2400" dirty="0"/>
-              <a:t> via </a:t>
-            </a:r>
-            <a:r>
-              <a:rPr lang="en-GB" sz="2400" dirty="0" err="1"/>
-              <a:t>parenteser</a:t>
-            </a:r>
-            <a:endParaRPr lang="en-GB" sz="2400" dirty="0"/>
-          </a:p>
-        </p:txBody>
-      </p:sp>
-      <p:cxnSp>
-        <p:nvCxnSpPr>
-          <p:cNvPr id="24" name="Straight Connector 23">
-            <a:extLst>
-              <a:ext uri="{FF2B5EF4-FFF2-40B4-BE49-F238E27FC236}">
-                <a16:creationId xmlns:a16="http://schemas.microsoft.com/office/drawing/2014/main" id="{0A7FAD3F-4C29-6645-B95C-D79E31F1B5FD}"/>
-              </a:ext>
-            </a:extLst>
-          </p:cNvPr>
-          <p:cNvCxnSpPr>
-            <a:cxnSpLocks/>
-          </p:cNvCxnSpPr>
-          <p:nvPr/>
-        </p:nvCxnSpPr>
-        <p:spPr>
-          <a:xfrm>
-            <a:off x="3254205" y="3279149"/>
-            <a:ext cx="5925020" cy="0"/>
-          </a:xfrm>
-          <a:prstGeom prst="line">
-            <a:avLst/>
-          </a:prstGeom>
-        </p:spPr>
-        <p:style>
-          <a:lnRef idx="1">
-            <a:schemeClr val="accent1"/>
-          </a:lnRef>
-          <a:fillRef idx="0">
-            <a:schemeClr val="accent1"/>
-          </a:fillRef>
-          <a:effectRef idx="0">
-            <a:schemeClr val="accent1"/>
-          </a:effectRef>
-          <a:fontRef idx="minor">
-            <a:schemeClr val="tx1"/>
-          </a:fontRef>
-        </p:style>
-      </p:cxnSp>
-      <p:sp>
-        <p:nvSpPr>
-          <p:cNvPr id="11" name="Frame 10">
-            <a:extLst>
-              <a:ext uri="{FF2B5EF4-FFF2-40B4-BE49-F238E27FC236}">
-                <a16:creationId xmlns:a16="http://schemas.microsoft.com/office/drawing/2014/main" id="{1589F8F8-BFCD-0C4F-A8F5-A055BD6FA203}"/>
-              </a:ext>
-            </a:extLst>
-          </p:cNvPr>
-          <p:cNvSpPr/>
-          <p:nvPr/>
-        </p:nvSpPr>
-        <p:spPr>
-          <a:xfrm>
-            <a:off x="3470718" y="3872691"/>
-            <a:ext cx="3963019" cy="2849848"/>
-          </a:xfrm>
-          <a:prstGeom prst="frame">
-            <a:avLst>
-              <a:gd name="adj1" fmla="val 1746"/>
-            </a:avLst>
-          </a:prstGeom>
-        </p:spPr>
-        <p:style>
-          <a:lnRef idx="2">
-            <a:schemeClr val="accent1">
-              <a:shade val="50000"/>
-            </a:schemeClr>
-          </a:lnRef>
-          <a:fillRef idx="1">
-            <a:schemeClr val="accent1"/>
-          </a:fillRef>
-          <a:effectRef idx="0">
-            <a:schemeClr val="accent1"/>
-          </a:effectRef>
-          <a:fontRef idx="minor">
-            <a:schemeClr val="lt1"/>
-          </a:fontRef>
-        </p:style>
-        <p:txBody>
-          <a:bodyPr rot="0" spcFirstLastPara="0" vertOverflow="overflow" horzOverflow="overflow" vert="horz" wrap="square" lIns="91440" tIns="45720" rIns="91440" bIns="45720" numCol="1" spcCol="0" rtlCol="0" fromWordArt="0" anchor="ctr" anchorCtr="0" forceAA="0" compatLnSpc="1">
-            <a:prstTxWarp prst="textNoShape">
-              <a:avLst/>
-            </a:prstTxWarp>
-            <a:noAutofit/>
-          </a:bodyPr>
-          <a:lstStyle/>
-          <a:p>
-            <a:pPr algn="ctr"/>
-            <a:endParaRPr lang="en-GB" sz="2520">
-              <a:solidFill>
-                <a:schemeClr val="tx1"/>
-              </a:solidFill>
-            </a:endParaRPr>
-          </a:p>
-        </p:txBody>
-      </p:sp>
-      <p:sp>
-        <p:nvSpPr>
-          <p:cNvPr id="25" name="Frame 24">
-            <a:extLst>
-              <a:ext uri="{FF2B5EF4-FFF2-40B4-BE49-F238E27FC236}">
-                <a16:creationId xmlns:a16="http://schemas.microsoft.com/office/drawing/2014/main" id="{16DD260F-77CB-F443-A7F1-CB3D5A802CD3}"/>
-              </a:ext>
-            </a:extLst>
-          </p:cNvPr>
-          <p:cNvSpPr/>
-          <p:nvPr/>
-        </p:nvSpPr>
-        <p:spPr>
-          <a:xfrm>
-            <a:off x="3649138" y="5222229"/>
-            <a:ext cx="3276599" cy="771248"/>
-          </a:xfrm>
-          <a:prstGeom prst="frame">
-            <a:avLst>
-              <a:gd name="adj1" fmla="val 1746"/>
-            </a:avLst>
-          </a:prstGeom>
-        </p:spPr>
-        <p:style>
-          <a:lnRef idx="2">
-            <a:schemeClr val="accent1">
-              <a:shade val="50000"/>
-            </a:schemeClr>
-          </a:lnRef>
-          <a:fillRef idx="1">
-            <a:schemeClr val="accent1"/>
-          </a:fillRef>
-          <a:effectRef idx="0">
-            <a:schemeClr val="accent1"/>
-          </a:effectRef>
-          <a:fontRef idx="minor">
-            <a:schemeClr val="lt1"/>
-          </a:fontRef>
-        </p:style>
-        <p:txBody>
-          <a:bodyPr rot="0" spcFirstLastPara="0" vertOverflow="overflow" horzOverflow="overflow" vert="horz" wrap="square" lIns="91440" tIns="45720" rIns="91440" bIns="45720" numCol="1" spcCol="0" rtlCol="0" fromWordArt="0" anchor="ctr" anchorCtr="0" forceAA="0" compatLnSpc="1">
-            <a:prstTxWarp prst="textNoShape">
-              <a:avLst/>
-            </a:prstTxWarp>
-            <a:noAutofit/>
-          </a:bodyPr>
-          <a:lstStyle/>
-          <a:p>
-            <a:pPr algn="ctr"/>
-            <a:endParaRPr lang="en-GB" sz="2520">
-              <a:solidFill>
-                <a:schemeClr val="tx1"/>
-              </a:solidFill>
-            </a:endParaRPr>
-          </a:p>
-        </p:txBody>
-      </p:sp>
-      <p:sp>
-        <p:nvSpPr>
-          <p:cNvPr id="14" name="TextBox 13">
-            <a:extLst>
-              <a:ext uri="{FF2B5EF4-FFF2-40B4-BE49-F238E27FC236}">
-                <a16:creationId xmlns:a16="http://schemas.microsoft.com/office/drawing/2014/main" id="{4DAA077A-15B8-7A41-B80A-C87683361FE3}"/>
-              </a:ext>
-            </a:extLst>
-          </p:cNvPr>
-          <p:cNvSpPr txBox="1"/>
-          <p:nvPr/>
-        </p:nvSpPr>
-        <p:spPr>
-          <a:xfrm>
-            <a:off x="7433734" y="3776679"/>
-            <a:ext cx="348172" cy="480131"/>
-          </a:xfrm>
-          <a:prstGeom prst="rect">
-            <a:avLst/>
-          </a:prstGeom>
-          <a:noFill/>
-        </p:spPr>
-        <p:txBody>
-          <a:bodyPr wrap="none" rtlCol="0">
-            <a:spAutoFit/>
-          </a:bodyPr>
-          <a:lstStyle/>
-          <a:p>
-            <a:r>
-              <a:rPr lang="en-GB" sz="2520" dirty="0"/>
-              <a:t>0</a:t>
-            </a:r>
-          </a:p>
-        </p:txBody>
-      </p:sp>
-      <p:sp>
-        <p:nvSpPr>
-          <p:cNvPr id="15" name="TextBox 14">
-            <a:extLst>
-              <a:ext uri="{FF2B5EF4-FFF2-40B4-BE49-F238E27FC236}">
-                <a16:creationId xmlns:a16="http://schemas.microsoft.com/office/drawing/2014/main" id="{82463494-A9FF-2F41-B3E9-47CFC3C8FA2D}"/>
-              </a:ext>
-            </a:extLst>
-          </p:cNvPr>
-          <p:cNvSpPr txBox="1"/>
-          <p:nvPr/>
-        </p:nvSpPr>
-        <p:spPr>
-          <a:xfrm>
-            <a:off x="6894979" y="5106350"/>
-            <a:ext cx="348172" cy="480131"/>
-          </a:xfrm>
-          <a:prstGeom prst="rect">
-            <a:avLst/>
-          </a:prstGeom>
-          <a:noFill/>
-        </p:spPr>
-        <p:txBody>
-          <a:bodyPr wrap="none" rtlCol="0">
-            <a:spAutoFit/>
-          </a:bodyPr>
-          <a:lstStyle/>
-          <a:p>
-            <a:r>
-              <a:rPr lang="en-GB" sz="2520" dirty="0"/>
-              <a:t>1</a:t>
-            </a:r>
-          </a:p>
-        </p:txBody>
-      </p:sp>
-      <p:cxnSp>
-        <p:nvCxnSpPr>
-          <p:cNvPr id="26" name="Straight Connector 25">
-            <a:extLst>
-              <a:ext uri="{FF2B5EF4-FFF2-40B4-BE49-F238E27FC236}">
-                <a16:creationId xmlns:a16="http://schemas.microsoft.com/office/drawing/2014/main" id="{DE600673-58B3-F347-9773-ECF3658B51EA}"/>
-              </a:ext>
-            </a:extLst>
-          </p:cNvPr>
-          <p:cNvCxnSpPr/>
-          <p:nvPr/>
-        </p:nvCxnSpPr>
-        <p:spPr>
-          <a:xfrm flipV="1">
-            <a:off x="3470718" y="2054631"/>
-            <a:ext cx="2811551" cy="1071832"/>
-          </a:xfrm>
-          <a:prstGeom prst="line">
-            <a:avLst/>
-          </a:prstGeom>
-          <a:ln w="63500">
-            <a:solidFill>
-              <a:srgbClr val="C00000"/>
-            </a:solidFill>
-          </a:ln>
-        </p:spPr>
-        <p:style>
-          <a:lnRef idx="1">
-            <a:schemeClr val="accent1"/>
-          </a:lnRef>
-          <a:fillRef idx="0">
-            <a:schemeClr val="accent1"/>
-          </a:fillRef>
-          <a:effectRef idx="0">
-            <a:schemeClr val="accent1"/>
-          </a:effectRef>
-          <a:fontRef idx="minor">
-            <a:schemeClr val="tx1"/>
-          </a:fontRef>
-        </p:style>
-      </p:cxnSp>
-      <p:cxnSp>
-        <p:nvCxnSpPr>
-          <p:cNvPr id="30" name="Straight Connector 29">
-            <a:extLst>
-              <a:ext uri="{FF2B5EF4-FFF2-40B4-BE49-F238E27FC236}">
-                <a16:creationId xmlns:a16="http://schemas.microsoft.com/office/drawing/2014/main" id="{AE2A515B-5110-A44C-AB8C-007E3B6547EB}"/>
-              </a:ext>
-            </a:extLst>
-          </p:cNvPr>
-          <p:cNvCxnSpPr>
-            <a:cxnSpLocks/>
-          </p:cNvCxnSpPr>
-          <p:nvPr/>
-        </p:nvCxnSpPr>
-        <p:spPr>
-          <a:xfrm>
-            <a:off x="3470718" y="2054631"/>
-            <a:ext cx="2811551" cy="1071832"/>
-          </a:xfrm>
-          <a:prstGeom prst="line">
-            <a:avLst/>
-          </a:prstGeom>
-          <a:ln w="63500">
-            <a:solidFill>
-              <a:srgbClr val="C00000"/>
-            </a:solidFill>
-          </a:ln>
-        </p:spPr>
-        <p:style>
-          <a:lnRef idx="1">
-            <a:schemeClr val="accent1"/>
-          </a:lnRef>
-          <a:fillRef idx="0">
-            <a:schemeClr val="accent1"/>
-          </a:fillRef>
-          <a:effectRef idx="0">
-            <a:schemeClr val="accent1"/>
-          </a:effectRef>
-          <a:fontRef idx="minor">
-            <a:schemeClr val="tx1"/>
-          </a:fontRef>
-        </p:style>
-      </p:cxnSp>
-    </p:spTree>
-    <p:extLst>
-      <p:ext uri="{BB962C8B-B14F-4D97-AF65-F5344CB8AC3E}">
-        <p14:creationId xmlns:p14="http://schemas.microsoft.com/office/powerpoint/2010/main" val="1490876304"/>
-      </p:ext>
-    </p:extLst>
-  </p:cSld>
-  <p:clrMapOvr>
-    <a:masterClrMapping/>
-  </p:clrMapOvr>
-  <p:timing>
-    <p:tnLst>
-      <p:par>
-        <p:cTn id="1" dur="indefinite" restart="never" nodeType="tmRoot">
-          <p:childTnLst>
-            <p:seq concurrent="1" nextAc="seek">
-              <p:cTn id="2" dur="indefinite" nodeType="mainSeq">
-                <p:childTnLst>
-                  <p:par>
-                    <p:cTn id="3" fill="hold">
-                      <p:stCondLst>
-                        <p:cond delay="indefinite"/>
-                      </p:stCondLst>
-                      <p:childTnLst>
-                        <p:par>
-                          <p:cTn id="4" fill="hold">
-                            <p:stCondLst>
-                              <p:cond delay="0"/>
-                            </p:stCondLst>
-                            <p:childTnLst>
-                              <p:par>
-                                <p:cTn id="5" presetID="1" presetClass="entr" presetSubtype="0" fill="hold" nodeType="clickEffect">
-                                  <p:stCondLst>
-                                    <p:cond delay="0"/>
-                                  </p:stCondLst>
-                                  <p:childTnLst>
-                                    <p:set>
-                                      <p:cBhvr>
-                                        <p:cTn id="6" dur="1" fill="hold">
-                                          <p:stCondLst>
-                                            <p:cond delay="0"/>
-                                          </p:stCondLst>
-                                        </p:cTn>
-                                        <p:tgtEl>
-                                          <p:spTgt spid="30"/>
-                                        </p:tgtEl>
-                                        <p:attrNameLst>
-                                          <p:attrName>style.visibility</p:attrName>
-                                        </p:attrNameLst>
-                                      </p:cBhvr>
-                                      <p:to>
-                                        <p:strVal val="visible"/>
-                                      </p:to>
-                                    </p:set>
-                                  </p:childTnLst>
-                                </p:cTn>
-                              </p:par>
-                              <p:par>
-                                <p:cTn id="7" presetID="1" presetClass="entr" presetSubtype="0" fill="hold" nodeType="withEffect">
-                                  <p:stCondLst>
-                                    <p:cond delay="0"/>
-                                  </p:stCondLst>
-                                  <p:childTnLst>
-                                    <p:set>
-                                      <p:cBhvr>
-                                        <p:cTn id="8" dur="1" fill="hold">
-                                          <p:stCondLst>
-                                            <p:cond delay="0"/>
-                                          </p:stCondLst>
-                                        </p:cTn>
-                                        <p:tgtEl>
-                                          <p:spTgt spid="26"/>
-                                        </p:tgtEl>
-                                        <p:attrNameLst>
-                                          <p:attrName>style.visibility</p:attrName>
-                                        </p:attrNameLst>
-                                      </p:cBhvr>
-                                      <p:to>
-                                        <p:strVal val="visible"/>
-                                      </p:to>
-                                    </p:set>
-                                  </p:childTnLst>
-                                </p:cTn>
-                              </p:par>
-                            </p:childTnLst>
-                          </p:cTn>
-                        </p:par>
-                      </p:childTnLst>
-                    </p:cTn>
-                  </p:par>
-                  <p:par>
-                    <p:cTn id="9" fill="hold">
-                      <p:stCondLst>
-                        <p:cond delay="indefinite"/>
-                      </p:stCondLst>
-                      <p:childTnLst>
-                        <p:par>
-                          <p:cTn id="10" fill="hold">
-                            <p:stCondLst>
-                              <p:cond delay="0"/>
-                            </p:stCondLst>
-                            <p:childTnLst>
-                              <p:par>
-                                <p:cTn id="11" presetID="1" presetClass="entr" presetSubtype="0" fill="hold" nodeType="clickEffect">
-                                  <p:stCondLst>
-                                    <p:cond delay="0"/>
-                                  </p:stCondLst>
-                                  <p:childTnLst>
-                                    <p:set>
-                                      <p:cBhvr>
-                                        <p:cTn id="12" dur="1" fill="hold">
-                                          <p:stCondLst>
-                                            <p:cond delay="0"/>
-                                          </p:stCondLst>
-                                        </p:cTn>
-                                        <p:tgtEl>
-                                          <p:spTgt spid="24"/>
-                                        </p:tgtEl>
-                                        <p:attrNameLst>
-                                          <p:attrName>style.visibility</p:attrName>
-                                        </p:attrNameLst>
-                                      </p:cBhvr>
-                                      <p:to>
-                                        <p:strVal val="visible"/>
-                                      </p:to>
-                                    </p:set>
-                                  </p:childTnLst>
-                                </p:cTn>
-                              </p:par>
-                              <p:par>
-                                <p:cTn id="13" presetID="1" presetClass="entr" presetSubtype="0" fill="hold" grpId="0" nodeType="withEffect">
-                                  <p:stCondLst>
-                                    <p:cond delay="0"/>
-                                  </p:stCondLst>
-                                  <p:childTnLst>
-                                    <p:set>
-                                      <p:cBhvr>
-                                        <p:cTn id="14" dur="1" fill="hold">
-                                          <p:stCondLst>
-                                            <p:cond delay="0"/>
-                                          </p:stCondLst>
-                                        </p:cTn>
-                                        <p:tgtEl>
-                                          <p:spTgt spid="22"/>
-                                        </p:tgtEl>
-                                        <p:attrNameLst>
-                                          <p:attrName>style.visibility</p:attrName>
-                                        </p:attrNameLst>
-                                      </p:cBhvr>
-                                      <p:to>
-                                        <p:strVal val="visible"/>
-                                      </p:to>
-                                    </p:set>
-                                  </p:childTnLst>
-                                </p:cTn>
-                              </p:par>
-                              <p:par>
-                                <p:cTn id="15" presetID="1" presetClass="entr" presetSubtype="0" fill="hold" grpId="0" nodeType="withEffect">
-                                  <p:stCondLst>
-                                    <p:cond delay="0"/>
-                                  </p:stCondLst>
-                                  <p:childTnLst>
-                                    <p:set>
-                                      <p:cBhvr>
-                                        <p:cTn id="16" dur="1" fill="hold">
-                                          <p:stCondLst>
-                                            <p:cond delay="0"/>
-                                          </p:stCondLst>
-                                        </p:cTn>
-                                        <p:tgtEl>
-                                          <p:spTgt spid="21"/>
-                                        </p:tgtEl>
-                                        <p:attrNameLst>
-                                          <p:attrName>style.visibility</p:attrName>
-                                        </p:attrNameLst>
-                                      </p:cBhvr>
-                                      <p:to>
-                                        <p:strVal val="visible"/>
-                                      </p:to>
-                                    </p:set>
-                                  </p:childTnLst>
-                                </p:cTn>
-                              </p:par>
-                            </p:childTnLst>
-                          </p:cTn>
-                        </p:par>
-                      </p:childTnLst>
-                    </p:cTn>
-                  </p:par>
-                  <p:par>
-                    <p:cTn id="17" fill="hold">
-                      <p:stCondLst>
-                        <p:cond delay="indefinite"/>
-                      </p:stCondLst>
-                      <p:childTnLst>
-                        <p:par>
-                          <p:cTn id="18" fill="hold">
-                            <p:stCondLst>
-                              <p:cond delay="0"/>
-                            </p:stCondLst>
-                            <p:childTnLst>
-                              <p:par>
-                                <p:cTn id="19" presetID="1" presetClass="entr" presetSubtype="0" fill="hold" grpId="0" nodeType="clickEffect">
-                                  <p:stCondLst>
-                                    <p:cond delay="0"/>
-                                  </p:stCondLst>
-                                  <p:childTnLst>
-                                    <p:set>
-                                      <p:cBhvr>
-                                        <p:cTn id="20" dur="1" fill="hold">
-                                          <p:stCondLst>
-                                            <p:cond delay="0"/>
-                                          </p:stCondLst>
-                                        </p:cTn>
-                                        <p:tgtEl>
-                                          <p:spTgt spid="11"/>
-                                        </p:tgtEl>
-                                        <p:attrNameLst>
-                                          <p:attrName>style.visibility</p:attrName>
-                                        </p:attrNameLst>
-                                      </p:cBhvr>
-                                      <p:to>
-                                        <p:strVal val="visible"/>
-                                      </p:to>
-                                    </p:set>
-                                  </p:childTnLst>
-                                </p:cTn>
-                              </p:par>
-                              <p:par>
-                                <p:cTn id="21" presetID="1" presetClass="entr" presetSubtype="0" fill="hold" grpId="0" nodeType="withEffect">
-                                  <p:stCondLst>
-                                    <p:cond delay="0"/>
-                                  </p:stCondLst>
-                                  <p:childTnLst>
-                                    <p:set>
-                                      <p:cBhvr>
-                                        <p:cTn id="22" dur="1" fill="hold">
-                                          <p:stCondLst>
-                                            <p:cond delay="0"/>
-                                          </p:stCondLst>
-                                        </p:cTn>
-                                        <p:tgtEl>
-                                          <p:spTgt spid="14"/>
-                                        </p:tgtEl>
-                                        <p:attrNameLst>
-                                          <p:attrName>style.visibility</p:attrName>
-                                        </p:attrNameLst>
-                                      </p:cBhvr>
-                                      <p:to>
-                                        <p:strVal val="visible"/>
-                                      </p:to>
-                                    </p:set>
-                                  </p:childTnLst>
-                                </p:cTn>
-                              </p:par>
-                              <p:par>
-                                <p:cTn id="23" presetID="1" presetClass="entr" presetSubtype="0" fill="hold" grpId="0" nodeType="withEffect">
-                                  <p:stCondLst>
-                                    <p:cond delay="0"/>
-                                  </p:stCondLst>
-                                  <p:childTnLst>
-                                    <p:set>
-                                      <p:cBhvr>
-                                        <p:cTn id="24" dur="1" fill="hold">
-                                          <p:stCondLst>
-                                            <p:cond delay="0"/>
-                                          </p:stCondLst>
-                                        </p:cTn>
-                                        <p:tgtEl>
-                                          <p:spTgt spid="25"/>
-                                        </p:tgtEl>
-                                        <p:attrNameLst>
-                                          <p:attrName>style.visibility</p:attrName>
-                                        </p:attrNameLst>
-                                      </p:cBhvr>
-                                      <p:to>
-                                        <p:strVal val="visible"/>
-                                      </p:to>
-                                    </p:set>
-                                  </p:childTnLst>
-                                </p:cTn>
-                              </p:par>
-                              <p:par>
-                                <p:cTn id="25" presetID="1" presetClass="entr" presetSubtype="0" fill="hold" grpId="0" nodeType="withEffect">
-                                  <p:stCondLst>
-                                    <p:cond delay="0"/>
-                                  </p:stCondLst>
-                                  <p:childTnLst>
-                                    <p:set>
-                                      <p:cBhvr>
-                                        <p:cTn id="26" dur="1" fill="hold">
-                                          <p:stCondLst>
-                                            <p:cond delay="0"/>
-                                          </p:stCondLst>
-                                        </p:cTn>
-                                        <p:tgtEl>
-                                          <p:spTgt spid="15"/>
-                                        </p:tgtEl>
-                                        <p:attrNameLst>
-                                          <p:attrName>style.visibility</p:attrName>
-                                        </p:attrNameLst>
-                                      </p:cBhvr>
-                                      <p:to>
-                                        <p:strVal val="visible"/>
-                                      </p:to>
-                                    </p:set>
-                                  </p:childTnLst>
-                                </p:cTn>
-                              </p:par>
-                            </p:childTnLst>
-                          </p:cTn>
-                        </p:par>
-                      </p:childTnLst>
-                    </p:cTn>
-                  </p:par>
-                </p:childTnLst>
-              </p:cTn>
-              <p:prevCondLst>
-                <p:cond evt="onPrev" delay="0">
-                  <p:tgtEl>
-                    <p:sldTgt/>
-                  </p:tgtEl>
-                </p:cond>
-              </p:prevCondLst>
-              <p:nextCondLst>
-                <p:cond evt="onNext" delay="0">
-                  <p:tgtEl>
-                    <p:sldTgt/>
-                  </p:tgtEl>
-                </p:cond>
-              </p:nextCondLst>
-            </p:seq>
-          </p:childTnLst>
-        </p:cTn>
-      </p:par>
-    </p:tnLst>
-    <p:bldLst>
-      <p:bldP spid="21" grpId="0"/>
-      <p:bldP spid="22" grpId="0"/>
-      <p:bldP spid="11" grpId="0" animBg="1"/>
-      <p:bldP spid="25" grpId="0" animBg="1"/>
-      <p:bldP spid="14" grpId="0"/>
-      <p:bldP spid="15" grpId="0"/>
-    </p:bldLst>
-  </p:timing>
-</p:sld>
-</file>
-
 <file path=ppt/slides/slide2.xml><?xml version="1.0" encoding="utf-8"?>
 <p:sld xmlns:a="http://schemas.openxmlformats.org/drawingml/2006/main" xmlns:r="http://schemas.openxmlformats.org/officeDocument/2006/relationships" xmlns:p="http://schemas.openxmlformats.org/presentationml/2006/main">
   <p:cSld>
@@ -7177,20 +5626,12 @@
               <a:buNone/>
             </a:pPr>
             <a:r>
-              <a:rPr lang="en-GB" sz="1400" dirty="0" err="1">
-                <a:latin typeface="DejaVu Sans Book" panose="020B0603030804020204" pitchFamily="34" charset="0"/>
-                <a:ea typeface="DejaVu Sans Book" panose="020B0603030804020204" pitchFamily="34" charset="0"/>
-                <a:cs typeface="DejaVu Sans Book" panose="020B0603030804020204" pitchFamily="34" charset="0"/>
-              </a:rPr>
-              <a:t>exp</a:t>
-            </a:r>
-            <a:r>
-              <a:rPr lang="en-GB" sz="1400" dirty="0">
-                <a:latin typeface="DejaVu Sans Book" panose="020B0603030804020204" pitchFamily="34" charset="0"/>
-                <a:ea typeface="DejaVu Sans Book" panose="020B0603030804020204" pitchFamily="34" charset="0"/>
-                <a:cs typeface="DejaVu Sans Book" panose="020B0603030804020204" pitchFamily="34" charset="0"/>
-              </a:rPr>
-              <a:t> 0.0 + 1.0</a:t>
+              <a:rPr lang="en-GB" sz="1400" u="sng" dirty="0">
+                <a:latin typeface="DejaVu Sans Book" panose="020B0603030804020204" pitchFamily="34" charset="0"/>
+                <a:ea typeface="DejaVu Sans Book" panose="020B0603030804020204" pitchFamily="34" charset="0"/>
+                <a:cs typeface="DejaVu Sans Book" panose="020B0603030804020204" pitchFamily="34" charset="0"/>
+              </a:rPr>
+              <a:t>exp 0.0 + 1.0</a:t>
             </a:r>
           </a:p>
           <a:p>
@@ -8688,6 +7129,48 @@
           </a:prstGeom>
         </p:spPr>
       </p:pic>
+      <p:sp>
+        <p:nvSpPr>
+          <p:cNvPr id="11" name="Rectangle 10">
+            <a:extLst>
+              <a:ext uri="{FF2B5EF4-FFF2-40B4-BE49-F238E27FC236}">
+                <a16:creationId xmlns:a16="http://schemas.microsoft.com/office/drawing/2014/main" id="{4A89D4AF-A803-DD49-95B6-C8E84C4D2152}"/>
+              </a:ext>
+            </a:extLst>
+          </p:cNvPr>
+          <p:cNvSpPr/>
+          <p:nvPr/>
+        </p:nvSpPr>
+        <p:spPr>
+          <a:xfrm>
+            <a:off x="3536873" y="3125969"/>
+            <a:ext cx="960519" cy="307777"/>
+          </a:xfrm>
+          <a:prstGeom prst="rect">
+            <a:avLst/>
+          </a:prstGeom>
+        </p:spPr>
+        <p:txBody>
+          <a:bodyPr wrap="none">
+            <a:spAutoFit/>
+          </a:bodyPr>
+          <a:lstStyle/>
+          <a:p>
+            <a:r>
+              <a:rPr lang="en-GB" sz="1400" dirty="0">
+                <a:solidFill>
+                  <a:schemeClr val="accent6"/>
+                </a:solidFill>
+                <a:latin typeface="DejaVu Sans Book" panose="020B0603030804020204" pitchFamily="34" charset="0"/>
+                <a:ea typeface="DejaVu Sans Book" panose="020B0603030804020204" pitchFamily="34" charset="0"/>
+                <a:cs typeface="DejaVu Sans Book" panose="020B0603030804020204" pitchFamily="34" charset="0"/>
+              </a:rPr>
+              <a:t>(           )</a:t>
+            </a:r>
+            <a:endParaRPr lang="en-GB" sz="1400" dirty="0"/>
+          </a:p>
+        </p:txBody>
+      </p:sp>
     </p:spTree>
     <p:extLst>
       <p:ext uri="{BB962C8B-B14F-4D97-AF65-F5344CB8AC3E}">
@@ -8732,7 +7215,7 @@
                                           </p:stCondLst>
                                         </p:cTn>
                                         <p:tgtEl>
-                                          <p:spTgt spid="53"/>
+                                          <p:spTgt spid="11"/>
                                         </p:tgtEl>
                                         <p:attrNameLst>
                                           <p:attrName>style.visibility</p:attrName>
@@ -8777,7 +7260,7 @@
                                           </p:stCondLst>
                                         </p:cTn>
                                         <p:tgtEl>
-                                          <p:spTgt spid="54"/>
+                                          <p:spTgt spid="53"/>
                                         </p:tgtEl>
                                         <p:attrNameLst>
                                           <p:attrName>style.visibility</p:attrName>
@@ -8809,7 +7292,7 @@
                             </p:stCondLst>
                             <p:childTnLst>
                               <p:par>
-                                <p:cTn id="13" presetID="1" presetClass="exit" presetSubtype="0" fill="hold" nodeType="clickEffect">
+                                <p:cTn id="13" presetID="1" presetClass="entr" presetSubtype="0" fill="hold" grpId="0" nodeType="clickEffect">
                                   <p:stCondLst>
                                     <p:cond delay="0"/>
                                   </p:stCondLst>
@@ -8822,14 +7305,14 @@
                                           </p:stCondLst>
                                         </p:cTn>
                                         <p:tgtEl>
-                                          <p:spTgt spid="22"/>
+                                          <p:spTgt spid="54"/>
                                         </p:tgtEl>
                                         <p:attrNameLst>
                                           <p:attrName>style.visibility</p:attrName>
                                         </p:attrNameLst>
                                       </p:cBhvr>
                                       <p:to>
-                                        <p:strVal val="hidden"/>
+                                        <p:strVal val="visible"/>
                                       </p:to>
                                     </p:set>
                                   </p:childTnLst>
@@ -8854,7 +7337,7 @@
                             </p:stCondLst>
                             <p:childTnLst>
                               <p:par>
-                                <p:cTn id="17" presetID="1" presetClass="entr" presetSubtype="0" fill="hold" grpId="0" nodeType="clickEffect">
+                                <p:cTn id="17" presetID="1" presetClass="exit" presetSubtype="0" fill="hold" nodeType="clickEffect">
                                   <p:stCondLst>
                                     <p:cond delay="0"/>
                                   </p:stCondLst>
@@ -8867,14 +7350,14 @@
                                           </p:stCondLst>
                                         </p:cTn>
                                         <p:tgtEl>
-                                          <p:spTgt spid="57"/>
+                                          <p:spTgt spid="22"/>
                                         </p:tgtEl>
                                         <p:attrNameLst>
                                           <p:attrName>style.visibility</p:attrName>
                                         </p:attrNameLst>
                                       </p:cBhvr>
                                       <p:to>
-                                        <p:strVal val="visible"/>
+                                        <p:strVal val="hidden"/>
                                       </p:to>
                                     </p:set>
                                   </p:childTnLst>
@@ -8912,7 +7395,7 @@
                                           </p:stCondLst>
                                         </p:cTn>
                                         <p:tgtEl>
-                                          <p:spTgt spid="58"/>
+                                          <p:spTgt spid="57"/>
                                         </p:tgtEl>
                                         <p:attrNameLst>
                                           <p:attrName>style.visibility</p:attrName>
@@ -8957,7 +7440,7 @@
                                           </p:stCondLst>
                                         </p:cTn>
                                         <p:tgtEl>
-                                          <p:spTgt spid="6"/>
+                                          <p:spTgt spid="58"/>
                                         </p:tgtEl>
                                         <p:attrNameLst>
                                           <p:attrName>style.visibility</p:attrName>
@@ -8989,7 +7472,7 @@
                             </p:stCondLst>
                             <p:childTnLst>
                               <p:par>
-                                <p:cTn id="29" presetID="1" presetClass="entr" presetSubtype="0" fill="hold" nodeType="clickEffect">
+                                <p:cTn id="29" presetID="1" presetClass="entr" presetSubtype="0" fill="hold" grpId="0" nodeType="clickEffect">
                                   <p:stCondLst>
                                     <p:cond delay="0"/>
                                   </p:stCondLst>
@@ -8997,6 +7480,51 @@
                                     <p:set>
                                       <p:cBhvr>
                                         <p:cTn id="30" dur="1" fill="hold">
+                                          <p:stCondLst>
+                                            <p:cond delay="0"/>
+                                          </p:stCondLst>
+                                        </p:cTn>
+                                        <p:tgtEl>
+                                          <p:spTgt spid="6"/>
+                                        </p:tgtEl>
+                                        <p:attrNameLst>
+                                          <p:attrName>style.visibility</p:attrName>
+                                        </p:attrNameLst>
+                                      </p:cBhvr>
+                                      <p:to>
+                                        <p:strVal val="visible"/>
+                                      </p:to>
+                                    </p:set>
+                                  </p:childTnLst>
+                                </p:cTn>
+                              </p:par>
+                            </p:childTnLst>
+                          </p:cTn>
+                        </p:par>
+                      </p:childTnLst>
+                    </p:cTn>
+                  </p:par>
+                  <p:par>
+                    <p:cTn id="31" fill="hold">
+                      <p:stCondLst>
+                        <p:cond delay="indefinite"/>
+                      </p:stCondLst>
+                      <p:childTnLst>
+                        <p:par>
+                          <p:cTn id="32" fill="hold">
+                            <p:stCondLst>
+                              <p:cond delay="0"/>
+                            </p:stCondLst>
+                            <p:childTnLst>
+                              <p:par>
+                                <p:cTn id="33" presetID="1" presetClass="entr" presetSubtype="0" fill="hold" nodeType="clickEffect">
+                                  <p:stCondLst>
+                                    <p:cond delay="0"/>
+                                  </p:stCondLst>
+                                  <p:childTnLst>
+                                    <p:set>
+                                      <p:cBhvr>
+                                        <p:cTn id="34" dur="1" fill="hold">
                                           <p:stCondLst>
                                             <p:cond delay="0"/>
                                           </p:stCondLst>
@@ -9048,6 +7576,7 @@
       <p:bldP spid="54" grpId="0"/>
       <p:bldP spid="57" grpId="0"/>
       <p:bldP spid="58" grpId="0"/>
+      <p:bldP spid="11" grpId="0"/>
     </p:bldLst>
   </p:timing>
 </p:sld>
@@ -10730,7 +9259,7 @@
               <a:buNone/>
             </a:pPr>
             <a:r>
-              <a:rPr lang="en-GB" sz="1400" dirty="0">
+              <a:rPr lang="en-GB" sz="1400" u="sng" dirty="0">
                 <a:latin typeface="DejaVu Sans Book" panose="020B0603030804020204" pitchFamily="34" charset="0"/>
                 <a:ea typeface="DejaVu Sans Book" panose="020B0603030804020204" pitchFamily="34" charset="0"/>
                 <a:cs typeface="DejaVu Sans Book" panose="020B0603030804020204" pitchFamily="34" charset="0"/>
@@ -11506,6078 +10035,6 @@
       <p:bldP spid="22" grpId="0"/>
     </p:bldLst>
   </p:timing>
-</p:sld>
-</file>
-
-<file path=ppt/slides/slide6.xml><?xml version="1.0" encoding="utf-8"?>
-<p:sld xmlns:a="http://schemas.openxmlformats.org/drawingml/2006/main" xmlns:r="http://schemas.openxmlformats.org/officeDocument/2006/relationships" xmlns:p="http://schemas.openxmlformats.org/presentationml/2006/main">
-  <p:cSld>
-    <p:spTree>
-      <p:nvGrpSpPr>
-        <p:cNvPr id="1" name=""/>
-        <p:cNvGrpSpPr/>
-        <p:nvPr/>
-      </p:nvGrpSpPr>
-      <p:grpSpPr>
-        <a:xfrm>
-          <a:off x="0" y="0"/>
-          <a:ext cx="0" cy="0"/>
-          <a:chOff x="0" y="0"/>
-          <a:chExt cx="0" cy="0"/>
-        </a:xfrm>
-      </p:grpSpPr>
-      <p:sp>
-        <p:nvSpPr>
-          <p:cNvPr id="2" name="Title 1">
-            <a:extLst>
-              <a:ext uri="{FF2B5EF4-FFF2-40B4-BE49-F238E27FC236}">
-                <a16:creationId xmlns:a16="http://schemas.microsoft.com/office/drawing/2014/main" id="{7D951FD5-6FCD-E042-A892-142E147469EA}"/>
-              </a:ext>
-            </a:extLst>
-          </p:cNvPr>
-          <p:cNvSpPr>
-            <a:spLocks noGrp="1"/>
-          </p:cNvSpPr>
-          <p:nvPr>
-            <p:ph type="title"/>
-          </p:nvPr>
-        </p:nvSpPr>
-        <p:spPr/>
-        <p:txBody>
-          <a:bodyPr/>
-          <a:lstStyle/>
-          <a:p>
-            <a:r>
-              <a:rPr lang="en-GB" dirty="0" err="1"/>
-              <a:t>Operatorer</a:t>
-            </a:r>
-            <a:r>
-              <a:rPr lang="en-GB" dirty="0"/>
-              <a:t> </a:t>
-            </a:r>
-            <a:r>
-              <a:rPr lang="en-GB" dirty="0" err="1"/>
-              <a:t>og</a:t>
-            </a:r>
-            <a:r>
-              <a:rPr lang="en-GB" dirty="0"/>
-              <a:t> </a:t>
-            </a:r>
-            <a:r>
-              <a:rPr lang="en-GB" dirty="0" err="1"/>
-              <a:t>præcedens</a:t>
-            </a:r>
-            <a:endParaRPr lang="en-GB" dirty="0"/>
-          </a:p>
-        </p:txBody>
-      </p:sp>
-      <p:sp>
-        <p:nvSpPr>
-          <p:cNvPr id="3" name="Content Placeholder 2">
-            <a:extLst>
-              <a:ext uri="{FF2B5EF4-FFF2-40B4-BE49-F238E27FC236}">
-                <a16:creationId xmlns:a16="http://schemas.microsoft.com/office/drawing/2014/main" id="{01F1339C-CD04-ED4E-A829-7F36C1E0AB5C}"/>
-              </a:ext>
-            </a:extLst>
-          </p:cNvPr>
-          <p:cNvSpPr>
-            <a:spLocks noGrp="1"/>
-          </p:cNvSpPr>
-          <p:nvPr>
-            <p:ph idx="1"/>
-          </p:nvPr>
-        </p:nvSpPr>
-        <p:spPr>
-          <a:xfrm>
-            <a:off x="838200" y="2448341"/>
-            <a:ext cx="2686001" cy="3373392"/>
-          </a:xfrm>
-        </p:spPr>
-        <p:txBody>
-          <a:bodyPr>
-            <a:normAutofit/>
-          </a:bodyPr>
-          <a:lstStyle/>
-          <a:p>
-            <a:pPr marL="0" indent="0">
-              <a:lnSpc>
-                <a:spcPct val="100000"/>
-              </a:lnSpc>
-              <a:buNone/>
-            </a:pPr>
-            <a:r>
-              <a:rPr lang="en-GB" sz="1400" dirty="0">
-                <a:latin typeface="DejaVu Sans Book" panose="020B0603030804020204" pitchFamily="34" charset="0"/>
-                <a:ea typeface="DejaVu Sans Book" panose="020B0603030804020204" pitchFamily="34" charset="0"/>
-                <a:cs typeface="DejaVu Sans Book" panose="020B0603030804020204" pitchFamily="34" charset="0"/>
-              </a:rPr>
-              <a:t>3 + 4</a:t>
-            </a:r>
-          </a:p>
-          <a:p>
-            <a:pPr marL="0" indent="0">
-              <a:lnSpc>
-                <a:spcPct val="100000"/>
-              </a:lnSpc>
-              <a:buNone/>
-            </a:pPr>
-            <a:r>
-              <a:rPr lang="en-GB" sz="1400" dirty="0">
-                <a:latin typeface="DejaVu Sans Book" panose="020B0603030804020204" pitchFamily="34" charset="0"/>
-                <a:ea typeface="DejaVu Sans Book" panose="020B0603030804020204" pitchFamily="34" charset="0"/>
-                <a:cs typeface="DejaVu Sans Book" panose="020B0603030804020204" pitchFamily="34" charset="0"/>
-              </a:rPr>
-              <a:t>3.0 + 4.0</a:t>
-            </a:r>
-          </a:p>
-          <a:p>
-            <a:pPr marL="0" indent="0">
-              <a:lnSpc>
-                <a:spcPct val="100000"/>
-              </a:lnSpc>
-              <a:buNone/>
-            </a:pPr>
-            <a:r>
-              <a:rPr lang="en-GB" sz="1400" u="sng" dirty="0">
-                <a:latin typeface="DejaVu Sans Book" panose="020B0603030804020204" pitchFamily="34" charset="0"/>
-                <a:ea typeface="DejaVu Sans Book" panose="020B0603030804020204" pitchFamily="34" charset="0"/>
-                <a:cs typeface="DejaVu Sans Book" panose="020B0603030804020204" pitchFamily="34" charset="0"/>
-              </a:rPr>
-              <a:t>3 + 4.0</a:t>
-            </a:r>
-          </a:p>
-          <a:p>
-            <a:pPr marL="0" indent="0">
-              <a:lnSpc>
-                <a:spcPct val="100000"/>
-              </a:lnSpc>
-              <a:buNone/>
-            </a:pPr>
-            <a:r>
-              <a:rPr lang="en-GB" sz="1400" dirty="0">
-                <a:latin typeface="DejaVu Sans Book" panose="020B0603030804020204" pitchFamily="34" charset="0"/>
-                <a:ea typeface="DejaVu Sans Book" panose="020B0603030804020204" pitchFamily="34" charset="0"/>
-                <a:cs typeface="DejaVu Sans Book" panose="020B0603030804020204" pitchFamily="34" charset="0"/>
-              </a:rPr>
-              <a:t>5 / 2</a:t>
-            </a:r>
-          </a:p>
-          <a:p>
-            <a:pPr marL="0" indent="0">
-              <a:lnSpc>
-                <a:spcPct val="100000"/>
-              </a:lnSpc>
-              <a:buNone/>
-            </a:pPr>
-            <a:r>
-              <a:rPr lang="en-GB" sz="1400" dirty="0">
-                <a:latin typeface="DejaVu Sans Book" panose="020B0603030804020204" pitchFamily="34" charset="0"/>
-                <a:ea typeface="DejaVu Sans Book" panose="020B0603030804020204" pitchFamily="34" charset="0"/>
-                <a:cs typeface="DejaVu Sans Book" panose="020B0603030804020204" pitchFamily="34" charset="0"/>
-              </a:rPr>
-              <a:t>5 % 2</a:t>
-            </a:r>
-          </a:p>
-          <a:p>
-            <a:pPr marL="0" indent="0">
-              <a:lnSpc>
-                <a:spcPct val="100000"/>
-              </a:lnSpc>
-              <a:buNone/>
-            </a:pPr>
-            <a:r>
-              <a:rPr lang="en-GB" sz="1400" dirty="0">
-                <a:latin typeface="DejaVu Sans Book" panose="020B0603030804020204" pitchFamily="34" charset="0"/>
-                <a:ea typeface="DejaVu Sans Book" panose="020B0603030804020204" pitchFamily="34" charset="0"/>
-                <a:cs typeface="DejaVu Sans Book" panose="020B0603030804020204" pitchFamily="34" charset="0"/>
-              </a:rPr>
-              <a:t>2 * (5 / 2) + 5 % 2</a:t>
-            </a:r>
-          </a:p>
-          <a:p>
-            <a:pPr marL="0" indent="0">
-              <a:lnSpc>
-                <a:spcPct val="100000"/>
-              </a:lnSpc>
-              <a:buNone/>
-            </a:pPr>
-            <a:r>
-              <a:rPr lang="en-GB" sz="1400" dirty="0">
-                <a:latin typeface="DejaVu Sans Book" panose="020B0603030804020204" pitchFamily="34" charset="0"/>
-                <a:ea typeface="DejaVu Sans Book" panose="020B0603030804020204" pitchFamily="34" charset="0"/>
-                <a:cs typeface="DejaVu Sans Book" panose="020B0603030804020204" pitchFamily="34" charset="0"/>
-              </a:rPr>
-              <a:t>2.0 ** 3.0</a:t>
-            </a:r>
-          </a:p>
-          <a:p>
-            <a:pPr marL="0" indent="0">
-              <a:lnSpc>
-                <a:spcPct val="100000"/>
-              </a:lnSpc>
-              <a:buNone/>
-            </a:pPr>
-            <a:r>
-              <a:rPr lang="en-GB" sz="1400" dirty="0" err="1">
-                <a:latin typeface="DejaVu Sans Book" panose="020B0603030804020204" pitchFamily="34" charset="0"/>
-                <a:ea typeface="DejaVu Sans Book" panose="020B0603030804020204" pitchFamily="34" charset="0"/>
-                <a:cs typeface="DejaVu Sans Book" panose="020B0603030804020204" pitchFamily="34" charset="0"/>
-              </a:rPr>
-              <a:t>pown</a:t>
-            </a:r>
-            <a:r>
-              <a:rPr lang="en-GB" sz="1400" dirty="0">
-                <a:latin typeface="DejaVu Sans Book" panose="020B0603030804020204" pitchFamily="34" charset="0"/>
-                <a:ea typeface="DejaVu Sans Book" panose="020B0603030804020204" pitchFamily="34" charset="0"/>
-                <a:cs typeface="DejaVu Sans Book" panose="020B0603030804020204" pitchFamily="34" charset="0"/>
-              </a:rPr>
-              <a:t> 2 3</a:t>
-            </a:r>
-          </a:p>
-          <a:p>
-            <a:pPr marL="0" indent="0">
-              <a:lnSpc>
-                <a:spcPct val="100000"/>
-              </a:lnSpc>
-              <a:buNone/>
-            </a:pPr>
-            <a:r>
-              <a:rPr lang="en-GB" sz="1400" dirty="0">
-                <a:latin typeface="DejaVu Sans Book" panose="020B0603030804020204" pitchFamily="34" charset="0"/>
-                <a:ea typeface="DejaVu Sans Book" panose="020B0603030804020204" pitchFamily="34" charset="0"/>
-                <a:cs typeface="DejaVu Sans Book" panose="020B0603030804020204" pitchFamily="34" charset="0"/>
-              </a:rPr>
-              <a:t>"</a:t>
-            </a:r>
-            <a:r>
-              <a:rPr lang="en-GB" sz="1400" dirty="0" err="1">
-                <a:latin typeface="DejaVu Sans Book" panose="020B0603030804020204" pitchFamily="34" charset="0"/>
-                <a:ea typeface="DejaVu Sans Book" panose="020B0603030804020204" pitchFamily="34" charset="0"/>
-                <a:cs typeface="DejaVu Sans Book" panose="020B0603030804020204" pitchFamily="34" charset="0"/>
-              </a:rPr>
-              <a:t>hej</a:t>
-            </a:r>
-            <a:r>
-              <a:rPr lang="en-GB" sz="1400" dirty="0">
-                <a:latin typeface="DejaVu Sans Book" panose="020B0603030804020204" pitchFamily="34" charset="0"/>
-                <a:ea typeface="DejaVu Sans Book" panose="020B0603030804020204" pitchFamily="34" charset="0"/>
-                <a:cs typeface="DejaVu Sans Book" panose="020B0603030804020204" pitchFamily="34" charset="0"/>
-              </a:rPr>
-              <a:t> " + "med " + "dig"</a:t>
-            </a:r>
-          </a:p>
-        </p:txBody>
-      </p:sp>
-      <p:sp>
-        <p:nvSpPr>
-          <p:cNvPr id="4" name="Content Placeholder 2">
-            <a:extLst>
-              <a:ext uri="{FF2B5EF4-FFF2-40B4-BE49-F238E27FC236}">
-                <a16:creationId xmlns:a16="http://schemas.microsoft.com/office/drawing/2014/main" id="{84CE778E-7175-DD4C-9379-77596FC3CA32}"/>
-              </a:ext>
-            </a:extLst>
-          </p:cNvPr>
-          <p:cNvSpPr txBox="1">
-            <a:spLocks/>
-          </p:cNvSpPr>
-          <p:nvPr/>
-        </p:nvSpPr>
-        <p:spPr>
-          <a:xfrm>
-            <a:off x="3592291" y="2448343"/>
-            <a:ext cx="1964965" cy="3373392"/>
-          </a:xfrm>
-          <a:prstGeom prst="rect">
-            <a:avLst/>
-          </a:prstGeom>
-        </p:spPr>
-        <p:txBody>
-          <a:bodyPr vert="horz" lIns="91440" tIns="45720" rIns="91440" bIns="45720" rtlCol="0">
-            <a:normAutofit/>
-          </a:bodyPr>
-          <a:lstStyle>
-            <a:lvl1pPr marL="228600" indent="-228600" algn="l" defTabSz="914400" rtl="0" eaLnBrk="1" latinLnBrk="0" hangingPunct="1">
-              <a:lnSpc>
-                <a:spcPct val="90000"/>
-              </a:lnSpc>
-              <a:spcBef>
-                <a:spcPts val="1000"/>
-              </a:spcBef>
-              <a:buFont typeface="Arial" panose="020B0604020202020204" pitchFamily="34" charset="0"/>
-              <a:buChar char="•"/>
-              <a:defRPr sz="2800" kern="1200">
-                <a:solidFill>
-                  <a:schemeClr val="tx1"/>
-                </a:solidFill>
-                <a:latin typeface="+mn-lt"/>
-                <a:ea typeface="+mn-ea"/>
-                <a:cs typeface="+mn-cs"/>
-              </a:defRPr>
-            </a:lvl1pPr>
-            <a:lvl2pPr marL="685800" indent="-228600" algn="l" defTabSz="914400" rtl="0" eaLnBrk="1" latinLnBrk="0" hangingPunct="1">
-              <a:lnSpc>
-                <a:spcPct val="90000"/>
-              </a:lnSpc>
-              <a:spcBef>
-                <a:spcPts val="500"/>
-              </a:spcBef>
-              <a:buFont typeface="Arial" panose="020B0604020202020204" pitchFamily="34" charset="0"/>
-              <a:buChar char="•"/>
-              <a:defRPr sz="2400" kern="1200">
-                <a:solidFill>
-                  <a:schemeClr val="tx1"/>
-                </a:solidFill>
-                <a:latin typeface="+mn-lt"/>
-                <a:ea typeface="+mn-ea"/>
-                <a:cs typeface="+mn-cs"/>
-              </a:defRPr>
-            </a:lvl2pPr>
-            <a:lvl3pPr marL="1143000" indent="-228600" algn="l" defTabSz="914400" rtl="0" eaLnBrk="1" latinLnBrk="0" hangingPunct="1">
-              <a:lnSpc>
-                <a:spcPct val="90000"/>
-              </a:lnSpc>
-              <a:spcBef>
-                <a:spcPts val="500"/>
-              </a:spcBef>
-              <a:buFont typeface="Arial" panose="020B0604020202020204" pitchFamily="34" charset="0"/>
-              <a:buChar char="•"/>
-              <a:defRPr sz="2000" kern="1200">
-                <a:solidFill>
-                  <a:schemeClr val="tx1"/>
-                </a:solidFill>
-                <a:latin typeface="+mn-lt"/>
-                <a:ea typeface="+mn-ea"/>
-                <a:cs typeface="+mn-cs"/>
-              </a:defRPr>
-            </a:lvl3pPr>
-            <a:lvl4pPr marL="1600200" indent="-228600" algn="l" defTabSz="914400" rtl="0" eaLnBrk="1" latinLnBrk="0" hangingPunct="1">
-              <a:lnSpc>
-                <a:spcPct val="90000"/>
-              </a:lnSpc>
-              <a:spcBef>
-                <a:spcPts val="500"/>
-              </a:spcBef>
-              <a:buFont typeface="Arial" panose="020B0604020202020204" pitchFamily="34" charset="0"/>
-              <a:buChar char="•"/>
-              <a:defRPr sz="1800" kern="1200">
-                <a:solidFill>
-                  <a:schemeClr val="tx1"/>
-                </a:solidFill>
-                <a:latin typeface="+mn-lt"/>
-                <a:ea typeface="+mn-ea"/>
-                <a:cs typeface="+mn-cs"/>
-              </a:defRPr>
-            </a:lvl4pPr>
-            <a:lvl5pPr marL="2057400" indent="-228600" algn="l" defTabSz="914400" rtl="0" eaLnBrk="1" latinLnBrk="0" hangingPunct="1">
-              <a:lnSpc>
-                <a:spcPct val="90000"/>
-              </a:lnSpc>
-              <a:spcBef>
-                <a:spcPts val="500"/>
-              </a:spcBef>
-              <a:buFont typeface="Arial" panose="020B0604020202020204" pitchFamily="34" charset="0"/>
-              <a:buChar char="•"/>
-              <a:defRPr sz="1800" kern="1200">
-                <a:solidFill>
-                  <a:schemeClr val="tx1"/>
-                </a:solidFill>
-                <a:latin typeface="+mn-lt"/>
-                <a:ea typeface="+mn-ea"/>
-                <a:cs typeface="+mn-cs"/>
-              </a:defRPr>
-            </a:lvl5pPr>
-            <a:lvl6pPr marL="2514600" indent="-228600" algn="l" defTabSz="914400" rtl="0" eaLnBrk="1" latinLnBrk="0" hangingPunct="1">
-              <a:lnSpc>
-                <a:spcPct val="90000"/>
-              </a:lnSpc>
-              <a:spcBef>
-                <a:spcPts val="500"/>
-              </a:spcBef>
-              <a:buFont typeface="Arial" panose="020B0604020202020204" pitchFamily="34" charset="0"/>
-              <a:buChar char="•"/>
-              <a:defRPr sz="1800" kern="1200">
-                <a:solidFill>
-                  <a:schemeClr val="tx1"/>
-                </a:solidFill>
-                <a:latin typeface="+mn-lt"/>
-                <a:ea typeface="+mn-ea"/>
-                <a:cs typeface="+mn-cs"/>
-              </a:defRPr>
-            </a:lvl6pPr>
-            <a:lvl7pPr marL="2971800" indent="-228600" algn="l" defTabSz="914400" rtl="0" eaLnBrk="1" latinLnBrk="0" hangingPunct="1">
-              <a:lnSpc>
-                <a:spcPct val="90000"/>
-              </a:lnSpc>
-              <a:spcBef>
-                <a:spcPts val="500"/>
-              </a:spcBef>
-              <a:buFont typeface="Arial" panose="020B0604020202020204" pitchFamily="34" charset="0"/>
-              <a:buChar char="•"/>
-              <a:defRPr sz="1800" kern="1200">
-                <a:solidFill>
-                  <a:schemeClr val="tx1"/>
-                </a:solidFill>
-                <a:latin typeface="+mn-lt"/>
-                <a:ea typeface="+mn-ea"/>
-                <a:cs typeface="+mn-cs"/>
-              </a:defRPr>
-            </a:lvl7pPr>
-            <a:lvl8pPr marL="3429000" indent="-228600" algn="l" defTabSz="914400" rtl="0" eaLnBrk="1" latinLnBrk="0" hangingPunct="1">
-              <a:lnSpc>
-                <a:spcPct val="90000"/>
-              </a:lnSpc>
-              <a:spcBef>
-                <a:spcPts val="500"/>
-              </a:spcBef>
-              <a:buFont typeface="Arial" panose="020B0604020202020204" pitchFamily="34" charset="0"/>
-              <a:buChar char="•"/>
-              <a:defRPr sz="1800" kern="1200">
-                <a:solidFill>
-                  <a:schemeClr val="tx1"/>
-                </a:solidFill>
-                <a:latin typeface="+mn-lt"/>
-                <a:ea typeface="+mn-ea"/>
-                <a:cs typeface="+mn-cs"/>
-              </a:defRPr>
-            </a:lvl8pPr>
-            <a:lvl9pPr marL="3886200" indent="-228600" algn="l" defTabSz="914400" rtl="0" eaLnBrk="1" latinLnBrk="0" hangingPunct="1">
-              <a:lnSpc>
-                <a:spcPct val="90000"/>
-              </a:lnSpc>
-              <a:spcBef>
-                <a:spcPts val="500"/>
-              </a:spcBef>
-              <a:buFont typeface="Arial" panose="020B0604020202020204" pitchFamily="34" charset="0"/>
-              <a:buChar char="•"/>
-              <a:defRPr sz="1800" kern="1200">
-                <a:solidFill>
-                  <a:schemeClr val="tx1"/>
-                </a:solidFill>
-                <a:latin typeface="+mn-lt"/>
-                <a:ea typeface="+mn-ea"/>
-                <a:cs typeface="+mn-cs"/>
-              </a:defRPr>
-            </a:lvl9pPr>
-          </a:lstStyle>
-          <a:p>
-            <a:pPr marL="0" indent="0">
-              <a:lnSpc>
-                <a:spcPct val="100000"/>
-              </a:lnSpc>
-              <a:buNone/>
-            </a:pPr>
-            <a:r>
-              <a:rPr lang="en-GB" sz="1400" dirty="0" err="1">
-                <a:latin typeface="DejaVu Sans Book" panose="020B0603030804020204" pitchFamily="34" charset="0"/>
-                <a:ea typeface="DejaVu Sans Book" panose="020B0603030804020204" pitchFamily="34" charset="0"/>
-                <a:cs typeface="DejaVu Sans Book" panose="020B0603030804020204" pitchFamily="34" charset="0"/>
-              </a:rPr>
-              <a:t>exp</a:t>
-            </a:r>
-            <a:r>
-              <a:rPr lang="en-GB" sz="1400" dirty="0">
-                <a:latin typeface="DejaVu Sans Book" panose="020B0603030804020204" pitchFamily="34" charset="0"/>
-                <a:ea typeface="DejaVu Sans Book" panose="020B0603030804020204" pitchFamily="34" charset="0"/>
-                <a:cs typeface="DejaVu Sans Book" panose="020B0603030804020204" pitchFamily="34" charset="0"/>
-              </a:rPr>
-              <a:t> 0.0</a:t>
-            </a:r>
-          </a:p>
-          <a:p>
-            <a:pPr marL="0" indent="0">
-              <a:lnSpc>
-                <a:spcPct val="100000"/>
-              </a:lnSpc>
-              <a:buNone/>
-            </a:pPr>
-            <a:r>
-              <a:rPr lang="en-GB" sz="1400" dirty="0" err="1">
-                <a:latin typeface="DejaVu Sans Book" panose="020B0603030804020204" pitchFamily="34" charset="0"/>
-                <a:ea typeface="DejaVu Sans Book" panose="020B0603030804020204" pitchFamily="34" charset="0"/>
-                <a:cs typeface="DejaVu Sans Book" panose="020B0603030804020204" pitchFamily="34" charset="0"/>
-              </a:rPr>
-              <a:t>exp</a:t>
-            </a:r>
-            <a:r>
-              <a:rPr lang="en-GB" sz="1400" dirty="0">
-                <a:latin typeface="DejaVu Sans Book" panose="020B0603030804020204" pitchFamily="34" charset="0"/>
-                <a:ea typeface="DejaVu Sans Book" panose="020B0603030804020204" pitchFamily="34" charset="0"/>
-                <a:cs typeface="DejaVu Sans Book" panose="020B0603030804020204" pitchFamily="34" charset="0"/>
-              </a:rPr>
-              <a:t> 1.0</a:t>
-            </a:r>
-          </a:p>
-          <a:p>
-            <a:pPr marL="0" indent="0">
-              <a:lnSpc>
-                <a:spcPct val="100000"/>
-              </a:lnSpc>
-              <a:buNone/>
-            </a:pPr>
-            <a:r>
-              <a:rPr lang="en-GB" sz="1400" dirty="0" err="1">
-                <a:latin typeface="DejaVu Sans Book" panose="020B0603030804020204" pitchFamily="34" charset="0"/>
-                <a:ea typeface="DejaVu Sans Book" panose="020B0603030804020204" pitchFamily="34" charset="0"/>
-                <a:cs typeface="DejaVu Sans Book" panose="020B0603030804020204" pitchFamily="34" charset="0"/>
-              </a:rPr>
-              <a:t>exp</a:t>
-            </a:r>
-            <a:r>
-              <a:rPr lang="en-GB" sz="1400" dirty="0">
-                <a:latin typeface="DejaVu Sans Book" panose="020B0603030804020204" pitchFamily="34" charset="0"/>
-                <a:ea typeface="DejaVu Sans Book" panose="020B0603030804020204" pitchFamily="34" charset="0"/>
-                <a:cs typeface="DejaVu Sans Book" panose="020B0603030804020204" pitchFamily="34" charset="0"/>
-              </a:rPr>
-              <a:t> 0.0 + 1.0</a:t>
-            </a:r>
-          </a:p>
-          <a:p>
-            <a:pPr marL="0" indent="0">
-              <a:lnSpc>
-                <a:spcPct val="100000"/>
-              </a:lnSpc>
-              <a:buNone/>
-            </a:pPr>
-            <a:r>
-              <a:rPr lang="en-GB" sz="1400" u="sng" dirty="0">
-                <a:latin typeface="DejaVu Sans Book" panose="020B0603030804020204" pitchFamily="34" charset="0"/>
-                <a:ea typeface="DejaVu Sans Book" panose="020B0603030804020204" pitchFamily="34" charset="0"/>
-                <a:cs typeface="DejaVu Sans Book" panose="020B0603030804020204" pitchFamily="34" charset="0"/>
-              </a:rPr>
-              <a:t>2.0 ** 3.0 ** 4.0</a:t>
-            </a:r>
-          </a:p>
-          <a:p>
-            <a:pPr marL="0" indent="0">
-              <a:lnSpc>
-                <a:spcPct val="100000"/>
-              </a:lnSpc>
-              <a:buNone/>
-            </a:pPr>
-            <a:r>
-              <a:rPr lang="en-GB" sz="1400" u="sng" dirty="0">
-                <a:latin typeface="DejaVu Sans Book" panose="020B0603030804020204" pitchFamily="34" charset="0"/>
-                <a:ea typeface="DejaVu Sans Book" panose="020B0603030804020204" pitchFamily="34" charset="0"/>
-                <a:cs typeface="DejaVu Sans Book" panose="020B0603030804020204" pitchFamily="34" charset="0"/>
-              </a:rPr>
-              <a:t>2.0 / 3.0 / 4.0</a:t>
-            </a:r>
-          </a:p>
-        </p:txBody>
-      </p:sp>
-      <p:sp>
-        <p:nvSpPr>
-          <p:cNvPr id="5" name="Content Placeholder 2">
-            <a:extLst>
-              <a:ext uri="{FF2B5EF4-FFF2-40B4-BE49-F238E27FC236}">
-                <a16:creationId xmlns:a16="http://schemas.microsoft.com/office/drawing/2014/main" id="{74FB4E8C-854A-1A44-B8DC-7EBB5C6FCF31}"/>
-              </a:ext>
-            </a:extLst>
-          </p:cNvPr>
-          <p:cNvSpPr txBox="1">
-            <a:spLocks/>
-          </p:cNvSpPr>
-          <p:nvPr/>
-        </p:nvSpPr>
-        <p:spPr>
-          <a:xfrm>
-            <a:off x="5612677" y="2448343"/>
-            <a:ext cx="2740914" cy="3373392"/>
-          </a:xfrm>
-          <a:prstGeom prst="rect">
-            <a:avLst/>
-          </a:prstGeom>
-        </p:spPr>
-        <p:txBody>
-          <a:bodyPr vert="horz" lIns="91440" tIns="45720" rIns="91440" bIns="45720" rtlCol="0">
-            <a:normAutofit/>
-          </a:bodyPr>
-          <a:lstStyle>
-            <a:lvl1pPr marL="228600" indent="-228600" algn="l" defTabSz="914400" rtl="0" eaLnBrk="1" latinLnBrk="0" hangingPunct="1">
-              <a:lnSpc>
-                <a:spcPct val="90000"/>
-              </a:lnSpc>
-              <a:spcBef>
-                <a:spcPts val="1000"/>
-              </a:spcBef>
-              <a:buFont typeface="Arial" panose="020B0604020202020204" pitchFamily="34" charset="0"/>
-              <a:buChar char="•"/>
-              <a:defRPr sz="2800" kern="1200">
-                <a:solidFill>
-                  <a:schemeClr val="tx1"/>
-                </a:solidFill>
-                <a:latin typeface="+mn-lt"/>
-                <a:ea typeface="+mn-ea"/>
-                <a:cs typeface="+mn-cs"/>
-              </a:defRPr>
-            </a:lvl1pPr>
-            <a:lvl2pPr marL="685800" indent="-228600" algn="l" defTabSz="914400" rtl="0" eaLnBrk="1" latinLnBrk="0" hangingPunct="1">
-              <a:lnSpc>
-                <a:spcPct val="90000"/>
-              </a:lnSpc>
-              <a:spcBef>
-                <a:spcPts val="500"/>
-              </a:spcBef>
-              <a:buFont typeface="Arial" panose="020B0604020202020204" pitchFamily="34" charset="0"/>
-              <a:buChar char="•"/>
-              <a:defRPr sz="2400" kern="1200">
-                <a:solidFill>
-                  <a:schemeClr val="tx1"/>
-                </a:solidFill>
-                <a:latin typeface="+mn-lt"/>
-                <a:ea typeface="+mn-ea"/>
-                <a:cs typeface="+mn-cs"/>
-              </a:defRPr>
-            </a:lvl2pPr>
-            <a:lvl3pPr marL="1143000" indent="-228600" algn="l" defTabSz="914400" rtl="0" eaLnBrk="1" latinLnBrk="0" hangingPunct="1">
-              <a:lnSpc>
-                <a:spcPct val="90000"/>
-              </a:lnSpc>
-              <a:spcBef>
-                <a:spcPts val="500"/>
-              </a:spcBef>
-              <a:buFont typeface="Arial" panose="020B0604020202020204" pitchFamily="34" charset="0"/>
-              <a:buChar char="•"/>
-              <a:defRPr sz="2000" kern="1200">
-                <a:solidFill>
-                  <a:schemeClr val="tx1"/>
-                </a:solidFill>
-                <a:latin typeface="+mn-lt"/>
-                <a:ea typeface="+mn-ea"/>
-                <a:cs typeface="+mn-cs"/>
-              </a:defRPr>
-            </a:lvl3pPr>
-            <a:lvl4pPr marL="1600200" indent="-228600" algn="l" defTabSz="914400" rtl="0" eaLnBrk="1" latinLnBrk="0" hangingPunct="1">
-              <a:lnSpc>
-                <a:spcPct val="90000"/>
-              </a:lnSpc>
-              <a:spcBef>
-                <a:spcPts val="500"/>
-              </a:spcBef>
-              <a:buFont typeface="Arial" panose="020B0604020202020204" pitchFamily="34" charset="0"/>
-              <a:buChar char="•"/>
-              <a:defRPr sz="1800" kern="1200">
-                <a:solidFill>
-                  <a:schemeClr val="tx1"/>
-                </a:solidFill>
-                <a:latin typeface="+mn-lt"/>
-                <a:ea typeface="+mn-ea"/>
-                <a:cs typeface="+mn-cs"/>
-              </a:defRPr>
-            </a:lvl4pPr>
-            <a:lvl5pPr marL="2057400" indent="-228600" algn="l" defTabSz="914400" rtl="0" eaLnBrk="1" latinLnBrk="0" hangingPunct="1">
-              <a:lnSpc>
-                <a:spcPct val="90000"/>
-              </a:lnSpc>
-              <a:spcBef>
-                <a:spcPts val="500"/>
-              </a:spcBef>
-              <a:buFont typeface="Arial" panose="020B0604020202020204" pitchFamily="34" charset="0"/>
-              <a:buChar char="•"/>
-              <a:defRPr sz="1800" kern="1200">
-                <a:solidFill>
-                  <a:schemeClr val="tx1"/>
-                </a:solidFill>
-                <a:latin typeface="+mn-lt"/>
-                <a:ea typeface="+mn-ea"/>
-                <a:cs typeface="+mn-cs"/>
-              </a:defRPr>
-            </a:lvl5pPr>
-            <a:lvl6pPr marL="2514600" indent="-228600" algn="l" defTabSz="914400" rtl="0" eaLnBrk="1" latinLnBrk="0" hangingPunct="1">
-              <a:lnSpc>
-                <a:spcPct val="90000"/>
-              </a:lnSpc>
-              <a:spcBef>
-                <a:spcPts val="500"/>
-              </a:spcBef>
-              <a:buFont typeface="Arial" panose="020B0604020202020204" pitchFamily="34" charset="0"/>
-              <a:buChar char="•"/>
-              <a:defRPr sz="1800" kern="1200">
-                <a:solidFill>
-                  <a:schemeClr val="tx1"/>
-                </a:solidFill>
-                <a:latin typeface="+mn-lt"/>
-                <a:ea typeface="+mn-ea"/>
-                <a:cs typeface="+mn-cs"/>
-              </a:defRPr>
-            </a:lvl6pPr>
-            <a:lvl7pPr marL="2971800" indent="-228600" algn="l" defTabSz="914400" rtl="0" eaLnBrk="1" latinLnBrk="0" hangingPunct="1">
-              <a:lnSpc>
-                <a:spcPct val="90000"/>
-              </a:lnSpc>
-              <a:spcBef>
-                <a:spcPts val="500"/>
-              </a:spcBef>
-              <a:buFont typeface="Arial" panose="020B0604020202020204" pitchFamily="34" charset="0"/>
-              <a:buChar char="•"/>
-              <a:defRPr sz="1800" kern="1200">
-                <a:solidFill>
-                  <a:schemeClr val="tx1"/>
-                </a:solidFill>
-                <a:latin typeface="+mn-lt"/>
-                <a:ea typeface="+mn-ea"/>
-                <a:cs typeface="+mn-cs"/>
-              </a:defRPr>
-            </a:lvl7pPr>
-            <a:lvl8pPr marL="3429000" indent="-228600" algn="l" defTabSz="914400" rtl="0" eaLnBrk="1" latinLnBrk="0" hangingPunct="1">
-              <a:lnSpc>
-                <a:spcPct val="90000"/>
-              </a:lnSpc>
-              <a:spcBef>
-                <a:spcPts val="500"/>
-              </a:spcBef>
-              <a:buFont typeface="Arial" panose="020B0604020202020204" pitchFamily="34" charset="0"/>
-              <a:buChar char="•"/>
-              <a:defRPr sz="1800" kern="1200">
-                <a:solidFill>
-                  <a:schemeClr val="tx1"/>
-                </a:solidFill>
-                <a:latin typeface="+mn-lt"/>
-                <a:ea typeface="+mn-ea"/>
-                <a:cs typeface="+mn-cs"/>
-              </a:defRPr>
-            </a:lvl8pPr>
-            <a:lvl9pPr marL="3886200" indent="-228600" algn="l" defTabSz="914400" rtl="0" eaLnBrk="1" latinLnBrk="0" hangingPunct="1">
-              <a:lnSpc>
-                <a:spcPct val="90000"/>
-              </a:lnSpc>
-              <a:spcBef>
-                <a:spcPts val="500"/>
-              </a:spcBef>
-              <a:buFont typeface="Arial" panose="020B0604020202020204" pitchFamily="34" charset="0"/>
-              <a:buChar char="•"/>
-              <a:defRPr sz="1800" kern="1200">
-                <a:solidFill>
-                  <a:schemeClr val="tx1"/>
-                </a:solidFill>
-                <a:latin typeface="+mn-lt"/>
-                <a:ea typeface="+mn-ea"/>
-                <a:cs typeface="+mn-cs"/>
-              </a:defRPr>
-            </a:lvl9pPr>
-          </a:lstStyle>
-          <a:p>
-            <a:pPr marL="0" indent="0">
-              <a:lnSpc>
-                <a:spcPct val="100000"/>
-              </a:lnSpc>
-              <a:buNone/>
-            </a:pPr>
-            <a:r>
-              <a:rPr lang="en-GB" sz="1400" dirty="0">
-                <a:latin typeface="DejaVu Sans Book" panose="020B0603030804020204" pitchFamily="34" charset="0"/>
-                <a:ea typeface="DejaVu Sans Book" panose="020B0603030804020204" pitchFamily="34" charset="0"/>
-                <a:cs typeface="DejaVu Sans Book" panose="020B0603030804020204" pitchFamily="34" charset="0"/>
-              </a:rPr>
-              <a:t>float 3</a:t>
-            </a:r>
-          </a:p>
-          <a:p>
-            <a:pPr marL="0" indent="0">
-              <a:lnSpc>
-                <a:spcPct val="100000"/>
-              </a:lnSpc>
-              <a:buNone/>
-            </a:pPr>
-            <a:r>
-              <a:rPr lang="en-GB" sz="1400" dirty="0" err="1">
-                <a:latin typeface="DejaVu Sans Book" panose="020B0603030804020204" pitchFamily="34" charset="0"/>
-                <a:ea typeface="DejaVu Sans Book" panose="020B0603030804020204" pitchFamily="34" charset="0"/>
-                <a:cs typeface="DejaVu Sans Book" panose="020B0603030804020204" pitchFamily="34" charset="0"/>
-              </a:rPr>
-              <a:t>int</a:t>
-            </a:r>
-            <a:r>
-              <a:rPr lang="en-GB" sz="1400" dirty="0">
-                <a:latin typeface="DejaVu Sans Book" panose="020B0603030804020204" pitchFamily="34" charset="0"/>
-                <a:ea typeface="DejaVu Sans Book" panose="020B0603030804020204" pitchFamily="34" charset="0"/>
-                <a:cs typeface="DejaVu Sans Book" panose="020B0603030804020204" pitchFamily="34" charset="0"/>
-              </a:rPr>
-              <a:t> 3.2</a:t>
-            </a:r>
-          </a:p>
-          <a:p>
-            <a:pPr marL="0" indent="0">
-              <a:lnSpc>
-                <a:spcPct val="100000"/>
-              </a:lnSpc>
-              <a:buNone/>
-            </a:pPr>
-            <a:r>
-              <a:rPr lang="en-GB" sz="1400" dirty="0" err="1">
-                <a:latin typeface="DejaVu Sans Book" panose="020B0603030804020204" pitchFamily="34" charset="0"/>
-                <a:ea typeface="DejaVu Sans Book" panose="020B0603030804020204" pitchFamily="34" charset="0"/>
-                <a:cs typeface="DejaVu Sans Book" panose="020B0603030804020204" pitchFamily="34" charset="0"/>
-              </a:rPr>
-              <a:t>int</a:t>
-            </a:r>
-            <a:r>
-              <a:rPr lang="en-GB" sz="1400" dirty="0">
-                <a:latin typeface="DejaVu Sans Book" panose="020B0603030804020204" pitchFamily="34" charset="0"/>
-                <a:ea typeface="DejaVu Sans Book" panose="020B0603030804020204" pitchFamily="34" charset="0"/>
-                <a:cs typeface="DejaVu Sans Book" panose="020B0603030804020204" pitchFamily="34" charset="0"/>
-              </a:rPr>
-              <a:t> 3.6</a:t>
-            </a:r>
-          </a:p>
-          <a:p>
-            <a:pPr marL="0" indent="0">
-              <a:lnSpc>
-                <a:spcPct val="100000"/>
-              </a:lnSpc>
-              <a:buNone/>
-            </a:pPr>
-            <a:r>
-              <a:rPr lang="en-GB" sz="1400" u="sng" dirty="0" err="1">
-                <a:latin typeface="DejaVu Sans Book" panose="020B0603030804020204" pitchFamily="34" charset="0"/>
-                <a:ea typeface="DejaVu Sans Book" panose="020B0603030804020204" pitchFamily="34" charset="0"/>
-                <a:cs typeface="DejaVu Sans Book" panose="020B0603030804020204" pitchFamily="34" charset="0"/>
-              </a:rPr>
-              <a:t>int</a:t>
-            </a:r>
-            <a:r>
-              <a:rPr lang="en-GB" sz="1400" u="sng" dirty="0">
-                <a:latin typeface="DejaVu Sans Book" panose="020B0603030804020204" pitchFamily="34" charset="0"/>
-                <a:ea typeface="DejaVu Sans Book" panose="020B0603030804020204" pitchFamily="34" charset="0"/>
-                <a:cs typeface="DejaVu Sans Book" panose="020B0603030804020204" pitchFamily="34" charset="0"/>
-              </a:rPr>
-              <a:t> (3.2 + 0.5)</a:t>
-            </a:r>
-          </a:p>
-          <a:p>
-            <a:pPr marL="0" indent="0">
-              <a:lnSpc>
-                <a:spcPct val="100000"/>
-              </a:lnSpc>
-              <a:buNone/>
-            </a:pPr>
-            <a:r>
-              <a:rPr lang="en-GB" sz="1400" u="sng" dirty="0" err="1">
-                <a:latin typeface="DejaVu Sans Book" panose="020B0603030804020204" pitchFamily="34" charset="0"/>
-                <a:ea typeface="DejaVu Sans Book" panose="020B0603030804020204" pitchFamily="34" charset="0"/>
-                <a:cs typeface="DejaVu Sans Book" panose="020B0603030804020204" pitchFamily="34" charset="0"/>
-              </a:rPr>
-              <a:t>int</a:t>
-            </a:r>
-            <a:r>
-              <a:rPr lang="en-GB" sz="1400" u="sng" dirty="0">
-                <a:latin typeface="DejaVu Sans Book" panose="020B0603030804020204" pitchFamily="34" charset="0"/>
-                <a:ea typeface="DejaVu Sans Book" panose="020B0603030804020204" pitchFamily="34" charset="0"/>
-                <a:cs typeface="DejaVu Sans Book" panose="020B0603030804020204" pitchFamily="34" charset="0"/>
-              </a:rPr>
-              <a:t> (3.6 + 0.5)</a:t>
-            </a:r>
-          </a:p>
-          <a:p>
-            <a:pPr marL="0" indent="0">
-              <a:lnSpc>
-                <a:spcPct val="100000"/>
-              </a:lnSpc>
-              <a:buNone/>
-            </a:pPr>
-            <a:r>
-              <a:rPr lang="en-GB" sz="1400" dirty="0" err="1">
-                <a:latin typeface="DejaVu Sans Book" panose="020B0603030804020204" pitchFamily="34" charset="0"/>
-                <a:ea typeface="DejaVu Sans Book" panose="020B0603030804020204" pitchFamily="34" charset="0"/>
-                <a:cs typeface="DejaVu Sans Book" panose="020B0603030804020204" pitchFamily="34" charset="0"/>
-              </a:rPr>
-              <a:t>int</a:t>
-            </a:r>
-            <a:r>
-              <a:rPr lang="en-GB" sz="1400" dirty="0">
-                <a:latin typeface="DejaVu Sans Book" panose="020B0603030804020204" pitchFamily="34" charset="0"/>
-                <a:ea typeface="DejaVu Sans Book" panose="020B0603030804020204" pitchFamily="34" charset="0"/>
-                <a:cs typeface="DejaVu Sans Book" panose="020B0603030804020204" pitchFamily="34" charset="0"/>
-              </a:rPr>
-              <a:t> 'a'</a:t>
-            </a:r>
-          </a:p>
-          <a:p>
-            <a:pPr marL="0" indent="0">
-              <a:lnSpc>
-                <a:spcPct val="100000"/>
-              </a:lnSpc>
-              <a:buNone/>
-            </a:pPr>
-            <a:r>
-              <a:rPr lang="en-GB" sz="1400" dirty="0" err="1">
-                <a:latin typeface="DejaVu Sans Book" panose="020B0603030804020204" pitchFamily="34" charset="0"/>
-                <a:ea typeface="DejaVu Sans Book" panose="020B0603030804020204" pitchFamily="34" charset="0"/>
-                <a:cs typeface="DejaVu Sans Book" panose="020B0603030804020204" pitchFamily="34" charset="0"/>
-              </a:rPr>
-              <a:t>int</a:t>
-            </a:r>
-            <a:r>
-              <a:rPr lang="en-GB" sz="1400" dirty="0">
-                <a:latin typeface="DejaVu Sans Book" panose="020B0603030804020204" pitchFamily="34" charset="0"/>
-                <a:ea typeface="DejaVu Sans Book" panose="020B0603030804020204" pitchFamily="34" charset="0"/>
-                <a:cs typeface="DejaVu Sans Book" panose="020B0603030804020204" pitchFamily="34" charset="0"/>
-              </a:rPr>
-              <a:t> 'A'</a:t>
-            </a:r>
-          </a:p>
-          <a:p>
-            <a:pPr marL="0" indent="0">
-              <a:lnSpc>
-                <a:spcPct val="100000"/>
-              </a:lnSpc>
-              <a:buNone/>
-            </a:pPr>
-            <a:r>
-              <a:rPr lang="en-GB" sz="1400" dirty="0">
-                <a:latin typeface="DejaVu Sans Book" panose="020B0603030804020204" pitchFamily="34" charset="0"/>
-                <a:ea typeface="DejaVu Sans Book" panose="020B0603030804020204" pitchFamily="34" charset="0"/>
-                <a:cs typeface="DejaVu Sans Book" panose="020B0603030804020204" pitchFamily="34" charset="0"/>
-              </a:rPr>
-              <a:t>char 65</a:t>
-            </a:r>
-          </a:p>
-          <a:p>
-            <a:pPr marL="0" indent="0">
-              <a:lnSpc>
-                <a:spcPct val="100000"/>
-              </a:lnSpc>
-              <a:buNone/>
-            </a:pPr>
-            <a:r>
-              <a:rPr lang="en-GB" sz="1400" dirty="0">
-                <a:latin typeface="DejaVu Sans Book" panose="020B0603030804020204" pitchFamily="34" charset="0"/>
-                <a:ea typeface="DejaVu Sans Book" panose="020B0603030804020204" pitchFamily="34" charset="0"/>
-                <a:cs typeface="DejaVu Sans Book" panose="020B0603030804020204" pitchFamily="34" charset="0"/>
-              </a:rPr>
-              <a:t>char (</a:t>
-            </a:r>
-            <a:r>
-              <a:rPr lang="en-GB" sz="1400" dirty="0" err="1">
-                <a:latin typeface="DejaVu Sans Book" panose="020B0603030804020204" pitchFamily="34" charset="0"/>
-                <a:ea typeface="DejaVu Sans Book" panose="020B0603030804020204" pitchFamily="34" charset="0"/>
-                <a:cs typeface="DejaVu Sans Book" panose="020B0603030804020204" pitchFamily="34" charset="0"/>
-              </a:rPr>
-              <a:t>int</a:t>
-            </a:r>
-            <a:r>
-              <a:rPr lang="en-GB" sz="1400" dirty="0">
-                <a:latin typeface="DejaVu Sans Book" panose="020B0603030804020204" pitchFamily="34" charset="0"/>
-                <a:ea typeface="DejaVu Sans Book" panose="020B0603030804020204" pitchFamily="34" charset="0"/>
-                <a:cs typeface="DejaVu Sans Book" panose="020B0603030804020204" pitchFamily="34" charset="0"/>
-              </a:rPr>
-              <a:t> 'c' - </a:t>
-            </a:r>
-            <a:r>
-              <a:rPr lang="en-GB" sz="1400" dirty="0" err="1">
-                <a:latin typeface="DejaVu Sans Book" panose="020B0603030804020204" pitchFamily="34" charset="0"/>
-                <a:ea typeface="DejaVu Sans Book" panose="020B0603030804020204" pitchFamily="34" charset="0"/>
-                <a:cs typeface="DejaVu Sans Book" panose="020B0603030804020204" pitchFamily="34" charset="0"/>
-              </a:rPr>
-              <a:t>int</a:t>
-            </a:r>
-            <a:r>
-              <a:rPr lang="en-GB" sz="1400" dirty="0">
-                <a:latin typeface="DejaVu Sans Book" panose="020B0603030804020204" pitchFamily="34" charset="0"/>
-                <a:ea typeface="DejaVu Sans Book" panose="020B0603030804020204" pitchFamily="34" charset="0"/>
-                <a:cs typeface="DejaVu Sans Book" panose="020B0603030804020204" pitchFamily="34" charset="0"/>
-              </a:rPr>
-              <a:t> 'a' + </a:t>
-            </a:r>
-            <a:r>
-              <a:rPr lang="en-GB" sz="1400" dirty="0" err="1">
-                <a:latin typeface="DejaVu Sans Book" panose="020B0603030804020204" pitchFamily="34" charset="0"/>
-                <a:ea typeface="DejaVu Sans Book" panose="020B0603030804020204" pitchFamily="34" charset="0"/>
-                <a:cs typeface="DejaVu Sans Book" panose="020B0603030804020204" pitchFamily="34" charset="0"/>
-              </a:rPr>
-              <a:t>int</a:t>
-            </a:r>
-            <a:r>
-              <a:rPr lang="en-GB" sz="1400" dirty="0">
-                <a:latin typeface="DejaVu Sans Book" panose="020B0603030804020204" pitchFamily="34" charset="0"/>
-                <a:ea typeface="DejaVu Sans Book" panose="020B0603030804020204" pitchFamily="34" charset="0"/>
-                <a:cs typeface="DejaVu Sans Book" panose="020B0603030804020204" pitchFamily="34" charset="0"/>
-              </a:rPr>
-              <a:t> 'A')</a:t>
-            </a:r>
-          </a:p>
-        </p:txBody>
-      </p:sp>
-      <p:sp>
-        <p:nvSpPr>
-          <p:cNvPr id="6" name="Content Placeholder 2">
-            <a:extLst>
-              <a:ext uri="{FF2B5EF4-FFF2-40B4-BE49-F238E27FC236}">
-                <a16:creationId xmlns:a16="http://schemas.microsoft.com/office/drawing/2014/main" id="{BEAFB9E9-7E5C-E84B-84B5-3F813D7396C1}"/>
-              </a:ext>
-            </a:extLst>
-          </p:cNvPr>
-          <p:cNvSpPr txBox="1">
-            <a:spLocks/>
-          </p:cNvSpPr>
-          <p:nvPr/>
-        </p:nvSpPr>
-        <p:spPr>
-          <a:xfrm>
-            <a:off x="8483242" y="2448343"/>
-            <a:ext cx="2870563" cy="3373392"/>
-          </a:xfrm>
-          <a:prstGeom prst="rect">
-            <a:avLst/>
-          </a:prstGeom>
-        </p:spPr>
-        <p:txBody>
-          <a:bodyPr vert="horz" lIns="91440" tIns="45720" rIns="91440" bIns="45720" rtlCol="0">
-            <a:normAutofit/>
-          </a:bodyPr>
-          <a:lstStyle>
-            <a:lvl1pPr marL="228600" indent="-228600" algn="l" defTabSz="914400" rtl="0" eaLnBrk="1" latinLnBrk="0" hangingPunct="1">
-              <a:lnSpc>
-                <a:spcPct val="90000"/>
-              </a:lnSpc>
-              <a:spcBef>
-                <a:spcPts val="1000"/>
-              </a:spcBef>
-              <a:buFont typeface="Arial" panose="020B0604020202020204" pitchFamily="34" charset="0"/>
-              <a:buChar char="•"/>
-              <a:defRPr sz="2800" kern="1200">
-                <a:solidFill>
-                  <a:schemeClr val="tx1"/>
-                </a:solidFill>
-                <a:latin typeface="+mn-lt"/>
-                <a:ea typeface="+mn-ea"/>
-                <a:cs typeface="+mn-cs"/>
-              </a:defRPr>
-            </a:lvl1pPr>
-            <a:lvl2pPr marL="685800" indent="-228600" algn="l" defTabSz="914400" rtl="0" eaLnBrk="1" latinLnBrk="0" hangingPunct="1">
-              <a:lnSpc>
-                <a:spcPct val="90000"/>
-              </a:lnSpc>
-              <a:spcBef>
-                <a:spcPts val="500"/>
-              </a:spcBef>
-              <a:buFont typeface="Arial" panose="020B0604020202020204" pitchFamily="34" charset="0"/>
-              <a:buChar char="•"/>
-              <a:defRPr sz="2400" kern="1200">
-                <a:solidFill>
-                  <a:schemeClr val="tx1"/>
-                </a:solidFill>
-                <a:latin typeface="+mn-lt"/>
-                <a:ea typeface="+mn-ea"/>
-                <a:cs typeface="+mn-cs"/>
-              </a:defRPr>
-            </a:lvl2pPr>
-            <a:lvl3pPr marL="1143000" indent="-228600" algn="l" defTabSz="914400" rtl="0" eaLnBrk="1" latinLnBrk="0" hangingPunct="1">
-              <a:lnSpc>
-                <a:spcPct val="90000"/>
-              </a:lnSpc>
-              <a:spcBef>
-                <a:spcPts val="500"/>
-              </a:spcBef>
-              <a:buFont typeface="Arial" panose="020B0604020202020204" pitchFamily="34" charset="0"/>
-              <a:buChar char="•"/>
-              <a:defRPr sz="2000" kern="1200">
-                <a:solidFill>
-                  <a:schemeClr val="tx1"/>
-                </a:solidFill>
-                <a:latin typeface="+mn-lt"/>
-                <a:ea typeface="+mn-ea"/>
-                <a:cs typeface="+mn-cs"/>
-              </a:defRPr>
-            </a:lvl3pPr>
-            <a:lvl4pPr marL="1600200" indent="-228600" algn="l" defTabSz="914400" rtl="0" eaLnBrk="1" latinLnBrk="0" hangingPunct="1">
-              <a:lnSpc>
-                <a:spcPct val="90000"/>
-              </a:lnSpc>
-              <a:spcBef>
-                <a:spcPts val="500"/>
-              </a:spcBef>
-              <a:buFont typeface="Arial" panose="020B0604020202020204" pitchFamily="34" charset="0"/>
-              <a:buChar char="•"/>
-              <a:defRPr sz="1800" kern="1200">
-                <a:solidFill>
-                  <a:schemeClr val="tx1"/>
-                </a:solidFill>
-                <a:latin typeface="+mn-lt"/>
-                <a:ea typeface="+mn-ea"/>
-                <a:cs typeface="+mn-cs"/>
-              </a:defRPr>
-            </a:lvl4pPr>
-            <a:lvl5pPr marL="2057400" indent="-228600" algn="l" defTabSz="914400" rtl="0" eaLnBrk="1" latinLnBrk="0" hangingPunct="1">
-              <a:lnSpc>
-                <a:spcPct val="90000"/>
-              </a:lnSpc>
-              <a:spcBef>
-                <a:spcPts val="500"/>
-              </a:spcBef>
-              <a:buFont typeface="Arial" panose="020B0604020202020204" pitchFamily="34" charset="0"/>
-              <a:buChar char="•"/>
-              <a:defRPr sz="1800" kern="1200">
-                <a:solidFill>
-                  <a:schemeClr val="tx1"/>
-                </a:solidFill>
-                <a:latin typeface="+mn-lt"/>
-                <a:ea typeface="+mn-ea"/>
-                <a:cs typeface="+mn-cs"/>
-              </a:defRPr>
-            </a:lvl5pPr>
-            <a:lvl6pPr marL="2514600" indent="-228600" algn="l" defTabSz="914400" rtl="0" eaLnBrk="1" latinLnBrk="0" hangingPunct="1">
-              <a:lnSpc>
-                <a:spcPct val="90000"/>
-              </a:lnSpc>
-              <a:spcBef>
-                <a:spcPts val="500"/>
-              </a:spcBef>
-              <a:buFont typeface="Arial" panose="020B0604020202020204" pitchFamily="34" charset="0"/>
-              <a:buChar char="•"/>
-              <a:defRPr sz="1800" kern="1200">
-                <a:solidFill>
-                  <a:schemeClr val="tx1"/>
-                </a:solidFill>
-                <a:latin typeface="+mn-lt"/>
-                <a:ea typeface="+mn-ea"/>
-                <a:cs typeface="+mn-cs"/>
-              </a:defRPr>
-            </a:lvl6pPr>
-            <a:lvl7pPr marL="2971800" indent="-228600" algn="l" defTabSz="914400" rtl="0" eaLnBrk="1" latinLnBrk="0" hangingPunct="1">
-              <a:lnSpc>
-                <a:spcPct val="90000"/>
-              </a:lnSpc>
-              <a:spcBef>
-                <a:spcPts val="500"/>
-              </a:spcBef>
-              <a:buFont typeface="Arial" panose="020B0604020202020204" pitchFamily="34" charset="0"/>
-              <a:buChar char="•"/>
-              <a:defRPr sz="1800" kern="1200">
-                <a:solidFill>
-                  <a:schemeClr val="tx1"/>
-                </a:solidFill>
-                <a:latin typeface="+mn-lt"/>
-                <a:ea typeface="+mn-ea"/>
-                <a:cs typeface="+mn-cs"/>
-              </a:defRPr>
-            </a:lvl7pPr>
-            <a:lvl8pPr marL="3429000" indent="-228600" algn="l" defTabSz="914400" rtl="0" eaLnBrk="1" latinLnBrk="0" hangingPunct="1">
-              <a:lnSpc>
-                <a:spcPct val="90000"/>
-              </a:lnSpc>
-              <a:spcBef>
-                <a:spcPts val="500"/>
-              </a:spcBef>
-              <a:buFont typeface="Arial" panose="020B0604020202020204" pitchFamily="34" charset="0"/>
-              <a:buChar char="•"/>
-              <a:defRPr sz="1800" kern="1200">
-                <a:solidFill>
-                  <a:schemeClr val="tx1"/>
-                </a:solidFill>
-                <a:latin typeface="+mn-lt"/>
-                <a:ea typeface="+mn-ea"/>
-                <a:cs typeface="+mn-cs"/>
-              </a:defRPr>
-            </a:lvl8pPr>
-            <a:lvl9pPr marL="3886200" indent="-228600" algn="l" defTabSz="914400" rtl="0" eaLnBrk="1" latinLnBrk="0" hangingPunct="1">
-              <a:lnSpc>
-                <a:spcPct val="90000"/>
-              </a:lnSpc>
-              <a:spcBef>
-                <a:spcPts val="500"/>
-              </a:spcBef>
-              <a:buFont typeface="Arial" panose="020B0604020202020204" pitchFamily="34" charset="0"/>
-              <a:buChar char="•"/>
-              <a:defRPr sz="1800" kern="1200">
-                <a:solidFill>
-                  <a:schemeClr val="tx1"/>
-                </a:solidFill>
-                <a:latin typeface="+mn-lt"/>
-                <a:ea typeface="+mn-ea"/>
-                <a:cs typeface="+mn-cs"/>
-              </a:defRPr>
-            </a:lvl9pPr>
-          </a:lstStyle>
-          <a:p>
-            <a:pPr marL="0" indent="0">
-              <a:lnSpc>
-                <a:spcPct val="100000"/>
-              </a:lnSpc>
-              <a:buNone/>
-            </a:pPr>
-            <a:r>
-              <a:rPr lang="en-GB" sz="1400" dirty="0">
-                <a:latin typeface="DejaVu Sans Book" panose="020B0603030804020204" pitchFamily="34" charset="0"/>
-                <a:ea typeface="DejaVu Sans Book" panose="020B0603030804020204" pitchFamily="34" charset="0"/>
-                <a:cs typeface="DejaVu Sans Book" panose="020B0603030804020204" pitchFamily="34" charset="0"/>
-              </a:rPr>
-              <a:t>2 - 3</a:t>
-            </a:r>
-          </a:p>
-          <a:p>
-            <a:pPr marL="0" indent="0">
-              <a:lnSpc>
-                <a:spcPct val="100000"/>
-              </a:lnSpc>
-              <a:buNone/>
-            </a:pPr>
-            <a:r>
-              <a:rPr lang="en-GB" sz="1400" dirty="0">
-                <a:latin typeface="DejaVu Sans Book" panose="020B0603030804020204" pitchFamily="34" charset="0"/>
-                <a:ea typeface="DejaVu Sans Book" panose="020B0603030804020204" pitchFamily="34" charset="0"/>
-                <a:cs typeface="DejaVu Sans Book" panose="020B0603030804020204" pitchFamily="34" charset="0"/>
-              </a:rPr>
-              <a:t>-3</a:t>
-            </a:r>
-          </a:p>
-          <a:p>
-            <a:pPr marL="0" indent="0">
-              <a:lnSpc>
-                <a:spcPct val="100000"/>
-              </a:lnSpc>
-              <a:buNone/>
-            </a:pPr>
-            <a:r>
-              <a:rPr lang="en-GB" sz="1400" dirty="0">
-                <a:latin typeface="DejaVu Sans Book" panose="020B0603030804020204" pitchFamily="34" charset="0"/>
-                <a:ea typeface="DejaVu Sans Book" panose="020B0603030804020204" pitchFamily="34" charset="0"/>
-                <a:cs typeface="DejaVu Sans Book" panose="020B0603030804020204" pitchFamily="34" charset="0"/>
-              </a:rPr>
-              <a:t>char (</a:t>
-            </a:r>
-            <a:r>
-              <a:rPr lang="en-GB" sz="1400" dirty="0" err="1">
-                <a:latin typeface="DejaVu Sans Book" panose="020B0603030804020204" pitchFamily="34" charset="0"/>
-                <a:ea typeface="DejaVu Sans Book" panose="020B0603030804020204" pitchFamily="34" charset="0"/>
-                <a:cs typeface="DejaVu Sans Book" panose="020B0603030804020204" pitchFamily="34" charset="0"/>
-              </a:rPr>
-              <a:t>int</a:t>
-            </a:r>
-            <a:r>
-              <a:rPr lang="en-GB" sz="1400" dirty="0">
-                <a:latin typeface="DejaVu Sans Book" panose="020B0603030804020204" pitchFamily="34" charset="0"/>
-                <a:ea typeface="DejaVu Sans Book" panose="020B0603030804020204" pitchFamily="34" charset="0"/>
-                <a:cs typeface="DejaVu Sans Book" panose="020B0603030804020204" pitchFamily="34" charset="0"/>
-              </a:rPr>
-              <a:t> 'c' + -</a:t>
-            </a:r>
-            <a:r>
-              <a:rPr lang="en-GB" sz="1400" dirty="0" err="1">
-                <a:latin typeface="DejaVu Sans Book" panose="020B0603030804020204" pitchFamily="34" charset="0"/>
-                <a:ea typeface="DejaVu Sans Book" panose="020B0603030804020204" pitchFamily="34" charset="0"/>
-                <a:cs typeface="DejaVu Sans Book" panose="020B0603030804020204" pitchFamily="34" charset="0"/>
-              </a:rPr>
-              <a:t>int</a:t>
-            </a:r>
-            <a:r>
-              <a:rPr lang="en-GB" sz="1400" dirty="0">
-                <a:latin typeface="DejaVu Sans Book" panose="020B0603030804020204" pitchFamily="34" charset="0"/>
-                <a:ea typeface="DejaVu Sans Book" panose="020B0603030804020204" pitchFamily="34" charset="0"/>
-                <a:cs typeface="DejaVu Sans Book" panose="020B0603030804020204" pitchFamily="34" charset="0"/>
-              </a:rPr>
-              <a:t> 'a' + </a:t>
-            </a:r>
-            <a:r>
-              <a:rPr lang="en-GB" sz="1400" dirty="0" err="1">
-                <a:latin typeface="DejaVu Sans Book" panose="020B0603030804020204" pitchFamily="34" charset="0"/>
-                <a:ea typeface="DejaVu Sans Book" panose="020B0603030804020204" pitchFamily="34" charset="0"/>
-                <a:cs typeface="DejaVu Sans Book" panose="020B0603030804020204" pitchFamily="34" charset="0"/>
-              </a:rPr>
-              <a:t>int</a:t>
-            </a:r>
-            <a:r>
-              <a:rPr lang="en-GB" sz="1400" dirty="0">
-                <a:latin typeface="DejaVu Sans Book" panose="020B0603030804020204" pitchFamily="34" charset="0"/>
-                <a:ea typeface="DejaVu Sans Book" panose="020B0603030804020204" pitchFamily="34" charset="0"/>
-                <a:cs typeface="DejaVu Sans Book" panose="020B0603030804020204" pitchFamily="34" charset="0"/>
-              </a:rPr>
-              <a:t> 'A’)</a:t>
-            </a:r>
-          </a:p>
-          <a:p>
-            <a:pPr marL="0" indent="0">
-              <a:lnSpc>
-                <a:spcPct val="100000"/>
-              </a:lnSpc>
-              <a:buNone/>
-            </a:pPr>
-            <a:r>
-              <a:rPr lang="en-GB" sz="1400" u="sng" dirty="0">
-                <a:latin typeface="DejaVu Sans Book" panose="020B0603030804020204" pitchFamily="34" charset="0"/>
-                <a:ea typeface="DejaVu Sans Book" panose="020B0603030804020204" pitchFamily="34" charset="0"/>
-                <a:cs typeface="DejaVu Sans Book" panose="020B0603030804020204" pitchFamily="34" charset="0"/>
-              </a:rPr>
-              <a:t>char (</a:t>
-            </a:r>
-            <a:r>
-              <a:rPr lang="en-GB" sz="1400" u="sng" dirty="0" err="1">
-                <a:latin typeface="DejaVu Sans Book" panose="020B0603030804020204" pitchFamily="34" charset="0"/>
-                <a:ea typeface="DejaVu Sans Book" panose="020B0603030804020204" pitchFamily="34" charset="0"/>
-                <a:cs typeface="DejaVu Sans Book" panose="020B0603030804020204" pitchFamily="34" charset="0"/>
-              </a:rPr>
-              <a:t>int</a:t>
-            </a:r>
-            <a:r>
-              <a:rPr lang="en-GB" sz="1400" u="sng" dirty="0">
-                <a:latin typeface="DejaVu Sans Book" panose="020B0603030804020204" pitchFamily="34" charset="0"/>
-                <a:ea typeface="DejaVu Sans Book" panose="020B0603030804020204" pitchFamily="34" charset="0"/>
-                <a:cs typeface="DejaVu Sans Book" panose="020B0603030804020204" pitchFamily="34" charset="0"/>
-              </a:rPr>
-              <a:t> 'c’ -</a:t>
-            </a:r>
-            <a:r>
-              <a:rPr lang="en-GB" sz="1400" u="sng" dirty="0" err="1">
-                <a:latin typeface="DejaVu Sans Book" panose="020B0603030804020204" pitchFamily="34" charset="0"/>
-                <a:ea typeface="DejaVu Sans Book" panose="020B0603030804020204" pitchFamily="34" charset="0"/>
-                <a:cs typeface="DejaVu Sans Book" panose="020B0603030804020204" pitchFamily="34" charset="0"/>
-              </a:rPr>
-              <a:t>int</a:t>
-            </a:r>
-            <a:r>
-              <a:rPr lang="en-GB" sz="1400" u="sng" dirty="0">
-                <a:latin typeface="DejaVu Sans Book" panose="020B0603030804020204" pitchFamily="34" charset="0"/>
-                <a:ea typeface="DejaVu Sans Book" panose="020B0603030804020204" pitchFamily="34" charset="0"/>
-                <a:cs typeface="DejaVu Sans Book" panose="020B0603030804020204" pitchFamily="34" charset="0"/>
-              </a:rPr>
-              <a:t> 'a' + </a:t>
-            </a:r>
-            <a:r>
-              <a:rPr lang="en-GB" sz="1400" u="sng" dirty="0" err="1">
-                <a:latin typeface="DejaVu Sans Book" panose="020B0603030804020204" pitchFamily="34" charset="0"/>
-                <a:ea typeface="DejaVu Sans Book" panose="020B0603030804020204" pitchFamily="34" charset="0"/>
-                <a:cs typeface="DejaVu Sans Book" panose="020B0603030804020204" pitchFamily="34" charset="0"/>
-              </a:rPr>
-              <a:t>int</a:t>
-            </a:r>
-            <a:r>
-              <a:rPr lang="en-GB" sz="1400" u="sng" dirty="0">
-                <a:latin typeface="DejaVu Sans Book" panose="020B0603030804020204" pitchFamily="34" charset="0"/>
-                <a:ea typeface="DejaVu Sans Book" panose="020B0603030804020204" pitchFamily="34" charset="0"/>
-                <a:cs typeface="DejaVu Sans Book" panose="020B0603030804020204" pitchFamily="34" charset="0"/>
-              </a:rPr>
-              <a:t> 'A')</a:t>
-            </a:r>
-          </a:p>
-          <a:p>
-            <a:pPr marL="0" indent="0">
-              <a:lnSpc>
-                <a:spcPct val="100000"/>
-              </a:lnSpc>
-              <a:buNone/>
-            </a:pPr>
-            <a:endParaRPr lang="en-GB" sz="1400" dirty="0">
-              <a:latin typeface="DejaVu Sans Book" panose="020B0603030804020204" pitchFamily="34" charset="0"/>
-              <a:ea typeface="DejaVu Sans Book" panose="020B0603030804020204" pitchFamily="34" charset="0"/>
-              <a:cs typeface="DejaVu Sans Book" panose="020B0603030804020204" pitchFamily="34" charset="0"/>
-            </a:endParaRPr>
-          </a:p>
-        </p:txBody>
-      </p:sp>
-      <p:cxnSp>
-        <p:nvCxnSpPr>
-          <p:cNvPr id="7" name="Straight Connector 6">
-            <a:extLst>
-              <a:ext uri="{FF2B5EF4-FFF2-40B4-BE49-F238E27FC236}">
-                <a16:creationId xmlns:a16="http://schemas.microsoft.com/office/drawing/2014/main" id="{5A09C2F5-8773-5C40-80FB-890ED2D7CEF5}"/>
-              </a:ext>
-            </a:extLst>
-          </p:cNvPr>
-          <p:cNvCxnSpPr>
-            <a:cxnSpLocks/>
-          </p:cNvCxnSpPr>
-          <p:nvPr/>
-        </p:nvCxnSpPr>
-        <p:spPr>
-          <a:xfrm>
-            <a:off x="3592285" y="1850272"/>
-            <a:ext cx="0" cy="4128437"/>
-          </a:xfrm>
-          <a:prstGeom prst="line">
-            <a:avLst/>
-          </a:prstGeom>
-        </p:spPr>
-        <p:style>
-          <a:lnRef idx="1">
-            <a:schemeClr val="accent1"/>
-          </a:lnRef>
-          <a:fillRef idx="0">
-            <a:schemeClr val="accent1"/>
-          </a:fillRef>
-          <a:effectRef idx="0">
-            <a:schemeClr val="accent1"/>
-          </a:effectRef>
-          <a:fontRef idx="minor">
-            <a:schemeClr val="tx1"/>
-          </a:fontRef>
-        </p:style>
-      </p:cxnSp>
-      <p:cxnSp>
-        <p:nvCxnSpPr>
-          <p:cNvPr id="8" name="Straight Connector 7">
-            <a:extLst>
-              <a:ext uri="{FF2B5EF4-FFF2-40B4-BE49-F238E27FC236}">
-                <a16:creationId xmlns:a16="http://schemas.microsoft.com/office/drawing/2014/main" id="{C9DB7069-2F82-9A4C-9851-E87494EB8821}"/>
-              </a:ext>
-            </a:extLst>
-          </p:cNvPr>
-          <p:cNvCxnSpPr>
-            <a:cxnSpLocks/>
-          </p:cNvCxnSpPr>
-          <p:nvPr/>
-        </p:nvCxnSpPr>
-        <p:spPr>
-          <a:xfrm>
-            <a:off x="5612674" y="1850272"/>
-            <a:ext cx="0" cy="4128437"/>
-          </a:xfrm>
-          <a:prstGeom prst="line">
-            <a:avLst/>
-          </a:prstGeom>
-        </p:spPr>
-        <p:style>
-          <a:lnRef idx="1">
-            <a:schemeClr val="accent1"/>
-          </a:lnRef>
-          <a:fillRef idx="0">
-            <a:schemeClr val="accent1"/>
-          </a:fillRef>
-          <a:effectRef idx="0">
-            <a:schemeClr val="accent1"/>
-          </a:effectRef>
-          <a:fontRef idx="minor">
-            <a:schemeClr val="tx1"/>
-          </a:fontRef>
-        </p:style>
-      </p:cxnSp>
-      <p:cxnSp>
-        <p:nvCxnSpPr>
-          <p:cNvPr id="9" name="Straight Connector 8">
-            <a:extLst>
-              <a:ext uri="{FF2B5EF4-FFF2-40B4-BE49-F238E27FC236}">
-                <a16:creationId xmlns:a16="http://schemas.microsoft.com/office/drawing/2014/main" id="{2C261977-CCDA-A449-983C-629F4D2C2170}"/>
-              </a:ext>
-            </a:extLst>
-          </p:cNvPr>
-          <p:cNvCxnSpPr>
-            <a:cxnSpLocks/>
-          </p:cNvCxnSpPr>
-          <p:nvPr/>
-        </p:nvCxnSpPr>
-        <p:spPr>
-          <a:xfrm>
-            <a:off x="8462454" y="1850272"/>
-            <a:ext cx="0" cy="4128437"/>
-          </a:xfrm>
-          <a:prstGeom prst="line">
-            <a:avLst/>
-          </a:prstGeom>
-        </p:spPr>
-        <p:style>
-          <a:lnRef idx="1">
-            <a:schemeClr val="accent1"/>
-          </a:lnRef>
-          <a:fillRef idx="0">
-            <a:schemeClr val="accent1"/>
-          </a:fillRef>
-          <a:effectRef idx="0">
-            <a:schemeClr val="accent1"/>
-          </a:effectRef>
-          <a:fontRef idx="minor">
-            <a:schemeClr val="tx1"/>
-          </a:fontRef>
-        </p:style>
-      </p:cxnSp>
-      <p:cxnSp>
-        <p:nvCxnSpPr>
-          <p:cNvPr id="10" name="Straight Connector 9">
-            <a:extLst>
-              <a:ext uri="{FF2B5EF4-FFF2-40B4-BE49-F238E27FC236}">
-                <a16:creationId xmlns:a16="http://schemas.microsoft.com/office/drawing/2014/main" id="{FA39AE1F-3021-7444-98E0-02C182A52905}"/>
-              </a:ext>
-            </a:extLst>
-          </p:cNvPr>
-          <p:cNvCxnSpPr>
-            <a:cxnSpLocks/>
-          </p:cNvCxnSpPr>
-          <p:nvPr/>
-        </p:nvCxnSpPr>
-        <p:spPr>
-          <a:xfrm>
-            <a:off x="838200" y="1850267"/>
-            <a:ext cx="0" cy="4128437"/>
-          </a:xfrm>
-          <a:prstGeom prst="line">
-            <a:avLst/>
-          </a:prstGeom>
-        </p:spPr>
-        <p:style>
-          <a:lnRef idx="1">
-            <a:schemeClr val="accent1"/>
-          </a:lnRef>
-          <a:fillRef idx="0">
-            <a:schemeClr val="accent1"/>
-          </a:fillRef>
-          <a:effectRef idx="0">
-            <a:schemeClr val="accent1"/>
-          </a:effectRef>
-          <a:fontRef idx="minor">
-            <a:schemeClr val="tx1"/>
-          </a:fontRef>
-        </p:style>
-      </p:cxnSp>
-      <p:sp>
-        <p:nvSpPr>
-          <p:cNvPr id="33" name="TextBox 32">
-            <a:extLst>
-              <a:ext uri="{FF2B5EF4-FFF2-40B4-BE49-F238E27FC236}">
-                <a16:creationId xmlns:a16="http://schemas.microsoft.com/office/drawing/2014/main" id="{002F40A4-37E0-9C4C-AEE4-8FC15F7563D3}"/>
-              </a:ext>
-            </a:extLst>
-          </p:cNvPr>
-          <p:cNvSpPr txBox="1"/>
-          <p:nvPr/>
-        </p:nvSpPr>
-        <p:spPr>
-          <a:xfrm>
-            <a:off x="838200" y="1937208"/>
-            <a:ext cx="2271071" cy="400110"/>
-          </a:xfrm>
-          <a:prstGeom prst="rect">
-            <a:avLst/>
-          </a:prstGeom>
-          <a:noFill/>
-        </p:spPr>
-        <p:txBody>
-          <a:bodyPr wrap="none" rtlCol="0">
-            <a:spAutoFit/>
-          </a:bodyPr>
-          <a:lstStyle/>
-          <a:p>
-            <a:r>
-              <a:rPr lang="en-GB" sz="2000" dirty="0" err="1"/>
-              <a:t>Operatorer</a:t>
-            </a:r>
-            <a:r>
-              <a:rPr lang="en-GB" sz="2000" dirty="0"/>
-              <a:t> </a:t>
-            </a:r>
-            <a:r>
-              <a:rPr lang="en-GB" sz="2000" dirty="0" err="1"/>
-              <a:t>og</a:t>
-            </a:r>
-            <a:r>
-              <a:rPr lang="en-GB" sz="2000" dirty="0"/>
-              <a:t> </a:t>
-            </a:r>
-            <a:r>
-              <a:rPr lang="en-GB" sz="2000" dirty="0" err="1"/>
-              <a:t>typer</a:t>
-            </a:r>
-            <a:endParaRPr lang="en-GB" sz="2000" dirty="0"/>
-          </a:p>
-        </p:txBody>
-      </p:sp>
-      <p:sp>
-        <p:nvSpPr>
-          <p:cNvPr id="34" name="TextBox 33">
-            <a:extLst>
-              <a:ext uri="{FF2B5EF4-FFF2-40B4-BE49-F238E27FC236}">
-                <a16:creationId xmlns:a16="http://schemas.microsoft.com/office/drawing/2014/main" id="{83DB5C78-6841-D340-967E-93DC23631568}"/>
-              </a:ext>
-            </a:extLst>
-          </p:cNvPr>
-          <p:cNvSpPr txBox="1"/>
-          <p:nvPr/>
-        </p:nvSpPr>
-        <p:spPr>
-          <a:xfrm>
-            <a:off x="3592296" y="1691208"/>
-            <a:ext cx="1964956" cy="707886"/>
-          </a:xfrm>
-          <a:prstGeom prst="rect">
-            <a:avLst/>
-          </a:prstGeom>
-          <a:noFill/>
-        </p:spPr>
-        <p:txBody>
-          <a:bodyPr wrap="square" rtlCol="0">
-            <a:spAutoFit/>
-          </a:bodyPr>
-          <a:lstStyle/>
-          <a:p>
-            <a:r>
-              <a:rPr lang="en-GB" sz="2000" dirty="0" err="1"/>
-              <a:t>Præcendens</a:t>
-            </a:r>
-            <a:r>
-              <a:rPr lang="en-GB" sz="2000" dirty="0"/>
-              <a:t> </a:t>
-            </a:r>
-            <a:r>
-              <a:rPr lang="en-GB" sz="2000" dirty="0" err="1"/>
-              <a:t>og</a:t>
-            </a:r>
-            <a:r>
-              <a:rPr lang="en-GB" sz="2000" dirty="0"/>
-              <a:t> association</a:t>
-            </a:r>
-          </a:p>
-        </p:txBody>
-      </p:sp>
-      <p:sp>
-        <p:nvSpPr>
-          <p:cNvPr id="35" name="TextBox 34">
-            <a:extLst>
-              <a:ext uri="{FF2B5EF4-FFF2-40B4-BE49-F238E27FC236}">
-                <a16:creationId xmlns:a16="http://schemas.microsoft.com/office/drawing/2014/main" id="{C1EF2861-5EFD-6142-B0DE-FBA35F9A0DD4}"/>
-              </a:ext>
-            </a:extLst>
-          </p:cNvPr>
-          <p:cNvSpPr txBox="1"/>
-          <p:nvPr/>
-        </p:nvSpPr>
-        <p:spPr>
-          <a:xfrm>
-            <a:off x="5612675" y="1937211"/>
-            <a:ext cx="1405513" cy="400110"/>
-          </a:xfrm>
-          <a:prstGeom prst="rect">
-            <a:avLst/>
-          </a:prstGeom>
-          <a:noFill/>
-        </p:spPr>
-        <p:txBody>
-          <a:bodyPr wrap="none" rtlCol="0">
-            <a:spAutoFit/>
-          </a:bodyPr>
-          <a:lstStyle/>
-          <a:p>
-            <a:r>
-              <a:rPr lang="en-GB" sz="2000" dirty="0"/>
-              <a:t>Typecasting</a:t>
-            </a:r>
-          </a:p>
-        </p:txBody>
-      </p:sp>
-      <p:sp>
-        <p:nvSpPr>
-          <p:cNvPr id="36" name="TextBox 35">
-            <a:extLst>
-              <a:ext uri="{FF2B5EF4-FFF2-40B4-BE49-F238E27FC236}">
-                <a16:creationId xmlns:a16="http://schemas.microsoft.com/office/drawing/2014/main" id="{D3E7B5F3-323D-1949-A20A-27F668F94420}"/>
-              </a:ext>
-            </a:extLst>
-          </p:cNvPr>
-          <p:cNvSpPr txBox="1"/>
-          <p:nvPr/>
-        </p:nvSpPr>
-        <p:spPr>
-          <a:xfrm>
-            <a:off x="8462456" y="1937211"/>
-            <a:ext cx="2081724" cy="400110"/>
-          </a:xfrm>
-          <a:prstGeom prst="rect">
-            <a:avLst/>
-          </a:prstGeom>
-          <a:noFill/>
-        </p:spPr>
-        <p:txBody>
-          <a:bodyPr wrap="none" rtlCol="0">
-            <a:spAutoFit/>
-          </a:bodyPr>
-          <a:lstStyle/>
-          <a:p>
-            <a:r>
-              <a:rPr lang="en-GB" sz="2000" dirty="0" err="1"/>
-              <a:t>Unære</a:t>
-            </a:r>
-            <a:r>
-              <a:rPr lang="en-GB" sz="2000" dirty="0"/>
-              <a:t> </a:t>
-            </a:r>
-            <a:r>
-              <a:rPr lang="en-GB" sz="2000" dirty="0" err="1"/>
-              <a:t>operatorer</a:t>
-            </a:r>
-            <a:endParaRPr lang="en-GB" sz="2000" dirty="0"/>
-          </a:p>
-        </p:txBody>
-      </p:sp>
-      <p:cxnSp>
-        <p:nvCxnSpPr>
-          <p:cNvPr id="37" name="Straight Connector 36">
-            <a:extLst>
-              <a:ext uri="{FF2B5EF4-FFF2-40B4-BE49-F238E27FC236}">
-                <a16:creationId xmlns:a16="http://schemas.microsoft.com/office/drawing/2014/main" id="{28C8E072-4794-D645-B8D8-83DD3B1FC177}"/>
-              </a:ext>
-            </a:extLst>
-          </p:cNvPr>
-          <p:cNvCxnSpPr>
-            <a:cxnSpLocks/>
-          </p:cNvCxnSpPr>
-          <p:nvPr/>
-        </p:nvCxnSpPr>
-        <p:spPr>
-          <a:xfrm>
-            <a:off x="838200" y="2364376"/>
-            <a:ext cx="10515600" cy="0"/>
-          </a:xfrm>
-          <a:prstGeom prst="line">
-            <a:avLst/>
-          </a:prstGeom>
-        </p:spPr>
-        <p:style>
-          <a:lnRef idx="1">
-            <a:schemeClr val="accent1"/>
-          </a:lnRef>
-          <a:fillRef idx="0">
-            <a:schemeClr val="accent1"/>
-          </a:fillRef>
-          <a:effectRef idx="0">
-            <a:schemeClr val="accent1"/>
-          </a:effectRef>
-          <a:fontRef idx="minor">
-            <a:schemeClr val="tx1"/>
-          </a:fontRef>
-        </p:style>
-      </p:cxnSp>
-      <p:cxnSp>
-        <p:nvCxnSpPr>
-          <p:cNvPr id="46" name="Straight Connector 45">
-            <a:extLst>
-              <a:ext uri="{FF2B5EF4-FFF2-40B4-BE49-F238E27FC236}">
-                <a16:creationId xmlns:a16="http://schemas.microsoft.com/office/drawing/2014/main" id="{94EE0CD5-CC49-E94A-9C5F-4DEEAF649FFF}"/>
-              </a:ext>
-            </a:extLst>
-          </p:cNvPr>
-          <p:cNvCxnSpPr>
-            <a:cxnSpLocks/>
-          </p:cNvCxnSpPr>
-          <p:nvPr/>
-        </p:nvCxnSpPr>
-        <p:spPr>
-          <a:xfrm flipV="1">
-            <a:off x="929898" y="3239146"/>
-            <a:ext cx="697424" cy="92991"/>
-          </a:xfrm>
-          <a:prstGeom prst="line">
-            <a:avLst/>
-          </a:prstGeom>
-          <a:ln w="38100">
-            <a:solidFill>
-              <a:srgbClr val="C00000">
-                <a:alpha val="50000"/>
-              </a:srgbClr>
-            </a:solidFill>
-          </a:ln>
-        </p:spPr>
-        <p:style>
-          <a:lnRef idx="1">
-            <a:schemeClr val="accent1"/>
-          </a:lnRef>
-          <a:fillRef idx="0">
-            <a:schemeClr val="accent1"/>
-          </a:fillRef>
-          <a:effectRef idx="0">
-            <a:schemeClr val="accent1"/>
-          </a:effectRef>
-          <a:fontRef idx="minor">
-            <a:schemeClr val="tx1"/>
-          </a:fontRef>
-        </p:style>
-      </p:cxnSp>
-      <p:sp>
-        <p:nvSpPr>
-          <p:cNvPr id="53" name="TextBox 52">
-            <a:extLst>
-              <a:ext uri="{FF2B5EF4-FFF2-40B4-BE49-F238E27FC236}">
-                <a16:creationId xmlns:a16="http://schemas.microsoft.com/office/drawing/2014/main" id="{4D77C9C0-F5E2-174B-80BB-11D7FD01541C}"/>
-              </a:ext>
-            </a:extLst>
-          </p:cNvPr>
-          <p:cNvSpPr txBox="1"/>
-          <p:nvPr/>
-        </p:nvSpPr>
-        <p:spPr>
-          <a:xfrm>
-            <a:off x="4102679" y="3456718"/>
-            <a:ext cx="1191352" cy="307777"/>
-          </a:xfrm>
-          <a:prstGeom prst="rect">
-            <a:avLst/>
-          </a:prstGeom>
-          <a:noFill/>
-        </p:spPr>
-        <p:txBody>
-          <a:bodyPr wrap="none" rtlCol="0">
-            <a:spAutoFit/>
-          </a:bodyPr>
-          <a:lstStyle/>
-          <a:p>
-            <a:r>
-              <a:rPr lang="en-GB" sz="1400" dirty="0">
-                <a:solidFill>
-                  <a:schemeClr val="accent6"/>
-                </a:solidFill>
-                <a:latin typeface="DejaVu Sans Book" panose="020B0603030804020204" pitchFamily="34" charset="0"/>
-                <a:ea typeface="DejaVu Sans Book" panose="020B0603030804020204" pitchFamily="34" charset="0"/>
-                <a:cs typeface="DejaVu Sans Book" panose="020B0603030804020204" pitchFamily="34" charset="0"/>
-              </a:rPr>
-              <a:t>(               )</a:t>
-            </a:r>
-          </a:p>
-        </p:txBody>
-      </p:sp>
-      <p:sp>
-        <p:nvSpPr>
-          <p:cNvPr id="54" name="TextBox 53">
-            <a:extLst>
-              <a:ext uri="{FF2B5EF4-FFF2-40B4-BE49-F238E27FC236}">
-                <a16:creationId xmlns:a16="http://schemas.microsoft.com/office/drawing/2014/main" id="{9E5F309B-19EA-AF4E-BA15-12FEC4FD9C25}"/>
-              </a:ext>
-            </a:extLst>
-          </p:cNvPr>
-          <p:cNvSpPr txBox="1"/>
-          <p:nvPr/>
-        </p:nvSpPr>
-        <p:spPr>
-          <a:xfrm>
-            <a:off x="3513577" y="3801123"/>
-            <a:ext cx="1075936" cy="307777"/>
-          </a:xfrm>
-          <a:prstGeom prst="rect">
-            <a:avLst/>
-          </a:prstGeom>
-          <a:noFill/>
-        </p:spPr>
-        <p:txBody>
-          <a:bodyPr wrap="none" rtlCol="0">
-            <a:spAutoFit/>
-          </a:bodyPr>
-          <a:lstStyle/>
-          <a:p>
-            <a:r>
-              <a:rPr lang="en-GB" sz="1400" dirty="0">
-                <a:solidFill>
-                  <a:schemeClr val="accent6"/>
-                </a:solidFill>
-                <a:latin typeface="DejaVu Sans Book" panose="020B0603030804020204" pitchFamily="34" charset="0"/>
-                <a:ea typeface="DejaVu Sans Book" panose="020B0603030804020204" pitchFamily="34" charset="0"/>
-                <a:cs typeface="DejaVu Sans Book" panose="020B0603030804020204" pitchFamily="34" charset="0"/>
-              </a:rPr>
-              <a:t>(             )</a:t>
-            </a:r>
-          </a:p>
-        </p:txBody>
-      </p:sp>
-      <p:cxnSp>
-        <p:nvCxnSpPr>
-          <p:cNvPr id="55" name="Straight Connector 54">
-            <a:extLst>
-              <a:ext uri="{FF2B5EF4-FFF2-40B4-BE49-F238E27FC236}">
-                <a16:creationId xmlns:a16="http://schemas.microsoft.com/office/drawing/2014/main" id="{99E83C82-A64E-2143-9DA9-2ACA3C031970}"/>
-              </a:ext>
-            </a:extLst>
-          </p:cNvPr>
-          <p:cNvCxnSpPr>
-            <a:cxnSpLocks/>
-          </p:cNvCxnSpPr>
-          <p:nvPr/>
-        </p:nvCxnSpPr>
-        <p:spPr>
-          <a:xfrm flipV="1">
-            <a:off x="8522657" y="3580112"/>
-            <a:ext cx="2558632" cy="114508"/>
-          </a:xfrm>
-          <a:prstGeom prst="line">
-            <a:avLst/>
-          </a:prstGeom>
-          <a:ln w="38100">
-            <a:solidFill>
-              <a:srgbClr val="C00000">
-                <a:alpha val="50000"/>
-              </a:srgbClr>
-            </a:solidFill>
-          </a:ln>
-        </p:spPr>
-        <p:style>
-          <a:lnRef idx="1">
-            <a:schemeClr val="accent1"/>
-          </a:lnRef>
-          <a:fillRef idx="0">
-            <a:schemeClr val="accent1"/>
-          </a:fillRef>
-          <a:effectRef idx="0">
-            <a:schemeClr val="accent1"/>
-          </a:effectRef>
-          <a:fontRef idx="minor">
-            <a:schemeClr val="tx1"/>
-          </a:fontRef>
-        </p:style>
-      </p:cxnSp>
-      <p:sp>
-        <p:nvSpPr>
-          <p:cNvPr id="57" name="TextBox 56">
-            <a:extLst>
-              <a:ext uri="{FF2B5EF4-FFF2-40B4-BE49-F238E27FC236}">
-                <a16:creationId xmlns:a16="http://schemas.microsoft.com/office/drawing/2014/main" id="{FCE57C74-0DC0-D341-96E9-DCD928EB1B6C}"/>
-              </a:ext>
-            </a:extLst>
-          </p:cNvPr>
-          <p:cNvSpPr txBox="1"/>
-          <p:nvPr/>
-        </p:nvSpPr>
-        <p:spPr>
-          <a:xfrm>
-            <a:off x="7038615" y="3469970"/>
-            <a:ext cx="506870" cy="307777"/>
-          </a:xfrm>
-          <a:prstGeom prst="rect">
-            <a:avLst/>
-          </a:prstGeom>
-          <a:noFill/>
-        </p:spPr>
-        <p:txBody>
-          <a:bodyPr wrap="none" rtlCol="0">
-            <a:spAutoFit/>
-          </a:bodyPr>
-          <a:lstStyle/>
-          <a:p>
-            <a:r>
-              <a:rPr lang="en-GB" sz="1400" dirty="0">
-                <a:solidFill>
-                  <a:schemeClr val="accent6"/>
-                </a:solidFill>
-                <a:latin typeface="DejaVu Sans Book" panose="020B0603030804020204" pitchFamily="34" charset="0"/>
-                <a:ea typeface="DejaVu Sans Book" panose="020B0603030804020204" pitchFamily="34" charset="0"/>
-                <a:cs typeface="DejaVu Sans Book" panose="020B0603030804020204" pitchFamily="34" charset="0"/>
-              </a:rPr>
-              <a:t>= 3</a:t>
-            </a:r>
-          </a:p>
-        </p:txBody>
-      </p:sp>
-      <p:sp>
-        <p:nvSpPr>
-          <p:cNvPr id="58" name="TextBox 57">
-            <a:extLst>
-              <a:ext uri="{FF2B5EF4-FFF2-40B4-BE49-F238E27FC236}">
-                <a16:creationId xmlns:a16="http://schemas.microsoft.com/office/drawing/2014/main" id="{F4DB46FE-4F4F-5147-97A2-8D04019D1D9D}"/>
-              </a:ext>
-            </a:extLst>
-          </p:cNvPr>
-          <p:cNvSpPr txBox="1"/>
-          <p:nvPr/>
-        </p:nvSpPr>
-        <p:spPr>
-          <a:xfrm>
-            <a:off x="7035506" y="3787871"/>
-            <a:ext cx="506870" cy="307777"/>
-          </a:xfrm>
-          <a:prstGeom prst="rect">
-            <a:avLst/>
-          </a:prstGeom>
-          <a:noFill/>
-        </p:spPr>
-        <p:txBody>
-          <a:bodyPr wrap="none" rtlCol="0">
-            <a:spAutoFit/>
-          </a:bodyPr>
-          <a:lstStyle/>
-          <a:p>
-            <a:r>
-              <a:rPr lang="en-GB" sz="1400" dirty="0">
-                <a:solidFill>
-                  <a:schemeClr val="accent6"/>
-                </a:solidFill>
-                <a:latin typeface="DejaVu Sans Book" panose="020B0603030804020204" pitchFamily="34" charset="0"/>
-                <a:ea typeface="DejaVu Sans Book" panose="020B0603030804020204" pitchFamily="34" charset="0"/>
-                <a:cs typeface="DejaVu Sans Book" panose="020B0603030804020204" pitchFamily="34" charset="0"/>
-              </a:rPr>
-              <a:t>= 4</a:t>
-            </a:r>
-          </a:p>
-        </p:txBody>
-      </p:sp>
-    </p:spTree>
-    <p:extLst>
-      <p:ext uri="{BB962C8B-B14F-4D97-AF65-F5344CB8AC3E}">
-        <p14:creationId xmlns:p14="http://schemas.microsoft.com/office/powerpoint/2010/main" val="3372367009"/>
-      </p:ext>
-    </p:extLst>
-  </p:cSld>
-  <p:clrMapOvr>
-    <a:masterClrMapping/>
-  </p:clrMapOvr>
-  <p:timing>
-    <p:tnLst>
-      <p:par>
-        <p:cTn id="1" dur="indefinite" restart="never" nodeType="tmRoot">
-          <p:childTnLst>
-            <p:seq concurrent="1" nextAc="seek">
-              <p:cTn id="2" dur="indefinite" nodeType="mainSeq">
-                <p:childTnLst>
-                  <p:par>
-                    <p:cTn id="3" fill="hold">
-                      <p:stCondLst>
-                        <p:cond delay="indefinite"/>
-                      </p:stCondLst>
-                      <p:childTnLst>
-                        <p:par>
-                          <p:cTn id="4" fill="hold">
-                            <p:stCondLst>
-                              <p:cond delay="0"/>
-                            </p:stCondLst>
-                            <p:childTnLst>
-                              <p:par>
-                                <p:cTn id="5" presetID="1" presetClass="entr" presetSubtype="0" fill="hold" grpId="0" nodeType="clickEffect">
-                                  <p:stCondLst>
-                                    <p:cond delay="0"/>
-                                  </p:stCondLst>
-                                  <p:childTnLst>
-                                    <p:set>
-                                      <p:cBhvr>
-                                        <p:cTn id="6" dur="1" fill="hold">
-                                          <p:stCondLst>
-                                            <p:cond delay="0"/>
-                                          </p:stCondLst>
-                                        </p:cTn>
-                                        <p:tgtEl>
-                                          <p:spTgt spid="53"/>
-                                        </p:tgtEl>
-                                        <p:attrNameLst>
-                                          <p:attrName>style.visibility</p:attrName>
-                                        </p:attrNameLst>
-                                      </p:cBhvr>
-                                      <p:to>
-                                        <p:strVal val="visible"/>
-                                      </p:to>
-                                    </p:set>
-                                  </p:childTnLst>
-                                </p:cTn>
-                              </p:par>
-                            </p:childTnLst>
-                          </p:cTn>
-                        </p:par>
-                      </p:childTnLst>
-                    </p:cTn>
-                  </p:par>
-                  <p:par>
-                    <p:cTn id="7" fill="hold">
-                      <p:stCondLst>
-                        <p:cond delay="indefinite"/>
-                      </p:stCondLst>
-                      <p:childTnLst>
-                        <p:par>
-                          <p:cTn id="8" fill="hold">
-                            <p:stCondLst>
-                              <p:cond delay="0"/>
-                            </p:stCondLst>
-                            <p:childTnLst>
-                              <p:par>
-                                <p:cTn id="9" presetID="1" presetClass="entr" presetSubtype="0" fill="hold" grpId="0" nodeType="clickEffect">
-                                  <p:stCondLst>
-                                    <p:cond delay="0"/>
-                                  </p:stCondLst>
-                                  <p:childTnLst>
-                                    <p:set>
-                                      <p:cBhvr>
-                                        <p:cTn id="10" dur="1" fill="hold">
-                                          <p:stCondLst>
-                                            <p:cond delay="0"/>
-                                          </p:stCondLst>
-                                        </p:cTn>
-                                        <p:tgtEl>
-                                          <p:spTgt spid="54"/>
-                                        </p:tgtEl>
-                                        <p:attrNameLst>
-                                          <p:attrName>style.visibility</p:attrName>
-                                        </p:attrNameLst>
-                                      </p:cBhvr>
-                                      <p:to>
-                                        <p:strVal val="visible"/>
-                                      </p:to>
-                                    </p:set>
-                                  </p:childTnLst>
-                                </p:cTn>
-                              </p:par>
-                            </p:childTnLst>
-                          </p:cTn>
-                        </p:par>
-                      </p:childTnLst>
-                    </p:cTn>
-                  </p:par>
-                  <p:par>
-                    <p:cTn id="11" fill="hold">
-                      <p:stCondLst>
-                        <p:cond delay="indefinite"/>
-                      </p:stCondLst>
-                      <p:childTnLst>
-                        <p:par>
-                          <p:cTn id="12" fill="hold">
-                            <p:stCondLst>
-                              <p:cond delay="0"/>
-                            </p:stCondLst>
-                            <p:childTnLst>
-                              <p:par>
-                                <p:cTn id="13" presetID="1" presetClass="entr" presetSubtype="0" fill="hold" grpId="0" nodeType="clickEffect">
-                                  <p:stCondLst>
-                                    <p:cond delay="0"/>
-                                  </p:stCondLst>
-                                  <p:childTnLst>
-                                    <p:set>
-                                      <p:cBhvr>
-                                        <p:cTn id="14" dur="1" fill="hold">
-                                          <p:stCondLst>
-                                            <p:cond delay="0"/>
-                                          </p:stCondLst>
-                                        </p:cTn>
-                                        <p:tgtEl>
-                                          <p:spTgt spid="5"/>
-                                        </p:tgtEl>
-                                        <p:attrNameLst>
-                                          <p:attrName>style.visibility</p:attrName>
-                                        </p:attrNameLst>
-                                      </p:cBhvr>
-                                      <p:to>
-                                        <p:strVal val="visible"/>
-                                      </p:to>
-                                    </p:set>
-                                  </p:childTnLst>
-                                </p:cTn>
-                              </p:par>
-                            </p:childTnLst>
-                          </p:cTn>
-                        </p:par>
-                      </p:childTnLst>
-                    </p:cTn>
-                  </p:par>
-                  <p:par>
-                    <p:cTn id="15" fill="hold">
-                      <p:stCondLst>
-                        <p:cond delay="indefinite"/>
-                      </p:stCondLst>
-                      <p:childTnLst>
-                        <p:par>
-                          <p:cTn id="16" fill="hold">
-                            <p:stCondLst>
-                              <p:cond delay="0"/>
-                            </p:stCondLst>
-                            <p:childTnLst>
-                              <p:par>
-                                <p:cTn id="17" presetID="1" presetClass="entr" presetSubtype="0" fill="hold" grpId="0" nodeType="clickEffect">
-                                  <p:stCondLst>
-                                    <p:cond delay="0"/>
-                                  </p:stCondLst>
-                                  <p:childTnLst>
-                                    <p:set>
-                                      <p:cBhvr>
-                                        <p:cTn id="18" dur="1" fill="hold">
-                                          <p:stCondLst>
-                                            <p:cond delay="0"/>
-                                          </p:stCondLst>
-                                        </p:cTn>
-                                        <p:tgtEl>
-                                          <p:spTgt spid="57"/>
-                                        </p:tgtEl>
-                                        <p:attrNameLst>
-                                          <p:attrName>style.visibility</p:attrName>
-                                        </p:attrNameLst>
-                                      </p:cBhvr>
-                                      <p:to>
-                                        <p:strVal val="visible"/>
-                                      </p:to>
-                                    </p:set>
-                                  </p:childTnLst>
-                                </p:cTn>
-                              </p:par>
-                            </p:childTnLst>
-                          </p:cTn>
-                        </p:par>
-                      </p:childTnLst>
-                    </p:cTn>
-                  </p:par>
-                  <p:par>
-                    <p:cTn id="19" fill="hold">
-                      <p:stCondLst>
-                        <p:cond delay="indefinite"/>
-                      </p:stCondLst>
-                      <p:childTnLst>
-                        <p:par>
-                          <p:cTn id="20" fill="hold">
-                            <p:stCondLst>
-                              <p:cond delay="0"/>
-                            </p:stCondLst>
-                            <p:childTnLst>
-                              <p:par>
-                                <p:cTn id="21" presetID="1" presetClass="entr" presetSubtype="0" fill="hold" grpId="0" nodeType="clickEffect">
-                                  <p:stCondLst>
-                                    <p:cond delay="0"/>
-                                  </p:stCondLst>
-                                  <p:childTnLst>
-                                    <p:set>
-                                      <p:cBhvr>
-                                        <p:cTn id="22" dur="1" fill="hold">
-                                          <p:stCondLst>
-                                            <p:cond delay="0"/>
-                                          </p:stCondLst>
-                                        </p:cTn>
-                                        <p:tgtEl>
-                                          <p:spTgt spid="58"/>
-                                        </p:tgtEl>
-                                        <p:attrNameLst>
-                                          <p:attrName>style.visibility</p:attrName>
-                                        </p:attrNameLst>
-                                      </p:cBhvr>
-                                      <p:to>
-                                        <p:strVal val="visible"/>
-                                      </p:to>
-                                    </p:set>
-                                  </p:childTnLst>
-                                </p:cTn>
-                              </p:par>
-                            </p:childTnLst>
-                          </p:cTn>
-                        </p:par>
-                      </p:childTnLst>
-                    </p:cTn>
-                  </p:par>
-                  <p:par>
-                    <p:cTn id="23" fill="hold">
-                      <p:stCondLst>
-                        <p:cond delay="indefinite"/>
-                      </p:stCondLst>
-                      <p:childTnLst>
-                        <p:par>
-                          <p:cTn id="24" fill="hold">
-                            <p:stCondLst>
-                              <p:cond delay="0"/>
-                            </p:stCondLst>
-                            <p:childTnLst>
-                              <p:par>
-                                <p:cTn id="25" presetID="1" presetClass="entr" presetSubtype="0" fill="hold" grpId="0" nodeType="clickEffect">
-                                  <p:stCondLst>
-                                    <p:cond delay="0"/>
-                                  </p:stCondLst>
-                                  <p:childTnLst>
-                                    <p:set>
-                                      <p:cBhvr>
-                                        <p:cTn id="26" dur="1" fill="hold">
-                                          <p:stCondLst>
-                                            <p:cond delay="0"/>
-                                          </p:stCondLst>
-                                        </p:cTn>
-                                        <p:tgtEl>
-                                          <p:spTgt spid="6"/>
-                                        </p:tgtEl>
-                                        <p:attrNameLst>
-                                          <p:attrName>style.visibility</p:attrName>
-                                        </p:attrNameLst>
-                                      </p:cBhvr>
-                                      <p:to>
-                                        <p:strVal val="visible"/>
-                                      </p:to>
-                                    </p:set>
-                                  </p:childTnLst>
-                                </p:cTn>
-                              </p:par>
-                            </p:childTnLst>
-                          </p:cTn>
-                        </p:par>
-                      </p:childTnLst>
-                    </p:cTn>
-                  </p:par>
-                  <p:par>
-                    <p:cTn id="27" fill="hold">
-                      <p:stCondLst>
-                        <p:cond delay="indefinite"/>
-                      </p:stCondLst>
-                      <p:childTnLst>
-                        <p:par>
-                          <p:cTn id="28" fill="hold">
-                            <p:stCondLst>
-                              <p:cond delay="0"/>
-                            </p:stCondLst>
-                            <p:childTnLst>
-                              <p:par>
-                                <p:cTn id="29" presetID="1" presetClass="entr" presetSubtype="0" fill="hold" nodeType="clickEffect">
-                                  <p:stCondLst>
-                                    <p:cond delay="0"/>
-                                  </p:stCondLst>
-                                  <p:childTnLst>
-                                    <p:set>
-                                      <p:cBhvr>
-                                        <p:cTn id="30" dur="1" fill="hold">
-                                          <p:stCondLst>
-                                            <p:cond delay="0"/>
-                                          </p:stCondLst>
-                                        </p:cTn>
-                                        <p:tgtEl>
-                                          <p:spTgt spid="55"/>
-                                        </p:tgtEl>
-                                        <p:attrNameLst>
-                                          <p:attrName>style.visibility</p:attrName>
-                                        </p:attrNameLst>
-                                      </p:cBhvr>
-                                      <p:to>
-                                        <p:strVal val="visible"/>
-                                      </p:to>
-                                    </p:set>
-                                  </p:childTnLst>
-                                </p:cTn>
-                              </p:par>
-                            </p:childTnLst>
-                          </p:cTn>
-                        </p:par>
-                      </p:childTnLst>
-                    </p:cTn>
-                  </p:par>
-                </p:childTnLst>
-              </p:cTn>
-              <p:prevCondLst>
-                <p:cond evt="onPrev" delay="0">
-                  <p:tgtEl>
-                    <p:sldTgt/>
-                  </p:tgtEl>
-                </p:cond>
-              </p:prevCondLst>
-              <p:nextCondLst>
-                <p:cond evt="onNext" delay="0">
-                  <p:tgtEl>
-                    <p:sldTgt/>
-                  </p:tgtEl>
-                </p:cond>
-              </p:nextCondLst>
-            </p:seq>
-          </p:childTnLst>
-        </p:cTn>
-      </p:par>
-    </p:tnLst>
-    <p:bldLst>
-      <p:bldP spid="5" grpId="0"/>
-      <p:bldP spid="6" grpId="0"/>
-      <p:bldP spid="53" grpId="0"/>
-      <p:bldP spid="54" grpId="0"/>
-      <p:bldP spid="57" grpId="0"/>
-      <p:bldP spid="58" grpId="0"/>
-    </p:bldLst>
-  </p:timing>
-</p:sld>
-</file>
-
-<file path=ppt/slides/slide7.xml><?xml version="1.0" encoding="utf-8"?>
-<p:sld xmlns:a="http://schemas.openxmlformats.org/drawingml/2006/main" xmlns:r="http://schemas.openxmlformats.org/officeDocument/2006/relationships" xmlns:p="http://schemas.openxmlformats.org/presentationml/2006/main">
-  <p:cSld>
-    <p:spTree>
-      <p:nvGrpSpPr>
-        <p:cNvPr id="1" name=""/>
-        <p:cNvGrpSpPr/>
-        <p:nvPr/>
-      </p:nvGrpSpPr>
-      <p:grpSpPr>
-        <a:xfrm>
-          <a:off x="0" y="0"/>
-          <a:ext cx="0" cy="0"/>
-          <a:chOff x="0" y="0"/>
-          <a:chExt cx="0" cy="0"/>
-        </a:xfrm>
-      </p:grpSpPr>
-      <p:sp>
-        <p:nvSpPr>
-          <p:cNvPr id="2" name="Title 1">
-            <a:extLst>
-              <a:ext uri="{FF2B5EF4-FFF2-40B4-BE49-F238E27FC236}">
-                <a16:creationId xmlns:a16="http://schemas.microsoft.com/office/drawing/2014/main" id="{A6163BC1-C946-404A-841A-E7901DF9BF26}"/>
-              </a:ext>
-            </a:extLst>
-          </p:cNvPr>
-          <p:cNvSpPr>
-            <a:spLocks noGrp="1"/>
-          </p:cNvSpPr>
-          <p:nvPr>
-            <p:ph type="title"/>
-          </p:nvPr>
-        </p:nvSpPr>
-        <p:spPr>
-          <a:xfrm>
-            <a:off x="838200" y="365130"/>
-            <a:ext cx="10894017" cy="1325563"/>
-          </a:xfrm>
-        </p:spPr>
-        <p:txBody>
-          <a:bodyPr/>
-          <a:lstStyle/>
-          <a:p>
-            <a:r>
-              <a:rPr lang="en-GB" dirty="0"/>
-              <a:t>String </a:t>
-            </a:r>
-            <a:r>
-              <a:rPr lang="en-GB" dirty="0" err="1"/>
-              <a:t>slicing,boolske</a:t>
-            </a:r>
-            <a:r>
-              <a:rPr lang="en-GB" dirty="0"/>
-              <a:t> </a:t>
-            </a:r>
-            <a:r>
-              <a:rPr lang="en-GB" dirty="0" err="1"/>
-              <a:t>værdier</a:t>
-            </a:r>
-            <a:r>
-              <a:rPr lang="en-GB" dirty="0"/>
-              <a:t> </a:t>
-            </a:r>
-            <a:r>
-              <a:rPr lang="en-GB" dirty="0" err="1"/>
-              <a:t>og</a:t>
-            </a:r>
-            <a:r>
-              <a:rPr lang="en-GB" dirty="0"/>
-              <a:t> </a:t>
-            </a:r>
-            <a:r>
-              <a:rPr lang="en-GB" dirty="0" err="1"/>
-              <a:t>operatorer</a:t>
-            </a:r>
-            <a:endParaRPr lang="en-GB" dirty="0"/>
-          </a:p>
-        </p:txBody>
-      </p:sp>
-      <p:sp>
-        <p:nvSpPr>
-          <p:cNvPr id="4" name="Content Placeholder 2">
-            <a:extLst>
-              <a:ext uri="{FF2B5EF4-FFF2-40B4-BE49-F238E27FC236}">
-                <a16:creationId xmlns:a16="http://schemas.microsoft.com/office/drawing/2014/main" id="{3ED22099-B289-8744-AFEC-BC82A4A8BDBA}"/>
-              </a:ext>
-            </a:extLst>
-          </p:cNvPr>
-          <p:cNvSpPr txBox="1">
-            <a:spLocks/>
-          </p:cNvSpPr>
-          <p:nvPr/>
-        </p:nvSpPr>
-        <p:spPr>
-          <a:xfrm>
-            <a:off x="838200" y="2448340"/>
-            <a:ext cx="5035658" cy="2263145"/>
-          </a:xfrm>
-          <a:prstGeom prst="rect">
-            <a:avLst/>
-          </a:prstGeom>
-        </p:spPr>
-        <p:txBody>
-          <a:bodyPr vert="horz" lIns="91440" tIns="45720" rIns="91440" bIns="45720" rtlCol="0">
-            <a:normAutofit/>
-          </a:bodyPr>
-          <a:lstStyle>
-            <a:lvl1pPr marL="228600" indent="-228600" algn="l" defTabSz="914400" rtl="0" eaLnBrk="1" latinLnBrk="0" hangingPunct="1">
-              <a:lnSpc>
-                <a:spcPct val="90000"/>
-              </a:lnSpc>
-              <a:spcBef>
-                <a:spcPts val="1000"/>
-              </a:spcBef>
-              <a:buFont typeface="Arial" panose="020B0604020202020204" pitchFamily="34" charset="0"/>
-              <a:buChar char="•"/>
-              <a:defRPr sz="2800" kern="1200">
-                <a:solidFill>
-                  <a:schemeClr val="tx1"/>
-                </a:solidFill>
-                <a:latin typeface="+mn-lt"/>
-                <a:ea typeface="+mn-ea"/>
-                <a:cs typeface="+mn-cs"/>
-              </a:defRPr>
-            </a:lvl1pPr>
-            <a:lvl2pPr marL="685800" indent="-228600" algn="l" defTabSz="914400" rtl="0" eaLnBrk="1" latinLnBrk="0" hangingPunct="1">
-              <a:lnSpc>
-                <a:spcPct val="90000"/>
-              </a:lnSpc>
-              <a:spcBef>
-                <a:spcPts val="500"/>
-              </a:spcBef>
-              <a:buFont typeface="Arial" panose="020B0604020202020204" pitchFamily="34" charset="0"/>
-              <a:buChar char="•"/>
-              <a:defRPr sz="2400" kern="1200">
-                <a:solidFill>
-                  <a:schemeClr val="tx1"/>
-                </a:solidFill>
-                <a:latin typeface="+mn-lt"/>
-                <a:ea typeface="+mn-ea"/>
-                <a:cs typeface="+mn-cs"/>
-              </a:defRPr>
-            </a:lvl2pPr>
-            <a:lvl3pPr marL="1143000" indent="-228600" algn="l" defTabSz="914400" rtl="0" eaLnBrk="1" latinLnBrk="0" hangingPunct="1">
-              <a:lnSpc>
-                <a:spcPct val="90000"/>
-              </a:lnSpc>
-              <a:spcBef>
-                <a:spcPts val="500"/>
-              </a:spcBef>
-              <a:buFont typeface="Arial" panose="020B0604020202020204" pitchFamily="34" charset="0"/>
-              <a:buChar char="•"/>
-              <a:defRPr sz="2000" kern="1200">
-                <a:solidFill>
-                  <a:schemeClr val="tx1"/>
-                </a:solidFill>
-                <a:latin typeface="+mn-lt"/>
-                <a:ea typeface="+mn-ea"/>
-                <a:cs typeface="+mn-cs"/>
-              </a:defRPr>
-            </a:lvl3pPr>
-            <a:lvl4pPr marL="1600200" indent="-228600" algn="l" defTabSz="914400" rtl="0" eaLnBrk="1" latinLnBrk="0" hangingPunct="1">
-              <a:lnSpc>
-                <a:spcPct val="90000"/>
-              </a:lnSpc>
-              <a:spcBef>
-                <a:spcPts val="500"/>
-              </a:spcBef>
-              <a:buFont typeface="Arial" panose="020B0604020202020204" pitchFamily="34" charset="0"/>
-              <a:buChar char="•"/>
-              <a:defRPr sz="1800" kern="1200">
-                <a:solidFill>
-                  <a:schemeClr val="tx1"/>
-                </a:solidFill>
-                <a:latin typeface="+mn-lt"/>
-                <a:ea typeface="+mn-ea"/>
-                <a:cs typeface="+mn-cs"/>
-              </a:defRPr>
-            </a:lvl4pPr>
-            <a:lvl5pPr marL="2057400" indent="-228600" algn="l" defTabSz="914400" rtl="0" eaLnBrk="1" latinLnBrk="0" hangingPunct="1">
-              <a:lnSpc>
-                <a:spcPct val="90000"/>
-              </a:lnSpc>
-              <a:spcBef>
-                <a:spcPts val="500"/>
-              </a:spcBef>
-              <a:buFont typeface="Arial" panose="020B0604020202020204" pitchFamily="34" charset="0"/>
-              <a:buChar char="•"/>
-              <a:defRPr sz="1800" kern="1200">
-                <a:solidFill>
-                  <a:schemeClr val="tx1"/>
-                </a:solidFill>
-                <a:latin typeface="+mn-lt"/>
-                <a:ea typeface="+mn-ea"/>
-                <a:cs typeface="+mn-cs"/>
-              </a:defRPr>
-            </a:lvl5pPr>
-            <a:lvl6pPr marL="2514600" indent="-228600" algn="l" defTabSz="914400" rtl="0" eaLnBrk="1" latinLnBrk="0" hangingPunct="1">
-              <a:lnSpc>
-                <a:spcPct val="90000"/>
-              </a:lnSpc>
-              <a:spcBef>
-                <a:spcPts val="500"/>
-              </a:spcBef>
-              <a:buFont typeface="Arial" panose="020B0604020202020204" pitchFamily="34" charset="0"/>
-              <a:buChar char="•"/>
-              <a:defRPr sz="1800" kern="1200">
-                <a:solidFill>
-                  <a:schemeClr val="tx1"/>
-                </a:solidFill>
-                <a:latin typeface="+mn-lt"/>
-                <a:ea typeface="+mn-ea"/>
-                <a:cs typeface="+mn-cs"/>
-              </a:defRPr>
-            </a:lvl6pPr>
-            <a:lvl7pPr marL="2971800" indent="-228600" algn="l" defTabSz="914400" rtl="0" eaLnBrk="1" latinLnBrk="0" hangingPunct="1">
-              <a:lnSpc>
-                <a:spcPct val="90000"/>
-              </a:lnSpc>
-              <a:spcBef>
-                <a:spcPts val="500"/>
-              </a:spcBef>
-              <a:buFont typeface="Arial" panose="020B0604020202020204" pitchFamily="34" charset="0"/>
-              <a:buChar char="•"/>
-              <a:defRPr sz="1800" kern="1200">
-                <a:solidFill>
-                  <a:schemeClr val="tx1"/>
-                </a:solidFill>
-                <a:latin typeface="+mn-lt"/>
-                <a:ea typeface="+mn-ea"/>
-                <a:cs typeface="+mn-cs"/>
-              </a:defRPr>
-            </a:lvl7pPr>
-            <a:lvl8pPr marL="3429000" indent="-228600" algn="l" defTabSz="914400" rtl="0" eaLnBrk="1" latinLnBrk="0" hangingPunct="1">
-              <a:lnSpc>
-                <a:spcPct val="90000"/>
-              </a:lnSpc>
-              <a:spcBef>
-                <a:spcPts val="500"/>
-              </a:spcBef>
-              <a:buFont typeface="Arial" panose="020B0604020202020204" pitchFamily="34" charset="0"/>
-              <a:buChar char="•"/>
-              <a:defRPr sz="1800" kern="1200">
-                <a:solidFill>
-                  <a:schemeClr val="tx1"/>
-                </a:solidFill>
-                <a:latin typeface="+mn-lt"/>
-                <a:ea typeface="+mn-ea"/>
-                <a:cs typeface="+mn-cs"/>
-              </a:defRPr>
-            </a:lvl8pPr>
-            <a:lvl9pPr marL="3886200" indent="-228600" algn="l" defTabSz="914400" rtl="0" eaLnBrk="1" latinLnBrk="0" hangingPunct="1">
-              <a:lnSpc>
-                <a:spcPct val="90000"/>
-              </a:lnSpc>
-              <a:spcBef>
-                <a:spcPts val="500"/>
-              </a:spcBef>
-              <a:buFont typeface="Arial" panose="020B0604020202020204" pitchFamily="34" charset="0"/>
-              <a:buChar char="•"/>
-              <a:defRPr sz="1800" kern="1200">
-                <a:solidFill>
-                  <a:schemeClr val="tx1"/>
-                </a:solidFill>
-                <a:latin typeface="+mn-lt"/>
-                <a:ea typeface="+mn-ea"/>
-                <a:cs typeface="+mn-cs"/>
-              </a:defRPr>
-            </a:lvl9pPr>
-          </a:lstStyle>
-          <a:p>
-            <a:pPr marL="0" indent="0">
-              <a:lnSpc>
-                <a:spcPct val="100000"/>
-              </a:lnSpc>
-              <a:buNone/>
-            </a:pPr>
-            <a:r>
-              <a:rPr lang="en-GB" sz="1400" u="sng" dirty="0">
-                <a:latin typeface="DejaVu Sans Book" panose="020B0603030804020204" pitchFamily="34" charset="0"/>
-                <a:ea typeface="DejaVu Sans Book" panose="020B0603030804020204" pitchFamily="34" charset="0"/>
-                <a:cs typeface="DejaVu Sans Book" panose="020B0603030804020204" pitchFamily="34" charset="0"/>
-              </a:rPr>
-              <a:t>"</a:t>
-            </a:r>
-            <a:r>
-              <a:rPr lang="en-GB" sz="1400" u="sng" dirty="0" err="1">
-                <a:latin typeface="DejaVu Sans Book" panose="020B0603030804020204" pitchFamily="34" charset="0"/>
-                <a:ea typeface="DejaVu Sans Book" panose="020B0603030804020204" pitchFamily="34" charset="0"/>
-                <a:cs typeface="DejaVu Sans Book" panose="020B0603030804020204" pitchFamily="34" charset="0"/>
-              </a:rPr>
-              <a:t>abcdefghijkl</a:t>
-            </a:r>
-            <a:r>
-              <a:rPr lang="en-GB" sz="1400" u="sng" dirty="0">
-                <a:latin typeface="DejaVu Sans Book" panose="020B0603030804020204" pitchFamily="34" charset="0"/>
-                <a:ea typeface="DejaVu Sans Book" panose="020B0603030804020204" pitchFamily="34" charset="0"/>
-                <a:cs typeface="DejaVu Sans Book" panose="020B0603030804020204" pitchFamily="34" charset="0"/>
-              </a:rPr>
-              <a:t>".[1]</a:t>
-            </a:r>
-          </a:p>
-          <a:p>
-            <a:pPr marL="0" indent="0">
-              <a:lnSpc>
-                <a:spcPct val="100000"/>
-              </a:lnSpc>
-              <a:buNone/>
-            </a:pPr>
-            <a:r>
-              <a:rPr lang="en-GB" sz="1400" u="sng" dirty="0">
-                <a:latin typeface="DejaVu Sans Book" panose="020B0603030804020204" pitchFamily="34" charset="0"/>
-                <a:ea typeface="DejaVu Sans Book" panose="020B0603030804020204" pitchFamily="34" charset="0"/>
-                <a:cs typeface="DejaVu Sans Book" panose="020B0603030804020204" pitchFamily="34" charset="0"/>
-              </a:rPr>
-              <a:t>"</a:t>
-            </a:r>
-            <a:r>
-              <a:rPr lang="en-GB" sz="1400" u="sng" dirty="0" err="1">
-                <a:latin typeface="DejaVu Sans Book" panose="020B0603030804020204" pitchFamily="34" charset="0"/>
-                <a:ea typeface="DejaVu Sans Book" panose="020B0603030804020204" pitchFamily="34" charset="0"/>
-                <a:cs typeface="DejaVu Sans Book" panose="020B0603030804020204" pitchFamily="34" charset="0"/>
-              </a:rPr>
-              <a:t>abcdefghijkl</a:t>
-            </a:r>
-            <a:r>
-              <a:rPr lang="en-GB" sz="1400" u="sng" dirty="0">
-                <a:latin typeface="DejaVu Sans Book" panose="020B0603030804020204" pitchFamily="34" charset="0"/>
-                <a:ea typeface="DejaVu Sans Book" panose="020B0603030804020204" pitchFamily="34" charset="0"/>
-                <a:cs typeface="DejaVu Sans Book" panose="020B0603030804020204" pitchFamily="34" charset="0"/>
-              </a:rPr>
-              <a:t>".[1..4]</a:t>
-            </a:r>
-          </a:p>
-          <a:p>
-            <a:pPr marL="0" indent="0">
-              <a:lnSpc>
-                <a:spcPct val="100000"/>
-              </a:lnSpc>
-              <a:buNone/>
-            </a:pPr>
-            <a:r>
-              <a:rPr lang="en-GB" sz="1400" u="sng" dirty="0">
-                <a:latin typeface="DejaVu Sans Book" panose="020B0603030804020204" pitchFamily="34" charset="0"/>
-                <a:ea typeface="DejaVu Sans Book" panose="020B0603030804020204" pitchFamily="34" charset="0"/>
-                <a:cs typeface="DejaVu Sans Book" panose="020B0603030804020204" pitchFamily="34" charset="0"/>
-              </a:rPr>
-              <a:t>"</a:t>
-            </a:r>
-            <a:r>
-              <a:rPr lang="en-GB" sz="1400" u="sng" dirty="0" err="1">
-                <a:latin typeface="DejaVu Sans Book" panose="020B0603030804020204" pitchFamily="34" charset="0"/>
-                <a:ea typeface="DejaVu Sans Book" panose="020B0603030804020204" pitchFamily="34" charset="0"/>
-                <a:cs typeface="DejaVu Sans Book" panose="020B0603030804020204" pitchFamily="34" charset="0"/>
-              </a:rPr>
-              <a:t>abcdefghijkl</a:t>
-            </a:r>
-            <a:r>
-              <a:rPr lang="en-GB" sz="1400" u="sng" dirty="0">
-                <a:latin typeface="DejaVu Sans Book" panose="020B0603030804020204" pitchFamily="34" charset="0"/>
-                <a:ea typeface="DejaVu Sans Book" panose="020B0603030804020204" pitchFamily="34" charset="0"/>
-                <a:cs typeface="DejaVu Sans Book" panose="020B0603030804020204" pitchFamily="34" charset="0"/>
-              </a:rPr>
-              <a:t>".[..4]</a:t>
-            </a:r>
-          </a:p>
-          <a:p>
-            <a:pPr marL="0" indent="0">
-              <a:lnSpc>
-                <a:spcPct val="100000"/>
-              </a:lnSpc>
-              <a:buNone/>
-            </a:pPr>
-            <a:r>
-              <a:rPr lang="en-GB" sz="1400" u="sng" dirty="0">
-                <a:latin typeface="DejaVu Sans Book" panose="020B0603030804020204" pitchFamily="34" charset="0"/>
-                <a:ea typeface="DejaVu Sans Book" panose="020B0603030804020204" pitchFamily="34" charset="0"/>
-                <a:cs typeface="DejaVu Sans Book" panose="020B0603030804020204" pitchFamily="34" charset="0"/>
-              </a:rPr>
-              <a:t>"</a:t>
-            </a:r>
-            <a:r>
-              <a:rPr lang="en-GB" sz="1400" u="sng" dirty="0" err="1">
-                <a:latin typeface="DejaVu Sans Book" panose="020B0603030804020204" pitchFamily="34" charset="0"/>
-                <a:ea typeface="DejaVu Sans Book" panose="020B0603030804020204" pitchFamily="34" charset="0"/>
-                <a:cs typeface="DejaVu Sans Book" panose="020B0603030804020204" pitchFamily="34" charset="0"/>
-              </a:rPr>
-              <a:t>abcdefghijkl</a:t>
-            </a:r>
-            <a:r>
-              <a:rPr lang="en-GB" sz="1400" u="sng" dirty="0">
-                <a:latin typeface="DejaVu Sans Book" panose="020B0603030804020204" pitchFamily="34" charset="0"/>
-                <a:ea typeface="DejaVu Sans Book" panose="020B0603030804020204" pitchFamily="34" charset="0"/>
-                <a:cs typeface="DejaVu Sans Book" panose="020B0603030804020204" pitchFamily="34" charset="0"/>
-              </a:rPr>
-              <a:t>".[4..]</a:t>
-            </a:r>
-          </a:p>
-          <a:p>
-            <a:pPr marL="0" indent="0">
-              <a:lnSpc>
-                <a:spcPct val="100000"/>
-              </a:lnSpc>
-              <a:buNone/>
-            </a:pPr>
-            <a:r>
-              <a:rPr lang="en-GB" sz="1400" u="sng" dirty="0">
-                <a:latin typeface="DejaVu Sans Book" panose="020B0603030804020204" pitchFamily="34" charset="0"/>
-                <a:ea typeface="DejaVu Sans Book" panose="020B0603030804020204" pitchFamily="34" charset="0"/>
-                <a:cs typeface="DejaVu Sans Book" panose="020B0603030804020204" pitchFamily="34" charset="0"/>
-              </a:rPr>
-              <a:t>"</a:t>
-            </a:r>
-            <a:r>
-              <a:rPr lang="en-GB" sz="1400" u="sng" dirty="0" err="1">
-                <a:latin typeface="DejaVu Sans Book" panose="020B0603030804020204" pitchFamily="34" charset="0"/>
-                <a:ea typeface="DejaVu Sans Book" panose="020B0603030804020204" pitchFamily="34" charset="0"/>
-                <a:cs typeface="DejaVu Sans Book" panose="020B0603030804020204" pitchFamily="34" charset="0"/>
-              </a:rPr>
-              <a:t>abcdefghijkl</a:t>
-            </a:r>
-            <a:r>
-              <a:rPr lang="en-GB" sz="1400" u="sng" dirty="0">
-                <a:latin typeface="DejaVu Sans Book" panose="020B0603030804020204" pitchFamily="34" charset="0"/>
-                <a:ea typeface="DejaVu Sans Book" panose="020B0603030804020204" pitchFamily="34" charset="0"/>
-                <a:cs typeface="DejaVu Sans Book" panose="020B0603030804020204" pitchFamily="34" charset="0"/>
-              </a:rPr>
-              <a:t>".Length</a:t>
-            </a:r>
-          </a:p>
-          <a:p>
-            <a:pPr marL="0" indent="0">
-              <a:lnSpc>
-                <a:spcPct val="100000"/>
-              </a:lnSpc>
-              <a:buNone/>
-            </a:pPr>
-            <a:r>
-              <a:rPr lang="en-GB" sz="1400" u="sng" dirty="0">
-                <a:latin typeface="DejaVu Sans Book" panose="020B0603030804020204" pitchFamily="34" charset="0"/>
-                <a:ea typeface="DejaVu Sans Book" panose="020B0603030804020204" pitchFamily="34" charset="0"/>
-                <a:cs typeface="DejaVu Sans Book" panose="020B0603030804020204" pitchFamily="34" charset="0"/>
-              </a:rPr>
-              <a:t>"</a:t>
-            </a:r>
-            <a:r>
-              <a:rPr lang="en-GB" sz="1400" u="sng" dirty="0" err="1">
-                <a:latin typeface="DejaVu Sans Book" panose="020B0603030804020204" pitchFamily="34" charset="0"/>
-                <a:ea typeface="DejaVu Sans Book" panose="020B0603030804020204" pitchFamily="34" charset="0"/>
-                <a:cs typeface="DejaVu Sans Book" panose="020B0603030804020204" pitchFamily="34" charset="0"/>
-              </a:rPr>
-              <a:t>abcdefghijkl</a:t>
-            </a:r>
-            <a:r>
-              <a:rPr lang="en-GB" sz="1400" u="sng" dirty="0">
-                <a:latin typeface="DejaVu Sans Book" panose="020B0603030804020204" pitchFamily="34" charset="0"/>
-                <a:ea typeface="DejaVu Sans Book" panose="020B0603030804020204" pitchFamily="34" charset="0"/>
-                <a:cs typeface="DejaVu Sans Book" panose="020B0603030804020204" pitchFamily="34" charset="0"/>
-              </a:rPr>
-              <a:t>".[0..11]</a:t>
-            </a:r>
-          </a:p>
-        </p:txBody>
-      </p:sp>
-      <p:sp>
-        <p:nvSpPr>
-          <p:cNvPr id="5" name="TextBox 4">
-            <a:extLst>
-              <a:ext uri="{FF2B5EF4-FFF2-40B4-BE49-F238E27FC236}">
-                <a16:creationId xmlns:a16="http://schemas.microsoft.com/office/drawing/2014/main" id="{70A7D154-B20E-F944-8F38-85810BBE11C4}"/>
-              </a:ext>
-            </a:extLst>
-          </p:cNvPr>
-          <p:cNvSpPr txBox="1"/>
-          <p:nvPr/>
-        </p:nvSpPr>
-        <p:spPr>
-          <a:xfrm>
-            <a:off x="2869675" y="2463407"/>
-            <a:ext cx="622286" cy="307777"/>
-          </a:xfrm>
-          <a:prstGeom prst="rect">
-            <a:avLst/>
-          </a:prstGeom>
-          <a:noFill/>
-        </p:spPr>
-        <p:txBody>
-          <a:bodyPr wrap="none" rtlCol="0">
-            <a:spAutoFit/>
-          </a:bodyPr>
-          <a:lstStyle/>
-          <a:p>
-            <a:r>
-              <a:rPr lang="en-GB" sz="1400" dirty="0">
-                <a:solidFill>
-                  <a:schemeClr val="accent6"/>
-                </a:solidFill>
-                <a:latin typeface="DejaVu Sans Book" panose="020B0603030804020204" pitchFamily="34" charset="0"/>
-                <a:ea typeface="DejaVu Sans Book" panose="020B0603030804020204" pitchFamily="34" charset="0"/>
-                <a:cs typeface="DejaVu Sans Book" panose="020B0603030804020204" pitchFamily="34" charset="0"/>
-              </a:rPr>
-              <a:t>= ‘b’</a:t>
-            </a:r>
-          </a:p>
-        </p:txBody>
-      </p:sp>
-      <p:sp>
-        <p:nvSpPr>
-          <p:cNvPr id="6" name="TextBox 5">
-            <a:extLst>
-              <a:ext uri="{FF2B5EF4-FFF2-40B4-BE49-F238E27FC236}">
-                <a16:creationId xmlns:a16="http://schemas.microsoft.com/office/drawing/2014/main" id="{46B24CC0-06A6-AB4D-9BA8-06AE0260AB42}"/>
-              </a:ext>
-            </a:extLst>
-          </p:cNvPr>
-          <p:cNvSpPr txBox="1"/>
-          <p:nvPr/>
-        </p:nvSpPr>
-        <p:spPr>
-          <a:xfrm>
-            <a:off x="2885066" y="2802179"/>
-            <a:ext cx="997389" cy="307777"/>
-          </a:xfrm>
-          <a:prstGeom prst="rect">
-            <a:avLst/>
-          </a:prstGeom>
-          <a:noFill/>
-        </p:spPr>
-        <p:txBody>
-          <a:bodyPr wrap="none" rtlCol="0">
-            <a:spAutoFit/>
-          </a:bodyPr>
-          <a:lstStyle/>
-          <a:p>
-            <a:r>
-              <a:rPr lang="en-GB" sz="1400" dirty="0">
-                <a:solidFill>
-                  <a:schemeClr val="accent6"/>
-                </a:solidFill>
-                <a:latin typeface="DejaVu Sans Book" panose="020B0603030804020204" pitchFamily="34" charset="0"/>
-                <a:ea typeface="DejaVu Sans Book" panose="020B0603030804020204" pitchFamily="34" charset="0"/>
-                <a:cs typeface="DejaVu Sans Book" panose="020B0603030804020204" pitchFamily="34" charset="0"/>
-              </a:rPr>
-              <a:t>= </a:t>
-            </a:r>
-            <a:r>
-              <a:rPr lang="da-DK" sz="1400" dirty="0">
-                <a:solidFill>
-                  <a:schemeClr val="accent6"/>
-                </a:solidFill>
-                <a:latin typeface="DejaVu Sans Book" panose="020B0603030804020204" pitchFamily="34" charset="0"/>
-                <a:ea typeface="DejaVu Sans Book" panose="020B0603030804020204" pitchFamily="34" charset="0"/>
-                <a:cs typeface="DejaVu Sans Book" panose="020B0603030804020204" pitchFamily="34" charset="0"/>
-              </a:rPr>
-              <a:t>"</a:t>
-            </a:r>
-            <a:r>
-              <a:rPr lang="da-DK" sz="1400" dirty="0" err="1">
-                <a:solidFill>
-                  <a:schemeClr val="accent6"/>
-                </a:solidFill>
-                <a:latin typeface="DejaVu Sans Book" panose="020B0603030804020204" pitchFamily="34" charset="0"/>
-                <a:ea typeface="DejaVu Sans Book" panose="020B0603030804020204" pitchFamily="34" charset="0"/>
-                <a:cs typeface="DejaVu Sans Book" panose="020B0603030804020204" pitchFamily="34" charset="0"/>
-              </a:rPr>
-              <a:t>bcde</a:t>
-            </a:r>
-            <a:r>
-              <a:rPr lang="da-DK" sz="1400" dirty="0">
-                <a:solidFill>
-                  <a:schemeClr val="accent6"/>
-                </a:solidFill>
-                <a:latin typeface="DejaVu Sans Book" panose="020B0603030804020204" pitchFamily="34" charset="0"/>
-                <a:ea typeface="DejaVu Sans Book" panose="020B0603030804020204" pitchFamily="34" charset="0"/>
-                <a:cs typeface="DejaVu Sans Book" panose="020B0603030804020204" pitchFamily="34" charset="0"/>
-              </a:rPr>
-              <a:t>"</a:t>
-            </a:r>
-            <a:endParaRPr lang="da-DK" sz="1400" dirty="0">
-              <a:latin typeface="DejaVu Sans Book" panose="020B0603030804020204" pitchFamily="34" charset="0"/>
-              <a:ea typeface="DejaVu Sans Book" panose="020B0603030804020204" pitchFamily="34" charset="0"/>
-              <a:cs typeface="DejaVu Sans Book" panose="020B0603030804020204" pitchFamily="34" charset="0"/>
-            </a:endParaRPr>
-          </a:p>
-        </p:txBody>
-      </p:sp>
-      <p:sp>
-        <p:nvSpPr>
-          <p:cNvPr id="7" name="TextBox 6">
-            <a:extLst>
-              <a:ext uri="{FF2B5EF4-FFF2-40B4-BE49-F238E27FC236}">
-                <a16:creationId xmlns:a16="http://schemas.microsoft.com/office/drawing/2014/main" id="{9E8D4D4A-512D-9542-BE39-0CDCD0221B4F}"/>
-              </a:ext>
-            </a:extLst>
-          </p:cNvPr>
-          <p:cNvSpPr txBox="1"/>
-          <p:nvPr/>
-        </p:nvSpPr>
-        <p:spPr>
-          <a:xfrm>
-            <a:off x="2885066" y="3140516"/>
-            <a:ext cx="1107996" cy="307777"/>
-          </a:xfrm>
-          <a:prstGeom prst="rect">
-            <a:avLst/>
-          </a:prstGeom>
-          <a:noFill/>
-        </p:spPr>
-        <p:txBody>
-          <a:bodyPr wrap="none" rtlCol="0">
-            <a:spAutoFit/>
-          </a:bodyPr>
-          <a:lstStyle/>
-          <a:p>
-            <a:r>
-              <a:rPr lang="en-GB" sz="1400" dirty="0">
-                <a:solidFill>
-                  <a:schemeClr val="accent6"/>
-                </a:solidFill>
-                <a:latin typeface="DejaVu Sans Book" panose="020B0603030804020204" pitchFamily="34" charset="0"/>
-                <a:ea typeface="DejaVu Sans Book" panose="020B0603030804020204" pitchFamily="34" charset="0"/>
-                <a:cs typeface="DejaVu Sans Book" panose="020B0603030804020204" pitchFamily="34" charset="0"/>
-              </a:rPr>
-              <a:t>= </a:t>
-            </a:r>
-            <a:r>
-              <a:rPr lang="da-DK" sz="1400" dirty="0">
-                <a:solidFill>
-                  <a:schemeClr val="accent6"/>
-                </a:solidFill>
-                <a:latin typeface="DejaVu Sans Book" panose="020B0603030804020204" pitchFamily="34" charset="0"/>
-                <a:ea typeface="DejaVu Sans Book" panose="020B0603030804020204" pitchFamily="34" charset="0"/>
-                <a:cs typeface="DejaVu Sans Book" panose="020B0603030804020204" pitchFamily="34" charset="0"/>
-              </a:rPr>
-              <a:t>"</a:t>
-            </a:r>
-            <a:r>
-              <a:rPr lang="da-DK" sz="1400" dirty="0" err="1">
-                <a:solidFill>
-                  <a:schemeClr val="accent6"/>
-                </a:solidFill>
-                <a:latin typeface="DejaVu Sans Book" panose="020B0603030804020204" pitchFamily="34" charset="0"/>
-                <a:ea typeface="DejaVu Sans Book" panose="020B0603030804020204" pitchFamily="34" charset="0"/>
-                <a:cs typeface="DejaVu Sans Book" panose="020B0603030804020204" pitchFamily="34" charset="0"/>
-              </a:rPr>
-              <a:t>abcde</a:t>
-            </a:r>
-            <a:r>
-              <a:rPr lang="da-DK" sz="1400" dirty="0">
-                <a:solidFill>
-                  <a:schemeClr val="accent6"/>
-                </a:solidFill>
-                <a:latin typeface="DejaVu Sans Book" panose="020B0603030804020204" pitchFamily="34" charset="0"/>
-                <a:ea typeface="DejaVu Sans Book" panose="020B0603030804020204" pitchFamily="34" charset="0"/>
-                <a:cs typeface="DejaVu Sans Book" panose="020B0603030804020204" pitchFamily="34" charset="0"/>
-              </a:rPr>
-              <a:t>"</a:t>
-            </a:r>
-          </a:p>
-        </p:txBody>
-      </p:sp>
-      <p:sp>
-        <p:nvSpPr>
-          <p:cNvPr id="8" name="TextBox 7">
-            <a:extLst>
-              <a:ext uri="{FF2B5EF4-FFF2-40B4-BE49-F238E27FC236}">
-                <a16:creationId xmlns:a16="http://schemas.microsoft.com/office/drawing/2014/main" id="{F94F2E34-AEA1-994D-A5F8-4B718BC3A03F}"/>
-              </a:ext>
-            </a:extLst>
-          </p:cNvPr>
-          <p:cNvSpPr txBox="1"/>
-          <p:nvPr/>
-        </p:nvSpPr>
-        <p:spPr>
-          <a:xfrm>
-            <a:off x="2885063" y="3494350"/>
-            <a:ext cx="1213794" cy="307777"/>
-          </a:xfrm>
-          <a:prstGeom prst="rect">
-            <a:avLst/>
-          </a:prstGeom>
-          <a:noFill/>
-        </p:spPr>
-        <p:txBody>
-          <a:bodyPr wrap="none" rtlCol="0">
-            <a:spAutoFit/>
-          </a:bodyPr>
-          <a:lstStyle/>
-          <a:p>
-            <a:r>
-              <a:rPr lang="en-GB" sz="1400" dirty="0">
-                <a:solidFill>
-                  <a:schemeClr val="accent6"/>
-                </a:solidFill>
-                <a:latin typeface="DejaVu Sans Book" panose="020B0603030804020204" pitchFamily="34" charset="0"/>
-                <a:ea typeface="DejaVu Sans Book" panose="020B0603030804020204" pitchFamily="34" charset="0"/>
-                <a:cs typeface="DejaVu Sans Book" panose="020B0603030804020204" pitchFamily="34" charset="0"/>
-              </a:rPr>
-              <a:t>= </a:t>
-            </a:r>
-            <a:r>
-              <a:rPr lang="da-DK" sz="1400" dirty="0">
-                <a:solidFill>
-                  <a:schemeClr val="accent6"/>
-                </a:solidFill>
-                <a:latin typeface="DejaVu Sans Book" panose="020B0603030804020204" pitchFamily="34" charset="0"/>
-                <a:ea typeface="DejaVu Sans Book" panose="020B0603030804020204" pitchFamily="34" charset="0"/>
-                <a:cs typeface="DejaVu Sans Book" panose="020B0603030804020204" pitchFamily="34" charset="0"/>
-              </a:rPr>
-              <a:t>"</a:t>
-            </a:r>
-            <a:r>
-              <a:rPr lang="da-DK" sz="1400" dirty="0" err="1">
-                <a:solidFill>
-                  <a:schemeClr val="accent6"/>
-                </a:solidFill>
-                <a:latin typeface="DejaVu Sans Book" panose="020B0603030804020204" pitchFamily="34" charset="0"/>
-                <a:ea typeface="DejaVu Sans Book" panose="020B0603030804020204" pitchFamily="34" charset="0"/>
-                <a:cs typeface="DejaVu Sans Book" panose="020B0603030804020204" pitchFamily="34" charset="0"/>
-              </a:rPr>
-              <a:t>efghijkl</a:t>
-            </a:r>
-            <a:r>
-              <a:rPr lang="da-DK" sz="1400" dirty="0">
-                <a:solidFill>
-                  <a:schemeClr val="accent6"/>
-                </a:solidFill>
-                <a:latin typeface="DejaVu Sans Book" panose="020B0603030804020204" pitchFamily="34" charset="0"/>
-                <a:ea typeface="DejaVu Sans Book" panose="020B0603030804020204" pitchFamily="34" charset="0"/>
-                <a:cs typeface="DejaVu Sans Book" panose="020B0603030804020204" pitchFamily="34" charset="0"/>
-              </a:rPr>
-              <a:t>"</a:t>
-            </a:r>
-          </a:p>
-        </p:txBody>
-      </p:sp>
-      <p:sp>
-        <p:nvSpPr>
-          <p:cNvPr id="9" name="TextBox 8">
-            <a:extLst>
-              <a:ext uri="{FF2B5EF4-FFF2-40B4-BE49-F238E27FC236}">
-                <a16:creationId xmlns:a16="http://schemas.microsoft.com/office/drawing/2014/main" id="{4E2E672D-9B66-4C40-81CA-90ADA0C718E5}"/>
-              </a:ext>
-            </a:extLst>
-          </p:cNvPr>
-          <p:cNvSpPr txBox="1"/>
-          <p:nvPr/>
-        </p:nvSpPr>
-        <p:spPr>
-          <a:xfrm>
-            <a:off x="2885069" y="3821918"/>
-            <a:ext cx="620683" cy="307777"/>
-          </a:xfrm>
-          <a:prstGeom prst="rect">
-            <a:avLst/>
-          </a:prstGeom>
-          <a:noFill/>
-        </p:spPr>
-        <p:txBody>
-          <a:bodyPr wrap="none" rtlCol="0">
-            <a:spAutoFit/>
-          </a:bodyPr>
-          <a:lstStyle/>
-          <a:p>
-            <a:r>
-              <a:rPr lang="en-GB" sz="1400" dirty="0">
-                <a:solidFill>
-                  <a:schemeClr val="accent6"/>
-                </a:solidFill>
-                <a:latin typeface="DejaVu Sans Book" panose="020B0603030804020204" pitchFamily="34" charset="0"/>
-                <a:ea typeface="DejaVu Sans Book" panose="020B0603030804020204" pitchFamily="34" charset="0"/>
-                <a:cs typeface="DejaVu Sans Book" panose="020B0603030804020204" pitchFamily="34" charset="0"/>
-              </a:rPr>
-              <a:t>= 12</a:t>
-            </a:r>
-          </a:p>
-        </p:txBody>
-      </p:sp>
-      <p:sp>
-        <p:nvSpPr>
-          <p:cNvPr id="10" name="TextBox 9">
-            <a:extLst>
-              <a:ext uri="{FF2B5EF4-FFF2-40B4-BE49-F238E27FC236}">
-                <a16:creationId xmlns:a16="http://schemas.microsoft.com/office/drawing/2014/main" id="{8E9AEB84-41DD-0541-9E2B-5C1D3F87D7AF}"/>
-              </a:ext>
-            </a:extLst>
-          </p:cNvPr>
-          <p:cNvSpPr txBox="1"/>
-          <p:nvPr/>
-        </p:nvSpPr>
-        <p:spPr>
-          <a:xfrm>
-            <a:off x="2885062" y="4144756"/>
-            <a:ext cx="1651414" cy="307777"/>
-          </a:xfrm>
-          <a:prstGeom prst="rect">
-            <a:avLst/>
-          </a:prstGeom>
-          <a:noFill/>
-        </p:spPr>
-        <p:txBody>
-          <a:bodyPr wrap="none" rtlCol="0">
-            <a:spAutoFit/>
-          </a:bodyPr>
-          <a:lstStyle/>
-          <a:p>
-            <a:r>
-              <a:rPr lang="en-GB" sz="1400" dirty="0">
-                <a:solidFill>
-                  <a:schemeClr val="accent6"/>
-                </a:solidFill>
-                <a:latin typeface="DejaVu Sans Book" panose="020B0603030804020204" pitchFamily="34" charset="0"/>
-                <a:ea typeface="DejaVu Sans Book" panose="020B0603030804020204" pitchFamily="34" charset="0"/>
-                <a:cs typeface="DejaVu Sans Book" panose="020B0603030804020204" pitchFamily="34" charset="0"/>
-              </a:rPr>
-              <a:t>= </a:t>
-            </a:r>
-            <a:r>
-              <a:rPr lang="da-DK" sz="1400" dirty="0">
-                <a:solidFill>
-                  <a:schemeClr val="accent6"/>
-                </a:solidFill>
-                <a:latin typeface="DejaVu Sans Book" panose="020B0603030804020204" pitchFamily="34" charset="0"/>
-                <a:ea typeface="DejaVu Sans Book" panose="020B0603030804020204" pitchFamily="34" charset="0"/>
-                <a:cs typeface="DejaVu Sans Book" panose="020B0603030804020204" pitchFamily="34" charset="0"/>
-              </a:rPr>
-              <a:t>"</a:t>
-            </a:r>
-            <a:r>
-              <a:rPr lang="da-DK" sz="1400" dirty="0" err="1">
-                <a:solidFill>
-                  <a:schemeClr val="accent6"/>
-                </a:solidFill>
-                <a:latin typeface="DejaVu Sans Book" panose="020B0603030804020204" pitchFamily="34" charset="0"/>
-                <a:ea typeface="DejaVu Sans Book" panose="020B0603030804020204" pitchFamily="34" charset="0"/>
-                <a:cs typeface="DejaVu Sans Book" panose="020B0603030804020204" pitchFamily="34" charset="0"/>
-              </a:rPr>
-              <a:t>abcdefghijkl</a:t>
-            </a:r>
-            <a:r>
-              <a:rPr lang="da-DK" sz="1400" dirty="0">
-                <a:solidFill>
-                  <a:schemeClr val="accent6"/>
-                </a:solidFill>
-                <a:latin typeface="DejaVu Sans Book" panose="020B0603030804020204" pitchFamily="34" charset="0"/>
-                <a:ea typeface="DejaVu Sans Book" panose="020B0603030804020204" pitchFamily="34" charset="0"/>
-                <a:cs typeface="DejaVu Sans Book" panose="020B0603030804020204" pitchFamily="34" charset="0"/>
-              </a:rPr>
-              <a:t>"</a:t>
-            </a:r>
-          </a:p>
-        </p:txBody>
-      </p:sp>
-      <p:cxnSp>
-        <p:nvCxnSpPr>
-          <p:cNvPr id="11" name="Straight Connector 10">
-            <a:extLst>
-              <a:ext uri="{FF2B5EF4-FFF2-40B4-BE49-F238E27FC236}">
-                <a16:creationId xmlns:a16="http://schemas.microsoft.com/office/drawing/2014/main" id="{43A35C5C-6344-6E43-8A27-C7973D85C453}"/>
-              </a:ext>
-            </a:extLst>
-          </p:cNvPr>
-          <p:cNvCxnSpPr>
-            <a:cxnSpLocks/>
-          </p:cNvCxnSpPr>
-          <p:nvPr/>
-        </p:nvCxnSpPr>
-        <p:spPr>
-          <a:xfrm>
-            <a:off x="5157614" y="1850272"/>
-            <a:ext cx="0" cy="4128437"/>
-          </a:xfrm>
-          <a:prstGeom prst="line">
-            <a:avLst/>
-          </a:prstGeom>
-        </p:spPr>
-        <p:style>
-          <a:lnRef idx="1">
-            <a:schemeClr val="accent1"/>
-          </a:lnRef>
-          <a:fillRef idx="0">
-            <a:schemeClr val="accent1"/>
-          </a:fillRef>
-          <a:effectRef idx="0">
-            <a:schemeClr val="accent1"/>
-          </a:effectRef>
-          <a:fontRef idx="minor">
-            <a:schemeClr val="tx1"/>
-          </a:fontRef>
-        </p:style>
-      </p:cxnSp>
-      <p:cxnSp>
-        <p:nvCxnSpPr>
-          <p:cNvPr id="12" name="Straight Connector 11">
-            <a:extLst>
-              <a:ext uri="{FF2B5EF4-FFF2-40B4-BE49-F238E27FC236}">
-                <a16:creationId xmlns:a16="http://schemas.microsoft.com/office/drawing/2014/main" id="{6E1D33A4-76E2-D446-BCF7-493D38BDAC2A}"/>
-              </a:ext>
-            </a:extLst>
-          </p:cNvPr>
-          <p:cNvCxnSpPr>
-            <a:cxnSpLocks/>
-          </p:cNvCxnSpPr>
-          <p:nvPr/>
-        </p:nvCxnSpPr>
-        <p:spPr>
-          <a:xfrm>
-            <a:off x="7178002" y="1850272"/>
-            <a:ext cx="0" cy="4128437"/>
-          </a:xfrm>
-          <a:prstGeom prst="line">
-            <a:avLst/>
-          </a:prstGeom>
-        </p:spPr>
-        <p:style>
-          <a:lnRef idx="1">
-            <a:schemeClr val="accent1"/>
-          </a:lnRef>
-          <a:fillRef idx="0">
-            <a:schemeClr val="accent1"/>
-          </a:fillRef>
-          <a:effectRef idx="0">
-            <a:schemeClr val="accent1"/>
-          </a:effectRef>
-          <a:fontRef idx="minor">
-            <a:schemeClr val="tx1"/>
-          </a:fontRef>
-        </p:style>
-      </p:cxnSp>
-      <p:cxnSp>
-        <p:nvCxnSpPr>
-          <p:cNvPr id="13" name="Straight Connector 12">
-            <a:extLst>
-              <a:ext uri="{FF2B5EF4-FFF2-40B4-BE49-F238E27FC236}">
-                <a16:creationId xmlns:a16="http://schemas.microsoft.com/office/drawing/2014/main" id="{A6BCB359-E1FE-8644-8A87-5185D54A1DFC}"/>
-              </a:ext>
-            </a:extLst>
-          </p:cNvPr>
-          <p:cNvCxnSpPr>
-            <a:cxnSpLocks/>
-          </p:cNvCxnSpPr>
-          <p:nvPr/>
-        </p:nvCxnSpPr>
-        <p:spPr>
-          <a:xfrm>
-            <a:off x="838200" y="1850267"/>
-            <a:ext cx="0" cy="4128437"/>
-          </a:xfrm>
-          <a:prstGeom prst="line">
-            <a:avLst/>
-          </a:prstGeom>
-        </p:spPr>
-        <p:style>
-          <a:lnRef idx="1">
-            <a:schemeClr val="accent1"/>
-          </a:lnRef>
-          <a:fillRef idx="0">
-            <a:schemeClr val="accent1"/>
-          </a:fillRef>
-          <a:effectRef idx="0">
-            <a:schemeClr val="accent1"/>
-          </a:effectRef>
-          <a:fontRef idx="minor">
-            <a:schemeClr val="tx1"/>
-          </a:fontRef>
-        </p:style>
-      </p:cxnSp>
-      <p:sp>
-        <p:nvSpPr>
-          <p:cNvPr id="14" name="TextBox 13">
-            <a:extLst>
-              <a:ext uri="{FF2B5EF4-FFF2-40B4-BE49-F238E27FC236}">
-                <a16:creationId xmlns:a16="http://schemas.microsoft.com/office/drawing/2014/main" id="{CA0AD8F8-6AC5-F246-B713-7DC57433057B}"/>
-              </a:ext>
-            </a:extLst>
-          </p:cNvPr>
-          <p:cNvSpPr txBox="1"/>
-          <p:nvPr/>
-        </p:nvSpPr>
-        <p:spPr>
-          <a:xfrm>
-            <a:off x="838200" y="1937208"/>
-            <a:ext cx="845103" cy="400110"/>
-          </a:xfrm>
-          <a:prstGeom prst="rect">
-            <a:avLst/>
-          </a:prstGeom>
-          <a:noFill/>
-        </p:spPr>
-        <p:txBody>
-          <a:bodyPr wrap="none" rtlCol="0">
-            <a:spAutoFit/>
-          </a:bodyPr>
-          <a:lstStyle/>
-          <a:p>
-            <a:r>
-              <a:rPr lang="en-GB" sz="2000" dirty="0"/>
-              <a:t>Slicing</a:t>
-            </a:r>
-          </a:p>
-        </p:txBody>
-      </p:sp>
-      <p:sp>
-        <p:nvSpPr>
-          <p:cNvPr id="15" name="TextBox 14">
-            <a:extLst>
-              <a:ext uri="{FF2B5EF4-FFF2-40B4-BE49-F238E27FC236}">
-                <a16:creationId xmlns:a16="http://schemas.microsoft.com/office/drawing/2014/main" id="{8356B932-90E4-6C44-AD0B-6FB04415C606}"/>
-              </a:ext>
-            </a:extLst>
-          </p:cNvPr>
-          <p:cNvSpPr txBox="1"/>
-          <p:nvPr/>
-        </p:nvSpPr>
-        <p:spPr>
-          <a:xfrm>
-            <a:off x="5157627" y="1691209"/>
-            <a:ext cx="1920859" cy="707886"/>
-          </a:xfrm>
-          <a:prstGeom prst="rect">
-            <a:avLst/>
-          </a:prstGeom>
-          <a:noFill/>
-        </p:spPr>
-        <p:txBody>
-          <a:bodyPr wrap="square" rtlCol="0">
-            <a:spAutoFit/>
-          </a:bodyPr>
-          <a:lstStyle/>
-          <a:p>
-            <a:r>
-              <a:rPr lang="en-GB" sz="2000" dirty="0" err="1"/>
-              <a:t>Boolske</a:t>
-            </a:r>
-            <a:r>
-              <a:rPr lang="en-GB" sz="2000" dirty="0"/>
-              <a:t> </a:t>
-            </a:r>
-            <a:r>
-              <a:rPr lang="en-GB" sz="2000" dirty="0" err="1"/>
-              <a:t>værdier</a:t>
-            </a:r>
-            <a:r>
-              <a:rPr lang="en-GB" sz="2000" dirty="0"/>
-              <a:t> </a:t>
-            </a:r>
-            <a:r>
-              <a:rPr lang="en-GB" sz="2000" dirty="0" err="1"/>
-              <a:t>og</a:t>
-            </a:r>
-            <a:r>
-              <a:rPr lang="en-GB" sz="2000" dirty="0"/>
-              <a:t> </a:t>
-            </a:r>
-            <a:r>
-              <a:rPr lang="en-GB" sz="2000" dirty="0" err="1"/>
-              <a:t>operatorer</a:t>
-            </a:r>
-            <a:endParaRPr lang="en-GB" sz="2000" dirty="0"/>
-          </a:p>
-        </p:txBody>
-      </p:sp>
-      <p:sp>
-        <p:nvSpPr>
-          <p:cNvPr id="16" name="TextBox 15">
-            <a:extLst>
-              <a:ext uri="{FF2B5EF4-FFF2-40B4-BE49-F238E27FC236}">
-                <a16:creationId xmlns:a16="http://schemas.microsoft.com/office/drawing/2014/main" id="{36C8B54D-CEC3-1245-A005-C594C8FC7D7D}"/>
-              </a:ext>
-            </a:extLst>
-          </p:cNvPr>
-          <p:cNvSpPr txBox="1"/>
-          <p:nvPr/>
-        </p:nvSpPr>
-        <p:spPr>
-          <a:xfrm>
-            <a:off x="7178008" y="1937211"/>
-            <a:ext cx="2003562" cy="400110"/>
-          </a:xfrm>
-          <a:prstGeom prst="rect">
-            <a:avLst/>
-          </a:prstGeom>
-          <a:noFill/>
-        </p:spPr>
-        <p:txBody>
-          <a:bodyPr wrap="none" rtlCol="0">
-            <a:spAutoFit/>
-          </a:bodyPr>
-          <a:lstStyle/>
-          <a:p>
-            <a:r>
-              <a:rPr lang="en-GB" sz="2000" dirty="0" err="1"/>
-              <a:t>Sammenligninger</a:t>
-            </a:r>
-            <a:endParaRPr lang="en-GB" sz="2000" dirty="0"/>
-          </a:p>
-        </p:txBody>
-      </p:sp>
-      <p:cxnSp>
-        <p:nvCxnSpPr>
-          <p:cNvPr id="17" name="Straight Connector 16">
-            <a:extLst>
-              <a:ext uri="{FF2B5EF4-FFF2-40B4-BE49-F238E27FC236}">
-                <a16:creationId xmlns:a16="http://schemas.microsoft.com/office/drawing/2014/main" id="{AEDB743F-031F-3046-8837-DC14E6C7782F}"/>
-              </a:ext>
-            </a:extLst>
-          </p:cNvPr>
-          <p:cNvCxnSpPr>
-            <a:cxnSpLocks/>
-          </p:cNvCxnSpPr>
-          <p:nvPr/>
-        </p:nvCxnSpPr>
-        <p:spPr>
-          <a:xfrm>
-            <a:off x="838200" y="2364376"/>
-            <a:ext cx="10515600" cy="0"/>
-          </a:xfrm>
-          <a:prstGeom prst="line">
-            <a:avLst/>
-          </a:prstGeom>
-        </p:spPr>
-        <p:style>
-          <a:lnRef idx="1">
-            <a:schemeClr val="accent1"/>
-          </a:lnRef>
-          <a:fillRef idx="0">
-            <a:schemeClr val="accent1"/>
-          </a:fillRef>
-          <a:effectRef idx="0">
-            <a:schemeClr val="accent1"/>
-          </a:effectRef>
-          <a:fontRef idx="minor">
-            <a:schemeClr val="tx1"/>
-          </a:fontRef>
-        </p:style>
-      </p:cxnSp>
-      <p:sp>
-        <p:nvSpPr>
-          <p:cNvPr id="18" name="Content Placeholder 2">
-            <a:extLst>
-              <a:ext uri="{FF2B5EF4-FFF2-40B4-BE49-F238E27FC236}">
-                <a16:creationId xmlns:a16="http://schemas.microsoft.com/office/drawing/2014/main" id="{D8D60602-7CDD-0B4A-8E36-293CE7E1ACE0}"/>
-              </a:ext>
-            </a:extLst>
-          </p:cNvPr>
-          <p:cNvSpPr txBox="1">
-            <a:spLocks/>
-          </p:cNvSpPr>
-          <p:nvPr/>
-        </p:nvSpPr>
-        <p:spPr>
-          <a:xfrm>
-            <a:off x="5113523" y="2455817"/>
-            <a:ext cx="1964965" cy="3373392"/>
-          </a:xfrm>
-          <a:prstGeom prst="rect">
-            <a:avLst/>
-          </a:prstGeom>
-        </p:spPr>
-        <p:txBody>
-          <a:bodyPr vert="horz" lIns="91440" tIns="45720" rIns="91440" bIns="45720" rtlCol="0">
-            <a:normAutofit/>
-          </a:bodyPr>
-          <a:lstStyle>
-            <a:lvl1pPr marL="228600" indent="-228600" algn="l" defTabSz="914400" rtl="0" eaLnBrk="1" latinLnBrk="0" hangingPunct="1">
-              <a:lnSpc>
-                <a:spcPct val="90000"/>
-              </a:lnSpc>
-              <a:spcBef>
-                <a:spcPts val="1000"/>
-              </a:spcBef>
-              <a:buFont typeface="Arial" panose="020B0604020202020204" pitchFamily="34" charset="0"/>
-              <a:buChar char="•"/>
-              <a:defRPr sz="2800" kern="1200">
-                <a:solidFill>
-                  <a:schemeClr val="tx1"/>
-                </a:solidFill>
-                <a:latin typeface="+mn-lt"/>
-                <a:ea typeface="+mn-ea"/>
-                <a:cs typeface="+mn-cs"/>
-              </a:defRPr>
-            </a:lvl1pPr>
-            <a:lvl2pPr marL="685800" indent="-228600" algn="l" defTabSz="914400" rtl="0" eaLnBrk="1" latinLnBrk="0" hangingPunct="1">
-              <a:lnSpc>
-                <a:spcPct val="90000"/>
-              </a:lnSpc>
-              <a:spcBef>
-                <a:spcPts val="500"/>
-              </a:spcBef>
-              <a:buFont typeface="Arial" panose="020B0604020202020204" pitchFamily="34" charset="0"/>
-              <a:buChar char="•"/>
-              <a:defRPr sz="2400" kern="1200">
-                <a:solidFill>
-                  <a:schemeClr val="tx1"/>
-                </a:solidFill>
-                <a:latin typeface="+mn-lt"/>
-                <a:ea typeface="+mn-ea"/>
-                <a:cs typeface="+mn-cs"/>
-              </a:defRPr>
-            </a:lvl2pPr>
-            <a:lvl3pPr marL="1143000" indent="-228600" algn="l" defTabSz="914400" rtl="0" eaLnBrk="1" latinLnBrk="0" hangingPunct="1">
-              <a:lnSpc>
-                <a:spcPct val="90000"/>
-              </a:lnSpc>
-              <a:spcBef>
-                <a:spcPts val="500"/>
-              </a:spcBef>
-              <a:buFont typeface="Arial" panose="020B0604020202020204" pitchFamily="34" charset="0"/>
-              <a:buChar char="•"/>
-              <a:defRPr sz="2000" kern="1200">
-                <a:solidFill>
-                  <a:schemeClr val="tx1"/>
-                </a:solidFill>
-                <a:latin typeface="+mn-lt"/>
-                <a:ea typeface="+mn-ea"/>
-                <a:cs typeface="+mn-cs"/>
-              </a:defRPr>
-            </a:lvl3pPr>
-            <a:lvl4pPr marL="1600200" indent="-228600" algn="l" defTabSz="914400" rtl="0" eaLnBrk="1" latinLnBrk="0" hangingPunct="1">
-              <a:lnSpc>
-                <a:spcPct val="90000"/>
-              </a:lnSpc>
-              <a:spcBef>
-                <a:spcPts val="500"/>
-              </a:spcBef>
-              <a:buFont typeface="Arial" panose="020B0604020202020204" pitchFamily="34" charset="0"/>
-              <a:buChar char="•"/>
-              <a:defRPr sz="1800" kern="1200">
-                <a:solidFill>
-                  <a:schemeClr val="tx1"/>
-                </a:solidFill>
-                <a:latin typeface="+mn-lt"/>
-                <a:ea typeface="+mn-ea"/>
-                <a:cs typeface="+mn-cs"/>
-              </a:defRPr>
-            </a:lvl4pPr>
-            <a:lvl5pPr marL="2057400" indent="-228600" algn="l" defTabSz="914400" rtl="0" eaLnBrk="1" latinLnBrk="0" hangingPunct="1">
-              <a:lnSpc>
-                <a:spcPct val="90000"/>
-              </a:lnSpc>
-              <a:spcBef>
-                <a:spcPts val="500"/>
-              </a:spcBef>
-              <a:buFont typeface="Arial" panose="020B0604020202020204" pitchFamily="34" charset="0"/>
-              <a:buChar char="•"/>
-              <a:defRPr sz="1800" kern="1200">
-                <a:solidFill>
-                  <a:schemeClr val="tx1"/>
-                </a:solidFill>
-                <a:latin typeface="+mn-lt"/>
-                <a:ea typeface="+mn-ea"/>
-                <a:cs typeface="+mn-cs"/>
-              </a:defRPr>
-            </a:lvl5pPr>
-            <a:lvl6pPr marL="2514600" indent="-228600" algn="l" defTabSz="914400" rtl="0" eaLnBrk="1" latinLnBrk="0" hangingPunct="1">
-              <a:lnSpc>
-                <a:spcPct val="90000"/>
-              </a:lnSpc>
-              <a:spcBef>
-                <a:spcPts val="500"/>
-              </a:spcBef>
-              <a:buFont typeface="Arial" panose="020B0604020202020204" pitchFamily="34" charset="0"/>
-              <a:buChar char="•"/>
-              <a:defRPr sz="1800" kern="1200">
-                <a:solidFill>
-                  <a:schemeClr val="tx1"/>
-                </a:solidFill>
-                <a:latin typeface="+mn-lt"/>
-                <a:ea typeface="+mn-ea"/>
-                <a:cs typeface="+mn-cs"/>
-              </a:defRPr>
-            </a:lvl6pPr>
-            <a:lvl7pPr marL="2971800" indent="-228600" algn="l" defTabSz="914400" rtl="0" eaLnBrk="1" latinLnBrk="0" hangingPunct="1">
-              <a:lnSpc>
-                <a:spcPct val="90000"/>
-              </a:lnSpc>
-              <a:spcBef>
-                <a:spcPts val="500"/>
-              </a:spcBef>
-              <a:buFont typeface="Arial" panose="020B0604020202020204" pitchFamily="34" charset="0"/>
-              <a:buChar char="•"/>
-              <a:defRPr sz="1800" kern="1200">
-                <a:solidFill>
-                  <a:schemeClr val="tx1"/>
-                </a:solidFill>
-                <a:latin typeface="+mn-lt"/>
-                <a:ea typeface="+mn-ea"/>
-                <a:cs typeface="+mn-cs"/>
-              </a:defRPr>
-            </a:lvl7pPr>
-            <a:lvl8pPr marL="3429000" indent="-228600" algn="l" defTabSz="914400" rtl="0" eaLnBrk="1" latinLnBrk="0" hangingPunct="1">
-              <a:lnSpc>
-                <a:spcPct val="90000"/>
-              </a:lnSpc>
-              <a:spcBef>
-                <a:spcPts val="500"/>
-              </a:spcBef>
-              <a:buFont typeface="Arial" panose="020B0604020202020204" pitchFamily="34" charset="0"/>
-              <a:buChar char="•"/>
-              <a:defRPr sz="1800" kern="1200">
-                <a:solidFill>
-                  <a:schemeClr val="tx1"/>
-                </a:solidFill>
-                <a:latin typeface="+mn-lt"/>
-                <a:ea typeface="+mn-ea"/>
-                <a:cs typeface="+mn-cs"/>
-              </a:defRPr>
-            </a:lvl8pPr>
-            <a:lvl9pPr marL="3886200" indent="-228600" algn="l" defTabSz="914400" rtl="0" eaLnBrk="1" latinLnBrk="0" hangingPunct="1">
-              <a:lnSpc>
-                <a:spcPct val="90000"/>
-              </a:lnSpc>
-              <a:spcBef>
-                <a:spcPts val="500"/>
-              </a:spcBef>
-              <a:buFont typeface="Arial" panose="020B0604020202020204" pitchFamily="34" charset="0"/>
-              <a:buChar char="•"/>
-              <a:defRPr sz="1800" kern="1200">
-                <a:solidFill>
-                  <a:schemeClr val="tx1"/>
-                </a:solidFill>
-                <a:latin typeface="+mn-lt"/>
-                <a:ea typeface="+mn-ea"/>
-                <a:cs typeface="+mn-cs"/>
-              </a:defRPr>
-            </a:lvl9pPr>
-          </a:lstStyle>
-          <a:p>
-            <a:pPr marL="0" indent="0">
-              <a:lnSpc>
-                <a:spcPct val="100000"/>
-              </a:lnSpc>
-              <a:buNone/>
-            </a:pPr>
-            <a:r>
-              <a:rPr lang="en-GB" sz="1400" dirty="0">
-                <a:latin typeface="DejaVu Sans Book" panose="020B0603030804020204" pitchFamily="34" charset="0"/>
-                <a:ea typeface="DejaVu Sans Book" panose="020B0603030804020204" pitchFamily="34" charset="0"/>
-                <a:cs typeface="DejaVu Sans Book" panose="020B0603030804020204" pitchFamily="34" charset="0"/>
-              </a:rPr>
-              <a:t>true = 1</a:t>
-            </a:r>
-          </a:p>
-          <a:p>
-            <a:pPr marL="0" indent="0">
-              <a:lnSpc>
-                <a:spcPct val="100000"/>
-              </a:lnSpc>
-              <a:buNone/>
-            </a:pPr>
-            <a:r>
-              <a:rPr lang="en-GB" sz="1400" dirty="0">
-                <a:latin typeface="DejaVu Sans Book" panose="020B0603030804020204" pitchFamily="34" charset="0"/>
-                <a:ea typeface="DejaVu Sans Book" panose="020B0603030804020204" pitchFamily="34" charset="0"/>
-                <a:cs typeface="DejaVu Sans Book" panose="020B0603030804020204" pitchFamily="34" charset="0"/>
-              </a:rPr>
-              <a:t>false = 0</a:t>
-            </a:r>
-          </a:p>
-          <a:p>
-            <a:pPr marL="0" indent="0">
-              <a:lnSpc>
-                <a:spcPct val="100000"/>
-              </a:lnSpc>
-              <a:buNone/>
-            </a:pPr>
-            <a:r>
-              <a:rPr lang="en-GB" sz="1400" dirty="0">
-                <a:latin typeface="DejaVu Sans Book" panose="020B0603030804020204" pitchFamily="34" charset="0"/>
-                <a:ea typeface="DejaVu Sans Book" panose="020B0603030804020204" pitchFamily="34" charset="0"/>
-                <a:cs typeface="DejaVu Sans Book" panose="020B0603030804020204" pitchFamily="34" charset="0"/>
-              </a:rPr>
-              <a:t>a &amp;&amp; b</a:t>
-            </a:r>
-          </a:p>
-          <a:p>
-            <a:pPr marL="0" indent="0">
-              <a:lnSpc>
-                <a:spcPct val="100000"/>
-              </a:lnSpc>
-              <a:buNone/>
-            </a:pPr>
-            <a:r>
-              <a:rPr lang="en-GB" sz="1400" dirty="0">
-                <a:latin typeface="DejaVu Sans Book" panose="020B0603030804020204" pitchFamily="34" charset="0"/>
-                <a:ea typeface="DejaVu Sans Book" panose="020B0603030804020204" pitchFamily="34" charset="0"/>
-                <a:cs typeface="DejaVu Sans Book" panose="020B0603030804020204" pitchFamily="34" charset="0"/>
-              </a:rPr>
-              <a:t>a || b</a:t>
-            </a:r>
-          </a:p>
-          <a:p>
-            <a:pPr marL="0" indent="0">
-              <a:lnSpc>
-                <a:spcPct val="100000"/>
-              </a:lnSpc>
-              <a:buNone/>
-            </a:pPr>
-            <a:r>
-              <a:rPr lang="en-GB" sz="1400" dirty="0">
-                <a:latin typeface="DejaVu Sans Book" panose="020B0603030804020204" pitchFamily="34" charset="0"/>
-                <a:ea typeface="DejaVu Sans Book" panose="020B0603030804020204" pitchFamily="34" charset="0"/>
-                <a:cs typeface="DejaVu Sans Book" panose="020B0603030804020204" pitchFamily="34" charset="0"/>
-              </a:rPr>
-              <a:t>not a</a:t>
-            </a:r>
-            <a:endParaRPr lang="en-GB" sz="1400" u="sng" dirty="0">
-              <a:latin typeface="DejaVu Sans Book" panose="020B0603030804020204" pitchFamily="34" charset="0"/>
-              <a:ea typeface="DejaVu Sans Book" panose="020B0603030804020204" pitchFamily="34" charset="0"/>
-              <a:cs typeface="DejaVu Sans Book" panose="020B0603030804020204" pitchFamily="34" charset="0"/>
-            </a:endParaRPr>
-          </a:p>
-        </p:txBody>
-      </p:sp>
-      <p:sp>
-        <p:nvSpPr>
-          <p:cNvPr id="19" name="Content Placeholder 2">
-            <a:extLst>
-              <a:ext uri="{FF2B5EF4-FFF2-40B4-BE49-F238E27FC236}">
-                <a16:creationId xmlns:a16="http://schemas.microsoft.com/office/drawing/2014/main" id="{5262AE0A-9828-7445-AA6C-476F973328F1}"/>
-              </a:ext>
-            </a:extLst>
-          </p:cNvPr>
-          <p:cNvSpPr txBox="1">
-            <a:spLocks/>
-          </p:cNvSpPr>
-          <p:nvPr/>
-        </p:nvSpPr>
-        <p:spPr>
-          <a:xfrm>
-            <a:off x="7183612" y="2448340"/>
-            <a:ext cx="1964965" cy="3373392"/>
-          </a:xfrm>
-          <a:prstGeom prst="rect">
-            <a:avLst/>
-          </a:prstGeom>
-        </p:spPr>
-        <p:txBody>
-          <a:bodyPr vert="horz" lIns="91440" tIns="45720" rIns="91440" bIns="45720" rtlCol="0">
-            <a:normAutofit/>
-          </a:bodyPr>
-          <a:lstStyle>
-            <a:lvl1pPr marL="228600" indent="-228600" algn="l" defTabSz="914400" rtl="0" eaLnBrk="1" latinLnBrk="0" hangingPunct="1">
-              <a:lnSpc>
-                <a:spcPct val="90000"/>
-              </a:lnSpc>
-              <a:spcBef>
-                <a:spcPts val="1000"/>
-              </a:spcBef>
-              <a:buFont typeface="Arial" panose="020B0604020202020204" pitchFamily="34" charset="0"/>
-              <a:buChar char="•"/>
-              <a:defRPr sz="2800" kern="1200">
-                <a:solidFill>
-                  <a:schemeClr val="tx1"/>
-                </a:solidFill>
-                <a:latin typeface="+mn-lt"/>
-                <a:ea typeface="+mn-ea"/>
-                <a:cs typeface="+mn-cs"/>
-              </a:defRPr>
-            </a:lvl1pPr>
-            <a:lvl2pPr marL="685800" indent="-228600" algn="l" defTabSz="914400" rtl="0" eaLnBrk="1" latinLnBrk="0" hangingPunct="1">
-              <a:lnSpc>
-                <a:spcPct val="90000"/>
-              </a:lnSpc>
-              <a:spcBef>
-                <a:spcPts val="500"/>
-              </a:spcBef>
-              <a:buFont typeface="Arial" panose="020B0604020202020204" pitchFamily="34" charset="0"/>
-              <a:buChar char="•"/>
-              <a:defRPr sz="2400" kern="1200">
-                <a:solidFill>
-                  <a:schemeClr val="tx1"/>
-                </a:solidFill>
-                <a:latin typeface="+mn-lt"/>
-                <a:ea typeface="+mn-ea"/>
-                <a:cs typeface="+mn-cs"/>
-              </a:defRPr>
-            </a:lvl2pPr>
-            <a:lvl3pPr marL="1143000" indent="-228600" algn="l" defTabSz="914400" rtl="0" eaLnBrk="1" latinLnBrk="0" hangingPunct="1">
-              <a:lnSpc>
-                <a:spcPct val="90000"/>
-              </a:lnSpc>
-              <a:spcBef>
-                <a:spcPts val="500"/>
-              </a:spcBef>
-              <a:buFont typeface="Arial" panose="020B0604020202020204" pitchFamily="34" charset="0"/>
-              <a:buChar char="•"/>
-              <a:defRPr sz="2000" kern="1200">
-                <a:solidFill>
-                  <a:schemeClr val="tx1"/>
-                </a:solidFill>
-                <a:latin typeface="+mn-lt"/>
-                <a:ea typeface="+mn-ea"/>
-                <a:cs typeface="+mn-cs"/>
-              </a:defRPr>
-            </a:lvl3pPr>
-            <a:lvl4pPr marL="1600200" indent="-228600" algn="l" defTabSz="914400" rtl="0" eaLnBrk="1" latinLnBrk="0" hangingPunct="1">
-              <a:lnSpc>
-                <a:spcPct val="90000"/>
-              </a:lnSpc>
-              <a:spcBef>
-                <a:spcPts val="500"/>
-              </a:spcBef>
-              <a:buFont typeface="Arial" panose="020B0604020202020204" pitchFamily="34" charset="0"/>
-              <a:buChar char="•"/>
-              <a:defRPr sz="1800" kern="1200">
-                <a:solidFill>
-                  <a:schemeClr val="tx1"/>
-                </a:solidFill>
-                <a:latin typeface="+mn-lt"/>
-                <a:ea typeface="+mn-ea"/>
-                <a:cs typeface="+mn-cs"/>
-              </a:defRPr>
-            </a:lvl4pPr>
-            <a:lvl5pPr marL="2057400" indent="-228600" algn="l" defTabSz="914400" rtl="0" eaLnBrk="1" latinLnBrk="0" hangingPunct="1">
-              <a:lnSpc>
-                <a:spcPct val="90000"/>
-              </a:lnSpc>
-              <a:spcBef>
-                <a:spcPts val="500"/>
-              </a:spcBef>
-              <a:buFont typeface="Arial" panose="020B0604020202020204" pitchFamily="34" charset="0"/>
-              <a:buChar char="•"/>
-              <a:defRPr sz="1800" kern="1200">
-                <a:solidFill>
-                  <a:schemeClr val="tx1"/>
-                </a:solidFill>
-                <a:latin typeface="+mn-lt"/>
-                <a:ea typeface="+mn-ea"/>
-                <a:cs typeface="+mn-cs"/>
-              </a:defRPr>
-            </a:lvl5pPr>
-            <a:lvl6pPr marL="2514600" indent="-228600" algn="l" defTabSz="914400" rtl="0" eaLnBrk="1" latinLnBrk="0" hangingPunct="1">
-              <a:lnSpc>
-                <a:spcPct val="90000"/>
-              </a:lnSpc>
-              <a:spcBef>
-                <a:spcPts val="500"/>
-              </a:spcBef>
-              <a:buFont typeface="Arial" panose="020B0604020202020204" pitchFamily="34" charset="0"/>
-              <a:buChar char="•"/>
-              <a:defRPr sz="1800" kern="1200">
-                <a:solidFill>
-                  <a:schemeClr val="tx1"/>
-                </a:solidFill>
-                <a:latin typeface="+mn-lt"/>
-                <a:ea typeface="+mn-ea"/>
-                <a:cs typeface="+mn-cs"/>
-              </a:defRPr>
-            </a:lvl6pPr>
-            <a:lvl7pPr marL="2971800" indent="-228600" algn="l" defTabSz="914400" rtl="0" eaLnBrk="1" latinLnBrk="0" hangingPunct="1">
-              <a:lnSpc>
-                <a:spcPct val="90000"/>
-              </a:lnSpc>
-              <a:spcBef>
-                <a:spcPts val="500"/>
-              </a:spcBef>
-              <a:buFont typeface="Arial" panose="020B0604020202020204" pitchFamily="34" charset="0"/>
-              <a:buChar char="•"/>
-              <a:defRPr sz="1800" kern="1200">
-                <a:solidFill>
-                  <a:schemeClr val="tx1"/>
-                </a:solidFill>
-                <a:latin typeface="+mn-lt"/>
-                <a:ea typeface="+mn-ea"/>
-                <a:cs typeface="+mn-cs"/>
-              </a:defRPr>
-            </a:lvl7pPr>
-            <a:lvl8pPr marL="3429000" indent="-228600" algn="l" defTabSz="914400" rtl="0" eaLnBrk="1" latinLnBrk="0" hangingPunct="1">
-              <a:lnSpc>
-                <a:spcPct val="90000"/>
-              </a:lnSpc>
-              <a:spcBef>
-                <a:spcPts val="500"/>
-              </a:spcBef>
-              <a:buFont typeface="Arial" panose="020B0604020202020204" pitchFamily="34" charset="0"/>
-              <a:buChar char="•"/>
-              <a:defRPr sz="1800" kern="1200">
-                <a:solidFill>
-                  <a:schemeClr val="tx1"/>
-                </a:solidFill>
-                <a:latin typeface="+mn-lt"/>
-                <a:ea typeface="+mn-ea"/>
-                <a:cs typeface="+mn-cs"/>
-              </a:defRPr>
-            </a:lvl8pPr>
-            <a:lvl9pPr marL="3886200" indent="-228600" algn="l" defTabSz="914400" rtl="0" eaLnBrk="1" latinLnBrk="0" hangingPunct="1">
-              <a:lnSpc>
-                <a:spcPct val="90000"/>
-              </a:lnSpc>
-              <a:spcBef>
-                <a:spcPts val="500"/>
-              </a:spcBef>
-              <a:buFont typeface="Arial" panose="020B0604020202020204" pitchFamily="34" charset="0"/>
-              <a:buChar char="•"/>
-              <a:defRPr sz="1800" kern="1200">
-                <a:solidFill>
-                  <a:schemeClr val="tx1"/>
-                </a:solidFill>
-                <a:latin typeface="+mn-lt"/>
-                <a:ea typeface="+mn-ea"/>
-                <a:cs typeface="+mn-cs"/>
-              </a:defRPr>
-            </a:lvl9pPr>
-          </a:lstStyle>
-          <a:p>
-            <a:pPr marL="0" indent="0">
-              <a:lnSpc>
-                <a:spcPct val="100000"/>
-              </a:lnSpc>
-              <a:buNone/>
-            </a:pPr>
-            <a:r>
-              <a:rPr lang="en-GB" sz="1400" dirty="0">
-                <a:latin typeface="DejaVu Sans Book" panose="020B0603030804020204" pitchFamily="34" charset="0"/>
-                <a:ea typeface="DejaVu Sans Book" panose="020B0603030804020204" pitchFamily="34" charset="0"/>
-                <a:cs typeface="DejaVu Sans Book" panose="020B0603030804020204" pitchFamily="34" charset="0"/>
-              </a:rPr>
-              <a:t>3 &lt; 4</a:t>
-            </a:r>
-          </a:p>
-          <a:p>
-            <a:pPr marL="0" indent="0">
-              <a:lnSpc>
-                <a:spcPct val="100000"/>
-              </a:lnSpc>
-              <a:buNone/>
-            </a:pPr>
-            <a:r>
-              <a:rPr lang="en-GB" sz="1400" dirty="0">
-                <a:latin typeface="DejaVu Sans Book" panose="020B0603030804020204" pitchFamily="34" charset="0"/>
-                <a:ea typeface="DejaVu Sans Book" panose="020B0603030804020204" pitchFamily="34" charset="0"/>
-                <a:cs typeface="DejaVu Sans Book" panose="020B0603030804020204" pitchFamily="34" charset="0"/>
-              </a:rPr>
-              <a:t>3 &gt; 4</a:t>
-            </a:r>
-          </a:p>
-          <a:p>
-            <a:pPr marL="0" indent="0">
-              <a:lnSpc>
-                <a:spcPct val="100000"/>
-              </a:lnSpc>
-              <a:buNone/>
-            </a:pPr>
-            <a:r>
-              <a:rPr lang="en-GB" sz="1400" dirty="0">
-                <a:latin typeface="DejaVu Sans Book" panose="020B0603030804020204" pitchFamily="34" charset="0"/>
-                <a:ea typeface="DejaVu Sans Book" panose="020B0603030804020204" pitchFamily="34" charset="0"/>
-                <a:cs typeface="DejaVu Sans Book" panose="020B0603030804020204" pitchFamily="34" charset="0"/>
-              </a:rPr>
-              <a:t>3 &lt;&gt; 4</a:t>
-            </a:r>
-          </a:p>
-          <a:p>
-            <a:pPr marL="0" indent="0">
-              <a:lnSpc>
-                <a:spcPct val="100000"/>
-              </a:lnSpc>
-              <a:buNone/>
-            </a:pPr>
-            <a:r>
-              <a:rPr lang="en-GB" sz="1400" dirty="0">
-                <a:latin typeface="DejaVu Sans Book" panose="020B0603030804020204" pitchFamily="34" charset="0"/>
-                <a:ea typeface="DejaVu Sans Book" panose="020B0603030804020204" pitchFamily="34" charset="0"/>
-                <a:cs typeface="DejaVu Sans Book" panose="020B0603030804020204" pitchFamily="34" charset="0"/>
-              </a:rPr>
-              <a:t>3 = 4</a:t>
-            </a:r>
-          </a:p>
-          <a:p>
-            <a:pPr marL="0" indent="0">
-              <a:lnSpc>
-                <a:spcPct val="100000"/>
-              </a:lnSpc>
-              <a:buNone/>
-            </a:pPr>
-            <a:r>
-              <a:rPr lang="en-GB" sz="1400" dirty="0">
-                <a:latin typeface="DejaVu Sans Book" panose="020B0603030804020204" pitchFamily="34" charset="0"/>
-                <a:ea typeface="DejaVu Sans Book" panose="020B0603030804020204" pitchFamily="34" charset="0"/>
-                <a:cs typeface="DejaVu Sans Book" panose="020B0603030804020204" pitchFamily="34" charset="0"/>
-              </a:rPr>
-              <a:t>not 3 = 4</a:t>
-            </a:r>
-          </a:p>
-          <a:p>
-            <a:pPr marL="0" indent="0">
-              <a:lnSpc>
-                <a:spcPct val="100000"/>
-              </a:lnSpc>
-              <a:buNone/>
-            </a:pPr>
-            <a:endParaRPr lang="en-GB" sz="1400" dirty="0">
-              <a:latin typeface="DejaVu Sans Book" panose="020B0603030804020204" pitchFamily="34" charset="0"/>
-              <a:ea typeface="DejaVu Sans Book" panose="020B0603030804020204" pitchFamily="34" charset="0"/>
-              <a:cs typeface="DejaVu Sans Book" panose="020B0603030804020204" pitchFamily="34" charset="0"/>
-            </a:endParaRPr>
-          </a:p>
-        </p:txBody>
-      </p:sp>
-      <p:sp>
-        <p:nvSpPr>
-          <p:cNvPr id="22" name="Content Placeholder 2">
-            <a:extLst>
-              <a:ext uri="{FF2B5EF4-FFF2-40B4-BE49-F238E27FC236}">
-                <a16:creationId xmlns:a16="http://schemas.microsoft.com/office/drawing/2014/main" id="{8F054922-E7CB-894D-88AD-1A1F97C05EF0}"/>
-              </a:ext>
-            </a:extLst>
-          </p:cNvPr>
-          <p:cNvSpPr txBox="1">
-            <a:spLocks/>
-          </p:cNvSpPr>
-          <p:nvPr/>
-        </p:nvSpPr>
-        <p:spPr>
-          <a:xfrm>
-            <a:off x="7183612" y="4142512"/>
-            <a:ext cx="1964965" cy="322838"/>
-          </a:xfrm>
-          <a:prstGeom prst="rect">
-            <a:avLst/>
-          </a:prstGeom>
-        </p:spPr>
-        <p:txBody>
-          <a:bodyPr vert="horz" lIns="91440" tIns="45720" rIns="91440" bIns="45720" rtlCol="0">
-            <a:normAutofit/>
-          </a:bodyPr>
-          <a:lstStyle>
-            <a:lvl1pPr marL="228600" indent="-228600" algn="l" defTabSz="914400" rtl="0" eaLnBrk="1" latinLnBrk="0" hangingPunct="1">
-              <a:lnSpc>
-                <a:spcPct val="90000"/>
-              </a:lnSpc>
-              <a:spcBef>
-                <a:spcPts val="1000"/>
-              </a:spcBef>
-              <a:buFont typeface="Arial" panose="020B0604020202020204" pitchFamily="34" charset="0"/>
-              <a:buChar char="•"/>
-              <a:defRPr sz="2800" kern="1200">
-                <a:solidFill>
-                  <a:schemeClr val="tx1"/>
-                </a:solidFill>
-                <a:latin typeface="+mn-lt"/>
-                <a:ea typeface="+mn-ea"/>
-                <a:cs typeface="+mn-cs"/>
-              </a:defRPr>
-            </a:lvl1pPr>
-            <a:lvl2pPr marL="685800" indent="-228600" algn="l" defTabSz="914400" rtl="0" eaLnBrk="1" latinLnBrk="0" hangingPunct="1">
-              <a:lnSpc>
-                <a:spcPct val="90000"/>
-              </a:lnSpc>
-              <a:spcBef>
-                <a:spcPts val="500"/>
-              </a:spcBef>
-              <a:buFont typeface="Arial" panose="020B0604020202020204" pitchFamily="34" charset="0"/>
-              <a:buChar char="•"/>
-              <a:defRPr sz="2400" kern="1200">
-                <a:solidFill>
-                  <a:schemeClr val="tx1"/>
-                </a:solidFill>
-                <a:latin typeface="+mn-lt"/>
-                <a:ea typeface="+mn-ea"/>
-                <a:cs typeface="+mn-cs"/>
-              </a:defRPr>
-            </a:lvl2pPr>
-            <a:lvl3pPr marL="1143000" indent="-228600" algn="l" defTabSz="914400" rtl="0" eaLnBrk="1" latinLnBrk="0" hangingPunct="1">
-              <a:lnSpc>
-                <a:spcPct val="90000"/>
-              </a:lnSpc>
-              <a:spcBef>
-                <a:spcPts val="500"/>
-              </a:spcBef>
-              <a:buFont typeface="Arial" panose="020B0604020202020204" pitchFamily="34" charset="0"/>
-              <a:buChar char="•"/>
-              <a:defRPr sz="2000" kern="1200">
-                <a:solidFill>
-                  <a:schemeClr val="tx1"/>
-                </a:solidFill>
-                <a:latin typeface="+mn-lt"/>
-                <a:ea typeface="+mn-ea"/>
-                <a:cs typeface="+mn-cs"/>
-              </a:defRPr>
-            </a:lvl3pPr>
-            <a:lvl4pPr marL="1600200" indent="-228600" algn="l" defTabSz="914400" rtl="0" eaLnBrk="1" latinLnBrk="0" hangingPunct="1">
-              <a:lnSpc>
-                <a:spcPct val="90000"/>
-              </a:lnSpc>
-              <a:spcBef>
-                <a:spcPts val="500"/>
-              </a:spcBef>
-              <a:buFont typeface="Arial" panose="020B0604020202020204" pitchFamily="34" charset="0"/>
-              <a:buChar char="•"/>
-              <a:defRPr sz="1800" kern="1200">
-                <a:solidFill>
-                  <a:schemeClr val="tx1"/>
-                </a:solidFill>
-                <a:latin typeface="+mn-lt"/>
-                <a:ea typeface="+mn-ea"/>
-                <a:cs typeface="+mn-cs"/>
-              </a:defRPr>
-            </a:lvl4pPr>
-            <a:lvl5pPr marL="2057400" indent="-228600" algn="l" defTabSz="914400" rtl="0" eaLnBrk="1" latinLnBrk="0" hangingPunct="1">
-              <a:lnSpc>
-                <a:spcPct val="90000"/>
-              </a:lnSpc>
-              <a:spcBef>
-                <a:spcPts val="500"/>
-              </a:spcBef>
-              <a:buFont typeface="Arial" panose="020B0604020202020204" pitchFamily="34" charset="0"/>
-              <a:buChar char="•"/>
-              <a:defRPr sz="1800" kern="1200">
-                <a:solidFill>
-                  <a:schemeClr val="tx1"/>
-                </a:solidFill>
-                <a:latin typeface="+mn-lt"/>
-                <a:ea typeface="+mn-ea"/>
-                <a:cs typeface="+mn-cs"/>
-              </a:defRPr>
-            </a:lvl5pPr>
-            <a:lvl6pPr marL="2514600" indent="-228600" algn="l" defTabSz="914400" rtl="0" eaLnBrk="1" latinLnBrk="0" hangingPunct="1">
-              <a:lnSpc>
-                <a:spcPct val="90000"/>
-              </a:lnSpc>
-              <a:spcBef>
-                <a:spcPts val="500"/>
-              </a:spcBef>
-              <a:buFont typeface="Arial" panose="020B0604020202020204" pitchFamily="34" charset="0"/>
-              <a:buChar char="•"/>
-              <a:defRPr sz="1800" kern="1200">
-                <a:solidFill>
-                  <a:schemeClr val="tx1"/>
-                </a:solidFill>
-                <a:latin typeface="+mn-lt"/>
-                <a:ea typeface="+mn-ea"/>
-                <a:cs typeface="+mn-cs"/>
-              </a:defRPr>
-            </a:lvl6pPr>
-            <a:lvl7pPr marL="2971800" indent="-228600" algn="l" defTabSz="914400" rtl="0" eaLnBrk="1" latinLnBrk="0" hangingPunct="1">
-              <a:lnSpc>
-                <a:spcPct val="90000"/>
-              </a:lnSpc>
-              <a:spcBef>
-                <a:spcPts val="500"/>
-              </a:spcBef>
-              <a:buFont typeface="Arial" panose="020B0604020202020204" pitchFamily="34" charset="0"/>
-              <a:buChar char="•"/>
-              <a:defRPr sz="1800" kern="1200">
-                <a:solidFill>
-                  <a:schemeClr val="tx1"/>
-                </a:solidFill>
-                <a:latin typeface="+mn-lt"/>
-                <a:ea typeface="+mn-ea"/>
-                <a:cs typeface="+mn-cs"/>
-              </a:defRPr>
-            </a:lvl7pPr>
-            <a:lvl8pPr marL="3429000" indent="-228600" algn="l" defTabSz="914400" rtl="0" eaLnBrk="1" latinLnBrk="0" hangingPunct="1">
-              <a:lnSpc>
-                <a:spcPct val="90000"/>
-              </a:lnSpc>
-              <a:spcBef>
-                <a:spcPts val="500"/>
-              </a:spcBef>
-              <a:buFont typeface="Arial" panose="020B0604020202020204" pitchFamily="34" charset="0"/>
-              <a:buChar char="•"/>
-              <a:defRPr sz="1800" kern="1200">
-                <a:solidFill>
-                  <a:schemeClr val="tx1"/>
-                </a:solidFill>
-                <a:latin typeface="+mn-lt"/>
-                <a:ea typeface="+mn-ea"/>
-                <a:cs typeface="+mn-cs"/>
-              </a:defRPr>
-            </a:lvl8pPr>
-            <a:lvl9pPr marL="3886200" indent="-228600" algn="l" defTabSz="914400" rtl="0" eaLnBrk="1" latinLnBrk="0" hangingPunct="1">
-              <a:lnSpc>
-                <a:spcPct val="90000"/>
-              </a:lnSpc>
-              <a:spcBef>
-                <a:spcPts val="500"/>
-              </a:spcBef>
-              <a:buFont typeface="Arial" panose="020B0604020202020204" pitchFamily="34" charset="0"/>
-              <a:buChar char="•"/>
-              <a:defRPr sz="1800" kern="1200">
-                <a:solidFill>
-                  <a:schemeClr val="tx1"/>
-                </a:solidFill>
-                <a:latin typeface="+mn-lt"/>
-                <a:ea typeface="+mn-ea"/>
-                <a:cs typeface="+mn-cs"/>
-              </a:defRPr>
-            </a:lvl9pPr>
-          </a:lstStyle>
-          <a:p>
-            <a:pPr marL="0" indent="0">
-              <a:lnSpc>
-                <a:spcPct val="100000"/>
-              </a:lnSpc>
-              <a:buNone/>
-            </a:pPr>
-            <a:r>
-              <a:rPr lang="en-GB" sz="1400" dirty="0">
-                <a:solidFill>
-                  <a:schemeClr val="accent6"/>
-                </a:solidFill>
-                <a:latin typeface="DejaVu Sans Book" panose="020B0603030804020204" pitchFamily="34" charset="0"/>
-                <a:ea typeface="DejaVu Sans Book" panose="020B0603030804020204" pitchFamily="34" charset="0"/>
-                <a:cs typeface="DejaVu Sans Book" panose="020B0603030804020204" pitchFamily="34" charset="0"/>
-              </a:rPr>
-              <a:t>not (3 = 4)</a:t>
-            </a:r>
-          </a:p>
-          <a:p>
-            <a:pPr marL="0" indent="0">
-              <a:lnSpc>
-                <a:spcPct val="100000"/>
-              </a:lnSpc>
-              <a:buNone/>
-            </a:pPr>
-            <a:endParaRPr lang="en-GB" sz="1400" dirty="0">
-              <a:latin typeface="DejaVu Sans Book" panose="020B0603030804020204" pitchFamily="34" charset="0"/>
-              <a:ea typeface="DejaVu Sans Book" panose="020B0603030804020204" pitchFamily="34" charset="0"/>
-              <a:cs typeface="DejaVu Sans Book" panose="020B0603030804020204" pitchFamily="34" charset="0"/>
-            </a:endParaRPr>
-          </a:p>
-        </p:txBody>
-      </p:sp>
-      <p:cxnSp>
-        <p:nvCxnSpPr>
-          <p:cNvPr id="23" name="Straight Connector 22">
-            <a:extLst>
-              <a:ext uri="{FF2B5EF4-FFF2-40B4-BE49-F238E27FC236}">
-                <a16:creationId xmlns:a16="http://schemas.microsoft.com/office/drawing/2014/main" id="{7E4750FC-EEDA-A145-A093-96CE3CA96B89}"/>
-              </a:ext>
-            </a:extLst>
-          </p:cNvPr>
-          <p:cNvCxnSpPr>
-            <a:cxnSpLocks/>
-          </p:cNvCxnSpPr>
-          <p:nvPr/>
-        </p:nvCxnSpPr>
-        <p:spPr>
-          <a:xfrm flipV="1">
-            <a:off x="7237714" y="3921075"/>
-            <a:ext cx="945397" cy="92991"/>
-          </a:xfrm>
-          <a:prstGeom prst="line">
-            <a:avLst/>
-          </a:prstGeom>
-          <a:ln w="38100">
-            <a:solidFill>
-              <a:srgbClr val="C00000">
-                <a:alpha val="50000"/>
-              </a:srgbClr>
-            </a:solidFill>
-          </a:ln>
-        </p:spPr>
-        <p:style>
-          <a:lnRef idx="1">
-            <a:schemeClr val="accent1"/>
-          </a:lnRef>
-          <a:fillRef idx="0">
-            <a:schemeClr val="accent1"/>
-          </a:fillRef>
-          <a:effectRef idx="0">
-            <a:schemeClr val="accent1"/>
-          </a:effectRef>
-          <a:fontRef idx="minor">
-            <a:schemeClr val="tx1"/>
-          </a:fontRef>
-        </p:style>
-      </p:cxnSp>
-    </p:spTree>
-    <p:extLst>
-      <p:ext uri="{BB962C8B-B14F-4D97-AF65-F5344CB8AC3E}">
-        <p14:creationId xmlns:p14="http://schemas.microsoft.com/office/powerpoint/2010/main" val="338430536"/>
-      </p:ext>
-    </p:extLst>
-  </p:cSld>
-  <p:clrMapOvr>
-    <a:masterClrMapping/>
-  </p:clrMapOvr>
-  <p:timing>
-    <p:tnLst>
-      <p:par>
-        <p:cTn id="1" dur="indefinite" restart="never" nodeType="tmRoot">
-          <p:childTnLst>
-            <p:seq concurrent="1" nextAc="seek">
-              <p:cTn id="2" dur="indefinite" nodeType="mainSeq">
-                <p:childTnLst>
-                  <p:par>
-                    <p:cTn id="3" fill="hold">
-                      <p:stCondLst>
-                        <p:cond delay="indefinite"/>
-                      </p:stCondLst>
-                      <p:childTnLst>
-                        <p:par>
-                          <p:cTn id="4" fill="hold">
-                            <p:stCondLst>
-                              <p:cond delay="0"/>
-                            </p:stCondLst>
-                            <p:childTnLst>
-                              <p:par>
-                                <p:cTn id="5" presetID="1" presetClass="entr" presetSubtype="0" fill="hold" grpId="0" nodeType="clickEffect">
-                                  <p:stCondLst>
-                                    <p:cond delay="0"/>
-                                  </p:stCondLst>
-                                  <p:childTnLst>
-                                    <p:set>
-                                      <p:cBhvr>
-                                        <p:cTn id="6" dur="1" fill="hold">
-                                          <p:stCondLst>
-                                            <p:cond delay="0"/>
-                                          </p:stCondLst>
-                                        </p:cTn>
-                                        <p:tgtEl>
-                                          <p:spTgt spid="5"/>
-                                        </p:tgtEl>
-                                        <p:attrNameLst>
-                                          <p:attrName>style.visibility</p:attrName>
-                                        </p:attrNameLst>
-                                      </p:cBhvr>
-                                      <p:to>
-                                        <p:strVal val="visible"/>
-                                      </p:to>
-                                    </p:set>
-                                  </p:childTnLst>
-                                </p:cTn>
-                              </p:par>
-                            </p:childTnLst>
-                          </p:cTn>
-                        </p:par>
-                      </p:childTnLst>
-                    </p:cTn>
-                  </p:par>
-                  <p:par>
-                    <p:cTn id="7" fill="hold">
-                      <p:stCondLst>
-                        <p:cond delay="indefinite"/>
-                      </p:stCondLst>
-                      <p:childTnLst>
-                        <p:par>
-                          <p:cTn id="8" fill="hold">
-                            <p:stCondLst>
-                              <p:cond delay="0"/>
-                            </p:stCondLst>
-                            <p:childTnLst>
-                              <p:par>
-                                <p:cTn id="9" presetID="1" presetClass="entr" presetSubtype="0" fill="hold" grpId="0" nodeType="clickEffect">
-                                  <p:stCondLst>
-                                    <p:cond delay="0"/>
-                                  </p:stCondLst>
-                                  <p:childTnLst>
-                                    <p:set>
-                                      <p:cBhvr>
-                                        <p:cTn id="10" dur="1" fill="hold">
-                                          <p:stCondLst>
-                                            <p:cond delay="0"/>
-                                          </p:stCondLst>
-                                        </p:cTn>
-                                        <p:tgtEl>
-                                          <p:spTgt spid="6"/>
-                                        </p:tgtEl>
-                                        <p:attrNameLst>
-                                          <p:attrName>style.visibility</p:attrName>
-                                        </p:attrNameLst>
-                                      </p:cBhvr>
-                                      <p:to>
-                                        <p:strVal val="visible"/>
-                                      </p:to>
-                                    </p:set>
-                                  </p:childTnLst>
-                                </p:cTn>
-                              </p:par>
-                            </p:childTnLst>
-                          </p:cTn>
-                        </p:par>
-                      </p:childTnLst>
-                    </p:cTn>
-                  </p:par>
-                  <p:par>
-                    <p:cTn id="11" fill="hold">
-                      <p:stCondLst>
-                        <p:cond delay="indefinite"/>
-                      </p:stCondLst>
-                      <p:childTnLst>
-                        <p:par>
-                          <p:cTn id="12" fill="hold">
-                            <p:stCondLst>
-                              <p:cond delay="0"/>
-                            </p:stCondLst>
-                            <p:childTnLst>
-                              <p:par>
-                                <p:cTn id="13" presetID="1" presetClass="entr" presetSubtype="0" fill="hold" grpId="0" nodeType="clickEffect">
-                                  <p:stCondLst>
-                                    <p:cond delay="0"/>
-                                  </p:stCondLst>
-                                  <p:childTnLst>
-                                    <p:set>
-                                      <p:cBhvr>
-                                        <p:cTn id="14" dur="1" fill="hold">
-                                          <p:stCondLst>
-                                            <p:cond delay="0"/>
-                                          </p:stCondLst>
-                                        </p:cTn>
-                                        <p:tgtEl>
-                                          <p:spTgt spid="7"/>
-                                        </p:tgtEl>
-                                        <p:attrNameLst>
-                                          <p:attrName>style.visibility</p:attrName>
-                                        </p:attrNameLst>
-                                      </p:cBhvr>
-                                      <p:to>
-                                        <p:strVal val="visible"/>
-                                      </p:to>
-                                    </p:set>
-                                  </p:childTnLst>
-                                </p:cTn>
-                              </p:par>
-                            </p:childTnLst>
-                          </p:cTn>
-                        </p:par>
-                      </p:childTnLst>
-                    </p:cTn>
-                  </p:par>
-                  <p:par>
-                    <p:cTn id="15" fill="hold">
-                      <p:stCondLst>
-                        <p:cond delay="indefinite"/>
-                      </p:stCondLst>
-                      <p:childTnLst>
-                        <p:par>
-                          <p:cTn id="16" fill="hold">
-                            <p:stCondLst>
-                              <p:cond delay="0"/>
-                            </p:stCondLst>
-                            <p:childTnLst>
-                              <p:par>
-                                <p:cTn id="17" presetID="1" presetClass="entr" presetSubtype="0" fill="hold" grpId="0" nodeType="clickEffect">
-                                  <p:stCondLst>
-                                    <p:cond delay="0"/>
-                                  </p:stCondLst>
-                                  <p:childTnLst>
-                                    <p:set>
-                                      <p:cBhvr>
-                                        <p:cTn id="18" dur="1" fill="hold">
-                                          <p:stCondLst>
-                                            <p:cond delay="0"/>
-                                          </p:stCondLst>
-                                        </p:cTn>
-                                        <p:tgtEl>
-                                          <p:spTgt spid="8"/>
-                                        </p:tgtEl>
-                                        <p:attrNameLst>
-                                          <p:attrName>style.visibility</p:attrName>
-                                        </p:attrNameLst>
-                                      </p:cBhvr>
-                                      <p:to>
-                                        <p:strVal val="visible"/>
-                                      </p:to>
-                                    </p:set>
-                                  </p:childTnLst>
-                                </p:cTn>
-                              </p:par>
-                            </p:childTnLst>
-                          </p:cTn>
-                        </p:par>
-                      </p:childTnLst>
-                    </p:cTn>
-                  </p:par>
-                  <p:par>
-                    <p:cTn id="19" fill="hold">
-                      <p:stCondLst>
-                        <p:cond delay="indefinite"/>
-                      </p:stCondLst>
-                      <p:childTnLst>
-                        <p:par>
-                          <p:cTn id="20" fill="hold">
-                            <p:stCondLst>
-                              <p:cond delay="0"/>
-                            </p:stCondLst>
-                            <p:childTnLst>
-                              <p:par>
-                                <p:cTn id="21" presetID="1" presetClass="entr" presetSubtype="0" fill="hold" grpId="0" nodeType="clickEffect">
-                                  <p:stCondLst>
-                                    <p:cond delay="0"/>
-                                  </p:stCondLst>
-                                  <p:childTnLst>
-                                    <p:set>
-                                      <p:cBhvr>
-                                        <p:cTn id="22" dur="1" fill="hold">
-                                          <p:stCondLst>
-                                            <p:cond delay="0"/>
-                                          </p:stCondLst>
-                                        </p:cTn>
-                                        <p:tgtEl>
-                                          <p:spTgt spid="9"/>
-                                        </p:tgtEl>
-                                        <p:attrNameLst>
-                                          <p:attrName>style.visibility</p:attrName>
-                                        </p:attrNameLst>
-                                      </p:cBhvr>
-                                      <p:to>
-                                        <p:strVal val="visible"/>
-                                      </p:to>
-                                    </p:set>
-                                  </p:childTnLst>
-                                </p:cTn>
-                              </p:par>
-                            </p:childTnLst>
-                          </p:cTn>
-                        </p:par>
-                      </p:childTnLst>
-                    </p:cTn>
-                  </p:par>
-                  <p:par>
-                    <p:cTn id="23" fill="hold">
-                      <p:stCondLst>
-                        <p:cond delay="indefinite"/>
-                      </p:stCondLst>
-                      <p:childTnLst>
-                        <p:par>
-                          <p:cTn id="24" fill="hold">
-                            <p:stCondLst>
-                              <p:cond delay="0"/>
-                            </p:stCondLst>
-                            <p:childTnLst>
-                              <p:par>
-                                <p:cTn id="25" presetID="1" presetClass="entr" presetSubtype="0" fill="hold" grpId="0" nodeType="clickEffect">
-                                  <p:stCondLst>
-                                    <p:cond delay="0"/>
-                                  </p:stCondLst>
-                                  <p:childTnLst>
-                                    <p:set>
-                                      <p:cBhvr>
-                                        <p:cTn id="26" dur="1" fill="hold">
-                                          <p:stCondLst>
-                                            <p:cond delay="0"/>
-                                          </p:stCondLst>
-                                        </p:cTn>
-                                        <p:tgtEl>
-                                          <p:spTgt spid="10"/>
-                                        </p:tgtEl>
-                                        <p:attrNameLst>
-                                          <p:attrName>style.visibility</p:attrName>
-                                        </p:attrNameLst>
-                                      </p:cBhvr>
-                                      <p:to>
-                                        <p:strVal val="visible"/>
-                                      </p:to>
-                                    </p:set>
-                                  </p:childTnLst>
-                                </p:cTn>
-                              </p:par>
-                            </p:childTnLst>
-                          </p:cTn>
-                        </p:par>
-                      </p:childTnLst>
-                    </p:cTn>
-                  </p:par>
-                  <p:par>
-                    <p:cTn id="27" fill="hold">
-                      <p:stCondLst>
-                        <p:cond delay="indefinite"/>
-                      </p:stCondLst>
-                      <p:childTnLst>
-                        <p:par>
-                          <p:cTn id="28" fill="hold">
-                            <p:stCondLst>
-                              <p:cond delay="0"/>
-                            </p:stCondLst>
-                            <p:childTnLst>
-                              <p:par>
-                                <p:cTn id="29" presetID="1" presetClass="entr" presetSubtype="0" fill="hold" grpId="0" nodeType="clickEffect">
-                                  <p:stCondLst>
-                                    <p:cond delay="0"/>
-                                  </p:stCondLst>
-                                  <p:childTnLst>
-                                    <p:set>
-                                      <p:cBhvr>
-                                        <p:cTn id="30" dur="1" fill="hold">
-                                          <p:stCondLst>
-                                            <p:cond delay="0"/>
-                                          </p:stCondLst>
-                                        </p:cTn>
-                                        <p:tgtEl>
-                                          <p:spTgt spid="18"/>
-                                        </p:tgtEl>
-                                        <p:attrNameLst>
-                                          <p:attrName>style.visibility</p:attrName>
-                                        </p:attrNameLst>
-                                      </p:cBhvr>
-                                      <p:to>
-                                        <p:strVal val="visible"/>
-                                      </p:to>
-                                    </p:set>
-                                  </p:childTnLst>
-                                </p:cTn>
-                              </p:par>
-                            </p:childTnLst>
-                          </p:cTn>
-                        </p:par>
-                      </p:childTnLst>
-                    </p:cTn>
-                  </p:par>
-                  <p:par>
-                    <p:cTn id="31" fill="hold">
-                      <p:stCondLst>
-                        <p:cond delay="indefinite"/>
-                      </p:stCondLst>
-                      <p:childTnLst>
-                        <p:par>
-                          <p:cTn id="32" fill="hold">
-                            <p:stCondLst>
-                              <p:cond delay="0"/>
-                            </p:stCondLst>
-                            <p:childTnLst>
-                              <p:par>
-                                <p:cTn id="33" presetID="1" presetClass="entr" presetSubtype="0" fill="hold" grpId="0" nodeType="clickEffect">
-                                  <p:stCondLst>
-                                    <p:cond delay="0"/>
-                                  </p:stCondLst>
-                                  <p:childTnLst>
-                                    <p:set>
-                                      <p:cBhvr>
-                                        <p:cTn id="34" dur="1" fill="hold">
-                                          <p:stCondLst>
-                                            <p:cond delay="0"/>
-                                          </p:stCondLst>
-                                        </p:cTn>
-                                        <p:tgtEl>
-                                          <p:spTgt spid="19"/>
-                                        </p:tgtEl>
-                                        <p:attrNameLst>
-                                          <p:attrName>style.visibility</p:attrName>
-                                        </p:attrNameLst>
-                                      </p:cBhvr>
-                                      <p:to>
-                                        <p:strVal val="visible"/>
-                                      </p:to>
-                                    </p:set>
-                                  </p:childTnLst>
-                                </p:cTn>
-                              </p:par>
-                            </p:childTnLst>
-                          </p:cTn>
-                        </p:par>
-                      </p:childTnLst>
-                    </p:cTn>
-                  </p:par>
-                  <p:par>
-                    <p:cTn id="35" fill="hold">
-                      <p:stCondLst>
-                        <p:cond delay="indefinite"/>
-                      </p:stCondLst>
-                      <p:childTnLst>
-                        <p:par>
-                          <p:cTn id="36" fill="hold">
-                            <p:stCondLst>
-                              <p:cond delay="0"/>
-                            </p:stCondLst>
-                            <p:childTnLst>
-                              <p:par>
-                                <p:cTn id="37" presetID="1" presetClass="entr" presetSubtype="0" fill="hold" nodeType="clickEffect">
-                                  <p:stCondLst>
-                                    <p:cond delay="0"/>
-                                  </p:stCondLst>
-                                  <p:childTnLst>
-                                    <p:set>
-                                      <p:cBhvr>
-                                        <p:cTn id="38" dur="1" fill="hold">
-                                          <p:stCondLst>
-                                            <p:cond delay="0"/>
-                                          </p:stCondLst>
-                                        </p:cTn>
-                                        <p:tgtEl>
-                                          <p:spTgt spid="23"/>
-                                        </p:tgtEl>
-                                        <p:attrNameLst>
-                                          <p:attrName>style.visibility</p:attrName>
-                                        </p:attrNameLst>
-                                      </p:cBhvr>
-                                      <p:to>
-                                        <p:strVal val="visible"/>
-                                      </p:to>
-                                    </p:set>
-                                  </p:childTnLst>
-                                </p:cTn>
-                              </p:par>
-                              <p:par>
-                                <p:cTn id="39" presetID="1" presetClass="entr" presetSubtype="0" fill="hold" grpId="0" nodeType="withEffect">
-                                  <p:stCondLst>
-                                    <p:cond delay="0"/>
-                                  </p:stCondLst>
-                                  <p:childTnLst>
-                                    <p:set>
-                                      <p:cBhvr>
-                                        <p:cTn id="40" dur="1" fill="hold">
-                                          <p:stCondLst>
-                                            <p:cond delay="0"/>
-                                          </p:stCondLst>
-                                        </p:cTn>
-                                        <p:tgtEl>
-                                          <p:spTgt spid="22"/>
-                                        </p:tgtEl>
-                                        <p:attrNameLst>
-                                          <p:attrName>style.visibility</p:attrName>
-                                        </p:attrNameLst>
-                                      </p:cBhvr>
-                                      <p:to>
-                                        <p:strVal val="visible"/>
-                                      </p:to>
-                                    </p:set>
-                                  </p:childTnLst>
-                                </p:cTn>
-                              </p:par>
-                            </p:childTnLst>
-                          </p:cTn>
-                        </p:par>
-                      </p:childTnLst>
-                    </p:cTn>
-                  </p:par>
-                </p:childTnLst>
-              </p:cTn>
-              <p:prevCondLst>
-                <p:cond evt="onPrev" delay="0">
-                  <p:tgtEl>
-                    <p:sldTgt/>
-                  </p:tgtEl>
-                </p:cond>
-              </p:prevCondLst>
-              <p:nextCondLst>
-                <p:cond evt="onNext" delay="0">
-                  <p:tgtEl>
-                    <p:sldTgt/>
-                  </p:tgtEl>
-                </p:cond>
-              </p:nextCondLst>
-            </p:seq>
-          </p:childTnLst>
-        </p:cTn>
-      </p:par>
-    </p:tnLst>
-    <p:bldLst>
-      <p:bldP spid="5" grpId="0"/>
-      <p:bldP spid="6" grpId="0"/>
-      <p:bldP spid="7" grpId="0"/>
-      <p:bldP spid="8" grpId="0"/>
-      <p:bldP spid="9" grpId="0"/>
-      <p:bldP spid="10" grpId="0"/>
-      <p:bldP spid="18" grpId="0"/>
-      <p:bldP spid="19" grpId="0"/>
-      <p:bldP spid="22" grpId="0"/>
-    </p:bldLst>
-  </p:timing>
-</p:sld>
-</file>
-
-<file path=ppt/slides/slide8.xml><?xml version="1.0" encoding="utf-8"?>
-<p:sld xmlns:a="http://schemas.openxmlformats.org/drawingml/2006/main" xmlns:r="http://schemas.openxmlformats.org/officeDocument/2006/relationships" xmlns:p="http://schemas.openxmlformats.org/presentationml/2006/main">
-  <p:cSld>
-    <p:spTree>
-      <p:nvGrpSpPr>
-        <p:cNvPr id="1" name=""/>
-        <p:cNvGrpSpPr/>
-        <p:nvPr/>
-      </p:nvGrpSpPr>
-      <p:grpSpPr>
-        <a:xfrm>
-          <a:off x="0" y="0"/>
-          <a:ext cx="0" cy="0"/>
-          <a:chOff x="0" y="0"/>
-          <a:chExt cx="0" cy="0"/>
-        </a:xfrm>
-      </p:grpSpPr>
-      <p:sp>
-        <p:nvSpPr>
-          <p:cNvPr id="2" name="Title 1">
-            <a:extLst>
-              <a:ext uri="{FF2B5EF4-FFF2-40B4-BE49-F238E27FC236}">
-                <a16:creationId xmlns:a16="http://schemas.microsoft.com/office/drawing/2014/main" id="{29104A8A-8E32-9242-8B8A-6A5E8DB2A3BD}"/>
-              </a:ext>
-            </a:extLst>
-          </p:cNvPr>
-          <p:cNvSpPr>
-            <a:spLocks noGrp="1"/>
-          </p:cNvSpPr>
-          <p:nvPr>
-            <p:ph type="title"/>
-          </p:nvPr>
-        </p:nvSpPr>
-        <p:spPr/>
-        <p:txBody>
-          <a:bodyPr/>
-          <a:lstStyle/>
-          <a:p>
-            <a:r>
-              <a:rPr lang="en-GB" dirty="0" err="1"/>
-              <a:t>Bindinger</a:t>
-            </a:r>
-            <a:r>
-              <a:rPr lang="en-GB" dirty="0"/>
-              <a:t> </a:t>
-            </a:r>
-            <a:r>
-              <a:rPr lang="en-GB" dirty="0" err="1"/>
-              <a:t>af</a:t>
-            </a:r>
-            <a:r>
-              <a:rPr lang="en-GB" dirty="0"/>
-              <a:t> </a:t>
-            </a:r>
-            <a:r>
-              <a:rPr lang="en-GB" dirty="0" err="1"/>
-              <a:t>værdier</a:t>
-            </a:r>
-            <a:endParaRPr lang="en-GB" dirty="0"/>
-          </a:p>
-        </p:txBody>
-      </p:sp>
-      <p:sp>
-        <p:nvSpPr>
-          <p:cNvPr id="5" name="Content Placeholder 2">
-            <a:extLst>
-              <a:ext uri="{FF2B5EF4-FFF2-40B4-BE49-F238E27FC236}">
-                <a16:creationId xmlns:a16="http://schemas.microsoft.com/office/drawing/2014/main" id="{DC62AF7A-D145-F541-B476-E9CADA8A85A6}"/>
-              </a:ext>
-            </a:extLst>
-          </p:cNvPr>
-          <p:cNvSpPr>
-            <a:spLocks noGrp="1"/>
-          </p:cNvSpPr>
-          <p:nvPr>
-            <p:ph idx="1"/>
-          </p:nvPr>
-        </p:nvSpPr>
-        <p:spPr>
-          <a:xfrm>
-            <a:off x="6224341" y="2512261"/>
-            <a:ext cx="4817535" cy="967845"/>
-          </a:xfrm>
-        </p:spPr>
-        <p:txBody>
-          <a:bodyPr>
-            <a:normAutofit/>
-          </a:bodyPr>
-          <a:lstStyle/>
-          <a:p>
-            <a:pPr marL="0" indent="0">
-              <a:lnSpc>
-                <a:spcPct val="100000"/>
-              </a:lnSpc>
-              <a:buNone/>
-            </a:pPr>
-            <a:r>
-              <a:rPr lang="en-GB" sz="1400" dirty="0">
-                <a:latin typeface="DejaVu Sans Book" panose="020B0603030804020204" pitchFamily="34" charset="0"/>
-                <a:ea typeface="DejaVu Sans Book" panose="020B0603030804020204" pitchFamily="34" charset="0"/>
-                <a:cs typeface="DejaVu Sans Book" panose="020B0603030804020204" pitchFamily="34" charset="0"/>
-              </a:rPr>
-              <a:t>let name = "World”</a:t>
-            </a:r>
-          </a:p>
-          <a:p>
-            <a:pPr marL="0" indent="0">
-              <a:lnSpc>
-                <a:spcPct val="100000"/>
-              </a:lnSpc>
-              <a:buNone/>
-            </a:pPr>
-            <a:r>
-              <a:rPr lang="en-GB" sz="1400" dirty="0">
-                <a:latin typeface="DejaVu Sans Book" panose="020B0603030804020204" pitchFamily="34" charset="0"/>
-                <a:ea typeface="DejaVu Sans Book" panose="020B0603030804020204" pitchFamily="34" charset="0"/>
-                <a:cs typeface="DejaVu Sans Book" panose="020B0603030804020204" pitchFamily="34" charset="0"/>
-              </a:rPr>
-              <a:t>do </a:t>
-            </a:r>
-            <a:r>
-              <a:rPr lang="en-GB" sz="1400" dirty="0" err="1">
-                <a:latin typeface="DejaVu Sans Book" panose="020B0603030804020204" pitchFamily="34" charset="0"/>
-                <a:ea typeface="DejaVu Sans Book" panose="020B0603030804020204" pitchFamily="34" charset="0"/>
-                <a:cs typeface="DejaVu Sans Book" panose="020B0603030804020204" pitchFamily="34" charset="0"/>
-              </a:rPr>
-              <a:t>printfn</a:t>
-            </a:r>
-            <a:r>
-              <a:rPr lang="en-GB" sz="1400" dirty="0">
-                <a:latin typeface="DejaVu Sans Book" panose="020B0603030804020204" pitchFamily="34" charset="0"/>
-                <a:ea typeface="DejaVu Sans Book" panose="020B0603030804020204" pitchFamily="34" charset="0"/>
-                <a:cs typeface="DejaVu Sans Book" panose="020B0603030804020204" pitchFamily="34" charset="0"/>
-              </a:rPr>
-              <a:t> "Hello %A" name</a:t>
-            </a:r>
-          </a:p>
-        </p:txBody>
-      </p:sp>
-      <p:sp>
-        <p:nvSpPr>
-          <p:cNvPr id="6" name="Content Placeholder 2">
-            <a:extLst>
-              <a:ext uri="{FF2B5EF4-FFF2-40B4-BE49-F238E27FC236}">
-                <a16:creationId xmlns:a16="http://schemas.microsoft.com/office/drawing/2014/main" id="{AB84D51D-D1EC-CF48-BA06-5F00DEC7CCE6}"/>
-              </a:ext>
-            </a:extLst>
-          </p:cNvPr>
-          <p:cNvSpPr txBox="1">
-            <a:spLocks/>
-          </p:cNvSpPr>
-          <p:nvPr/>
-        </p:nvSpPr>
-        <p:spPr>
-          <a:xfrm>
-            <a:off x="760555" y="2474359"/>
-            <a:ext cx="5105400" cy="473421"/>
-          </a:xfrm>
-          <a:prstGeom prst="rect">
-            <a:avLst/>
-          </a:prstGeom>
-        </p:spPr>
-        <p:txBody>
-          <a:bodyPr vert="horz" lIns="91440" tIns="45720" rIns="91440" bIns="45720" rtlCol="0">
-            <a:normAutofit/>
-          </a:bodyPr>
-          <a:lstStyle>
-            <a:lvl1pPr marL="228600" indent="-228600" algn="l" defTabSz="914400" rtl="0" eaLnBrk="1" latinLnBrk="0" hangingPunct="1">
-              <a:lnSpc>
-                <a:spcPct val="90000"/>
-              </a:lnSpc>
-              <a:spcBef>
-                <a:spcPts val="1000"/>
-              </a:spcBef>
-              <a:buFont typeface="Arial" panose="020B0604020202020204" pitchFamily="34" charset="0"/>
-              <a:buChar char="•"/>
-              <a:defRPr sz="2800" kern="1200">
-                <a:solidFill>
-                  <a:schemeClr val="tx1"/>
-                </a:solidFill>
-                <a:latin typeface="+mn-lt"/>
-                <a:ea typeface="+mn-ea"/>
-                <a:cs typeface="+mn-cs"/>
-              </a:defRPr>
-            </a:lvl1pPr>
-            <a:lvl2pPr marL="685800" indent="-228600" algn="l" defTabSz="914400" rtl="0" eaLnBrk="1" latinLnBrk="0" hangingPunct="1">
-              <a:lnSpc>
-                <a:spcPct val="90000"/>
-              </a:lnSpc>
-              <a:spcBef>
-                <a:spcPts val="500"/>
-              </a:spcBef>
-              <a:buFont typeface="Arial" panose="020B0604020202020204" pitchFamily="34" charset="0"/>
-              <a:buChar char="•"/>
-              <a:defRPr sz="2400" kern="1200">
-                <a:solidFill>
-                  <a:schemeClr val="tx1"/>
-                </a:solidFill>
-                <a:latin typeface="+mn-lt"/>
-                <a:ea typeface="+mn-ea"/>
-                <a:cs typeface="+mn-cs"/>
-              </a:defRPr>
-            </a:lvl2pPr>
-            <a:lvl3pPr marL="1143000" indent="-228600" algn="l" defTabSz="914400" rtl="0" eaLnBrk="1" latinLnBrk="0" hangingPunct="1">
-              <a:lnSpc>
-                <a:spcPct val="90000"/>
-              </a:lnSpc>
-              <a:spcBef>
-                <a:spcPts val="500"/>
-              </a:spcBef>
-              <a:buFont typeface="Arial" panose="020B0604020202020204" pitchFamily="34" charset="0"/>
-              <a:buChar char="•"/>
-              <a:defRPr sz="2000" kern="1200">
-                <a:solidFill>
-                  <a:schemeClr val="tx1"/>
-                </a:solidFill>
-                <a:latin typeface="+mn-lt"/>
-                <a:ea typeface="+mn-ea"/>
-                <a:cs typeface="+mn-cs"/>
-              </a:defRPr>
-            </a:lvl3pPr>
-            <a:lvl4pPr marL="1600200" indent="-228600" algn="l" defTabSz="914400" rtl="0" eaLnBrk="1" latinLnBrk="0" hangingPunct="1">
-              <a:lnSpc>
-                <a:spcPct val="90000"/>
-              </a:lnSpc>
-              <a:spcBef>
-                <a:spcPts val="500"/>
-              </a:spcBef>
-              <a:buFont typeface="Arial" panose="020B0604020202020204" pitchFamily="34" charset="0"/>
-              <a:buChar char="•"/>
-              <a:defRPr sz="1800" kern="1200">
-                <a:solidFill>
-                  <a:schemeClr val="tx1"/>
-                </a:solidFill>
-                <a:latin typeface="+mn-lt"/>
-                <a:ea typeface="+mn-ea"/>
-                <a:cs typeface="+mn-cs"/>
-              </a:defRPr>
-            </a:lvl4pPr>
-            <a:lvl5pPr marL="2057400" indent="-228600" algn="l" defTabSz="914400" rtl="0" eaLnBrk="1" latinLnBrk="0" hangingPunct="1">
-              <a:lnSpc>
-                <a:spcPct val="90000"/>
-              </a:lnSpc>
-              <a:spcBef>
-                <a:spcPts val="500"/>
-              </a:spcBef>
-              <a:buFont typeface="Arial" panose="020B0604020202020204" pitchFamily="34" charset="0"/>
-              <a:buChar char="•"/>
-              <a:defRPr sz="1800" kern="1200">
-                <a:solidFill>
-                  <a:schemeClr val="tx1"/>
-                </a:solidFill>
-                <a:latin typeface="+mn-lt"/>
-                <a:ea typeface="+mn-ea"/>
-                <a:cs typeface="+mn-cs"/>
-              </a:defRPr>
-            </a:lvl5pPr>
-            <a:lvl6pPr marL="2514600" indent="-228600" algn="l" defTabSz="914400" rtl="0" eaLnBrk="1" latinLnBrk="0" hangingPunct="1">
-              <a:lnSpc>
-                <a:spcPct val="90000"/>
-              </a:lnSpc>
-              <a:spcBef>
-                <a:spcPts val="500"/>
-              </a:spcBef>
-              <a:buFont typeface="Arial" panose="020B0604020202020204" pitchFamily="34" charset="0"/>
-              <a:buChar char="•"/>
-              <a:defRPr sz="1800" kern="1200">
-                <a:solidFill>
-                  <a:schemeClr val="tx1"/>
-                </a:solidFill>
-                <a:latin typeface="+mn-lt"/>
-                <a:ea typeface="+mn-ea"/>
-                <a:cs typeface="+mn-cs"/>
-              </a:defRPr>
-            </a:lvl6pPr>
-            <a:lvl7pPr marL="2971800" indent="-228600" algn="l" defTabSz="914400" rtl="0" eaLnBrk="1" latinLnBrk="0" hangingPunct="1">
-              <a:lnSpc>
-                <a:spcPct val="90000"/>
-              </a:lnSpc>
-              <a:spcBef>
-                <a:spcPts val="500"/>
-              </a:spcBef>
-              <a:buFont typeface="Arial" panose="020B0604020202020204" pitchFamily="34" charset="0"/>
-              <a:buChar char="•"/>
-              <a:defRPr sz="1800" kern="1200">
-                <a:solidFill>
-                  <a:schemeClr val="tx1"/>
-                </a:solidFill>
-                <a:latin typeface="+mn-lt"/>
-                <a:ea typeface="+mn-ea"/>
-                <a:cs typeface="+mn-cs"/>
-              </a:defRPr>
-            </a:lvl7pPr>
-            <a:lvl8pPr marL="3429000" indent="-228600" algn="l" defTabSz="914400" rtl="0" eaLnBrk="1" latinLnBrk="0" hangingPunct="1">
-              <a:lnSpc>
-                <a:spcPct val="90000"/>
-              </a:lnSpc>
-              <a:spcBef>
-                <a:spcPts val="500"/>
-              </a:spcBef>
-              <a:buFont typeface="Arial" panose="020B0604020202020204" pitchFamily="34" charset="0"/>
-              <a:buChar char="•"/>
-              <a:defRPr sz="1800" kern="1200">
-                <a:solidFill>
-                  <a:schemeClr val="tx1"/>
-                </a:solidFill>
-                <a:latin typeface="+mn-lt"/>
-                <a:ea typeface="+mn-ea"/>
-                <a:cs typeface="+mn-cs"/>
-              </a:defRPr>
-            </a:lvl8pPr>
-            <a:lvl9pPr marL="3886200" indent="-228600" algn="l" defTabSz="914400" rtl="0" eaLnBrk="1" latinLnBrk="0" hangingPunct="1">
-              <a:lnSpc>
-                <a:spcPct val="90000"/>
-              </a:lnSpc>
-              <a:spcBef>
-                <a:spcPts val="500"/>
-              </a:spcBef>
-              <a:buFont typeface="Arial" panose="020B0604020202020204" pitchFamily="34" charset="0"/>
-              <a:buChar char="•"/>
-              <a:defRPr sz="1800" kern="1200">
-                <a:solidFill>
-                  <a:schemeClr val="tx1"/>
-                </a:solidFill>
-                <a:latin typeface="+mn-lt"/>
-                <a:ea typeface="+mn-ea"/>
-                <a:cs typeface="+mn-cs"/>
-              </a:defRPr>
-            </a:lvl9pPr>
-          </a:lstStyle>
-          <a:p>
-            <a:pPr marL="0" indent="0">
-              <a:lnSpc>
-                <a:spcPct val="100000"/>
-              </a:lnSpc>
-              <a:buNone/>
-            </a:pPr>
-            <a:r>
-              <a:rPr lang="en-GB" sz="1400" dirty="0">
-                <a:latin typeface="DejaVu Sans Book" panose="020B0603030804020204" pitchFamily="34" charset="0"/>
-                <a:ea typeface="DejaVu Sans Book" panose="020B0603030804020204" pitchFamily="34" charset="0"/>
-                <a:cs typeface="DejaVu Sans Book" panose="020B0603030804020204" pitchFamily="34" charset="0"/>
-              </a:rPr>
-              <a:t>let name = "World” in do </a:t>
-            </a:r>
-            <a:r>
-              <a:rPr lang="en-GB" sz="1400" dirty="0" err="1">
-                <a:latin typeface="DejaVu Sans Book" panose="020B0603030804020204" pitchFamily="34" charset="0"/>
-                <a:ea typeface="DejaVu Sans Book" panose="020B0603030804020204" pitchFamily="34" charset="0"/>
-                <a:cs typeface="DejaVu Sans Book" panose="020B0603030804020204" pitchFamily="34" charset="0"/>
-              </a:rPr>
-              <a:t>printfn</a:t>
-            </a:r>
-            <a:r>
-              <a:rPr lang="en-GB" sz="1400" dirty="0">
-                <a:latin typeface="DejaVu Sans Book" panose="020B0603030804020204" pitchFamily="34" charset="0"/>
-                <a:ea typeface="DejaVu Sans Book" panose="020B0603030804020204" pitchFamily="34" charset="0"/>
-                <a:cs typeface="DejaVu Sans Book" panose="020B0603030804020204" pitchFamily="34" charset="0"/>
-              </a:rPr>
-              <a:t> "Hello %A" name</a:t>
-            </a:r>
-          </a:p>
-        </p:txBody>
-      </p:sp>
-      <p:cxnSp>
-        <p:nvCxnSpPr>
-          <p:cNvPr id="8" name="Straight Connector 7">
-            <a:extLst>
-              <a:ext uri="{FF2B5EF4-FFF2-40B4-BE49-F238E27FC236}">
-                <a16:creationId xmlns:a16="http://schemas.microsoft.com/office/drawing/2014/main" id="{48560804-E5BD-D744-99F0-A3D9E4A6B4E6}"/>
-              </a:ext>
-            </a:extLst>
-          </p:cNvPr>
-          <p:cNvCxnSpPr>
-            <a:cxnSpLocks/>
-          </p:cNvCxnSpPr>
-          <p:nvPr/>
-        </p:nvCxnSpPr>
-        <p:spPr>
-          <a:xfrm>
-            <a:off x="5722022" y="1833339"/>
-            <a:ext cx="0" cy="2962909"/>
-          </a:xfrm>
-          <a:prstGeom prst="line">
-            <a:avLst/>
-          </a:prstGeom>
-        </p:spPr>
-        <p:style>
-          <a:lnRef idx="1">
-            <a:schemeClr val="accent1"/>
-          </a:lnRef>
-          <a:fillRef idx="0">
-            <a:schemeClr val="accent1"/>
-          </a:fillRef>
-          <a:effectRef idx="0">
-            <a:schemeClr val="accent1"/>
-          </a:effectRef>
-          <a:fontRef idx="minor">
-            <a:schemeClr val="tx1"/>
-          </a:fontRef>
-        </p:style>
-      </p:cxnSp>
-      <p:cxnSp>
-        <p:nvCxnSpPr>
-          <p:cNvPr id="9" name="Straight Connector 8">
-            <a:extLst>
-              <a:ext uri="{FF2B5EF4-FFF2-40B4-BE49-F238E27FC236}">
-                <a16:creationId xmlns:a16="http://schemas.microsoft.com/office/drawing/2014/main" id="{F357A3A7-3D15-C045-B399-8ADADE62F6FA}"/>
-              </a:ext>
-            </a:extLst>
-          </p:cNvPr>
-          <p:cNvCxnSpPr>
-            <a:cxnSpLocks/>
-          </p:cNvCxnSpPr>
-          <p:nvPr/>
-        </p:nvCxnSpPr>
-        <p:spPr>
-          <a:xfrm>
-            <a:off x="480274" y="4796241"/>
-            <a:ext cx="10879667" cy="0"/>
-          </a:xfrm>
-          <a:prstGeom prst="line">
-            <a:avLst/>
-          </a:prstGeom>
-        </p:spPr>
-        <p:style>
-          <a:lnRef idx="1">
-            <a:schemeClr val="accent1"/>
-          </a:lnRef>
-          <a:fillRef idx="0">
-            <a:schemeClr val="accent1"/>
-          </a:fillRef>
-          <a:effectRef idx="0">
-            <a:schemeClr val="accent1"/>
-          </a:effectRef>
-          <a:fontRef idx="minor">
-            <a:schemeClr val="tx1"/>
-          </a:fontRef>
-        </p:style>
-      </p:cxnSp>
-      <p:sp>
-        <p:nvSpPr>
-          <p:cNvPr id="12" name="TextBox 11">
-            <a:extLst>
-              <a:ext uri="{FF2B5EF4-FFF2-40B4-BE49-F238E27FC236}">
-                <a16:creationId xmlns:a16="http://schemas.microsoft.com/office/drawing/2014/main" id="{BE137E81-60E3-6748-A023-B84C1B92C57D}"/>
-              </a:ext>
-            </a:extLst>
-          </p:cNvPr>
-          <p:cNvSpPr txBox="1"/>
-          <p:nvPr/>
-        </p:nvSpPr>
-        <p:spPr>
-          <a:xfrm>
-            <a:off x="5973963" y="1945845"/>
-            <a:ext cx="2496646" cy="461665"/>
-          </a:xfrm>
-          <a:prstGeom prst="rect">
-            <a:avLst/>
-          </a:prstGeom>
-          <a:noFill/>
-        </p:spPr>
-        <p:txBody>
-          <a:bodyPr wrap="none" rtlCol="0">
-            <a:spAutoFit/>
-          </a:bodyPr>
-          <a:lstStyle/>
-          <a:p>
-            <a:r>
-              <a:rPr lang="en-GB" sz="2400" dirty="0"/>
-              <a:t>Lightweight syntax</a:t>
-            </a:r>
-          </a:p>
-        </p:txBody>
-      </p:sp>
-      <p:sp>
-        <p:nvSpPr>
-          <p:cNvPr id="13" name="TextBox 12">
-            <a:extLst>
-              <a:ext uri="{FF2B5EF4-FFF2-40B4-BE49-F238E27FC236}">
-                <a16:creationId xmlns:a16="http://schemas.microsoft.com/office/drawing/2014/main" id="{D0891C0B-93EB-9C4B-A7C8-D20A92E3A1EC}"/>
-              </a:ext>
-            </a:extLst>
-          </p:cNvPr>
-          <p:cNvSpPr txBox="1"/>
-          <p:nvPr/>
-        </p:nvSpPr>
-        <p:spPr>
-          <a:xfrm>
-            <a:off x="510177" y="1945839"/>
-            <a:ext cx="2038828" cy="461665"/>
-          </a:xfrm>
-          <a:prstGeom prst="rect">
-            <a:avLst/>
-          </a:prstGeom>
-          <a:noFill/>
-        </p:spPr>
-        <p:txBody>
-          <a:bodyPr wrap="none" rtlCol="0">
-            <a:spAutoFit/>
-          </a:bodyPr>
-          <a:lstStyle/>
-          <a:p>
-            <a:r>
-              <a:rPr lang="en-GB" sz="2400" dirty="0"/>
-              <a:t>verbose syntax</a:t>
-            </a:r>
-          </a:p>
-        </p:txBody>
-      </p:sp>
-      <p:sp>
-        <p:nvSpPr>
-          <p:cNvPr id="18" name="Content Placeholder 2">
-            <a:extLst>
-              <a:ext uri="{FF2B5EF4-FFF2-40B4-BE49-F238E27FC236}">
-                <a16:creationId xmlns:a16="http://schemas.microsoft.com/office/drawing/2014/main" id="{DD62AD6E-1B75-1647-9398-FEDF93D32EA3}"/>
-              </a:ext>
-            </a:extLst>
-          </p:cNvPr>
-          <p:cNvSpPr txBox="1">
-            <a:spLocks/>
-          </p:cNvSpPr>
-          <p:nvPr/>
-        </p:nvSpPr>
-        <p:spPr>
-          <a:xfrm>
-            <a:off x="6190476" y="3915429"/>
-            <a:ext cx="4817535" cy="967845"/>
-          </a:xfrm>
-          <a:prstGeom prst="rect">
-            <a:avLst/>
-          </a:prstGeom>
-        </p:spPr>
-        <p:txBody>
-          <a:bodyPr vert="horz" lIns="91440" tIns="45720" rIns="91440" bIns="45720" rtlCol="0">
-            <a:normAutofit/>
-          </a:bodyPr>
-          <a:lstStyle>
-            <a:lvl1pPr marL="228600" indent="-228600" algn="l" defTabSz="914400" rtl="0" eaLnBrk="1" latinLnBrk="0" hangingPunct="1">
-              <a:lnSpc>
-                <a:spcPct val="90000"/>
-              </a:lnSpc>
-              <a:spcBef>
-                <a:spcPts val="1000"/>
-              </a:spcBef>
-              <a:buFont typeface="Arial" panose="020B0604020202020204" pitchFamily="34" charset="0"/>
-              <a:buChar char="•"/>
-              <a:defRPr sz="2800" kern="1200">
-                <a:solidFill>
-                  <a:schemeClr val="tx1"/>
-                </a:solidFill>
-                <a:latin typeface="+mn-lt"/>
-                <a:ea typeface="+mn-ea"/>
-                <a:cs typeface="+mn-cs"/>
-              </a:defRPr>
-            </a:lvl1pPr>
-            <a:lvl2pPr marL="685800" indent="-228600" algn="l" defTabSz="914400" rtl="0" eaLnBrk="1" latinLnBrk="0" hangingPunct="1">
-              <a:lnSpc>
-                <a:spcPct val="90000"/>
-              </a:lnSpc>
-              <a:spcBef>
-                <a:spcPts val="500"/>
-              </a:spcBef>
-              <a:buFont typeface="Arial" panose="020B0604020202020204" pitchFamily="34" charset="0"/>
-              <a:buChar char="•"/>
-              <a:defRPr sz="2400" kern="1200">
-                <a:solidFill>
-                  <a:schemeClr val="tx1"/>
-                </a:solidFill>
-                <a:latin typeface="+mn-lt"/>
-                <a:ea typeface="+mn-ea"/>
-                <a:cs typeface="+mn-cs"/>
-              </a:defRPr>
-            </a:lvl2pPr>
-            <a:lvl3pPr marL="1143000" indent="-228600" algn="l" defTabSz="914400" rtl="0" eaLnBrk="1" latinLnBrk="0" hangingPunct="1">
-              <a:lnSpc>
-                <a:spcPct val="90000"/>
-              </a:lnSpc>
-              <a:spcBef>
-                <a:spcPts val="500"/>
-              </a:spcBef>
-              <a:buFont typeface="Arial" panose="020B0604020202020204" pitchFamily="34" charset="0"/>
-              <a:buChar char="•"/>
-              <a:defRPr sz="2000" kern="1200">
-                <a:solidFill>
-                  <a:schemeClr val="tx1"/>
-                </a:solidFill>
-                <a:latin typeface="+mn-lt"/>
-                <a:ea typeface="+mn-ea"/>
-                <a:cs typeface="+mn-cs"/>
-              </a:defRPr>
-            </a:lvl3pPr>
-            <a:lvl4pPr marL="1600200" indent="-228600" algn="l" defTabSz="914400" rtl="0" eaLnBrk="1" latinLnBrk="0" hangingPunct="1">
-              <a:lnSpc>
-                <a:spcPct val="90000"/>
-              </a:lnSpc>
-              <a:spcBef>
-                <a:spcPts val="500"/>
-              </a:spcBef>
-              <a:buFont typeface="Arial" panose="020B0604020202020204" pitchFamily="34" charset="0"/>
-              <a:buChar char="•"/>
-              <a:defRPr sz="1800" kern="1200">
-                <a:solidFill>
-                  <a:schemeClr val="tx1"/>
-                </a:solidFill>
-                <a:latin typeface="+mn-lt"/>
-                <a:ea typeface="+mn-ea"/>
-                <a:cs typeface="+mn-cs"/>
-              </a:defRPr>
-            </a:lvl4pPr>
-            <a:lvl5pPr marL="2057400" indent="-228600" algn="l" defTabSz="914400" rtl="0" eaLnBrk="1" latinLnBrk="0" hangingPunct="1">
-              <a:lnSpc>
-                <a:spcPct val="90000"/>
-              </a:lnSpc>
-              <a:spcBef>
-                <a:spcPts val="500"/>
-              </a:spcBef>
-              <a:buFont typeface="Arial" panose="020B0604020202020204" pitchFamily="34" charset="0"/>
-              <a:buChar char="•"/>
-              <a:defRPr sz="1800" kern="1200">
-                <a:solidFill>
-                  <a:schemeClr val="tx1"/>
-                </a:solidFill>
-                <a:latin typeface="+mn-lt"/>
-                <a:ea typeface="+mn-ea"/>
-                <a:cs typeface="+mn-cs"/>
-              </a:defRPr>
-            </a:lvl5pPr>
-            <a:lvl6pPr marL="2514600" indent="-228600" algn="l" defTabSz="914400" rtl="0" eaLnBrk="1" latinLnBrk="0" hangingPunct="1">
-              <a:lnSpc>
-                <a:spcPct val="90000"/>
-              </a:lnSpc>
-              <a:spcBef>
-                <a:spcPts val="500"/>
-              </a:spcBef>
-              <a:buFont typeface="Arial" panose="020B0604020202020204" pitchFamily="34" charset="0"/>
-              <a:buChar char="•"/>
-              <a:defRPr sz="1800" kern="1200">
-                <a:solidFill>
-                  <a:schemeClr val="tx1"/>
-                </a:solidFill>
-                <a:latin typeface="+mn-lt"/>
-                <a:ea typeface="+mn-ea"/>
-                <a:cs typeface="+mn-cs"/>
-              </a:defRPr>
-            </a:lvl6pPr>
-            <a:lvl7pPr marL="2971800" indent="-228600" algn="l" defTabSz="914400" rtl="0" eaLnBrk="1" latinLnBrk="0" hangingPunct="1">
-              <a:lnSpc>
-                <a:spcPct val="90000"/>
-              </a:lnSpc>
-              <a:spcBef>
-                <a:spcPts val="500"/>
-              </a:spcBef>
-              <a:buFont typeface="Arial" panose="020B0604020202020204" pitchFamily="34" charset="0"/>
-              <a:buChar char="•"/>
-              <a:defRPr sz="1800" kern="1200">
-                <a:solidFill>
-                  <a:schemeClr val="tx1"/>
-                </a:solidFill>
-                <a:latin typeface="+mn-lt"/>
-                <a:ea typeface="+mn-ea"/>
-                <a:cs typeface="+mn-cs"/>
-              </a:defRPr>
-            </a:lvl7pPr>
-            <a:lvl8pPr marL="3429000" indent="-228600" algn="l" defTabSz="914400" rtl="0" eaLnBrk="1" latinLnBrk="0" hangingPunct="1">
-              <a:lnSpc>
-                <a:spcPct val="90000"/>
-              </a:lnSpc>
-              <a:spcBef>
-                <a:spcPts val="500"/>
-              </a:spcBef>
-              <a:buFont typeface="Arial" panose="020B0604020202020204" pitchFamily="34" charset="0"/>
-              <a:buChar char="•"/>
-              <a:defRPr sz="1800" kern="1200">
-                <a:solidFill>
-                  <a:schemeClr val="tx1"/>
-                </a:solidFill>
-                <a:latin typeface="+mn-lt"/>
-                <a:ea typeface="+mn-ea"/>
-                <a:cs typeface="+mn-cs"/>
-              </a:defRPr>
-            </a:lvl8pPr>
-            <a:lvl9pPr marL="3886200" indent="-228600" algn="l" defTabSz="914400" rtl="0" eaLnBrk="1" latinLnBrk="0" hangingPunct="1">
-              <a:lnSpc>
-                <a:spcPct val="90000"/>
-              </a:lnSpc>
-              <a:spcBef>
-                <a:spcPts val="500"/>
-              </a:spcBef>
-              <a:buFont typeface="Arial" panose="020B0604020202020204" pitchFamily="34" charset="0"/>
-              <a:buChar char="•"/>
-              <a:defRPr sz="1800" kern="1200">
-                <a:solidFill>
-                  <a:schemeClr val="tx1"/>
-                </a:solidFill>
-                <a:latin typeface="+mn-lt"/>
-                <a:ea typeface="+mn-ea"/>
-                <a:cs typeface="+mn-cs"/>
-              </a:defRPr>
-            </a:lvl9pPr>
-          </a:lstStyle>
-          <a:p>
-            <a:pPr marL="0" indent="0">
-              <a:lnSpc>
-                <a:spcPct val="100000"/>
-              </a:lnSpc>
-              <a:buNone/>
-            </a:pPr>
-            <a:r>
-              <a:rPr lang="en-GB" sz="1400" dirty="0">
-                <a:latin typeface="DejaVu Sans Book" panose="020B0603030804020204" pitchFamily="34" charset="0"/>
-                <a:ea typeface="DejaVu Sans Book" panose="020B0603030804020204" pitchFamily="34" charset="0"/>
-                <a:cs typeface="DejaVu Sans Book" panose="020B0603030804020204" pitchFamily="34" charset="0"/>
-              </a:rPr>
-              <a:t>let name = "World”</a:t>
-            </a:r>
-          </a:p>
-          <a:p>
-            <a:pPr marL="0" indent="0">
-              <a:lnSpc>
-                <a:spcPct val="100000"/>
-              </a:lnSpc>
-              <a:buNone/>
-            </a:pPr>
-            <a:r>
-              <a:rPr lang="en-GB" sz="1400" dirty="0" err="1">
-                <a:latin typeface="DejaVu Sans Book" panose="020B0603030804020204" pitchFamily="34" charset="0"/>
-                <a:ea typeface="DejaVu Sans Book" panose="020B0603030804020204" pitchFamily="34" charset="0"/>
-                <a:cs typeface="DejaVu Sans Book" panose="020B0603030804020204" pitchFamily="34" charset="0"/>
-              </a:rPr>
-              <a:t>printfn</a:t>
-            </a:r>
-            <a:r>
-              <a:rPr lang="en-GB" sz="1400" dirty="0">
-                <a:latin typeface="DejaVu Sans Book" panose="020B0603030804020204" pitchFamily="34" charset="0"/>
-                <a:ea typeface="DejaVu Sans Book" panose="020B0603030804020204" pitchFamily="34" charset="0"/>
-                <a:cs typeface="DejaVu Sans Book" panose="020B0603030804020204" pitchFamily="34" charset="0"/>
-              </a:rPr>
-              <a:t> "Hello %A" name</a:t>
-            </a:r>
-          </a:p>
-        </p:txBody>
-      </p:sp>
-      <p:sp>
-        <p:nvSpPr>
-          <p:cNvPr id="19" name="TextBox 18">
-            <a:extLst>
-              <a:ext uri="{FF2B5EF4-FFF2-40B4-BE49-F238E27FC236}">
-                <a16:creationId xmlns:a16="http://schemas.microsoft.com/office/drawing/2014/main" id="{5C18BC89-CAB2-224B-BD35-30E16FA35387}"/>
-              </a:ext>
-            </a:extLst>
-          </p:cNvPr>
-          <p:cNvSpPr txBox="1"/>
-          <p:nvPr/>
-        </p:nvSpPr>
-        <p:spPr>
-          <a:xfrm>
-            <a:off x="5973966" y="3342153"/>
-            <a:ext cx="1796389" cy="461665"/>
-          </a:xfrm>
-          <a:prstGeom prst="rect">
-            <a:avLst/>
-          </a:prstGeom>
-          <a:noFill/>
-        </p:spPr>
-        <p:txBody>
-          <a:bodyPr wrap="none" rtlCol="0">
-            <a:spAutoFit/>
-          </a:bodyPr>
-          <a:lstStyle/>
-          <a:p>
-            <a:r>
-              <a:rPr lang="en-GB" sz="2400" dirty="0"/>
-              <a:t>Optional ‘do’</a:t>
-            </a:r>
-          </a:p>
-        </p:txBody>
-      </p:sp>
-      <p:cxnSp>
-        <p:nvCxnSpPr>
-          <p:cNvPr id="20" name="Straight Connector 19">
-            <a:extLst>
-              <a:ext uri="{FF2B5EF4-FFF2-40B4-BE49-F238E27FC236}">
-                <a16:creationId xmlns:a16="http://schemas.microsoft.com/office/drawing/2014/main" id="{F4AE97E3-8D48-F148-8E63-27700B43B071}"/>
-              </a:ext>
-            </a:extLst>
-          </p:cNvPr>
-          <p:cNvCxnSpPr>
-            <a:cxnSpLocks/>
-          </p:cNvCxnSpPr>
-          <p:nvPr/>
-        </p:nvCxnSpPr>
-        <p:spPr>
-          <a:xfrm>
-            <a:off x="5973964" y="3255905"/>
-            <a:ext cx="5067914" cy="0"/>
-          </a:xfrm>
-          <a:prstGeom prst="line">
-            <a:avLst/>
-          </a:prstGeom>
-          <a:ln>
-            <a:prstDash val="dash"/>
-          </a:ln>
-        </p:spPr>
-        <p:style>
-          <a:lnRef idx="1">
-            <a:schemeClr val="accent1"/>
-          </a:lnRef>
-          <a:fillRef idx="0">
-            <a:schemeClr val="accent1"/>
-          </a:fillRef>
-          <a:effectRef idx="0">
-            <a:schemeClr val="accent1"/>
-          </a:effectRef>
-          <a:fontRef idx="minor">
-            <a:schemeClr val="tx1"/>
-          </a:fontRef>
-        </p:style>
-      </p:cxnSp>
-      <p:sp>
-        <p:nvSpPr>
-          <p:cNvPr id="23" name="Content Placeholder 2">
-            <a:extLst>
-              <a:ext uri="{FF2B5EF4-FFF2-40B4-BE49-F238E27FC236}">
-                <a16:creationId xmlns:a16="http://schemas.microsoft.com/office/drawing/2014/main" id="{AAEAFC6F-A80D-A744-98E5-E064421C65E4}"/>
-              </a:ext>
-            </a:extLst>
-          </p:cNvPr>
-          <p:cNvSpPr txBox="1">
-            <a:spLocks/>
-          </p:cNvSpPr>
-          <p:nvPr/>
-        </p:nvSpPr>
-        <p:spPr>
-          <a:xfrm>
-            <a:off x="760555" y="5405229"/>
-            <a:ext cx="8796454" cy="440172"/>
-          </a:xfrm>
-          <a:prstGeom prst="rect">
-            <a:avLst/>
-          </a:prstGeom>
-        </p:spPr>
-        <p:txBody>
-          <a:bodyPr vert="horz" lIns="91440" tIns="45720" rIns="91440" bIns="45720" rtlCol="0">
-            <a:normAutofit/>
-          </a:bodyPr>
-          <a:lstStyle>
-            <a:lvl1pPr marL="228600" indent="-228600" algn="l" defTabSz="914400" rtl="0" eaLnBrk="1" latinLnBrk="0" hangingPunct="1">
-              <a:lnSpc>
-                <a:spcPct val="90000"/>
-              </a:lnSpc>
-              <a:spcBef>
-                <a:spcPts val="1000"/>
-              </a:spcBef>
-              <a:buFont typeface="Arial" panose="020B0604020202020204" pitchFamily="34" charset="0"/>
-              <a:buChar char="•"/>
-              <a:defRPr sz="2800" kern="1200">
-                <a:solidFill>
-                  <a:schemeClr val="tx1"/>
-                </a:solidFill>
-                <a:latin typeface="+mn-lt"/>
-                <a:ea typeface="+mn-ea"/>
-                <a:cs typeface="+mn-cs"/>
-              </a:defRPr>
-            </a:lvl1pPr>
-            <a:lvl2pPr marL="685800" indent="-228600" algn="l" defTabSz="914400" rtl="0" eaLnBrk="1" latinLnBrk="0" hangingPunct="1">
-              <a:lnSpc>
-                <a:spcPct val="90000"/>
-              </a:lnSpc>
-              <a:spcBef>
-                <a:spcPts val="500"/>
-              </a:spcBef>
-              <a:buFont typeface="Arial" panose="020B0604020202020204" pitchFamily="34" charset="0"/>
-              <a:buChar char="•"/>
-              <a:defRPr sz="2400" kern="1200">
-                <a:solidFill>
-                  <a:schemeClr val="tx1"/>
-                </a:solidFill>
-                <a:latin typeface="+mn-lt"/>
-                <a:ea typeface="+mn-ea"/>
-                <a:cs typeface="+mn-cs"/>
-              </a:defRPr>
-            </a:lvl2pPr>
-            <a:lvl3pPr marL="1143000" indent="-228600" algn="l" defTabSz="914400" rtl="0" eaLnBrk="1" latinLnBrk="0" hangingPunct="1">
-              <a:lnSpc>
-                <a:spcPct val="90000"/>
-              </a:lnSpc>
-              <a:spcBef>
-                <a:spcPts val="500"/>
-              </a:spcBef>
-              <a:buFont typeface="Arial" panose="020B0604020202020204" pitchFamily="34" charset="0"/>
-              <a:buChar char="•"/>
-              <a:defRPr sz="2000" kern="1200">
-                <a:solidFill>
-                  <a:schemeClr val="tx1"/>
-                </a:solidFill>
-                <a:latin typeface="+mn-lt"/>
-                <a:ea typeface="+mn-ea"/>
-                <a:cs typeface="+mn-cs"/>
-              </a:defRPr>
-            </a:lvl3pPr>
-            <a:lvl4pPr marL="1600200" indent="-228600" algn="l" defTabSz="914400" rtl="0" eaLnBrk="1" latinLnBrk="0" hangingPunct="1">
-              <a:lnSpc>
-                <a:spcPct val="90000"/>
-              </a:lnSpc>
-              <a:spcBef>
-                <a:spcPts val="500"/>
-              </a:spcBef>
-              <a:buFont typeface="Arial" panose="020B0604020202020204" pitchFamily="34" charset="0"/>
-              <a:buChar char="•"/>
-              <a:defRPr sz="1800" kern="1200">
-                <a:solidFill>
-                  <a:schemeClr val="tx1"/>
-                </a:solidFill>
-                <a:latin typeface="+mn-lt"/>
-                <a:ea typeface="+mn-ea"/>
-                <a:cs typeface="+mn-cs"/>
-              </a:defRPr>
-            </a:lvl4pPr>
-            <a:lvl5pPr marL="2057400" indent="-228600" algn="l" defTabSz="914400" rtl="0" eaLnBrk="1" latinLnBrk="0" hangingPunct="1">
-              <a:lnSpc>
-                <a:spcPct val="90000"/>
-              </a:lnSpc>
-              <a:spcBef>
-                <a:spcPts val="500"/>
-              </a:spcBef>
-              <a:buFont typeface="Arial" panose="020B0604020202020204" pitchFamily="34" charset="0"/>
-              <a:buChar char="•"/>
-              <a:defRPr sz="1800" kern="1200">
-                <a:solidFill>
-                  <a:schemeClr val="tx1"/>
-                </a:solidFill>
-                <a:latin typeface="+mn-lt"/>
-                <a:ea typeface="+mn-ea"/>
-                <a:cs typeface="+mn-cs"/>
-              </a:defRPr>
-            </a:lvl5pPr>
-            <a:lvl6pPr marL="2514600" indent="-228600" algn="l" defTabSz="914400" rtl="0" eaLnBrk="1" latinLnBrk="0" hangingPunct="1">
-              <a:lnSpc>
-                <a:spcPct val="90000"/>
-              </a:lnSpc>
-              <a:spcBef>
-                <a:spcPts val="500"/>
-              </a:spcBef>
-              <a:buFont typeface="Arial" panose="020B0604020202020204" pitchFamily="34" charset="0"/>
-              <a:buChar char="•"/>
-              <a:defRPr sz="1800" kern="1200">
-                <a:solidFill>
-                  <a:schemeClr val="tx1"/>
-                </a:solidFill>
-                <a:latin typeface="+mn-lt"/>
-                <a:ea typeface="+mn-ea"/>
-                <a:cs typeface="+mn-cs"/>
-              </a:defRPr>
-            </a:lvl6pPr>
-            <a:lvl7pPr marL="2971800" indent="-228600" algn="l" defTabSz="914400" rtl="0" eaLnBrk="1" latinLnBrk="0" hangingPunct="1">
-              <a:lnSpc>
-                <a:spcPct val="90000"/>
-              </a:lnSpc>
-              <a:spcBef>
-                <a:spcPts val="500"/>
-              </a:spcBef>
-              <a:buFont typeface="Arial" panose="020B0604020202020204" pitchFamily="34" charset="0"/>
-              <a:buChar char="•"/>
-              <a:defRPr sz="1800" kern="1200">
-                <a:solidFill>
-                  <a:schemeClr val="tx1"/>
-                </a:solidFill>
-                <a:latin typeface="+mn-lt"/>
-                <a:ea typeface="+mn-ea"/>
-                <a:cs typeface="+mn-cs"/>
-              </a:defRPr>
-            </a:lvl7pPr>
-            <a:lvl8pPr marL="3429000" indent="-228600" algn="l" defTabSz="914400" rtl="0" eaLnBrk="1" latinLnBrk="0" hangingPunct="1">
-              <a:lnSpc>
-                <a:spcPct val="90000"/>
-              </a:lnSpc>
-              <a:spcBef>
-                <a:spcPts val="500"/>
-              </a:spcBef>
-              <a:buFont typeface="Arial" panose="020B0604020202020204" pitchFamily="34" charset="0"/>
-              <a:buChar char="•"/>
-              <a:defRPr sz="1800" kern="1200">
-                <a:solidFill>
-                  <a:schemeClr val="tx1"/>
-                </a:solidFill>
-                <a:latin typeface="+mn-lt"/>
-                <a:ea typeface="+mn-ea"/>
-                <a:cs typeface="+mn-cs"/>
-              </a:defRPr>
-            </a:lvl8pPr>
-            <a:lvl9pPr marL="3886200" indent="-228600" algn="l" defTabSz="914400" rtl="0" eaLnBrk="1" latinLnBrk="0" hangingPunct="1">
-              <a:lnSpc>
-                <a:spcPct val="90000"/>
-              </a:lnSpc>
-              <a:spcBef>
-                <a:spcPts val="500"/>
-              </a:spcBef>
-              <a:buFont typeface="Arial" panose="020B0604020202020204" pitchFamily="34" charset="0"/>
-              <a:buChar char="•"/>
-              <a:defRPr sz="1800" kern="1200">
-                <a:solidFill>
-                  <a:schemeClr val="tx1"/>
-                </a:solidFill>
-                <a:latin typeface="+mn-lt"/>
-                <a:ea typeface="+mn-ea"/>
-                <a:cs typeface="+mn-cs"/>
-              </a:defRPr>
-            </a:lvl9pPr>
-          </a:lstStyle>
-          <a:p>
-            <a:pPr marL="0" indent="0">
-              <a:lnSpc>
-                <a:spcPct val="100000"/>
-              </a:lnSpc>
-              <a:buNone/>
-            </a:pPr>
-            <a:r>
-              <a:rPr lang="en-GB" sz="1400" dirty="0">
-                <a:latin typeface="DejaVu Sans Book" panose="020B0603030804020204" pitchFamily="34" charset="0"/>
-                <a:ea typeface="DejaVu Sans Book" panose="020B0603030804020204" pitchFamily="34" charset="0"/>
-                <a:cs typeface="DejaVu Sans Book" panose="020B0603030804020204" pitchFamily="34" charset="0"/>
-              </a:rPr>
-              <a:t>let name = "World" in do </a:t>
-            </a:r>
-            <a:r>
-              <a:rPr lang="en-GB" sz="1400" dirty="0" err="1">
-                <a:latin typeface="DejaVu Sans Book" panose="020B0603030804020204" pitchFamily="34" charset="0"/>
-                <a:ea typeface="DejaVu Sans Book" panose="020B0603030804020204" pitchFamily="34" charset="0"/>
-                <a:cs typeface="DejaVu Sans Book" panose="020B0603030804020204" pitchFamily="34" charset="0"/>
-              </a:rPr>
-              <a:t>printfn</a:t>
-            </a:r>
-            <a:r>
-              <a:rPr lang="en-GB" sz="1400" dirty="0">
-                <a:latin typeface="DejaVu Sans Book" panose="020B0603030804020204" pitchFamily="34" charset="0"/>
-                <a:ea typeface="DejaVu Sans Book" panose="020B0603030804020204" pitchFamily="34" charset="0"/>
-                <a:cs typeface="DejaVu Sans Book" panose="020B0603030804020204" pitchFamily="34" charset="0"/>
-              </a:rPr>
-              <a:t> "Hello %A" name; do </a:t>
-            </a:r>
-            <a:r>
-              <a:rPr lang="en-GB" sz="1400" dirty="0" err="1">
-                <a:latin typeface="DejaVu Sans Book" panose="020B0603030804020204" pitchFamily="34" charset="0"/>
-                <a:ea typeface="DejaVu Sans Book" panose="020B0603030804020204" pitchFamily="34" charset="0"/>
-                <a:cs typeface="DejaVu Sans Book" panose="020B0603030804020204" pitchFamily="34" charset="0"/>
-              </a:rPr>
-              <a:t>printfn</a:t>
-            </a:r>
-            <a:r>
-              <a:rPr lang="en-GB" sz="1400" dirty="0">
-                <a:latin typeface="DejaVu Sans Book" panose="020B0603030804020204" pitchFamily="34" charset="0"/>
-                <a:ea typeface="DejaVu Sans Book" panose="020B0603030804020204" pitchFamily="34" charset="0"/>
-                <a:cs typeface="DejaVu Sans Book" panose="020B0603030804020204" pitchFamily="34" charset="0"/>
-              </a:rPr>
-              <a:t> "Goodbye %A" name</a:t>
-            </a:r>
-          </a:p>
-        </p:txBody>
-      </p:sp>
-      <p:sp>
-        <p:nvSpPr>
-          <p:cNvPr id="35" name="TextBox 34">
-            <a:extLst>
-              <a:ext uri="{FF2B5EF4-FFF2-40B4-BE49-F238E27FC236}">
-                <a16:creationId xmlns:a16="http://schemas.microsoft.com/office/drawing/2014/main" id="{AA010B7F-9E0C-1148-A82C-FEAB7E87FC49}"/>
-              </a:ext>
-            </a:extLst>
-          </p:cNvPr>
-          <p:cNvSpPr txBox="1"/>
-          <p:nvPr/>
-        </p:nvSpPr>
-        <p:spPr>
-          <a:xfrm>
-            <a:off x="510177" y="4861015"/>
-            <a:ext cx="1452834" cy="461665"/>
-          </a:xfrm>
-          <a:prstGeom prst="rect">
-            <a:avLst/>
-          </a:prstGeom>
-          <a:noFill/>
-        </p:spPr>
-        <p:txBody>
-          <a:bodyPr wrap="none" rtlCol="0">
-            <a:spAutoFit/>
-          </a:bodyPr>
-          <a:lstStyle/>
-          <a:p>
-            <a:r>
-              <a:rPr lang="en-GB" sz="2400" dirty="0" err="1"/>
-              <a:t>Sekvenser</a:t>
-            </a:r>
-            <a:endParaRPr lang="en-GB" sz="2400" dirty="0"/>
-          </a:p>
-        </p:txBody>
-      </p:sp>
-    </p:spTree>
-    <p:extLst>
-      <p:ext uri="{BB962C8B-B14F-4D97-AF65-F5344CB8AC3E}">
-        <p14:creationId xmlns:p14="http://schemas.microsoft.com/office/powerpoint/2010/main" val="1549011535"/>
-      </p:ext>
-    </p:extLst>
-  </p:cSld>
-  <p:clrMapOvr>
-    <a:masterClrMapping/>
-  </p:clrMapOvr>
-</p:sld>
-</file>
-
-<file path=ppt/slides/slide9.xml><?xml version="1.0" encoding="utf-8"?>
-<p:sld xmlns:a="http://schemas.openxmlformats.org/drawingml/2006/main" xmlns:r="http://schemas.openxmlformats.org/officeDocument/2006/relationships" xmlns:p="http://schemas.openxmlformats.org/presentationml/2006/main">
-  <p:cSld>
-    <p:spTree>
-      <p:nvGrpSpPr>
-        <p:cNvPr id="1" name=""/>
-        <p:cNvGrpSpPr/>
-        <p:nvPr/>
-      </p:nvGrpSpPr>
-      <p:grpSpPr>
-        <a:xfrm>
-          <a:off x="0" y="0"/>
-          <a:ext cx="0" cy="0"/>
-          <a:chOff x="0" y="0"/>
-          <a:chExt cx="0" cy="0"/>
-        </a:xfrm>
-      </p:grpSpPr>
-      <p:sp>
-        <p:nvSpPr>
-          <p:cNvPr id="2" name="Title 1">
-            <a:extLst>
-              <a:ext uri="{FF2B5EF4-FFF2-40B4-BE49-F238E27FC236}">
-                <a16:creationId xmlns:a16="http://schemas.microsoft.com/office/drawing/2014/main" id="{8E8AB527-7515-2B4B-B75B-C334647B57A2}"/>
-              </a:ext>
-            </a:extLst>
-          </p:cNvPr>
-          <p:cNvSpPr>
-            <a:spLocks noGrp="1"/>
-          </p:cNvSpPr>
-          <p:nvPr>
-            <p:ph type="title"/>
-          </p:nvPr>
-        </p:nvSpPr>
-        <p:spPr/>
-        <p:txBody>
-          <a:bodyPr/>
-          <a:lstStyle/>
-          <a:p>
-            <a:r>
-              <a:rPr lang="en-GB" dirty="0" err="1"/>
-              <a:t>Nøgleord</a:t>
-            </a:r>
-            <a:r>
-              <a:rPr lang="en-GB" dirty="0"/>
-              <a:t> </a:t>
-            </a:r>
-            <a:r>
-              <a:rPr lang="en-GB" dirty="0" err="1"/>
-              <a:t>kan</a:t>
-            </a:r>
-            <a:r>
-              <a:rPr lang="en-GB" dirty="0"/>
-              <a:t> </a:t>
-            </a:r>
-            <a:r>
-              <a:rPr lang="en-GB" dirty="0" err="1"/>
-              <a:t>ikke</a:t>
-            </a:r>
-            <a:r>
-              <a:rPr lang="en-GB" dirty="0"/>
-              <a:t> </a:t>
-            </a:r>
-            <a:r>
-              <a:rPr lang="en-GB" dirty="0" err="1"/>
-              <a:t>bruges</a:t>
-            </a:r>
-            <a:r>
-              <a:rPr lang="en-GB" dirty="0"/>
-              <a:t> </a:t>
-            </a:r>
-            <a:r>
-              <a:rPr lang="en-GB" dirty="0" err="1"/>
-              <a:t>som</a:t>
-            </a:r>
-            <a:r>
-              <a:rPr lang="en-GB" dirty="0"/>
-              <a:t> </a:t>
-            </a:r>
-            <a:r>
-              <a:rPr lang="en-GB" dirty="0" err="1"/>
-              <a:t>navne</a:t>
-            </a:r>
-            <a:endParaRPr lang="en-GB" dirty="0"/>
-          </a:p>
-        </p:txBody>
-      </p:sp>
-      <p:sp>
-        <p:nvSpPr>
-          <p:cNvPr id="3" name="Content Placeholder 2">
-            <a:extLst>
-              <a:ext uri="{FF2B5EF4-FFF2-40B4-BE49-F238E27FC236}">
-                <a16:creationId xmlns:a16="http://schemas.microsoft.com/office/drawing/2014/main" id="{93C97B49-FB6A-4A4E-ABC2-7339E15A8BDA}"/>
-              </a:ext>
-            </a:extLst>
-          </p:cNvPr>
-          <p:cNvSpPr>
-            <a:spLocks noGrp="1"/>
-          </p:cNvSpPr>
-          <p:nvPr>
-            <p:ph idx="1"/>
-          </p:nvPr>
-        </p:nvSpPr>
-        <p:spPr/>
-        <p:txBody>
-          <a:bodyPr/>
-          <a:lstStyle/>
-          <a:p>
-            <a:endParaRPr lang="en-GB"/>
-          </a:p>
-        </p:txBody>
-      </p:sp>
-      <p:pic>
-        <p:nvPicPr>
-          <p:cNvPr id="4" name="Content Placeholder 4">
-            <a:extLst>
-              <a:ext uri="{FF2B5EF4-FFF2-40B4-BE49-F238E27FC236}">
-                <a16:creationId xmlns:a16="http://schemas.microsoft.com/office/drawing/2014/main" id="{00CF37CB-012A-1C4B-8106-24676A2585F7}"/>
-              </a:ext>
-            </a:extLst>
-          </p:cNvPr>
-          <p:cNvPicPr>
-            <a:picLocks noChangeAspect="1"/>
-          </p:cNvPicPr>
-          <p:nvPr/>
-        </p:nvPicPr>
-        <p:blipFill>
-          <a:blip r:embed="rId2">
-            <a:extLst>
-              <a:ext uri="{28A0092B-C50C-407E-A947-70E740481C1C}">
-                <a14:useLocalDpi xmlns:a14="http://schemas.microsoft.com/office/drawing/2010/main" val="0"/>
-              </a:ext>
-            </a:extLst>
-          </a:blip>
-          <a:stretch>
-            <a:fillRect/>
-          </a:stretch>
-        </p:blipFill>
-        <p:spPr>
-          <a:xfrm>
-            <a:off x="266451" y="1409493"/>
-            <a:ext cx="11659099" cy="5451231"/>
-          </a:xfrm>
-          <a:prstGeom prst="rect">
-            <a:avLst/>
-          </a:prstGeom>
-        </p:spPr>
-      </p:pic>
-    </p:spTree>
-    <p:extLst>
-      <p:ext uri="{BB962C8B-B14F-4D97-AF65-F5344CB8AC3E}">
-        <p14:creationId xmlns:p14="http://schemas.microsoft.com/office/powerpoint/2010/main" val="2609440108"/>
-      </p:ext>
-    </p:extLst>
-  </p:cSld>
-  <p:clrMapOvr>
-    <a:masterClrMapping/>
-  </p:clrMapOvr>
 </p:sld>
 </file>
 
